--- a/Project_code.pptx
+++ b/Project_code.pptx
@@ -1,6 +1,6 @@
 
 <file path=ppt/presentation.xml><?xml version="1.0" encoding="utf-8"?>
-<p:presentation xmlns:a="http://schemas.openxmlformats.org/drawingml/2006/main" xmlns:r="http://schemas.openxmlformats.org/officeDocument/2006/relationships" xmlns:p="http://schemas.openxmlformats.org/presentationml/2006/main" saveSubsetFonts="1" autoCompressPictures="0">
+<p:presentation xmlns:a="http://schemas.openxmlformats.org/drawingml/2006/main" xmlns:p="http://schemas.openxmlformats.org/presentationml/2006/main" xmlns:r="http://schemas.openxmlformats.org/officeDocument/2006/relationships" autoCompressPictures="0" saveSubsetFonts="1">
   <p:sldMasterIdLst>
     <p:sldMasterId id="2147483648" r:id="rId1"/>
   </p:sldMasterIdLst>
@@ -10,6 +10,8 @@
     <p:sldId id="258" r:id="rId4"/>
     <p:sldId id="259" r:id="rId5"/>
     <p:sldId id="260" r:id="rId6"/>
+    <p:sldId id="261" r:id="rId7"/>
+    <p:sldId id="262" r:id="rId8"/>
   </p:sldIdLst>
   <p:sldSz cx="9144000" cy="5143500" type="screen16x9"/>
   <p:notesSz cx="6858000" cy="9144000"/>
@@ -17,8 +19,8 @@
     <a:defPPr>
       <a:defRPr lang="en-US"/>
     </a:defPPr>
-    <a:lvl1pPr marL="0" algn="l" defTabSz="457200" rtl="0" eaLnBrk="1" latinLnBrk="0" hangingPunct="1">
-      <a:defRPr sz="1800" kern="1200">
+    <a:lvl1pPr algn="l" defTabSz="457200" eaLnBrk="1" hangingPunct="1" latinLnBrk="0" marL="0" rtl="0">
+      <a:defRPr kern="1200" sz="1800">
         <a:solidFill>
           <a:schemeClr val="tx1"/>
         </a:solidFill>
@@ -27,8 +29,8 @@
         <a:cs typeface="+mn-cs"/>
       </a:defRPr>
     </a:lvl1pPr>
-    <a:lvl2pPr marL="457200" algn="l" defTabSz="457200" rtl="0" eaLnBrk="1" latinLnBrk="0" hangingPunct="1">
-      <a:defRPr sz="1800" kern="1200">
+    <a:lvl2pPr algn="l" defTabSz="457200" eaLnBrk="1" hangingPunct="1" latinLnBrk="0" marL="457200" rtl="0">
+      <a:defRPr kern="1200" sz="1800">
         <a:solidFill>
           <a:schemeClr val="tx1"/>
         </a:solidFill>
@@ -37,8 +39,8 @@
         <a:cs typeface="+mn-cs"/>
       </a:defRPr>
     </a:lvl2pPr>
-    <a:lvl3pPr marL="914400" algn="l" defTabSz="457200" rtl="0" eaLnBrk="1" latinLnBrk="0" hangingPunct="1">
-      <a:defRPr sz="1800" kern="1200">
+    <a:lvl3pPr algn="l" defTabSz="457200" eaLnBrk="1" hangingPunct="1" latinLnBrk="0" marL="914400" rtl="0">
+      <a:defRPr kern="1200" sz="1800">
         <a:solidFill>
           <a:schemeClr val="tx1"/>
         </a:solidFill>
@@ -47,8 +49,8 @@
         <a:cs typeface="+mn-cs"/>
       </a:defRPr>
     </a:lvl3pPr>
-    <a:lvl4pPr marL="1371600" algn="l" defTabSz="457200" rtl="0" eaLnBrk="1" latinLnBrk="0" hangingPunct="1">
-      <a:defRPr sz="1800" kern="1200">
+    <a:lvl4pPr algn="l" defTabSz="457200" eaLnBrk="1" hangingPunct="1" latinLnBrk="0" marL="1371600" rtl="0">
+      <a:defRPr kern="1200" sz="1800">
         <a:solidFill>
           <a:schemeClr val="tx1"/>
         </a:solidFill>
@@ -57,8 +59,8 @@
         <a:cs typeface="+mn-cs"/>
       </a:defRPr>
     </a:lvl4pPr>
-    <a:lvl5pPr marL="1828800" algn="l" defTabSz="457200" rtl="0" eaLnBrk="1" latinLnBrk="0" hangingPunct="1">
-      <a:defRPr sz="1800" kern="1200">
+    <a:lvl5pPr algn="l" defTabSz="457200" eaLnBrk="1" hangingPunct="1" latinLnBrk="0" marL="1828800" rtl="0">
+      <a:defRPr kern="1200" sz="1800">
         <a:solidFill>
           <a:schemeClr val="tx1"/>
         </a:solidFill>
@@ -67,8 +69,8 @@
         <a:cs typeface="+mn-cs"/>
       </a:defRPr>
     </a:lvl5pPr>
-    <a:lvl6pPr marL="2286000" algn="l" defTabSz="457200" rtl="0" eaLnBrk="1" latinLnBrk="0" hangingPunct="1">
-      <a:defRPr sz="1800" kern="1200">
+    <a:lvl6pPr algn="l" defTabSz="457200" eaLnBrk="1" hangingPunct="1" latinLnBrk="0" marL="2286000" rtl="0">
+      <a:defRPr kern="1200" sz="1800">
         <a:solidFill>
           <a:schemeClr val="tx1"/>
         </a:solidFill>
@@ -77,8 +79,8 @@
         <a:cs typeface="+mn-cs"/>
       </a:defRPr>
     </a:lvl6pPr>
-    <a:lvl7pPr marL="2743200" algn="l" defTabSz="457200" rtl="0" eaLnBrk="1" latinLnBrk="0" hangingPunct="1">
-      <a:defRPr sz="1800" kern="1200">
+    <a:lvl7pPr algn="l" defTabSz="457200" eaLnBrk="1" hangingPunct="1" latinLnBrk="0" marL="2743200" rtl="0">
+      <a:defRPr kern="1200" sz="1800">
         <a:solidFill>
           <a:schemeClr val="tx1"/>
         </a:solidFill>
@@ -87,8 +89,8 @@
         <a:cs typeface="+mn-cs"/>
       </a:defRPr>
     </a:lvl7pPr>
-    <a:lvl8pPr marL="3200400" algn="l" defTabSz="457200" rtl="0" eaLnBrk="1" latinLnBrk="0" hangingPunct="1">
-      <a:defRPr sz="1800" kern="1200">
+    <a:lvl8pPr algn="l" defTabSz="457200" eaLnBrk="1" hangingPunct="1" latinLnBrk="0" marL="3200400" rtl="0">
+      <a:defRPr kern="1200" sz="1800">
         <a:solidFill>
           <a:schemeClr val="tx1"/>
         </a:solidFill>
@@ -97,8 +99,8 @@
         <a:cs typeface="+mn-cs"/>
       </a:defRPr>
     </a:lvl8pPr>
-    <a:lvl9pPr marL="3657600" algn="l" defTabSz="457200" rtl="0" eaLnBrk="1" latinLnBrk="0" hangingPunct="1">
-      <a:defRPr sz="1800" kern="1200">
+    <a:lvl9pPr algn="l" defTabSz="457200" eaLnBrk="1" hangingPunct="1" latinLnBrk="0" marL="3657600" rtl="0">
+      <a:defRPr kern="1200" sz="1800">
         <a:solidFill>
           <a:schemeClr val="tx1"/>
         </a:solidFill>
@@ -306,7 +308,7 @@
           <a:p>
             <a:fld id="{241EB5C9-1307-BA42-ABA2-0BC069CD8E7F}" type="datetimeFigureOut">
               <a:rPr lang="en-US" smtClean="0"/>
-              <a:t>2/13/2024</a:t>
+              <a:t>1/2/22</a:t>
             </a:fld>
             <a:endParaRPr lang="en-US"/>
           </a:p>
@@ -474,7 +476,7 @@
           <a:p>
             <a:fld id="{241EB5C9-1307-BA42-ABA2-0BC069CD8E7F}" type="datetimeFigureOut">
               <a:rPr lang="en-US" smtClean="0"/>
-              <a:t>2/13/2024</a:t>
+              <a:t>1/2/22</a:t>
             </a:fld>
             <a:endParaRPr lang="en-US"/>
           </a:p>
@@ -652,7 +654,7 @@
           <a:p>
             <a:fld id="{241EB5C9-1307-BA42-ABA2-0BC069CD8E7F}" type="datetimeFigureOut">
               <a:rPr lang="en-US" smtClean="0"/>
-              <a:t>2/13/2024</a:t>
+              <a:t>1/2/22</a:t>
             </a:fld>
             <a:endParaRPr lang="en-US"/>
           </a:p>
@@ -820,7 +822,7 @@
           <a:p>
             <a:fld id="{241EB5C9-1307-BA42-ABA2-0BC069CD8E7F}" type="datetimeFigureOut">
               <a:rPr lang="en-US" smtClean="0"/>
-              <a:t>2/13/2024</a:t>
+              <a:t>1/2/22</a:t>
             </a:fld>
             <a:endParaRPr lang="en-US"/>
           </a:p>
@@ -1065,7 +1067,7 @@
           <a:p>
             <a:fld id="{241EB5C9-1307-BA42-ABA2-0BC069CD8E7F}" type="datetimeFigureOut">
               <a:rPr lang="en-US" smtClean="0"/>
-              <a:t>2/13/2024</a:t>
+              <a:t>1/2/22</a:t>
             </a:fld>
             <a:endParaRPr lang="en-US"/>
           </a:p>
@@ -1350,7 +1352,7 @@
           <a:p>
             <a:fld id="{241EB5C9-1307-BA42-ABA2-0BC069CD8E7F}" type="datetimeFigureOut">
               <a:rPr lang="en-US" smtClean="0"/>
-              <a:t>2/13/2024</a:t>
+              <a:t>1/2/22</a:t>
             </a:fld>
             <a:endParaRPr lang="en-US"/>
           </a:p>
@@ -1769,7 +1771,7 @@
           <a:p>
             <a:fld id="{241EB5C9-1307-BA42-ABA2-0BC069CD8E7F}" type="datetimeFigureOut">
               <a:rPr lang="en-US" smtClean="0"/>
-              <a:t>2/13/2024</a:t>
+              <a:t>1/2/22</a:t>
             </a:fld>
             <a:endParaRPr lang="en-US"/>
           </a:p>
@@ -1886,7 +1888,7 @@
           <a:p>
             <a:fld id="{241EB5C9-1307-BA42-ABA2-0BC069CD8E7F}" type="datetimeFigureOut">
               <a:rPr lang="en-US" smtClean="0"/>
-              <a:t>2/13/2024</a:t>
+              <a:t>1/2/22</a:t>
             </a:fld>
             <a:endParaRPr lang="en-US"/>
           </a:p>
@@ -1981,7 +1983,7 @@
           <a:p>
             <a:fld id="{241EB5C9-1307-BA42-ABA2-0BC069CD8E7F}" type="datetimeFigureOut">
               <a:rPr lang="en-US" smtClean="0"/>
-              <a:t>2/13/2024</a:t>
+              <a:t>1/2/22</a:t>
             </a:fld>
             <a:endParaRPr lang="en-US"/>
           </a:p>
@@ -2256,7 +2258,7 @@
           <a:p>
             <a:fld id="{241EB5C9-1307-BA42-ABA2-0BC069CD8E7F}" type="datetimeFigureOut">
               <a:rPr lang="en-US" smtClean="0"/>
-              <a:t>2/13/2024</a:t>
+              <a:t>1/2/22</a:t>
             </a:fld>
             <a:endParaRPr lang="en-US"/>
           </a:p>
@@ -2508,7 +2510,7 @@
           <a:p>
             <a:fld id="{241EB5C9-1307-BA42-ABA2-0BC069CD8E7F}" type="datetimeFigureOut">
               <a:rPr lang="en-US" smtClean="0"/>
-              <a:t>2/13/2024</a:t>
+              <a:t>1/2/22</a:t>
             </a:fld>
             <a:endParaRPr lang="en-US"/>
           </a:p>
@@ -2570,7 +2572,7 @@
 </file>
 
 <file path=ppt/slideMasters/slideMaster1.xml><?xml version="1.0" encoding="utf-8"?>
-<p:sldMaster xmlns:a="http://schemas.openxmlformats.org/drawingml/2006/main" xmlns:r="http://schemas.openxmlformats.org/officeDocument/2006/relationships" xmlns:p="http://schemas.openxmlformats.org/presentationml/2006/main">
+<p:sldMaster xmlns:a="http://schemas.openxmlformats.org/drawingml/2006/main" xmlns:p="http://schemas.openxmlformats.org/presentationml/2006/main" xmlns:r="http://schemas.openxmlformats.org/officeDocument/2006/relationships">
   <p:cSld>
     <p:bg>
       <p:bgRef idx="1001">
@@ -2611,7 +2613,7 @@
           </a:prstGeom>
         </p:spPr>
         <p:txBody>
-          <a:bodyPr vert="horz" lIns="91440" tIns="45720" rIns="91440" bIns="45720" rtlCol="0" anchor="ctr">
+          <a:bodyPr anchor="ctr" bIns="45720" lIns="91440" rIns="91440" rtlCol="0" tIns="45720" vert="horz">
             <a:normAutofit/>
           </a:bodyPr>
           <a:lstStyle/>
@@ -2630,7 +2632,7 @@
             <a:spLocks noGrp="1"/>
           </p:cNvSpPr>
           <p:nvPr>
-            <p:ph type="body" idx="1"/>
+            <p:ph idx="1" type="body"/>
           </p:nvPr>
         </p:nvSpPr>
         <p:spPr>
@@ -2643,7 +2645,7 @@
           </a:prstGeom>
         </p:spPr>
         <p:txBody>
-          <a:bodyPr vert="horz" lIns="91440" tIns="45720" rIns="91440" bIns="45720" rtlCol="0">
+          <a:bodyPr bIns="45720" lIns="91440" rIns="91440" rtlCol="0" tIns="45720" vert="horz">
             <a:normAutofit/>
           </a:bodyPr>
           <a:lstStyle/>
@@ -2691,7 +2693,7 @@
             <a:spLocks noGrp="1"/>
           </p:cNvSpPr>
           <p:nvPr>
-            <p:ph type="dt" sz="half" idx="2"/>
+            <p:ph idx="2" sz="half" type="dt"/>
           </p:nvPr>
         </p:nvSpPr>
         <p:spPr>
@@ -2704,7 +2706,7 @@
           </a:prstGeom>
         </p:spPr>
         <p:txBody>
-          <a:bodyPr vert="horz" lIns="91440" tIns="45720" rIns="91440" bIns="45720" rtlCol="0" anchor="ctr"/>
+          <a:bodyPr anchor="ctr" bIns="45720" lIns="91440" rIns="91440" rtlCol="0" tIns="45720" vert="horz"/>
           <a:lstStyle>
             <a:lvl1pPr algn="l">
               <a:defRPr sz="900">
@@ -2719,7 +2721,7 @@
           <a:p>
             <a:fld id="{241EB5C9-1307-BA42-ABA2-0BC069CD8E7F}" type="datetimeFigureOut">
               <a:rPr lang="en-US" smtClean="0"/>
-              <a:t>2/13/2024</a:t>
+              <a:t>1/2/22</a:t>
             </a:fld>
             <a:endParaRPr lang="en-US"/>
           </a:p>
@@ -2732,7 +2734,7 @@
             <a:spLocks noGrp="1"/>
           </p:cNvSpPr>
           <p:nvPr>
-            <p:ph type="ftr" sz="quarter" idx="3"/>
+            <p:ph idx="3" sz="quarter" type="ftr"/>
           </p:nvPr>
         </p:nvSpPr>
         <p:spPr>
@@ -2745,7 +2747,7 @@
           </a:prstGeom>
         </p:spPr>
         <p:txBody>
-          <a:bodyPr vert="horz" lIns="91440" tIns="45720" rIns="91440" bIns="45720" rtlCol="0" anchor="ctr"/>
+          <a:bodyPr anchor="ctr" bIns="45720" lIns="91440" rIns="91440" rtlCol="0" tIns="45720" vert="horz"/>
           <a:lstStyle>
             <a:lvl1pPr algn="ctr">
               <a:defRPr sz="900">
@@ -2769,7 +2771,7 @@
             <a:spLocks noGrp="1"/>
           </p:cNvSpPr>
           <p:nvPr>
-            <p:ph type="sldNum" sz="quarter" idx="4"/>
+            <p:ph idx="4" sz="quarter" type="sldNum"/>
           </p:nvPr>
         </p:nvSpPr>
         <p:spPr>
@@ -2782,7 +2784,7 @@
           </a:prstGeom>
         </p:spPr>
         <p:txBody>
-          <a:bodyPr vert="horz" lIns="91440" tIns="45720" rIns="91440" bIns="45720" rtlCol="0" anchor="ctr"/>
+          <a:bodyPr anchor="ctr" bIns="45720" lIns="91440" rIns="91440" rtlCol="0" tIns="45720" vert="horz"/>
           <a:lstStyle>
             <a:lvl1pPr algn="r">
               <a:defRPr sz="900">
@@ -2810,7 +2812,7 @@
       </p:ext>
     </p:extLst>
   </p:cSld>
-  <p:clrMap bg1="lt1" tx1="dk1" bg2="lt2" tx2="dk2" accent1="accent1" accent2="accent2" accent3="accent3" accent4="accent4" accent5="accent5" accent6="accent6" hlink="hlink" folHlink="folHlink"/>
+  <p:clrMap accent1="accent1" accent2="accent2" accent3="accent3" accent4="accent4" accent5="accent5" accent6="accent6" bg1="lt1" bg2="lt2" folHlink="folHlink" hlink="hlink" tx1="dk1" tx2="dk2"/>
   <p:sldLayoutIdLst>
     <p:sldLayoutId id="2147483649" r:id="rId1"/>
     <p:sldLayoutId id="2147483650" r:id="rId2"/>
@@ -2826,12 +2828,12 @@
   </p:sldLayoutIdLst>
   <p:txStyles>
     <p:titleStyle>
-      <a:lvl1pPr algn="ctr" defTabSz="342900" rtl="0" eaLnBrk="1" latinLnBrk="0" hangingPunct="1">
+      <a:lvl1pPr algn="ctr" defTabSz="342900" eaLnBrk="1" hangingPunct="1" latinLnBrk="0" rtl="0">
         <a:spcBef>
           <a:spcPct val="0"/>
         </a:spcBef>
         <a:buNone/>
-        <a:defRPr sz="3300" kern="1200">
+        <a:defRPr kern="1200" sz="3300">
           <a:solidFill>
             <a:schemeClr val="tx1"/>
           </a:solidFill>
@@ -2842,13 +2844,13 @@
       </a:lvl1pPr>
     </p:titleStyle>
     <p:bodyStyle>
-      <a:lvl1pPr marL="342900" indent="-342900" algn="l" defTabSz="342900" rtl="0" eaLnBrk="1" latinLnBrk="0" hangingPunct="1">
+      <a:lvl1pPr algn="l" defTabSz="342900" eaLnBrk="1" hangingPunct="1" indent="-342900" latinLnBrk="0" marL="342900" rtl="0">
         <a:spcBef>
           <a:spcPct val="20000"/>
         </a:spcBef>
         <a:buFont typeface="Arial"/>
         <a:buChar char="•"/>
-        <a:defRPr sz="2400" kern="1200">
+        <a:defRPr kern="1200" sz="2400">
           <a:solidFill>
             <a:schemeClr val="tx1"/>
           </a:solidFill>
@@ -2857,13 +2859,13 @@
           <a:cs typeface="+mn-cs"/>
         </a:defRPr>
       </a:lvl1pPr>
-      <a:lvl2pPr marL="685800" indent="-342900" algn="l" defTabSz="342900" rtl="0" eaLnBrk="1" latinLnBrk="0" hangingPunct="1">
+      <a:lvl2pPr algn="l" defTabSz="342900" eaLnBrk="1" hangingPunct="1" indent="-342900" latinLnBrk="0" marL="685800" rtl="0">
         <a:spcBef>
           <a:spcPct val="20000"/>
         </a:spcBef>
         <a:buFont typeface="Arial"/>
         <a:buChar char="–"/>
-        <a:defRPr sz="2100" kern="1200">
+        <a:defRPr kern="1200" sz="2100">
           <a:solidFill>
             <a:schemeClr val="tx1"/>
           </a:solidFill>
@@ -2872,13 +2874,13 @@
           <a:cs typeface="+mn-cs"/>
         </a:defRPr>
       </a:lvl2pPr>
-      <a:lvl3pPr marL="1028700" indent="-342900" algn="l" defTabSz="342900" rtl="0" eaLnBrk="1" latinLnBrk="0" hangingPunct="1">
+      <a:lvl3pPr algn="l" defTabSz="342900" eaLnBrk="1" hangingPunct="1" indent="-342900" latinLnBrk="0" marL="1028700" rtl="0">
         <a:spcBef>
           <a:spcPct val="20000"/>
         </a:spcBef>
         <a:buFont typeface="Arial"/>
         <a:buChar char="•"/>
-        <a:defRPr sz="1800" kern="1200">
+        <a:defRPr kern="1200" sz="1800">
           <a:solidFill>
             <a:schemeClr val="tx1"/>
           </a:solidFill>
@@ -2887,13 +2889,13 @@
           <a:cs typeface="+mn-cs"/>
         </a:defRPr>
       </a:lvl3pPr>
-      <a:lvl4pPr marL="1371600" indent="-342900" algn="l" defTabSz="342900" rtl="0" eaLnBrk="1" latinLnBrk="0" hangingPunct="1">
+      <a:lvl4pPr algn="l" defTabSz="342900" eaLnBrk="1" hangingPunct="1" indent="-342900" latinLnBrk="0" marL="1371600" rtl="0">
         <a:spcBef>
           <a:spcPct val="20000"/>
         </a:spcBef>
         <a:buFont typeface="Arial"/>
         <a:buChar char="–"/>
-        <a:defRPr sz="1500" kern="1200">
+        <a:defRPr kern="1200" sz="1500">
           <a:solidFill>
             <a:schemeClr val="tx1"/>
           </a:solidFill>
@@ -2902,13 +2904,13 @@
           <a:cs typeface="+mn-cs"/>
         </a:defRPr>
       </a:lvl4pPr>
-      <a:lvl5pPr marL="1714500" indent="-342900" algn="l" defTabSz="342900" rtl="0" eaLnBrk="1" latinLnBrk="0" hangingPunct="1">
+      <a:lvl5pPr algn="l" defTabSz="342900" eaLnBrk="1" hangingPunct="1" indent="-342900" latinLnBrk="0" marL="1714500" rtl="0">
         <a:spcBef>
           <a:spcPct val="20000"/>
         </a:spcBef>
         <a:buFont typeface="Arial"/>
         <a:buChar char="»"/>
-        <a:defRPr sz="1500" kern="1200">
+        <a:defRPr kern="1200" sz="1500">
           <a:solidFill>
             <a:schemeClr val="tx1"/>
           </a:solidFill>
@@ -2917,13 +2919,13 @@
           <a:cs typeface="+mn-cs"/>
         </a:defRPr>
       </a:lvl5pPr>
-      <a:lvl6pPr marL="2057400" indent="-342900" algn="l" defTabSz="342900" rtl="0" eaLnBrk="1" latinLnBrk="0" hangingPunct="1">
+      <a:lvl6pPr algn="l" defTabSz="342900" eaLnBrk="1" hangingPunct="1" indent="-342900" latinLnBrk="0" marL="2057400" rtl="0">
         <a:spcBef>
           <a:spcPct val="20000"/>
         </a:spcBef>
         <a:buFont typeface="Arial"/>
         <a:buChar char="•"/>
-        <a:defRPr sz="1500" kern="1200">
+        <a:defRPr kern="1200" sz="1500">
           <a:solidFill>
             <a:schemeClr val="tx1"/>
           </a:solidFill>
@@ -2932,13 +2934,13 @@
           <a:cs typeface="+mn-cs"/>
         </a:defRPr>
       </a:lvl6pPr>
-      <a:lvl7pPr marL="2400300" indent="-342900" algn="l" defTabSz="342900" rtl="0" eaLnBrk="1" latinLnBrk="0" hangingPunct="1">
+      <a:lvl7pPr algn="l" defTabSz="342900" eaLnBrk="1" hangingPunct="1" indent="-342900" latinLnBrk="0" marL="2400300" rtl="0">
         <a:spcBef>
           <a:spcPct val="20000"/>
         </a:spcBef>
         <a:buFont typeface="Arial"/>
         <a:buChar char="•"/>
-        <a:defRPr sz="1500" kern="1200">
+        <a:defRPr kern="1200" sz="1500">
           <a:solidFill>
             <a:schemeClr val="tx1"/>
           </a:solidFill>
@@ -2947,13 +2949,13 @@
           <a:cs typeface="+mn-cs"/>
         </a:defRPr>
       </a:lvl7pPr>
-      <a:lvl8pPr marL="2743200" indent="-342900" algn="l" defTabSz="342900" rtl="0" eaLnBrk="1" latinLnBrk="0" hangingPunct="1">
+      <a:lvl8pPr algn="l" defTabSz="342900" eaLnBrk="1" hangingPunct="1" indent="-342900" latinLnBrk="0" marL="2743200" rtl="0">
         <a:spcBef>
           <a:spcPct val="20000"/>
         </a:spcBef>
         <a:buFont typeface="Arial"/>
         <a:buChar char="•"/>
-        <a:defRPr sz="1500" kern="1200">
+        <a:defRPr kern="1200" sz="1500">
           <a:solidFill>
             <a:schemeClr val="tx1"/>
           </a:solidFill>
@@ -2962,13 +2964,13 @@
           <a:cs typeface="+mn-cs"/>
         </a:defRPr>
       </a:lvl8pPr>
-      <a:lvl9pPr marL="3086100" indent="-342900" algn="l" defTabSz="342900" rtl="0" eaLnBrk="1" latinLnBrk="0" hangingPunct="1">
+      <a:lvl9pPr algn="l" defTabSz="342900" eaLnBrk="1" hangingPunct="1" indent="-342900" latinLnBrk="0" marL="3086100" rtl="0">
         <a:spcBef>
           <a:spcPct val="20000"/>
         </a:spcBef>
         <a:buFont typeface="Arial"/>
         <a:buChar char="•"/>
-        <a:defRPr sz="1500" kern="1200">
+        <a:defRPr kern="1200" sz="1500">
           <a:solidFill>
             <a:schemeClr val="tx1"/>
           </a:solidFill>
@@ -2982,8 +2984,8 @@
       <a:defPPr>
         <a:defRPr lang="en-US"/>
       </a:defPPr>
-      <a:lvl1pPr marL="0" algn="l" defTabSz="342900" rtl="0" eaLnBrk="1" latinLnBrk="0" hangingPunct="1">
-        <a:defRPr sz="1350" kern="1200">
+      <a:lvl1pPr algn="l" defTabSz="342900" eaLnBrk="1" hangingPunct="1" latinLnBrk="0" marL="0" rtl="0">
+        <a:defRPr kern="1200" sz="1350">
           <a:solidFill>
             <a:schemeClr val="tx1"/>
           </a:solidFill>
@@ -2992,8 +2994,8 @@
           <a:cs typeface="+mn-cs"/>
         </a:defRPr>
       </a:lvl1pPr>
-      <a:lvl2pPr marL="342900" algn="l" defTabSz="342900" rtl="0" eaLnBrk="1" latinLnBrk="0" hangingPunct="1">
-        <a:defRPr sz="1350" kern="1200">
+      <a:lvl2pPr algn="l" defTabSz="342900" eaLnBrk="1" hangingPunct="1" latinLnBrk="0" marL="342900" rtl="0">
+        <a:defRPr kern="1200" sz="1350">
           <a:solidFill>
             <a:schemeClr val="tx1"/>
           </a:solidFill>
@@ -3002,8 +3004,8 @@
           <a:cs typeface="+mn-cs"/>
         </a:defRPr>
       </a:lvl2pPr>
-      <a:lvl3pPr marL="685800" algn="l" defTabSz="342900" rtl="0" eaLnBrk="1" latinLnBrk="0" hangingPunct="1">
-        <a:defRPr sz="1350" kern="1200">
+      <a:lvl3pPr algn="l" defTabSz="342900" eaLnBrk="1" hangingPunct="1" latinLnBrk="0" marL="685800" rtl="0">
+        <a:defRPr kern="1200" sz="1350">
           <a:solidFill>
             <a:schemeClr val="tx1"/>
           </a:solidFill>
@@ -3012,8 +3014,8 @@
           <a:cs typeface="+mn-cs"/>
         </a:defRPr>
       </a:lvl3pPr>
-      <a:lvl4pPr marL="1028700" algn="l" defTabSz="342900" rtl="0" eaLnBrk="1" latinLnBrk="0" hangingPunct="1">
-        <a:defRPr sz="1350" kern="1200">
+      <a:lvl4pPr algn="l" defTabSz="342900" eaLnBrk="1" hangingPunct="1" latinLnBrk="0" marL="1028700" rtl="0">
+        <a:defRPr kern="1200" sz="1350">
           <a:solidFill>
             <a:schemeClr val="tx1"/>
           </a:solidFill>
@@ -3022,8 +3024,8 @@
           <a:cs typeface="+mn-cs"/>
         </a:defRPr>
       </a:lvl4pPr>
-      <a:lvl5pPr marL="1371600" algn="l" defTabSz="342900" rtl="0" eaLnBrk="1" latinLnBrk="0" hangingPunct="1">
-        <a:defRPr sz="1350" kern="1200">
+      <a:lvl5pPr algn="l" defTabSz="342900" eaLnBrk="1" hangingPunct="1" latinLnBrk="0" marL="1371600" rtl="0">
+        <a:defRPr kern="1200" sz="1350">
           <a:solidFill>
             <a:schemeClr val="tx1"/>
           </a:solidFill>
@@ -3032,8 +3034,8 @@
           <a:cs typeface="+mn-cs"/>
         </a:defRPr>
       </a:lvl5pPr>
-      <a:lvl6pPr marL="1714500" algn="l" defTabSz="342900" rtl="0" eaLnBrk="1" latinLnBrk="0" hangingPunct="1">
-        <a:defRPr sz="1350" kern="1200">
+      <a:lvl6pPr algn="l" defTabSz="342900" eaLnBrk="1" hangingPunct="1" latinLnBrk="0" marL="1714500" rtl="0">
+        <a:defRPr kern="1200" sz="1350">
           <a:solidFill>
             <a:schemeClr val="tx1"/>
           </a:solidFill>
@@ -3042,8 +3044,8 @@
           <a:cs typeface="+mn-cs"/>
         </a:defRPr>
       </a:lvl6pPr>
-      <a:lvl7pPr marL="2057400" algn="l" defTabSz="342900" rtl="0" eaLnBrk="1" latinLnBrk="0" hangingPunct="1">
-        <a:defRPr sz="1350" kern="1200">
+      <a:lvl7pPr algn="l" defTabSz="342900" eaLnBrk="1" hangingPunct="1" latinLnBrk="0" marL="2057400" rtl="0">
+        <a:defRPr kern="1200" sz="1350">
           <a:solidFill>
             <a:schemeClr val="tx1"/>
           </a:solidFill>
@@ -3052,8 +3054,8 @@
           <a:cs typeface="+mn-cs"/>
         </a:defRPr>
       </a:lvl7pPr>
-      <a:lvl8pPr marL="2400300" algn="l" defTabSz="342900" rtl="0" eaLnBrk="1" latinLnBrk="0" hangingPunct="1">
-        <a:defRPr sz="1350" kern="1200">
+      <a:lvl8pPr algn="l" defTabSz="342900" eaLnBrk="1" hangingPunct="1" latinLnBrk="0" marL="2400300" rtl="0">
+        <a:defRPr kern="1200" sz="1350">
           <a:solidFill>
             <a:schemeClr val="tx1"/>
           </a:solidFill>
@@ -3062,8 +3064,8 @@
           <a:cs typeface="+mn-cs"/>
         </a:defRPr>
       </a:lvl8pPr>
-      <a:lvl9pPr marL="2743200" algn="l" defTabSz="342900" rtl="0" eaLnBrk="1" latinLnBrk="0" hangingPunct="1">
-        <a:defRPr sz="1350" kern="1200">
+      <a:lvl9pPr algn="l" defTabSz="342900" eaLnBrk="1" hangingPunct="1" latinLnBrk="0" marL="2743200" rtl="0">
+        <a:defRPr kern="1200" sz="1350">
           <a:solidFill>
             <a:schemeClr val="tx1"/>
           </a:solidFill>
@@ -3114,10 +3116,11 @@
           <a:bodyPr/>
           <a:lstStyle/>
           <a:p>
-            <a:pPr marL="0" lvl="0" indent="0">
+            <a:pPr lvl="0" indent="0" marL="0">
               <a:buNone/>
             </a:pPr>
             <a:r>
+              <a:rPr/>
               <a:t>Project 1</a:t>
             </a:r>
           </a:p>
@@ -3130,7 +3133,7 @@
             <a:spLocks noGrp="1"/>
           </p:cNvSpPr>
           <p:nvPr>
-            <p:ph type="subTitle" idx="1"/>
+            <p:ph idx="1" type="subTitle"/>
           </p:nvPr>
         </p:nvSpPr>
         <p:spPr>
@@ -3143,12 +3146,11 @@
           <a:bodyPr/>
           <a:lstStyle/>
           <a:p>
-            <a:pPr marL="0" lvl="0" indent="0">
+            <a:pPr lvl="0" indent="0" marL="0">
               <a:buNone/>
             </a:pPr>
             <a:br/>
             <a:br/>
-            <a:endParaRPr/>
           </a:p>
         </p:txBody>
       </p:sp>
@@ -3159,18 +3161,19 @@
             <a:spLocks noGrp="1"/>
           </p:cNvSpPr>
           <p:nvPr>
-            <p:ph type="dt" sz="half" idx="10"/>
-          </p:nvPr>
-        </p:nvSpPr>
-        <p:spPr/>
-        <p:txBody>
-          <a:bodyPr/>
-          <a:lstStyle/>
-          <a:p>
-            <a:pPr marL="0" lvl="0" indent="0">
+            <p:ph idx="10" sz="half" type="dt"/>
+          </p:nvPr>
+        </p:nvSpPr>
+        <p:spPr/>
+        <p:txBody>
+          <a:bodyPr/>
+          <a:lstStyle/>
+          <a:p>
+            <a:pPr lvl="0" indent="0" marL="0">
               <a:buNone/>
             </a:pPr>
             <a:r>
+              <a:rPr/>
               <a:t>2024-02-14</a:t>
             </a:r>
           </a:p>
@@ -3178,9 +3181,6 @@
       </p:sp>
     </p:spTree>
   </p:cSld>
-  <p:clrMapOvr>
-    <a:masterClrMapping/>
-  </p:clrMapOvr>
 </p:sld>
 </file>
 
@@ -3216,10 +3216,11 @@
           <a:bodyPr/>
           <a:lstStyle/>
           <a:p>
-            <a:pPr marL="0" lvl="0" indent="0">
+            <a:pPr lvl="0" indent="0" marL="0">
               <a:buNone/>
             </a:pPr>
             <a:r>
+              <a:rPr/>
               <a:t>R Markdown</a:t>
             </a:r>
           </a:p>
@@ -3240,10 +3241,11 @@
           <a:bodyPr/>
           <a:lstStyle/>
           <a:p>
-            <a:pPr marL="0" lvl="0" indent="0">
+            <a:pPr lvl="0" indent="0" marL="0">
               <a:buNone/>
             </a:pPr>
             <a:r>
+              <a:rPr/>
               <a:t>This is an R Markdown presentation. Markdown is a simple formatting syntax for authoring HTML, PDF, and MS Word documents. For more details on using R Markdown see </a:t>
             </a:r>
             <a:r>
@@ -3253,14 +3255,16 @@
               <a:t>http://rmarkdown.rstudio.com</a:t>
             </a:r>
             <a:r>
+              <a:rPr/>
               <a:t>.</a:t>
             </a:r>
           </a:p>
           <a:p>
-            <a:pPr marL="0" lvl="0" indent="0">
+            <a:pPr lvl="0" indent="0" marL="0">
               <a:buNone/>
             </a:pPr>
             <a:r>
+              <a:rPr/>
               <a:t>When you click the </a:t>
             </a:r>
             <a:r>
@@ -3268,6 +3272,7 @@
               <a:t>Knit</a:t>
             </a:r>
             <a:r>
+              <a:rPr/>
               <a:t> button a document will be generated that includes both content as well as the output of any embedded R code chunks within the document.</a:t>
             </a:r>
           </a:p>
@@ -3275,9 +3280,6 @@
       </p:sp>
     </p:spTree>
   </p:cSld>
-  <p:clrMapOvr>
-    <a:masterClrMapping/>
-  </p:clrMapOvr>
 </p:sld>
 </file>
 
@@ -3313,10 +3315,11 @@
           <a:bodyPr/>
           <a:lstStyle/>
           <a:p>
-            <a:pPr marL="0" lvl="0" indent="0">
+            <a:pPr lvl="0" indent="0" marL="0">
               <a:buNone/>
             </a:pPr>
             <a:r>
+              <a:rPr/>
               <a:t>Slide with Bullets</a:t>
             </a:r>
           </a:p>
@@ -3339,18 +3342,21 @@
           <a:p>
             <a:pPr lvl="0"/>
             <a:r>
+              <a:rPr/>
               <a:t>Bullet 1</a:t>
             </a:r>
           </a:p>
           <a:p>
             <a:pPr lvl="0"/>
             <a:r>
+              <a:rPr/>
               <a:t>Bullet 2</a:t>
             </a:r>
           </a:p>
           <a:p>
             <a:pPr lvl="0"/>
             <a:r>
+              <a:rPr/>
               <a:t>Bullet 3</a:t>
             </a:r>
           </a:p>
@@ -3358,9 +3364,6 @@
       </p:sp>
     </p:spTree>
   </p:cSld>
-  <p:clrMapOvr>
-    <a:masterClrMapping/>
-  </p:clrMapOvr>
 </p:sld>
 </file>
 
@@ -3396,10 +3399,11 @@
           <a:bodyPr/>
           <a:lstStyle/>
           <a:p>
-            <a:pPr marL="0" lvl="0" indent="0">
+            <a:pPr lvl="0" indent="0" marL="0">
               <a:buNone/>
             </a:pPr>
             <a:r>
+              <a:rPr/>
               <a:t>Slide with R Output</a:t>
             </a:r>
           </a:p>
@@ -3419,26 +3423,6 @@
         <p:txBody>
           <a:bodyPr/>
           <a:lstStyle/>
-          <a:p>
-            <a:pPr lvl="0" indent="0">
-              <a:buNone/>
-            </a:pPr>
-            <a:r>
-              <a:rPr>
-                <a:solidFill>
-                  <a:srgbClr val="06287E"/>
-                </a:solidFill>
-                <a:latin typeface="Courier"/>
-              </a:rPr>
-              <a:t>summary</a:t>
-            </a:r>
-            <a:r>
-              <a:rPr>
-                <a:latin typeface="Courier"/>
-              </a:rPr>
-              <a:t>(cars)</a:t>
-            </a:r>
-          </a:p>
           <a:p>
             <a:pPr lvl="0" indent="0">
               <a:buNone/>
@@ -3460,9 +3444,6 @@
       </p:sp>
     </p:spTree>
   </p:cSld>
-  <p:clrMapOvr>
-    <a:masterClrMapping/>
-  </p:clrMapOvr>
 </p:sld>
 </file>
 
@@ -3498,10 +3479,11 @@
           <a:bodyPr/>
           <a:lstStyle/>
           <a:p>
-            <a:pPr marL="0" lvl="0" indent="0">
+            <a:pPr lvl="0" indent="0" marL="0">
               <a:buNone/>
             </a:pPr>
             <a:r>
+              <a:rPr/>
               <a:t>Slide with Plot</a:t>
             </a:r>
           </a:p>
@@ -3509,7 +3491,7 @@
       </p:sp>
       <p:pic>
         <p:nvPicPr>
-          <p:cNvPr id="3" name="Picture 1" descr="Project_code_files/figure-pptx/pressure-1.png"/>
+          <p:cNvPr descr="Project_code_files/figure-pptx/unnamed-chunk-2-1.png" id="0" name="Picture 1"/>
           <p:cNvPicPr>
             <a:picLocks noGrp="1" noChangeAspect="1"/>
           </p:cNvPicPr>
@@ -3523,8 +3505,8 @@
         </p:blipFill>
         <p:spPr bwMode="auto">
           <a:xfrm>
-            <a:off x="2155899" y="1114600"/>
-            <a:ext cx="4415055" cy="3529400"/>
+            <a:off x="2451100" y="1193800"/>
+            <a:ext cx="4241800" cy="3390900"/>
           </a:xfrm>
           <a:prstGeom prst="rect">
             <a:avLst/>
@@ -3539,9 +3521,182 @@
       </p:pic>
     </p:spTree>
   </p:cSld>
-  <p:clrMapOvr>
-    <a:masterClrMapping/>
-  </p:clrMapOvr>
+</p:sld>
+</file>
+
+<file path=ppt/slides/slide6.xml><?xml version="1.0" encoding="utf-8"?>
+<p:sld xmlns:a="http://schemas.openxmlformats.org/drawingml/2006/main" xmlns:r="http://schemas.openxmlformats.org/officeDocument/2006/relationships" xmlns:p="http://schemas.openxmlformats.org/presentationml/2006/main">
+  <p:cSld>
+    <p:spTree>
+      <p:nvGrpSpPr>
+        <p:cNvPr id="1" name=""/>
+        <p:cNvGrpSpPr/>
+        <p:nvPr/>
+      </p:nvGrpSpPr>
+      <p:grpSpPr>
+        <a:xfrm>
+          <a:off x="0" y="0"/>
+          <a:ext cx="0" cy="0"/>
+          <a:chOff x="0" y="0"/>
+          <a:chExt cx="0" cy="0"/>
+        </a:xfrm>
+      </p:grpSpPr>
+      <p:sp>
+        <p:nvSpPr>
+          <p:cNvPr id="2" name="Title 1"/>
+          <p:cNvSpPr>
+            <a:spLocks noGrp="1"/>
+          </p:cNvSpPr>
+          <p:nvPr>
+            <p:ph type="title"/>
+          </p:nvPr>
+        </p:nvSpPr>
+        <p:spPr/>
+        <p:txBody>
+          <a:bodyPr/>
+          <a:lstStyle/>
+          <a:p>
+            <a:pPr lvl="0" indent="0" marL="0">
+              <a:buNone/>
+            </a:pPr>
+            <a:r>
+              <a:rPr/>
+              <a:t>was there a slide created?</a:t>
+            </a:r>
+          </a:p>
+        </p:txBody>
+      </p:sp>
+    </p:spTree>
+  </p:cSld>
+</p:sld>
+</file>
+
+<file path=ppt/slides/slide7.xml><?xml version="1.0" encoding="utf-8"?>
+<p:sld xmlns:a="http://schemas.openxmlformats.org/drawingml/2006/main" xmlns:r="http://schemas.openxmlformats.org/officeDocument/2006/relationships" xmlns:p="http://schemas.openxmlformats.org/presentationml/2006/main">
+  <p:cSld>
+    <p:spTree>
+      <p:nvGrpSpPr>
+        <p:cNvPr id="1" name=""/>
+        <p:cNvGrpSpPr/>
+        <p:nvPr/>
+      </p:nvGrpSpPr>
+      <p:grpSpPr>
+        <a:xfrm>
+          <a:off x="0" y="0"/>
+          <a:ext cx="0" cy="0"/>
+          <a:chOff x="0" y="0"/>
+          <a:chExt cx="0" cy="0"/>
+        </a:xfrm>
+      </p:grpSpPr>
+      <p:sp>
+        <p:nvSpPr>
+          <p:cNvPr id="2" name="Title 1"/>
+          <p:cNvSpPr>
+            <a:spLocks noGrp="1"/>
+          </p:cNvSpPr>
+          <p:nvPr>
+            <p:ph type="title"/>
+          </p:nvPr>
+        </p:nvSpPr>
+        <p:spPr/>
+        <p:txBody>
+          <a:bodyPr/>
+          <a:lstStyle/>
+          <a:p>
+            <a:pPr lvl="0" indent="0" marL="0">
+              <a:buNone/>
+            </a:pPr>
+            <a:r>
+              <a:rPr/>
+              <a:t>Load the Dataset</a:t>
+            </a:r>
+          </a:p>
+        </p:txBody>
+      </p:sp>
+      <p:sp>
+        <p:nvSpPr>
+          <p:cNvPr id="3" name="Content Placeholder 2"/>
+          <p:cNvSpPr>
+            <a:spLocks noGrp="1"/>
+          </p:cNvSpPr>
+          <p:nvPr>
+            <p:ph idx="1"/>
+          </p:nvPr>
+        </p:nvSpPr>
+        <p:spPr/>
+        <p:txBody>
+          <a:bodyPr/>
+          <a:lstStyle/>
+          <a:p>
+            <a:pPr lvl="0" indent="0">
+              <a:buNone/>
+            </a:pPr>
+            <a:r>
+              <a:rPr>
+                <a:latin typeface="Courier"/>
+              </a:rPr>
+              <a:t>##                  Country.Name Country.Code
+## 1                       Aruba          ABW
+## 2 Africa Eastern and Southern          AFE
+## 3                 Afghanistan          AFG
+## 4  Africa Western and Central          AFW
+## 5                      Angola          AGO
+## 6                     Albania          ALB
+##                                                        Indicator.Name
+## 1 Poverty headcount ratio at $2.15 a day (2017 PPP) (% of population)
+## 2 Poverty headcount ratio at $2.15 a day (2017 PPP) (% of population)
+## 3 Poverty headcount ratio at $2.15 a day (2017 PPP) (% of population)
+## 4 Poverty headcount ratio at $2.15 a day (2017 PPP) (% of population)
+## 5 Poverty headcount ratio at $2.15 a day (2017 PPP) (% of population)
+## 6 Poverty headcount ratio at $2.15 a day (2017 PPP) (% of population)
+##   Indicator.Code X1960 X1961 X1962 X1963 X1964 X1965 X1966 X1967 X1968 X1969
+## 1    SI.POV.DDAY    NA    NA    NA    NA    NA    NA    NA    NA    NA    NA
+## 2    SI.POV.DDAY    NA    NA    NA    NA    NA    NA    NA    NA    NA    NA
+## 3    SI.POV.DDAY    NA    NA    NA    NA    NA    NA    NA    NA    NA    NA
+## 4    SI.POV.DDAY    NA    NA    NA    NA    NA    NA    NA    NA    NA    NA
+## 5    SI.POV.DDAY    NA    NA    NA    NA    NA    NA    NA    NA    NA    NA
+## 6    SI.POV.DDAY    NA    NA    NA    NA    NA    NA    NA    NA    NA    NA
+##   X1970 X1971 X1972 X1973 X1974 X1975 X1976 X1977 X1978 X1979 X1980 X1981 X1982
+## 1    NA    NA    NA    NA    NA    NA    NA    NA    NA    NA    NA    NA    NA
+## 2    NA    NA    NA    NA    NA    NA    NA    NA    NA    NA    NA    NA    NA
+## 3    NA    NA    NA    NA    NA    NA    NA    NA    NA    NA    NA    NA    NA
+## 4    NA    NA    NA    NA    NA    NA    NA    NA    NA    NA    NA    NA    NA
+## 5    NA    NA    NA    NA    NA    NA    NA    NA    NA    NA    NA    NA    NA
+## 6    NA    NA    NA    NA    NA    NA    NA    NA    NA    NA    NA    NA    NA
+##   X1983 X1984 X1985 X1986 X1987 X1988 X1989 X1990 X1991 X1992 X1993 X1994 X1995
+## 1    NA    NA    NA    NA    NA    NA    NA    NA    NA    NA    NA    NA    NA
+## 2    NA    NA    NA    NA    NA    NA    NA    NA    NA    NA    NA    NA    NA
+## 3    NA    NA    NA    NA    NA    NA    NA    NA    NA    NA    NA    NA    NA
+## 4    NA    NA    NA    NA    NA    NA    NA    NA    NA    NA    NA    NA    NA
+## 5    NA    NA    NA    NA    NA    NA    NA    NA    NA    NA    NA    NA    NA
+## 6    NA    NA    NA    NA    NA    NA    NA    NA    NA    NA    NA    NA    NA
+##   X1996 X1997 X1998 X1999 X2000 X2001 X2002 X2003 X2004 X2005 X2006 X2007 X2008
+## 1    NA    NA    NA    NA    NA    NA    NA    NA    NA    NA    NA    NA    NA
+## 2    NA    NA    NA    NA    NA    NA    NA    NA    NA    NA    NA    NA    NA
+## 3    NA    NA    NA    NA    NA    NA    NA    NA    NA    NA    NA    NA    NA
+## 4    NA    NA    NA    NA    NA    NA    NA    NA    NA    NA    NA    NA    NA
+## 5    NA    NA    NA    NA  21.4    NA    NA    NA    NA    NA    NA    NA  14.6
+## 6   0.5    NA    NA    NA    NA    NA   1.1    NA    NA   0.6    NA    NA   0.2
+##   X2009 X2010 X2011 X2012 X2013 X2014 X2015 X2016 X2017 X2018 X2019 X2020 X2021
+## 1    NA    NA    NA    NA    NA    NA    NA    NA    NA    NA    NA    NA    NA
+## 2    NA    NA    NA    NA    NA    NA    NA    NA    NA    NA    NA    NA    NA
+## 3    NA    NA    NA    NA    NA    NA    NA    NA    NA    NA    NA    NA    NA
+## 4    NA    NA    NA    NA    NA    NA    NA    NA    NA    NA    NA    NA    NA
+## 5    NA    NA    NA    NA    NA    NA    NA    NA    NA  31.1    NA    NA    NA
+## 6    NA    NA    NA   0.6    NA     1   0.1   0.1   0.4   0.0     0     0    NA
+##   X2022  X
+## 1    NA NA
+## 2    NA NA
+## 3    NA NA
+## 4    NA NA
+## 5    NA NA
+## 6    NA NA</a:t>
+            </a:r>
+          </a:p>
+        </p:txBody>
+      </p:sp>
+    </p:spTree>
+  </p:cSld>
 </p:sld>
 </file>
 
@@ -3863,4 +4018,265 @@
   </a:objectDefaults>
   <a:extraClrSchemeLst/>
 </a:theme>
+</file>
+
+<file path=ppt/theme/theme2.xml><?xml version="1.0" encoding="utf-8"?>
+<a:theme xmlns:a="http://schemas.openxmlformats.org/drawingml/2006/main" name="Office Theme">
+  <a:themeElements>
+    <a:clrScheme name="Office">
+      <a:dk1>
+        <a:sysClr val="windowText" lastClr="000000"/>
+      </a:dk1>
+      <a:lt1>
+        <a:sysClr val="window" lastClr="FFFFFF"/>
+      </a:lt1>
+      <a:dk2>
+        <a:srgbClr val="44546A"/>
+      </a:dk2>
+      <a:lt2>
+        <a:srgbClr val="E7E6E6"/>
+      </a:lt2>
+      <a:accent1>
+        <a:srgbClr val="5B9BD5"/>
+      </a:accent1>
+      <a:accent2>
+        <a:srgbClr val="ED7D31"/>
+      </a:accent2>
+      <a:accent3>
+        <a:srgbClr val="A5A5A5"/>
+      </a:accent3>
+      <a:accent4>
+        <a:srgbClr val="FFC000"/>
+      </a:accent4>
+      <a:accent5>
+        <a:srgbClr val="4472C4"/>
+      </a:accent5>
+      <a:accent6>
+        <a:srgbClr val="70AD47"/>
+      </a:accent6>
+      <a:hlink>
+        <a:srgbClr val="0563C1"/>
+      </a:hlink>
+      <a:folHlink>
+        <a:srgbClr val="954F72"/>
+      </a:folHlink>
+    </a:clrScheme>
+    <a:fontScheme name="Office">
+      <a:majorFont>
+        <a:latin typeface="Calibri Light" panose="020F0302020204030204"/>
+        <a:ea typeface=""/>
+        <a:cs typeface=""/>
+        <a:font script="Jpan" typeface="ＭＳ Ｐゴシック"/>
+        <a:font script="Hang" typeface="맑은 고딕"/>
+        <a:font script="Hans" typeface="宋体"/>
+        <a:font script="Hant" typeface="新細明體"/>
+        <a:font script="Arab" typeface="Times New Roman"/>
+        <a:font script="Hebr" typeface="Times New Roman"/>
+        <a:font script="Thai" typeface="Angsana New"/>
+        <a:font script="Ethi" typeface="Nyala"/>
+        <a:font script="Beng" typeface="Vrinda"/>
+        <a:font script="Gujr" typeface="Shruti"/>
+        <a:font script="Khmr" typeface="MoolBoran"/>
+        <a:font script="Knda" typeface="Tunga"/>
+        <a:font script="Guru" typeface="Raavi"/>
+        <a:font script="Cans" typeface="Euphemia"/>
+        <a:font script="Cher" typeface="Plantagenet Cherokee"/>
+        <a:font script="Yiii" typeface="Microsoft Yi Baiti"/>
+        <a:font script="Tibt" typeface="Microsoft Himalaya"/>
+        <a:font script="Thaa" typeface="MV Boli"/>
+        <a:font script="Deva" typeface="Mangal"/>
+        <a:font script="Telu" typeface="Gautami"/>
+        <a:font script="Taml" typeface="Latha"/>
+        <a:font script="Syrc" typeface="Estrangelo Edessa"/>
+        <a:font script="Orya" typeface="Kalinga"/>
+        <a:font script="Mlym" typeface="Kartika"/>
+        <a:font script="Laoo" typeface="DokChampa"/>
+        <a:font script="Sinh" typeface="Iskoola Pota"/>
+        <a:font script="Mong" typeface="Mongolian Baiti"/>
+        <a:font script="Viet" typeface="Times New Roman"/>
+        <a:font script="Uigh" typeface="Microsoft Uighur"/>
+        <a:font script="Geor" typeface="Sylfaen"/>
+      </a:majorFont>
+      <a:minorFont>
+        <a:latin typeface="Calibri" panose="020F0502020204030204"/>
+        <a:ea typeface=""/>
+        <a:cs typeface=""/>
+        <a:font script="Jpan" typeface="ＭＳ Ｐゴシック"/>
+        <a:font script="Hang" typeface="맑은 고딕"/>
+        <a:font script="Hans" typeface="宋体"/>
+        <a:font script="Hant" typeface="新細明體"/>
+        <a:font script="Arab" typeface="Arial"/>
+        <a:font script="Hebr" typeface="Arial"/>
+        <a:font script="Thai" typeface="Cordia New"/>
+        <a:font script="Ethi" typeface="Nyala"/>
+        <a:font script="Beng" typeface="Vrinda"/>
+        <a:font script="Gujr" typeface="Shruti"/>
+        <a:font script="Khmr" typeface="DaunPenh"/>
+        <a:font script="Knda" typeface="Tunga"/>
+        <a:font script="Guru" typeface="Raavi"/>
+        <a:font script="Cans" typeface="Euphemia"/>
+        <a:font script="Cher" typeface="Plantagenet Cherokee"/>
+        <a:font script="Yiii" typeface="Microsoft Yi Baiti"/>
+        <a:font script="Tibt" typeface="Microsoft Himalaya"/>
+        <a:font script="Thaa" typeface="MV Boli"/>
+        <a:font script="Deva" typeface="Mangal"/>
+        <a:font script="Telu" typeface="Gautami"/>
+        <a:font script="Taml" typeface="Latha"/>
+        <a:font script="Syrc" typeface="Estrangelo Edessa"/>
+        <a:font script="Orya" typeface="Kalinga"/>
+        <a:font script="Mlym" typeface="Kartika"/>
+        <a:font script="Laoo" typeface="DokChampa"/>
+        <a:font script="Sinh" typeface="Iskoola Pota"/>
+        <a:font script="Mong" typeface="Mongolian Baiti"/>
+        <a:font script="Viet" typeface="Arial"/>
+        <a:font script="Uigh" typeface="Microsoft Uighur"/>
+        <a:font script="Geor" typeface="Sylfaen"/>
+      </a:minorFont>
+    </a:fontScheme>
+    <a:fmtScheme name="Office">
+      <a:fillStyleLst>
+        <a:solidFill>
+          <a:schemeClr val="phClr"/>
+        </a:solidFill>
+        <a:gradFill rotWithShape="1">
+          <a:gsLst>
+            <a:gs pos="0">
+              <a:schemeClr val="phClr">
+                <a:lumMod val="110000"/>
+                <a:satMod val="105000"/>
+                <a:tint val="67000"/>
+              </a:schemeClr>
+            </a:gs>
+            <a:gs pos="50000">
+              <a:schemeClr val="phClr">
+                <a:lumMod val="105000"/>
+                <a:satMod val="103000"/>
+                <a:tint val="73000"/>
+              </a:schemeClr>
+            </a:gs>
+            <a:gs pos="100000">
+              <a:schemeClr val="phClr">
+                <a:lumMod val="105000"/>
+                <a:satMod val="109000"/>
+                <a:tint val="81000"/>
+              </a:schemeClr>
+            </a:gs>
+          </a:gsLst>
+          <a:lin ang="5400000" scaled="0"/>
+        </a:gradFill>
+        <a:gradFill rotWithShape="1">
+          <a:gsLst>
+            <a:gs pos="0">
+              <a:schemeClr val="phClr">
+                <a:satMod val="103000"/>
+                <a:lumMod val="102000"/>
+                <a:tint val="94000"/>
+              </a:schemeClr>
+            </a:gs>
+            <a:gs pos="50000">
+              <a:schemeClr val="phClr">
+                <a:satMod val="110000"/>
+                <a:lumMod val="100000"/>
+                <a:shade val="100000"/>
+              </a:schemeClr>
+            </a:gs>
+            <a:gs pos="100000">
+              <a:schemeClr val="phClr">
+                <a:lumMod val="99000"/>
+                <a:satMod val="120000"/>
+                <a:shade val="78000"/>
+              </a:schemeClr>
+            </a:gs>
+          </a:gsLst>
+          <a:lin ang="5400000" scaled="0"/>
+        </a:gradFill>
+      </a:fillStyleLst>
+      <a:lnStyleLst>
+        <a:ln w="6350" cap="flat" cmpd="sng" algn="ctr">
+          <a:solidFill>
+            <a:schemeClr val="phClr"/>
+          </a:solidFill>
+          <a:prstDash val="solid"/>
+          <a:miter lim="800000"/>
+        </a:ln>
+        <a:ln w="12700" cap="flat" cmpd="sng" algn="ctr">
+          <a:solidFill>
+            <a:schemeClr val="phClr"/>
+          </a:solidFill>
+          <a:prstDash val="solid"/>
+          <a:miter lim="800000"/>
+        </a:ln>
+        <a:ln w="19050" cap="flat" cmpd="sng" algn="ctr">
+          <a:solidFill>
+            <a:schemeClr val="phClr"/>
+          </a:solidFill>
+          <a:prstDash val="solid"/>
+          <a:miter lim="800000"/>
+        </a:ln>
+      </a:lnStyleLst>
+      <a:effectStyleLst>
+        <a:effectStyle>
+          <a:effectLst/>
+        </a:effectStyle>
+        <a:effectStyle>
+          <a:effectLst/>
+        </a:effectStyle>
+        <a:effectStyle>
+          <a:effectLst>
+            <a:outerShdw blurRad="57150" dist="19050" dir="5400000" algn="ctr" rotWithShape="0">
+              <a:srgbClr val="000000">
+                <a:alpha val="63000"/>
+              </a:srgbClr>
+            </a:outerShdw>
+          </a:effectLst>
+        </a:effectStyle>
+      </a:effectStyleLst>
+      <a:bgFillStyleLst>
+        <a:solidFill>
+          <a:schemeClr val="phClr"/>
+        </a:solidFill>
+        <a:solidFill>
+          <a:schemeClr val="phClr">
+            <a:tint val="95000"/>
+            <a:satMod val="170000"/>
+          </a:schemeClr>
+        </a:solidFill>
+        <a:gradFill rotWithShape="1">
+          <a:gsLst>
+            <a:gs pos="0">
+              <a:schemeClr val="phClr">
+                <a:tint val="93000"/>
+                <a:satMod val="150000"/>
+                <a:shade val="98000"/>
+                <a:lumMod val="102000"/>
+              </a:schemeClr>
+            </a:gs>
+            <a:gs pos="50000">
+              <a:schemeClr val="phClr">
+                <a:tint val="98000"/>
+                <a:satMod val="130000"/>
+                <a:shade val="90000"/>
+                <a:lumMod val="103000"/>
+              </a:schemeClr>
+            </a:gs>
+            <a:gs pos="100000">
+              <a:schemeClr val="phClr">
+                <a:shade val="63000"/>
+                <a:satMod val="120000"/>
+              </a:schemeClr>
+            </a:gs>
+          </a:gsLst>
+          <a:lin ang="5400000" scaled="0"/>
+        </a:gradFill>
+      </a:bgFillStyleLst>
+    </a:fmtScheme>
+  </a:themeElements>
+  <a:objectDefaults/>
+  <a:extraClrSchemeLst/>
+  <a:extLst>
+    <a:ext uri="{05A4C25C-085E-4340-85A3-A5531E510DB2}">
+      <thm15:themeFamily xmlns:thm15="http://schemas.microsoft.com/office/thememl/2012/main" name="Office Theme" id="{62F939B6-93AF-4DB8-9C6B-D6C7DFDC589F}" vid="{4A3C46E8-61CC-4603-A589-7422A47A8E4A}"/>
+    </a:ext>
+  </a:extLst>
+</a:theme>
 </file>
--- a/Project_code.pptx
+++ b/Project_code.pptx
@@ -1,6 +1,6 @@
 
 <file path=ppt/presentation.xml><?xml version="1.0" encoding="utf-8"?>
-<p:presentation xmlns:a="http://schemas.openxmlformats.org/drawingml/2006/main" xmlns:p="http://schemas.openxmlformats.org/presentationml/2006/main" xmlns:r="http://schemas.openxmlformats.org/officeDocument/2006/relationships" autoCompressPictures="0" saveSubsetFonts="1">
+<p:presentation xmlns:a="http://schemas.openxmlformats.org/drawingml/2006/main" xmlns:r="http://schemas.openxmlformats.org/officeDocument/2006/relationships" xmlns:p="http://schemas.openxmlformats.org/presentationml/2006/main" saveSubsetFonts="1" autoCompressPictures="0">
   <p:sldMasterIdLst>
     <p:sldMasterId id="2147483648" r:id="rId1"/>
   </p:sldMasterIdLst>
@@ -12,6 +12,11 @@
     <p:sldId id="260" r:id="rId6"/>
     <p:sldId id="261" r:id="rId7"/>
     <p:sldId id="262" r:id="rId8"/>
+    <p:sldId id="263" r:id="rId9"/>
+    <p:sldId id="264" r:id="rId10"/>
+    <p:sldId id="265" r:id="rId11"/>
+    <p:sldId id="266" r:id="rId12"/>
+    <p:sldId id="267" r:id="rId13"/>
   </p:sldIdLst>
   <p:sldSz cx="9144000" cy="5143500" type="screen16x9"/>
   <p:notesSz cx="6858000" cy="9144000"/>
@@ -19,8 +24,8 @@
     <a:defPPr>
       <a:defRPr lang="en-US"/>
     </a:defPPr>
-    <a:lvl1pPr algn="l" defTabSz="457200" eaLnBrk="1" hangingPunct="1" latinLnBrk="0" marL="0" rtl="0">
-      <a:defRPr kern="1200" sz="1800">
+    <a:lvl1pPr marL="0" algn="l" defTabSz="457200" rtl="0" eaLnBrk="1" latinLnBrk="0" hangingPunct="1">
+      <a:defRPr sz="1800" kern="1200">
         <a:solidFill>
           <a:schemeClr val="tx1"/>
         </a:solidFill>
@@ -29,8 +34,8 @@
         <a:cs typeface="+mn-cs"/>
       </a:defRPr>
     </a:lvl1pPr>
-    <a:lvl2pPr algn="l" defTabSz="457200" eaLnBrk="1" hangingPunct="1" latinLnBrk="0" marL="457200" rtl="0">
-      <a:defRPr kern="1200" sz="1800">
+    <a:lvl2pPr marL="457200" algn="l" defTabSz="457200" rtl="0" eaLnBrk="1" latinLnBrk="0" hangingPunct="1">
+      <a:defRPr sz="1800" kern="1200">
         <a:solidFill>
           <a:schemeClr val="tx1"/>
         </a:solidFill>
@@ -39,8 +44,8 @@
         <a:cs typeface="+mn-cs"/>
       </a:defRPr>
     </a:lvl2pPr>
-    <a:lvl3pPr algn="l" defTabSz="457200" eaLnBrk="1" hangingPunct="1" latinLnBrk="0" marL="914400" rtl="0">
-      <a:defRPr kern="1200" sz="1800">
+    <a:lvl3pPr marL="914400" algn="l" defTabSz="457200" rtl="0" eaLnBrk="1" latinLnBrk="0" hangingPunct="1">
+      <a:defRPr sz="1800" kern="1200">
         <a:solidFill>
           <a:schemeClr val="tx1"/>
         </a:solidFill>
@@ -49,8 +54,8 @@
         <a:cs typeface="+mn-cs"/>
       </a:defRPr>
     </a:lvl3pPr>
-    <a:lvl4pPr algn="l" defTabSz="457200" eaLnBrk="1" hangingPunct="1" latinLnBrk="0" marL="1371600" rtl="0">
-      <a:defRPr kern="1200" sz="1800">
+    <a:lvl4pPr marL="1371600" algn="l" defTabSz="457200" rtl="0" eaLnBrk="1" latinLnBrk="0" hangingPunct="1">
+      <a:defRPr sz="1800" kern="1200">
         <a:solidFill>
           <a:schemeClr val="tx1"/>
         </a:solidFill>
@@ -59,8 +64,8 @@
         <a:cs typeface="+mn-cs"/>
       </a:defRPr>
     </a:lvl4pPr>
-    <a:lvl5pPr algn="l" defTabSz="457200" eaLnBrk="1" hangingPunct="1" latinLnBrk="0" marL="1828800" rtl="0">
-      <a:defRPr kern="1200" sz="1800">
+    <a:lvl5pPr marL="1828800" algn="l" defTabSz="457200" rtl="0" eaLnBrk="1" latinLnBrk="0" hangingPunct="1">
+      <a:defRPr sz="1800" kern="1200">
         <a:solidFill>
           <a:schemeClr val="tx1"/>
         </a:solidFill>
@@ -69,8 +74,8 @@
         <a:cs typeface="+mn-cs"/>
       </a:defRPr>
     </a:lvl5pPr>
-    <a:lvl6pPr algn="l" defTabSz="457200" eaLnBrk="1" hangingPunct="1" latinLnBrk="0" marL="2286000" rtl="0">
-      <a:defRPr kern="1200" sz="1800">
+    <a:lvl6pPr marL="2286000" algn="l" defTabSz="457200" rtl="0" eaLnBrk="1" latinLnBrk="0" hangingPunct="1">
+      <a:defRPr sz="1800" kern="1200">
         <a:solidFill>
           <a:schemeClr val="tx1"/>
         </a:solidFill>
@@ -79,8 +84,8 @@
         <a:cs typeface="+mn-cs"/>
       </a:defRPr>
     </a:lvl6pPr>
-    <a:lvl7pPr algn="l" defTabSz="457200" eaLnBrk="1" hangingPunct="1" latinLnBrk="0" marL="2743200" rtl="0">
-      <a:defRPr kern="1200" sz="1800">
+    <a:lvl7pPr marL="2743200" algn="l" defTabSz="457200" rtl="0" eaLnBrk="1" latinLnBrk="0" hangingPunct="1">
+      <a:defRPr sz="1800" kern="1200">
         <a:solidFill>
           <a:schemeClr val="tx1"/>
         </a:solidFill>
@@ -89,8 +94,8 @@
         <a:cs typeface="+mn-cs"/>
       </a:defRPr>
     </a:lvl7pPr>
-    <a:lvl8pPr algn="l" defTabSz="457200" eaLnBrk="1" hangingPunct="1" latinLnBrk="0" marL="3200400" rtl="0">
-      <a:defRPr kern="1200" sz="1800">
+    <a:lvl8pPr marL="3200400" algn="l" defTabSz="457200" rtl="0" eaLnBrk="1" latinLnBrk="0" hangingPunct="1">
+      <a:defRPr sz="1800" kern="1200">
         <a:solidFill>
           <a:schemeClr val="tx1"/>
         </a:solidFill>
@@ -99,8 +104,8 @@
         <a:cs typeface="+mn-cs"/>
       </a:defRPr>
     </a:lvl8pPr>
-    <a:lvl9pPr algn="l" defTabSz="457200" eaLnBrk="1" hangingPunct="1" latinLnBrk="0" marL="3657600" rtl="0">
-      <a:defRPr kern="1200" sz="1800">
+    <a:lvl9pPr marL="3657600" algn="l" defTabSz="457200" rtl="0" eaLnBrk="1" latinLnBrk="0" hangingPunct="1">
+      <a:defRPr sz="1800" kern="1200">
         <a:solidFill>
           <a:schemeClr val="tx1"/>
         </a:solidFill>
@@ -308,7 +313,7 @@
           <a:p>
             <a:fld id="{241EB5C9-1307-BA42-ABA2-0BC069CD8E7F}" type="datetimeFigureOut">
               <a:rPr lang="en-US" smtClean="0"/>
-              <a:t>1/2/22</a:t>
+              <a:t>2/13/2024</a:t>
             </a:fld>
             <a:endParaRPr lang="en-US"/>
           </a:p>
@@ -476,7 +481,7 @@
           <a:p>
             <a:fld id="{241EB5C9-1307-BA42-ABA2-0BC069CD8E7F}" type="datetimeFigureOut">
               <a:rPr lang="en-US" smtClean="0"/>
-              <a:t>1/2/22</a:t>
+              <a:t>2/13/2024</a:t>
             </a:fld>
             <a:endParaRPr lang="en-US"/>
           </a:p>
@@ -654,7 +659,7 @@
           <a:p>
             <a:fld id="{241EB5C9-1307-BA42-ABA2-0BC069CD8E7F}" type="datetimeFigureOut">
               <a:rPr lang="en-US" smtClean="0"/>
-              <a:t>1/2/22</a:t>
+              <a:t>2/13/2024</a:t>
             </a:fld>
             <a:endParaRPr lang="en-US"/>
           </a:p>
@@ -822,7 +827,7 @@
           <a:p>
             <a:fld id="{241EB5C9-1307-BA42-ABA2-0BC069CD8E7F}" type="datetimeFigureOut">
               <a:rPr lang="en-US" smtClean="0"/>
-              <a:t>1/2/22</a:t>
+              <a:t>2/13/2024</a:t>
             </a:fld>
             <a:endParaRPr lang="en-US"/>
           </a:p>
@@ -1067,7 +1072,7 @@
           <a:p>
             <a:fld id="{241EB5C9-1307-BA42-ABA2-0BC069CD8E7F}" type="datetimeFigureOut">
               <a:rPr lang="en-US" smtClean="0"/>
-              <a:t>1/2/22</a:t>
+              <a:t>2/13/2024</a:t>
             </a:fld>
             <a:endParaRPr lang="en-US"/>
           </a:p>
@@ -1352,7 +1357,7 @@
           <a:p>
             <a:fld id="{241EB5C9-1307-BA42-ABA2-0BC069CD8E7F}" type="datetimeFigureOut">
               <a:rPr lang="en-US" smtClean="0"/>
-              <a:t>1/2/22</a:t>
+              <a:t>2/13/2024</a:t>
             </a:fld>
             <a:endParaRPr lang="en-US"/>
           </a:p>
@@ -1771,7 +1776,7 @@
           <a:p>
             <a:fld id="{241EB5C9-1307-BA42-ABA2-0BC069CD8E7F}" type="datetimeFigureOut">
               <a:rPr lang="en-US" smtClean="0"/>
-              <a:t>1/2/22</a:t>
+              <a:t>2/13/2024</a:t>
             </a:fld>
             <a:endParaRPr lang="en-US"/>
           </a:p>
@@ -1888,7 +1893,7 @@
           <a:p>
             <a:fld id="{241EB5C9-1307-BA42-ABA2-0BC069CD8E7F}" type="datetimeFigureOut">
               <a:rPr lang="en-US" smtClean="0"/>
-              <a:t>1/2/22</a:t>
+              <a:t>2/13/2024</a:t>
             </a:fld>
             <a:endParaRPr lang="en-US"/>
           </a:p>
@@ -1983,7 +1988,7 @@
           <a:p>
             <a:fld id="{241EB5C9-1307-BA42-ABA2-0BC069CD8E7F}" type="datetimeFigureOut">
               <a:rPr lang="en-US" smtClean="0"/>
-              <a:t>1/2/22</a:t>
+              <a:t>2/13/2024</a:t>
             </a:fld>
             <a:endParaRPr lang="en-US"/>
           </a:p>
@@ -2258,7 +2263,7 @@
           <a:p>
             <a:fld id="{241EB5C9-1307-BA42-ABA2-0BC069CD8E7F}" type="datetimeFigureOut">
               <a:rPr lang="en-US" smtClean="0"/>
-              <a:t>1/2/22</a:t>
+              <a:t>2/13/2024</a:t>
             </a:fld>
             <a:endParaRPr lang="en-US"/>
           </a:p>
@@ -2510,7 +2515,7 @@
           <a:p>
             <a:fld id="{241EB5C9-1307-BA42-ABA2-0BC069CD8E7F}" type="datetimeFigureOut">
               <a:rPr lang="en-US" smtClean="0"/>
-              <a:t>1/2/22</a:t>
+              <a:t>2/13/2024</a:t>
             </a:fld>
             <a:endParaRPr lang="en-US"/>
           </a:p>
@@ -2572,7 +2577,7 @@
 </file>
 
 <file path=ppt/slideMasters/slideMaster1.xml><?xml version="1.0" encoding="utf-8"?>
-<p:sldMaster xmlns:a="http://schemas.openxmlformats.org/drawingml/2006/main" xmlns:p="http://schemas.openxmlformats.org/presentationml/2006/main" xmlns:r="http://schemas.openxmlformats.org/officeDocument/2006/relationships">
+<p:sldMaster xmlns:a="http://schemas.openxmlformats.org/drawingml/2006/main" xmlns:r="http://schemas.openxmlformats.org/officeDocument/2006/relationships" xmlns:p="http://schemas.openxmlformats.org/presentationml/2006/main">
   <p:cSld>
     <p:bg>
       <p:bgRef idx="1001">
@@ -2613,7 +2618,7 @@
           </a:prstGeom>
         </p:spPr>
         <p:txBody>
-          <a:bodyPr anchor="ctr" bIns="45720" lIns="91440" rIns="91440" rtlCol="0" tIns="45720" vert="horz">
+          <a:bodyPr vert="horz" lIns="91440" tIns="45720" rIns="91440" bIns="45720" rtlCol="0" anchor="ctr">
             <a:normAutofit/>
           </a:bodyPr>
           <a:lstStyle/>
@@ -2632,7 +2637,7 @@
             <a:spLocks noGrp="1"/>
           </p:cNvSpPr>
           <p:nvPr>
-            <p:ph idx="1" type="body"/>
+            <p:ph type="body" idx="1"/>
           </p:nvPr>
         </p:nvSpPr>
         <p:spPr>
@@ -2645,7 +2650,7 @@
           </a:prstGeom>
         </p:spPr>
         <p:txBody>
-          <a:bodyPr bIns="45720" lIns="91440" rIns="91440" rtlCol="0" tIns="45720" vert="horz">
+          <a:bodyPr vert="horz" lIns="91440" tIns="45720" rIns="91440" bIns="45720" rtlCol="0">
             <a:normAutofit/>
           </a:bodyPr>
           <a:lstStyle/>
@@ -2693,7 +2698,7 @@
             <a:spLocks noGrp="1"/>
           </p:cNvSpPr>
           <p:nvPr>
-            <p:ph idx="2" sz="half" type="dt"/>
+            <p:ph type="dt" sz="half" idx="2"/>
           </p:nvPr>
         </p:nvSpPr>
         <p:spPr>
@@ -2706,7 +2711,7 @@
           </a:prstGeom>
         </p:spPr>
         <p:txBody>
-          <a:bodyPr anchor="ctr" bIns="45720" lIns="91440" rIns="91440" rtlCol="0" tIns="45720" vert="horz"/>
+          <a:bodyPr vert="horz" lIns="91440" tIns="45720" rIns="91440" bIns="45720" rtlCol="0" anchor="ctr"/>
           <a:lstStyle>
             <a:lvl1pPr algn="l">
               <a:defRPr sz="900">
@@ -2721,7 +2726,7 @@
           <a:p>
             <a:fld id="{241EB5C9-1307-BA42-ABA2-0BC069CD8E7F}" type="datetimeFigureOut">
               <a:rPr lang="en-US" smtClean="0"/>
-              <a:t>1/2/22</a:t>
+              <a:t>2/13/2024</a:t>
             </a:fld>
             <a:endParaRPr lang="en-US"/>
           </a:p>
@@ -2734,7 +2739,7 @@
             <a:spLocks noGrp="1"/>
           </p:cNvSpPr>
           <p:nvPr>
-            <p:ph idx="3" sz="quarter" type="ftr"/>
+            <p:ph type="ftr" sz="quarter" idx="3"/>
           </p:nvPr>
         </p:nvSpPr>
         <p:spPr>
@@ -2747,7 +2752,7 @@
           </a:prstGeom>
         </p:spPr>
         <p:txBody>
-          <a:bodyPr anchor="ctr" bIns="45720" lIns="91440" rIns="91440" rtlCol="0" tIns="45720" vert="horz"/>
+          <a:bodyPr vert="horz" lIns="91440" tIns="45720" rIns="91440" bIns="45720" rtlCol="0" anchor="ctr"/>
           <a:lstStyle>
             <a:lvl1pPr algn="ctr">
               <a:defRPr sz="900">
@@ -2771,7 +2776,7 @@
             <a:spLocks noGrp="1"/>
           </p:cNvSpPr>
           <p:nvPr>
-            <p:ph idx="4" sz="quarter" type="sldNum"/>
+            <p:ph type="sldNum" sz="quarter" idx="4"/>
           </p:nvPr>
         </p:nvSpPr>
         <p:spPr>
@@ -2784,7 +2789,7 @@
           </a:prstGeom>
         </p:spPr>
         <p:txBody>
-          <a:bodyPr anchor="ctr" bIns="45720" lIns="91440" rIns="91440" rtlCol="0" tIns="45720" vert="horz"/>
+          <a:bodyPr vert="horz" lIns="91440" tIns="45720" rIns="91440" bIns="45720" rtlCol="0" anchor="ctr"/>
           <a:lstStyle>
             <a:lvl1pPr algn="r">
               <a:defRPr sz="900">
@@ -2812,7 +2817,7 @@
       </p:ext>
     </p:extLst>
   </p:cSld>
-  <p:clrMap accent1="accent1" accent2="accent2" accent3="accent3" accent4="accent4" accent5="accent5" accent6="accent6" bg1="lt1" bg2="lt2" folHlink="folHlink" hlink="hlink" tx1="dk1" tx2="dk2"/>
+  <p:clrMap bg1="lt1" tx1="dk1" bg2="lt2" tx2="dk2" accent1="accent1" accent2="accent2" accent3="accent3" accent4="accent4" accent5="accent5" accent6="accent6" hlink="hlink" folHlink="folHlink"/>
   <p:sldLayoutIdLst>
     <p:sldLayoutId id="2147483649" r:id="rId1"/>
     <p:sldLayoutId id="2147483650" r:id="rId2"/>
@@ -2828,12 +2833,12 @@
   </p:sldLayoutIdLst>
   <p:txStyles>
     <p:titleStyle>
-      <a:lvl1pPr algn="ctr" defTabSz="342900" eaLnBrk="1" hangingPunct="1" latinLnBrk="0" rtl="0">
+      <a:lvl1pPr algn="ctr" defTabSz="342900" rtl="0" eaLnBrk="1" latinLnBrk="0" hangingPunct="1">
         <a:spcBef>
           <a:spcPct val="0"/>
         </a:spcBef>
         <a:buNone/>
-        <a:defRPr kern="1200" sz="3300">
+        <a:defRPr sz="3300" kern="1200">
           <a:solidFill>
             <a:schemeClr val="tx1"/>
           </a:solidFill>
@@ -2844,13 +2849,13 @@
       </a:lvl1pPr>
     </p:titleStyle>
     <p:bodyStyle>
-      <a:lvl1pPr algn="l" defTabSz="342900" eaLnBrk="1" hangingPunct="1" indent="-342900" latinLnBrk="0" marL="342900" rtl="0">
+      <a:lvl1pPr marL="342900" indent="-342900" algn="l" defTabSz="342900" rtl="0" eaLnBrk="1" latinLnBrk="0" hangingPunct="1">
         <a:spcBef>
           <a:spcPct val="20000"/>
         </a:spcBef>
         <a:buFont typeface="Arial"/>
         <a:buChar char="•"/>
-        <a:defRPr kern="1200" sz="2400">
+        <a:defRPr sz="2400" kern="1200">
           <a:solidFill>
             <a:schemeClr val="tx1"/>
           </a:solidFill>
@@ -2859,13 +2864,13 @@
           <a:cs typeface="+mn-cs"/>
         </a:defRPr>
       </a:lvl1pPr>
-      <a:lvl2pPr algn="l" defTabSz="342900" eaLnBrk="1" hangingPunct="1" indent="-342900" latinLnBrk="0" marL="685800" rtl="0">
+      <a:lvl2pPr marL="685800" indent="-342900" algn="l" defTabSz="342900" rtl="0" eaLnBrk="1" latinLnBrk="0" hangingPunct="1">
         <a:spcBef>
           <a:spcPct val="20000"/>
         </a:spcBef>
         <a:buFont typeface="Arial"/>
         <a:buChar char="–"/>
-        <a:defRPr kern="1200" sz="2100">
+        <a:defRPr sz="2100" kern="1200">
           <a:solidFill>
             <a:schemeClr val="tx1"/>
           </a:solidFill>
@@ -2874,13 +2879,13 @@
           <a:cs typeface="+mn-cs"/>
         </a:defRPr>
       </a:lvl2pPr>
-      <a:lvl3pPr algn="l" defTabSz="342900" eaLnBrk="1" hangingPunct="1" indent="-342900" latinLnBrk="0" marL="1028700" rtl="0">
+      <a:lvl3pPr marL="1028700" indent="-342900" algn="l" defTabSz="342900" rtl="0" eaLnBrk="1" latinLnBrk="0" hangingPunct="1">
         <a:spcBef>
           <a:spcPct val="20000"/>
         </a:spcBef>
         <a:buFont typeface="Arial"/>
         <a:buChar char="•"/>
-        <a:defRPr kern="1200" sz="1800">
+        <a:defRPr sz="1800" kern="1200">
           <a:solidFill>
             <a:schemeClr val="tx1"/>
           </a:solidFill>
@@ -2889,13 +2894,13 @@
           <a:cs typeface="+mn-cs"/>
         </a:defRPr>
       </a:lvl3pPr>
-      <a:lvl4pPr algn="l" defTabSz="342900" eaLnBrk="1" hangingPunct="1" indent="-342900" latinLnBrk="0" marL="1371600" rtl="0">
+      <a:lvl4pPr marL="1371600" indent="-342900" algn="l" defTabSz="342900" rtl="0" eaLnBrk="1" latinLnBrk="0" hangingPunct="1">
         <a:spcBef>
           <a:spcPct val="20000"/>
         </a:spcBef>
         <a:buFont typeface="Arial"/>
         <a:buChar char="–"/>
-        <a:defRPr kern="1200" sz="1500">
+        <a:defRPr sz="1500" kern="1200">
           <a:solidFill>
             <a:schemeClr val="tx1"/>
           </a:solidFill>
@@ -2904,13 +2909,13 @@
           <a:cs typeface="+mn-cs"/>
         </a:defRPr>
       </a:lvl4pPr>
-      <a:lvl5pPr algn="l" defTabSz="342900" eaLnBrk="1" hangingPunct="1" indent="-342900" latinLnBrk="0" marL="1714500" rtl="0">
+      <a:lvl5pPr marL="1714500" indent="-342900" algn="l" defTabSz="342900" rtl="0" eaLnBrk="1" latinLnBrk="0" hangingPunct="1">
         <a:spcBef>
           <a:spcPct val="20000"/>
         </a:spcBef>
         <a:buFont typeface="Arial"/>
         <a:buChar char="»"/>
-        <a:defRPr kern="1200" sz="1500">
+        <a:defRPr sz="1500" kern="1200">
           <a:solidFill>
             <a:schemeClr val="tx1"/>
           </a:solidFill>
@@ -2919,13 +2924,13 @@
           <a:cs typeface="+mn-cs"/>
         </a:defRPr>
       </a:lvl5pPr>
-      <a:lvl6pPr algn="l" defTabSz="342900" eaLnBrk="1" hangingPunct="1" indent="-342900" latinLnBrk="0" marL="2057400" rtl="0">
+      <a:lvl6pPr marL="2057400" indent="-342900" algn="l" defTabSz="342900" rtl="0" eaLnBrk="1" latinLnBrk="0" hangingPunct="1">
         <a:spcBef>
           <a:spcPct val="20000"/>
         </a:spcBef>
         <a:buFont typeface="Arial"/>
         <a:buChar char="•"/>
-        <a:defRPr kern="1200" sz="1500">
+        <a:defRPr sz="1500" kern="1200">
           <a:solidFill>
             <a:schemeClr val="tx1"/>
           </a:solidFill>
@@ -2934,13 +2939,13 @@
           <a:cs typeface="+mn-cs"/>
         </a:defRPr>
       </a:lvl6pPr>
-      <a:lvl7pPr algn="l" defTabSz="342900" eaLnBrk="1" hangingPunct="1" indent="-342900" latinLnBrk="0" marL="2400300" rtl="0">
+      <a:lvl7pPr marL="2400300" indent="-342900" algn="l" defTabSz="342900" rtl="0" eaLnBrk="1" latinLnBrk="0" hangingPunct="1">
         <a:spcBef>
           <a:spcPct val="20000"/>
         </a:spcBef>
         <a:buFont typeface="Arial"/>
         <a:buChar char="•"/>
-        <a:defRPr kern="1200" sz="1500">
+        <a:defRPr sz="1500" kern="1200">
           <a:solidFill>
             <a:schemeClr val="tx1"/>
           </a:solidFill>
@@ -2949,13 +2954,13 @@
           <a:cs typeface="+mn-cs"/>
         </a:defRPr>
       </a:lvl7pPr>
-      <a:lvl8pPr algn="l" defTabSz="342900" eaLnBrk="1" hangingPunct="1" indent="-342900" latinLnBrk="0" marL="2743200" rtl="0">
+      <a:lvl8pPr marL="2743200" indent="-342900" algn="l" defTabSz="342900" rtl="0" eaLnBrk="1" latinLnBrk="0" hangingPunct="1">
         <a:spcBef>
           <a:spcPct val="20000"/>
         </a:spcBef>
         <a:buFont typeface="Arial"/>
         <a:buChar char="•"/>
-        <a:defRPr kern="1200" sz="1500">
+        <a:defRPr sz="1500" kern="1200">
           <a:solidFill>
             <a:schemeClr val="tx1"/>
           </a:solidFill>
@@ -2964,13 +2969,13 @@
           <a:cs typeface="+mn-cs"/>
         </a:defRPr>
       </a:lvl8pPr>
-      <a:lvl9pPr algn="l" defTabSz="342900" eaLnBrk="1" hangingPunct="1" indent="-342900" latinLnBrk="0" marL="3086100" rtl="0">
+      <a:lvl9pPr marL="3086100" indent="-342900" algn="l" defTabSz="342900" rtl="0" eaLnBrk="1" latinLnBrk="0" hangingPunct="1">
         <a:spcBef>
           <a:spcPct val="20000"/>
         </a:spcBef>
         <a:buFont typeface="Arial"/>
         <a:buChar char="•"/>
-        <a:defRPr kern="1200" sz="1500">
+        <a:defRPr sz="1500" kern="1200">
           <a:solidFill>
             <a:schemeClr val="tx1"/>
           </a:solidFill>
@@ -2984,8 +2989,8 @@
       <a:defPPr>
         <a:defRPr lang="en-US"/>
       </a:defPPr>
-      <a:lvl1pPr algn="l" defTabSz="342900" eaLnBrk="1" hangingPunct="1" latinLnBrk="0" marL="0" rtl="0">
-        <a:defRPr kern="1200" sz="1350">
+      <a:lvl1pPr marL="0" algn="l" defTabSz="342900" rtl="0" eaLnBrk="1" latinLnBrk="0" hangingPunct="1">
+        <a:defRPr sz="1350" kern="1200">
           <a:solidFill>
             <a:schemeClr val="tx1"/>
           </a:solidFill>
@@ -2994,8 +2999,8 @@
           <a:cs typeface="+mn-cs"/>
         </a:defRPr>
       </a:lvl1pPr>
-      <a:lvl2pPr algn="l" defTabSz="342900" eaLnBrk="1" hangingPunct="1" latinLnBrk="0" marL="342900" rtl="0">
-        <a:defRPr kern="1200" sz="1350">
+      <a:lvl2pPr marL="342900" algn="l" defTabSz="342900" rtl="0" eaLnBrk="1" latinLnBrk="0" hangingPunct="1">
+        <a:defRPr sz="1350" kern="1200">
           <a:solidFill>
             <a:schemeClr val="tx1"/>
           </a:solidFill>
@@ -3004,8 +3009,8 @@
           <a:cs typeface="+mn-cs"/>
         </a:defRPr>
       </a:lvl2pPr>
-      <a:lvl3pPr algn="l" defTabSz="342900" eaLnBrk="1" hangingPunct="1" latinLnBrk="0" marL="685800" rtl="0">
-        <a:defRPr kern="1200" sz="1350">
+      <a:lvl3pPr marL="685800" algn="l" defTabSz="342900" rtl="0" eaLnBrk="1" latinLnBrk="0" hangingPunct="1">
+        <a:defRPr sz="1350" kern="1200">
           <a:solidFill>
             <a:schemeClr val="tx1"/>
           </a:solidFill>
@@ -3014,8 +3019,8 @@
           <a:cs typeface="+mn-cs"/>
         </a:defRPr>
       </a:lvl3pPr>
-      <a:lvl4pPr algn="l" defTabSz="342900" eaLnBrk="1" hangingPunct="1" latinLnBrk="0" marL="1028700" rtl="0">
-        <a:defRPr kern="1200" sz="1350">
+      <a:lvl4pPr marL="1028700" algn="l" defTabSz="342900" rtl="0" eaLnBrk="1" latinLnBrk="0" hangingPunct="1">
+        <a:defRPr sz="1350" kern="1200">
           <a:solidFill>
             <a:schemeClr val="tx1"/>
           </a:solidFill>
@@ -3024,8 +3029,8 @@
           <a:cs typeface="+mn-cs"/>
         </a:defRPr>
       </a:lvl4pPr>
-      <a:lvl5pPr algn="l" defTabSz="342900" eaLnBrk="1" hangingPunct="1" latinLnBrk="0" marL="1371600" rtl="0">
-        <a:defRPr kern="1200" sz="1350">
+      <a:lvl5pPr marL="1371600" algn="l" defTabSz="342900" rtl="0" eaLnBrk="1" latinLnBrk="0" hangingPunct="1">
+        <a:defRPr sz="1350" kern="1200">
           <a:solidFill>
             <a:schemeClr val="tx1"/>
           </a:solidFill>
@@ -3034,8 +3039,8 @@
           <a:cs typeface="+mn-cs"/>
         </a:defRPr>
       </a:lvl5pPr>
-      <a:lvl6pPr algn="l" defTabSz="342900" eaLnBrk="1" hangingPunct="1" latinLnBrk="0" marL="1714500" rtl="0">
-        <a:defRPr kern="1200" sz="1350">
+      <a:lvl6pPr marL="1714500" algn="l" defTabSz="342900" rtl="0" eaLnBrk="1" latinLnBrk="0" hangingPunct="1">
+        <a:defRPr sz="1350" kern="1200">
           <a:solidFill>
             <a:schemeClr val="tx1"/>
           </a:solidFill>
@@ -3044,8 +3049,8 @@
           <a:cs typeface="+mn-cs"/>
         </a:defRPr>
       </a:lvl6pPr>
-      <a:lvl7pPr algn="l" defTabSz="342900" eaLnBrk="1" hangingPunct="1" latinLnBrk="0" marL="2057400" rtl="0">
-        <a:defRPr kern="1200" sz="1350">
+      <a:lvl7pPr marL="2057400" algn="l" defTabSz="342900" rtl="0" eaLnBrk="1" latinLnBrk="0" hangingPunct="1">
+        <a:defRPr sz="1350" kern="1200">
           <a:solidFill>
             <a:schemeClr val="tx1"/>
           </a:solidFill>
@@ -3054,8 +3059,8 @@
           <a:cs typeface="+mn-cs"/>
         </a:defRPr>
       </a:lvl7pPr>
-      <a:lvl8pPr algn="l" defTabSz="342900" eaLnBrk="1" hangingPunct="1" latinLnBrk="0" marL="2400300" rtl="0">
-        <a:defRPr kern="1200" sz="1350">
+      <a:lvl8pPr marL="2400300" algn="l" defTabSz="342900" rtl="0" eaLnBrk="1" latinLnBrk="0" hangingPunct="1">
+        <a:defRPr sz="1350" kern="1200">
           <a:solidFill>
             <a:schemeClr val="tx1"/>
           </a:solidFill>
@@ -3064,8 +3069,8 @@
           <a:cs typeface="+mn-cs"/>
         </a:defRPr>
       </a:lvl8pPr>
-      <a:lvl9pPr algn="l" defTabSz="342900" eaLnBrk="1" hangingPunct="1" latinLnBrk="0" marL="2743200" rtl="0">
-        <a:defRPr kern="1200" sz="1350">
+      <a:lvl9pPr marL="2743200" algn="l" defTabSz="342900" rtl="0" eaLnBrk="1" latinLnBrk="0" hangingPunct="1">
+        <a:defRPr sz="1350" kern="1200">
           <a:solidFill>
             <a:schemeClr val="tx1"/>
           </a:solidFill>
@@ -3116,11 +3121,10 @@
           <a:bodyPr/>
           <a:lstStyle/>
           <a:p>
-            <a:pPr lvl="0" indent="0" marL="0">
+            <a:pPr marL="0" lvl="0" indent="0">
               <a:buNone/>
             </a:pPr>
             <a:r>
-              <a:rPr/>
               <a:t>Project 1</a:t>
             </a:r>
           </a:p>
@@ -3133,7 +3137,7 @@
             <a:spLocks noGrp="1"/>
           </p:cNvSpPr>
           <p:nvPr>
-            <p:ph idx="1" type="subTitle"/>
+            <p:ph type="subTitle" idx="1"/>
           </p:nvPr>
         </p:nvSpPr>
         <p:spPr>
@@ -3146,11 +3150,12 @@
           <a:bodyPr/>
           <a:lstStyle/>
           <a:p>
-            <a:pPr lvl="0" indent="0" marL="0">
+            <a:pPr marL="0" lvl="0" indent="0">
               <a:buNone/>
             </a:pPr>
             <a:br/>
             <a:br/>
+            <a:endParaRPr/>
           </a:p>
         </p:txBody>
       </p:sp>
@@ -3161,7 +3166,7 @@
             <a:spLocks noGrp="1"/>
           </p:cNvSpPr>
           <p:nvPr>
-            <p:ph idx="10" sz="half" type="dt"/>
+            <p:ph type="dt" sz="half" idx="10"/>
           </p:nvPr>
         </p:nvSpPr>
         <p:spPr/>
@@ -3169,11 +3174,10 @@
           <a:bodyPr/>
           <a:lstStyle/>
           <a:p>
-            <a:pPr lvl="0" indent="0" marL="0">
+            <a:pPr marL="0" lvl="0" indent="0">
               <a:buNone/>
             </a:pPr>
             <a:r>
-              <a:rPr/>
               <a:t>2024-02-14</a:t>
             </a:r>
           </a:p>
@@ -3181,6 +3185,342 @@
       </p:sp>
     </p:spTree>
   </p:cSld>
+  <p:clrMapOvr>
+    <a:masterClrMapping/>
+  </p:clrMapOvr>
+</p:sld>
+</file>
+
+<file path=ppt/slides/slide10.xml><?xml version="1.0" encoding="utf-8"?>
+<p:sld xmlns:a="http://schemas.openxmlformats.org/drawingml/2006/main" xmlns:r="http://schemas.openxmlformats.org/officeDocument/2006/relationships" xmlns:p="http://schemas.openxmlformats.org/presentationml/2006/main">
+  <p:cSld>
+    <p:spTree>
+      <p:nvGrpSpPr>
+        <p:cNvPr id="1" name=""/>
+        <p:cNvGrpSpPr/>
+        <p:nvPr/>
+      </p:nvGrpSpPr>
+      <p:grpSpPr>
+        <a:xfrm>
+          <a:off x="0" y="0"/>
+          <a:ext cx="0" cy="0"/>
+          <a:chOff x="0" y="0"/>
+          <a:chExt cx="0" cy="0"/>
+        </a:xfrm>
+      </p:grpSpPr>
+      <p:sp>
+        <p:nvSpPr>
+          <p:cNvPr id="2" name="Title 1"/>
+          <p:cNvSpPr>
+            <a:spLocks noGrp="1"/>
+          </p:cNvSpPr>
+          <p:nvPr>
+            <p:ph type="title"/>
+          </p:nvPr>
+        </p:nvSpPr>
+        <p:spPr>
+          <a:xfrm>
+            <a:off x="457201" y="204787"/>
+            <a:ext cx="3008313" cy="871538"/>
+          </a:xfrm>
+        </p:spPr>
+        <p:txBody>
+          <a:bodyPr/>
+          <a:lstStyle/>
+          <a:p>
+            <a:pPr marL="0" lvl="0" indent="0">
+              <a:buNone/>
+            </a:pPr>
+            <a:r>
+              <a:t>Create a histogram to visualize the distribution of the selected numeric variable. You are encouraged to experiment with bin sizes and labels.</a:t>
+            </a:r>
+          </a:p>
+        </p:txBody>
+      </p:sp>
+      <p:sp>
+        <p:nvSpPr>
+          <p:cNvPr id="4" name="Text Placeholder 3"/>
+          <p:cNvSpPr>
+            <a:spLocks noGrp="1"/>
+          </p:cNvSpPr>
+          <p:nvPr>
+            <p:ph type="body" sz="half" idx="2"/>
+          </p:nvPr>
+        </p:nvSpPr>
+        <p:spPr/>
+        <p:txBody>
+          <a:bodyPr/>
+          <a:lstStyle/>
+          <a:p>
+            <a:pPr lvl="0" indent="0">
+              <a:buNone/>
+            </a:pPr>
+            <a:r>
+              <a:rPr>
+                <a:latin typeface="Courier"/>
+              </a:rPr>
+              <a:t>## Warning: Removed 14525 rows containing non-finite values (`stat_bin()`).</a:t>
+            </a:r>
+          </a:p>
+        </p:txBody>
+      </p:sp>
+      <p:pic>
+        <p:nvPicPr>
+          <p:cNvPr id="3" name="Picture 1" descr="Project_code_files/figure-pptx/unnamed-chunk-7-1.png"/>
+          <p:cNvPicPr>
+            <a:picLocks noGrp="1" noChangeAspect="1"/>
+          </p:cNvPicPr>
+          <p:nvPr/>
+        </p:nvPicPr>
+        <p:blipFill>
+          <a:blip r:embed="rId2"/>
+          <a:stretch>
+            <a:fillRect/>
+          </a:stretch>
+        </p:blipFill>
+        <p:spPr bwMode="auto">
+          <a:xfrm>
+            <a:off x="3568700" y="355600"/>
+            <a:ext cx="5105400" cy="4089400"/>
+          </a:xfrm>
+          <a:prstGeom prst="rect">
+            <a:avLst/>
+          </a:prstGeom>
+          <a:noFill/>
+          <a:ln w="9525">
+            <a:noFill/>
+            <a:headEnd/>
+            <a:tailEnd/>
+          </a:ln>
+        </p:spPr>
+      </p:pic>
+    </p:spTree>
+  </p:cSld>
+  <p:clrMapOvr>
+    <a:masterClrMapping/>
+  </p:clrMapOvr>
+</p:sld>
+</file>
+
+<file path=ppt/slides/slide11.xml><?xml version="1.0" encoding="utf-8"?>
+<p:sld xmlns:a="http://schemas.openxmlformats.org/drawingml/2006/main" xmlns:r="http://schemas.openxmlformats.org/officeDocument/2006/relationships" xmlns:p="http://schemas.openxmlformats.org/presentationml/2006/main">
+  <p:cSld>
+    <p:spTree>
+      <p:nvGrpSpPr>
+        <p:cNvPr id="1" name=""/>
+        <p:cNvGrpSpPr/>
+        <p:nvPr/>
+      </p:nvGrpSpPr>
+      <p:grpSpPr>
+        <a:xfrm>
+          <a:off x="0" y="0"/>
+          <a:ext cx="0" cy="0"/>
+          <a:chOff x="0" y="0"/>
+          <a:chExt cx="0" cy="0"/>
+        </a:xfrm>
+      </p:grpSpPr>
+      <p:sp>
+        <p:nvSpPr>
+          <p:cNvPr id="4" name="Text Placeholder 3"/>
+          <p:cNvSpPr>
+            <a:spLocks noGrp="1"/>
+          </p:cNvSpPr>
+          <p:nvPr>
+            <p:ph type="body" sz="half" idx="2"/>
+          </p:nvPr>
+        </p:nvSpPr>
+        <p:spPr/>
+        <p:txBody>
+          <a:bodyPr/>
+          <a:lstStyle/>
+          <a:p>
+            <a:pPr marL="0" lvl="0" indent="0">
+              <a:buNone/>
+            </a:pPr>
+            <a:endParaRPr/>
+          </a:p>
+          <a:p>
+            <a:pPr lvl="0" indent="0">
+              <a:buNone/>
+            </a:pPr>
+            <a:r>
+              <a:rPr>
+                <a:latin typeface="Courier"/>
+              </a:rPr>
+              <a:t>## Warning: Removed 4292 rows containing non-finite values (`stat_bin()`).</a:t>
+            </a:r>
+          </a:p>
+        </p:txBody>
+      </p:sp>
+      <p:pic>
+        <p:nvPicPr>
+          <p:cNvPr id="2" name="Picture 1" descr="Project_code_files/figure-pptx/unnamed-chunk-7-2.png"/>
+          <p:cNvPicPr>
+            <a:picLocks noGrp="1" noChangeAspect="1"/>
+          </p:cNvPicPr>
+          <p:nvPr/>
+        </p:nvPicPr>
+        <p:blipFill>
+          <a:blip r:embed="rId2"/>
+          <a:stretch>
+            <a:fillRect/>
+          </a:stretch>
+        </p:blipFill>
+        <p:spPr bwMode="auto">
+          <a:xfrm>
+            <a:off x="3568700" y="355600"/>
+            <a:ext cx="5105400" cy="4089400"/>
+          </a:xfrm>
+          <a:prstGeom prst="rect">
+            <a:avLst/>
+          </a:prstGeom>
+          <a:noFill/>
+          <a:ln w="9525">
+            <a:noFill/>
+            <a:headEnd/>
+            <a:tailEnd/>
+          </a:ln>
+        </p:spPr>
+      </p:pic>
+    </p:spTree>
+  </p:cSld>
+  <p:clrMapOvr>
+    <a:masterClrMapping/>
+  </p:clrMapOvr>
+</p:sld>
+</file>
+
+<file path=ppt/slides/slide12.xml><?xml version="1.0" encoding="utf-8"?>
+<p:sld xmlns:a="http://schemas.openxmlformats.org/drawingml/2006/main" xmlns:r="http://schemas.openxmlformats.org/officeDocument/2006/relationships" xmlns:p="http://schemas.openxmlformats.org/presentationml/2006/main">
+  <p:cSld>
+    <p:spTree>
+      <p:nvGrpSpPr>
+        <p:cNvPr id="1" name=""/>
+        <p:cNvGrpSpPr/>
+        <p:nvPr/>
+      </p:nvGrpSpPr>
+      <p:grpSpPr>
+        <a:xfrm>
+          <a:off x="0" y="0"/>
+          <a:ext cx="0" cy="0"/>
+          <a:chOff x="0" y="0"/>
+          <a:chExt cx="0" cy="0"/>
+        </a:xfrm>
+      </p:grpSpPr>
+      <p:sp>
+        <p:nvSpPr>
+          <p:cNvPr id="2" name="Title 1"/>
+          <p:cNvSpPr>
+            <a:spLocks noGrp="1"/>
+          </p:cNvSpPr>
+          <p:nvPr>
+            <p:ph type="title"/>
+          </p:nvPr>
+        </p:nvSpPr>
+        <p:spPr>
+          <a:xfrm>
+            <a:off x="457201" y="204787"/>
+            <a:ext cx="3008313" cy="871538"/>
+          </a:xfrm>
+        </p:spPr>
+        <p:txBody>
+          <a:bodyPr/>
+          <a:lstStyle/>
+          <a:p>
+            <a:pPr marL="0" lvl="0" indent="0">
+              <a:buNone/>
+            </a:pPr>
+            <a:r>
+              <a:t>Create a box plot to visualize the median, quartiles, and potential outliers of the selected numeric variable.</a:t>
+            </a:r>
+          </a:p>
+        </p:txBody>
+      </p:sp>
+      <p:sp>
+        <p:nvSpPr>
+          <p:cNvPr id="4" name="Text Placeholder 3"/>
+          <p:cNvSpPr>
+            <a:spLocks noGrp="1"/>
+          </p:cNvSpPr>
+          <p:nvPr>
+            <p:ph type="body" sz="half" idx="2"/>
+          </p:nvPr>
+        </p:nvSpPr>
+        <p:spPr/>
+        <p:txBody>
+          <a:bodyPr/>
+          <a:lstStyle/>
+          <a:p>
+            <a:pPr lvl="0" indent="0">
+              <a:buNone/>
+            </a:pPr>
+            <a:r>
+              <a:rPr>
+                <a:latin typeface="Courier"/>
+              </a:rPr>
+              <a:t>## Warning: Continuous x aesthetic
+## ℹ did you forget `aes(group = ...)`?</a:t>
+            </a:r>
+          </a:p>
+          <a:p>
+            <a:pPr lvl="0" indent="0">
+              <a:buNone/>
+            </a:pPr>
+            <a:r>
+              <a:rPr>
+                <a:latin typeface="Courier"/>
+              </a:rPr>
+              <a:t>## Warning: Removed 266 rows containing missing values (`stat_boxplot()`).</a:t>
+            </a:r>
+          </a:p>
+          <a:p>
+            <a:pPr lvl="0" indent="0">
+              <a:buNone/>
+            </a:pPr>
+            <a:r>
+              <a:rPr>
+                <a:latin typeface="Courier"/>
+              </a:rPr>
+              <a:t>## Warning: Removed 14259 rows containing non-finite values (`stat_boxplot()`).</a:t>
+            </a:r>
+          </a:p>
+        </p:txBody>
+      </p:sp>
+      <p:pic>
+        <p:nvPicPr>
+          <p:cNvPr id="3" name="Picture 1" descr="Project_code_files/figure-pptx/unnamed-chunk-8-1.png"/>
+          <p:cNvPicPr>
+            <a:picLocks noGrp="1" noChangeAspect="1"/>
+          </p:cNvPicPr>
+          <p:nvPr/>
+        </p:nvPicPr>
+        <p:blipFill>
+          <a:blip r:embed="rId2"/>
+          <a:stretch>
+            <a:fillRect/>
+          </a:stretch>
+        </p:blipFill>
+        <p:spPr bwMode="auto">
+          <a:xfrm>
+            <a:off x="3568700" y="355600"/>
+            <a:ext cx="5105400" cy="4089400"/>
+          </a:xfrm>
+          <a:prstGeom prst="rect">
+            <a:avLst/>
+          </a:prstGeom>
+          <a:noFill/>
+          <a:ln w="9525">
+            <a:noFill/>
+            <a:headEnd/>
+            <a:tailEnd/>
+          </a:ln>
+        </p:spPr>
+      </p:pic>
+    </p:spTree>
+  </p:cSld>
+  <p:clrMapOvr>
+    <a:masterClrMapping/>
+  </p:clrMapOvr>
 </p:sld>
 </file>
 
@@ -3216,11 +3556,10 @@
           <a:bodyPr/>
           <a:lstStyle/>
           <a:p>
-            <a:pPr lvl="0" indent="0" marL="0">
+            <a:pPr marL="0" lvl="0" indent="0">
               <a:buNone/>
             </a:pPr>
             <a:r>
-              <a:rPr/>
               <a:t>R Markdown</a:t>
             </a:r>
           </a:p>
@@ -3241,11 +3580,10 @@
           <a:bodyPr/>
           <a:lstStyle/>
           <a:p>
-            <a:pPr lvl="0" indent="0" marL="0">
+            <a:pPr marL="0" lvl="0" indent="0">
               <a:buNone/>
             </a:pPr>
             <a:r>
-              <a:rPr/>
               <a:t>This is an R Markdown presentation. Markdown is a simple formatting syntax for authoring HTML, PDF, and MS Word documents. For more details on using R Markdown see </a:t>
             </a:r>
             <a:r>
@@ -3255,16 +3593,14 @@
               <a:t>http://rmarkdown.rstudio.com</a:t>
             </a:r>
             <a:r>
-              <a:rPr/>
               <a:t>.</a:t>
             </a:r>
           </a:p>
           <a:p>
-            <a:pPr lvl="0" indent="0" marL="0">
+            <a:pPr marL="0" lvl="0" indent="0">
               <a:buNone/>
             </a:pPr>
             <a:r>
-              <a:rPr/>
               <a:t>When you click the </a:t>
             </a:r>
             <a:r>
@@ -3272,7 +3608,6 @@
               <a:t>Knit</a:t>
             </a:r>
             <a:r>
-              <a:rPr/>
               <a:t> button a document will be generated that includes both content as well as the output of any embedded R code chunks within the document.</a:t>
             </a:r>
           </a:p>
@@ -3280,6 +3615,9 @@
       </p:sp>
     </p:spTree>
   </p:cSld>
+  <p:clrMapOvr>
+    <a:masterClrMapping/>
+  </p:clrMapOvr>
 </p:sld>
 </file>
 
@@ -3315,11 +3653,10 @@
           <a:bodyPr/>
           <a:lstStyle/>
           <a:p>
-            <a:pPr lvl="0" indent="0" marL="0">
+            <a:pPr marL="0" lvl="0" indent="0">
               <a:buNone/>
             </a:pPr>
             <a:r>
-              <a:rPr/>
               <a:t>Slide with Bullets</a:t>
             </a:r>
           </a:p>
@@ -3342,21 +3679,18 @@
           <a:p>
             <a:pPr lvl="0"/>
             <a:r>
-              <a:rPr/>
               <a:t>Bullet 1</a:t>
             </a:r>
           </a:p>
           <a:p>
             <a:pPr lvl="0"/>
             <a:r>
-              <a:rPr/>
               <a:t>Bullet 2</a:t>
             </a:r>
           </a:p>
           <a:p>
             <a:pPr lvl="0"/>
             <a:r>
-              <a:rPr/>
               <a:t>Bullet 3</a:t>
             </a:r>
           </a:p>
@@ -3364,6 +3698,9 @@
       </p:sp>
     </p:spTree>
   </p:cSld>
+  <p:clrMapOvr>
+    <a:masterClrMapping/>
+  </p:clrMapOvr>
 </p:sld>
 </file>
 
@@ -3399,11 +3736,10 @@
           <a:bodyPr/>
           <a:lstStyle/>
           <a:p>
-            <a:pPr lvl="0" indent="0" marL="0">
+            <a:pPr marL="0" lvl="0" indent="0">
               <a:buNone/>
             </a:pPr>
             <a:r>
-              <a:rPr/>
               <a:t>Slide with R Output</a:t>
             </a:r>
           </a:p>
@@ -3444,6 +3780,9 @@
       </p:sp>
     </p:spTree>
   </p:cSld>
+  <p:clrMapOvr>
+    <a:masterClrMapping/>
+  </p:clrMapOvr>
 </p:sld>
 </file>
 
@@ -3479,11 +3818,10 @@
           <a:bodyPr/>
           <a:lstStyle/>
           <a:p>
-            <a:pPr lvl="0" indent="0" marL="0">
+            <a:pPr marL="0" lvl="0" indent="0">
               <a:buNone/>
             </a:pPr>
             <a:r>
-              <a:rPr/>
               <a:t>Slide with Plot</a:t>
             </a:r>
           </a:p>
@@ -3491,7 +3829,7 @@
       </p:sp>
       <p:pic>
         <p:nvPicPr>
-          <p:cNvPr descr="Project_code_files/figure-pptx/unnamed-chunk-2-1.png" id="0" name="Picture 1"/>
+          <p:cNvPr id="3" name="Picture 1" descr="Project_code_files/figure-pptx/unnamed-chunk-2-1.png"/>
           <p:cNvPicPr>
             <a:picLocks noGrp="1" noChangeAspect="1"/>
           </p:cNvPicPr>
@@ -3521,6 +3859,9 @@
       </p:pic>
     </p:spTree>
   </p:cSld>
+  <p:clrMapOvr>
+    <a:masterClrMapping/>
+  </p:clrMapOvr>
 </p:sld>
 </file>
 
@@ -3556,18 +3897,4083 @@
           <a:bodyPr/>
           <a:lstStyle/>
           <a:p>
-            <a:pPr lvl="0" indent="0" marL="0">
+            <a:pPr marL="0" lvl="0" indent="0">
               <a:buNone/>
             </a:pPr>
             <a:r>
-              <a:rPr/>
-              <a:t>was there a slide created?</a:t>
-            </a:r>
+              <a:t>Load the Dataset</a:t>
+            </a:r>
+          </a:p>
+        </p:txBody>
+      </p:sp>
+      <p:sp>
+        <p:nvSpPr>
+          <p:cNvPr id="3" name="Content Placeholder 2"/>
+          <p:cNvSpPr>
+            <a:spLocks noGrp="1"/>
+          </p:cNvSpPr>
+          <p:nvPr>
+            <p:ph idx="1"/>
+          </p:nvPr>
+        </p:nvSpPr>
+        <p:spPr/>
+        <p:txBody>
+          <a:bodyPr>
+            <a:noAutofit/>
+          </a:bodyPr>
+          <a:lstStyle/>
+          <a:p>
+            <a:pPr lvl="0" indent="0">
+              <a:buNone/>
+            </a:pPr>
+            <a:r>
+              <a:rPr sz="800" dirty="0">
+                <a:latin typeface="Courier"/>
+              </a:rPr>
+              <a:t>##  [1] "</a:t>
+            </a:r>
+            <a:r>
+              <a:rPr sz="800" dirty="0" err="1">
+                <a:latin typeface="Courier"/>
+              </a:rPr>
+              <a:t>Country.Name</a:t>
+            </a:r>
+            <a:r>
+              <a:rPr sz="800" dirty="0">
+                <a:latin typeface="Courier"/>
+              </a:rPr>
+              <a:t>" "</a:t>
+            </a:r>
+            <a:r>
+              <a:rPr sz="800" dirty="0" err="1">
+                <a:latin typeface="Courier"/>
+              </a:rPr>
+              <a:t>Country.Code</a:t>
+            </a:r>
+            <a:r>
+              <a:rPr sz="800" dirty="0">
+                <a:latin typeface="Courier"/>
+              </a:rPr>
+              <a:t>" "X1960"        "X1961"        "X1962"       
+##  [6] "X1963"        "X1964"        "X1965"        "X1966"        "X1967"       
+## [11] "X1968"        "X1969"        "X1970"        "X1971"        "X1972"       
+## [16] "X1973"        "X1974"        "X1975"        "X1976"        "X1977"       
+## [21] "X1978"        "X1979"        "X1980"        "X1981"        "X1982"       
+## [26] "X1983"        "X1984"        "X1985"        "X1986"        "X1987"       
+## [31] "X1988"        "X1989"        "X1990"        "X1991"        "X1992"       
+## [36] "X1993"        "X1994"        "X1995"        "X1996"        "X1997"       
+## [41] "X1998"        "X1999"        "X2000"        "X2001"        "X2002"       
+## [46] "X2003"        "X2004"        "X2005"        "X2006"        "X2007"       
+## [51] "X2008"        "X2009"        "X2010"        "X2011"        "X2012"       
+## [56] "X2013"        "X2014"        "X2015"        "X2016"        "X2017"       
+## [61] "X2018"        "X2019"        "X2020"        "X2021"        "X2022"       
+## [66] "X"</a:t>
+            </a:r>
+          </a:p>
+          <a:p>
+            <a:pPr lvl="0" indent="0">
+              <a:buNone/>
+            </a:pPr>
+            <a:r>
+              <a:rPr sz="800" dirty="0">
+                <a:latin typeface="Courier"/>
+              </a:rPr>
+              <a:t>##                  </a:t>
+            </a:r>
+            <a:r>
+              <a:rPr sz="800" dirty="0" err="1">
+                <a:latin typeface="Courier"/>
+              </a:rPr>
+              <a:t>Country.Name</a:t>
+            </a:r>
+            <a:r>
+              <a:rPr sz="800" dirty="0">
+                <a:latin typeface="Courier"/>
+              </a:rPr>
+              <a:t> </a:t>
+            </a:r>
+            <a:r>
+              <a:rPr sz="800" dirty="0" err="1">
+                <a:latin typeface="Courier"/>
+              </a:rPr>
+              <a:t>Country.Code</a:t>
+            </a:r>
+            <a:r>
+              <a:rPr sz="800" dirty="0">
+                <a:latin typeface="Courier"/>
+              </a:rPr>
+              <a:t> X1960 X1961 X1962 X1963 X1964 X1965
+## 1                       Aruba          ABW    NA    </a:t>
+            </a:r>
+            <a:r>
+              <a:rPr sz="800" dirty="0" err="1">
+                <a:latin typeface="Courier"/>
+              </a:rPr>
+              <a:t>NA</a:t>
+            </a:r>
+            <a:r>
+              <a:rPr sz="800" dirty="0">
+                <a:latin typeface="Courier"/>
+              </a:rPr>
+              <a:t>    </a:t>
+            </a:r>
+            <a:r>
+              <a:rPr sz="800" dirty="0" err="1">
+                <a:latin typeface="Courier"/>
+              </a:rPr>
+              <a:t>NA</a:t>
+            </a:r>
+            <a:r>
+              <a:rPr sz="800" dirty="0">
+                <a:latin typeface="Courier"/>
+              </a:rPr>
+              <a:t>    </a:t>
+            </a:r>
+            <a:r>
+              <a:rPr sz="800" dirty="0" err="1">
+                <a:latin typeface="Courier"/>
+              </a:rPr>
+              <a:t>NA</a:t>
+            </a:r>
+            <a:r>
+              <a:rPr sz="800" dirty="0">
+                <a:latin typeface="Courier"/>
+              </a:rPr>
+              <a:t>    </a:t>
+            </a:r>
+            <a:r>
+              <a:rPr sz="800" dirty="0" err="1">
+                <a:latin typeface="Courier"/>
+              </a:rPr>
+              <a:t>NA</a:t>
+            </a:r>
+            <a:r>
+              <a:rPr sz="800" dirty="0">
+                <a:latin typeface="Courier"/>
+              </a:rPr>
+              <a:t>    </a:t>
+            </a:r>
+            <a:r>
+              <a:rPr sz="800" dirty="0" err="1">
+                <a:latin typeface="Courier"/>
+              </a:rPr>
+              <a:t>NA</a:t>
+            </a:r>
+            <a:r>
+              <a:rPr sz="800" dirty="0">
+                <a:latin typeface="Courier"/>
+              </a:rPr>
+              <a:t>
+## 2 Africa Eastern and Southern          AFE    NA    </a:t>
+            </a:r>
+            <a:r>
+              <a:rPr sz="800" dirty="0" err="1">
+                <a:latin typeface="Courier"/>
+              </a:rPr>
+              <a:t>NA</a:t>
+            </a:r>
+            <a:r>
+              <a:rPr sz="800" dirty="0">
+                <a:latin typeface="Courier"/>
+              </a:rPr>
+              <a:t>    </a:t>
+            </a:r>
+            <a:r>
+              <a:rPr sz="800" dirty="0" err="1">
+                <a:latin typeface="Courier"/>
+              </a:rPr>
+              <a:t>NA</a:t>
+            </a:r>
+            <a:r>
+              <a:rPr sz="800" dirty="0">
+                <a:latin typeface="Courier"/>
+              </a:rPr>
+              <a:t>    </a:t>
+            </a:r>
+            <a:r>
+              <a:rPr sz="800" dirty="0" err="1">
+                <a:latin typeface="Courier"/>
+              </a:rPr>
+              <a:t>NA</a:t>
+            </a:r>
+            <a:r>
+              <a:rPr sz="800" dirty="0">
+                <a:latin typeface="Courier"/>
+              </a:rPr>
+              <a:t>    </a:t>
+            </a:r>
+            <a:r>
+              <a:rPr sz="800" dirty="0" err="1">
+                <a:latin typeface="Courier"/>
+              </a:rPr>
+              <a:t>NA</a:t>
+            </a:r>
+            <a:r>
+              <a:rPr sz="800" dirty="0">
+                <a:latin typeface="Courier"/>
+              </a:rPr>
+              <a:t>    </a:t>
+            </a:r>
+            <a:r>
+              <a:rPr sz="800" dirty="0" err="1">
+                <a:latin typeface="Courier"/>
+              </a:rPr>
+              <a:t>NA</a:t>
+            </a:r>
+            <a:r>
+              <a:rPr sz="800" dirty="0">
+                <a:latin typeface="Courier"/>
+              </a:rPr>
+              <a:t>
+## 3                 Afghanistan          AFG    NA    </a:t>
+            </a:r>
+            <a:r>
+              <a:rPr sz="800" dirty="0" err="1">
+                <a:latin typeface="Courier"/>
+              </a:rPr>
+              <a:t>NA</a:t>
+            </a:r>
+            <a:r>
+              <a:rPr sz="800" dirty="0">
+                <a:latin typeface="Courier"/>
+              </a:rPr>
+              <a:t>    </a:t>
+            </a:r>
+            <a:r>
+              <a:rPr sz="800" dirty="0" err="1">
+                <a:latin typeface="Courier"/>
+              </a:rPr>
+              <a:t>NA</a:t>
+            </a:r>
+            <a:r>
+              <a:rPr sz="800" dirty="0">
+                <a:latin typeface="Courier"/>
+              </a:rPr>
+              <a:t>    </a:t>
+            </a:r>
+            <a:r>
+              <a:rPr sz="800" dirty="0" err="1">
+                <a:latin typeface="Courier"/>
+              </a:rPr>
+              <a:t>NA</a:t>
+            </a:r>
+            <a:r>
+              <a:rPr sz="800" dirty="0">
+                <a:latin typeface="Courier"/>
+              </a:rPr>
+              <a:t>    </a:t>
+            </a:r>
+            <a:r>
+              <a:rPr sz="800" dirty="0" err="1">
+                <a:latin typeface="Courier"/>
+              </a:rPr>
+              <a:t>NA</a:t>
+            </a:r>
+            <a:r>
+              <a:rPr sz="800" dirty="0">
+                <a:latin typeface="Courier"/>
+              </a:rPr>
+              <a:t>    </a:t>
+            </a:r>
+            <a:r>
+              <a:rPr sz="800" dirty="0" err="1">
+                <a:latin typeface="Courier"/>
+              </a:rPr>
+              <a:t>NA</a:t>
+            </a:r>
+            <a:r>
+              <a:rPr sz="800" dirty="0">
+                <a:latin typeface="Courier"/>
+              </a:rPr>
+              <a:t>
+## 4  Africa Western and Central          AFW    NA    </a:t>
+            </a:r>
+            <a:r>
+              <a:rPr sz="800" dirty="0" err="1">
+                <a:latin typeface="Courier"/>
+              </a:rPr>
+              <a:t>NA</a:t>
+            </a:r>
+            <a:r>
+              <a:rPr sz="800" dirty="0">
+                <a:latin typeface="Courier"/>
+              </a:rPr>
+              <a:t>    </a:t>
+            </a:r>
+            <a:r>
+              <a:rPr sz="800" dirty="0" err="1">
+                <a:latin typeface="Courier"/>
+              </a:rPr>
+              <a:t>NA</a:t>
+            </a:r>
+            <a:r>
+              <a:rPr sz="800" dirty="0">
+                <a:latin typeface="Courier"/>
+              </a:rPr>
+              <a:t>    </a:t>
+            </a:r>
+            <a:r>
+              <a:rPr sz="800" dirty="0" err="1">
+                <a:latin typeface="Courier"/>
+              </a:rPr>
+              <a:t>NA</a:t>
+            </a:r>
+            <a:r>
+              <a:rPr sz="800" dirty="0">
+                <a:latin typeface="Courier"/>
+              </a:rPr>
+              <a:t>    </a:t>
+            </a:r>
+            <a:r>
+              <a:rPr sz="800" dirty="0" err="1">
+                <a:latin typeface="Courier"/>
+              </a:rPr>
+              <a:t>NA</a:t>
+            </a:r>
+            <a:r>
+              <a:rPr sz="800" dirty="0">
+                <a:latin typeface="Courier"/>
+              </a:rPr>
+              <a:t>    </a:t>
+            </a:r>
+            <a:r>
+              <a:rPr sz="800" dirty="0" err="1">
+                <a:latin typeface="Courier"/>
+              </a:rPr>
+              <a:t>NA</a:t>
+            </a:r>
+            <a:r>
+              <a:rPr sz="800" dirty="0">
+                <a:latin typeface="Courier"/>
+              </a:rPr>
+              <a:t>
+## 5                      Angola          AGO    NA    </a:t>
+            </a:r>
+            <a:r>
+              <a:rPr sz="800" dirty="0" err="1">
+                <a:latin typeface="Courier"/>
+              </a:rPr>
+              <a:t>NA</a:t>
+            </a:r>
+            <a:r>
+              <a:rPr sz="800" dirty="0">
+                <a:latin typeface="Courier"/>
+              </a:rPr>
+              <a:t>    </a:t>
+            </a:r>
+            <a:r>
+              <a:rPr sz="800" dirty="0" err="1">
+                <a:latin typeface="Courier"/>
+              </a:rPr>
+              <a:t>NA</a:t>
+            </a:r>
+            <a:r>
+              <a:rPr sz="800" dirty="0">
+                <a:latin typeface="Courier"/>
+              </a:rPr>
+              <a:t>    </a:t>
+            </a:r>
+            <a:r>
+              <a:rPr sz="800" dirty="0" err="1">
+                <a:latin typeface="Courier"/>
+              </a:rPr>
+              <a:t>NA</a:t>
+            </a:r>
+            <a:r>
+              <a:rPr sz="800" dirty="0">
+                <a:latin typeface="Courier"/>
+              </a:rPr>
+              <a:t>    </a:t>
+            </a:r>
+            <a:r>
+              <a:rPr sz="800" dirty="0" err="1">
+                <a:latin typeface="Courier"/>
+              </a:rPr>
+              <a:t>NA</a:t>
+            </a:r>
+            <a:r>
+              <a:rPr sz="800" dirty="0">
+                <a:latin typeface="Courier"/>
+              </a:rPr>
+              <a:t>    </a:t>
+            </a:r>
+            <a:r>
+              <a:rPr sz="800" dirty="0" err="1">
+                <a:latin typeface="Courier"/>
+              </a:rPr>
+              <a:t>NA</a:t>
+            </a:r>
+            <a:r>
+              <a:rPr sz="800" dirty="0">
+                <a:latin typeface="Courier"/>
+              </a:rPr>
+              <a:t>
+## 6                     Albania          ALB    NA    </a:t>
+            </a:r>
+            <a:r>
+              <a:rPr sz="800" dirty="0" err="1">
+                <a:latin typeface="Courier"/>
+              </a:rPr>
+              <a:t>NA</a:t>
+            </a:r>
+            <a:r>
+              <a:rPr sz="800" dirty="0">
+                <a:latin typeface="Courier"/>
+              </a:rPr>
+              <a:t>    </a:t>
+            </a:r>
+            <a:r>
+              <a:rPr sz="800" dirty="0" err="1">
+                <a:latin typeface="Courier"/>
+              </a:rPr>
+              <a:t>NA</a:t>
+            </a:r>
+            <a:r>
+              <a:rPr sz="800" dirty="0">
+                <a:latin typeface="Courier"/>
+              </a:rPr>
+              <a:t>    </a:t>
+            </a:r>
+            <a:r>
+              <a:rPr sz="800" dirty="0" err="1">
+                <a:latin typeface="Courier"/>
+              </a:rPr>
+              <a:t>NA</a:t>
+            </a:r>
+            <a:r>
+              <a:rPr sz="800" dirty="0">
+                <a:latin typeface="Courier"/>
+              </a:rPr>
+              <a:t>    </a:t>
+            </a:r>
+            <a:r>
+              <a:rPr sz="800" dirty="0" err="1">
+                <a:latin typeface="Courier"/>
+              </a:rPr>
+              <a:t>NA</a:t>
+            </a:r>
+            <a:r>
+              <a:rPr sz="800" dirty="0">
+                <a:latin typeface="Courier"/>
+              </a:rPr>
+              <a:t>    </a:t>
+            </a:r>
+            <a:r>
+              <a:rPr sz="800" dirty="0" err="1">
+                <a:latin typeface="Courier"/>
+              </a:rPr>
+              <a:t>NA</a:t>
+            </a:r>
+            <a:r>
+              <a:rPr sz="800" dirty="0">
+                <a:latin typeface="Courier"/>
+              </a:rPr>
+              <a:t>
+##   X1966 X1967 X1968 X1969 X1970 X1971 X1972 X1973 X1974 X1975 X1976 X1977 X1978
+## 1    NA    </a:t>
+            </a:r>
+            <a:r>
+              <a:rPr sz="800" dirty="0" err="1">
+                <a:latin typeface="Courier"/>
+              </a:rPr>
+              <a:t>NA</a:t>
+            </a:r>
+            <a:r>
+              <a:rPr sz="800" dirty="0">
+                <a:latin typeface="Courier"/>
+              </a:rPr>
+              <a:t>    </a:t>
+            </a:r>
+            <a:r>
+              <a:rPr sz="800" dirty="0" err="1">
+                <a:latin typeface="Courier"/>
+              </a:rPr>
+              <a:t>NA</a:t>
+            </a:r>
+            <a:r>
+              <a:rPr sz="800" dirty="0">
+                <a:latin typeface="Courier"/>
+              </a:rPr>
+              <a:t>    </a:t>
+            </a:r>
+            <a:r>
+              <a:rPr sz="800" dirty="0" err="1">
+                <a:latin typeface="Courier"/>
+              </a:rPr>
+              <a:t>NA</a:t>
+            </a:r>
+            <a:r>
+              <a:rPr sz="800" dirty="0">
+                <a:latin typeface="Courier"/>
+              </a:rPr>
+              <a:t>    </a:t>
+            </a:r>
+            <a:r>
+              <a:rPr sz="800" dirty="0" err="1">
+                <a:latin typeface="Courier"/>
+              </a:rPr>
+              <a:t>NA</a:t>
+            </a:r>
+            <a:r>
+              <a:rPr sz="800" dirty="0">
+                <a:latin typeface="Courier"/>
+              </a:rPr>
+              <a:t>    </a:t>
+            </a:r>
+            <a:r>
+              <a:rPr sz="800" dirty="0" err="1">
+                <a:latin typeface="Courier"/>
+              </a:rPr>
+              <a:t>NA</a:t>
+            </a:r>
+            <a:r>
+              <a:rPr sz="800" dirty="0">
+                <a:latin typeface="Courier"/>
+              </a:rPr>
+              <a:t>    </a:t>
+            </a:r>
+            <a:r>
+              <a:rPr sz="800" dirty="0" err="1">
+                <a:latin typeface="Courier"/>
+              </a:rPr>
+              <a:t>NA</a:t>
+            </a:r>
+            <a:r>
+              <a:rPr sz="800" dirty="0">
+                <a:latin typeface="Courier"/>
+              </a:rPr>
+              <a:t>    </a:t>
+            </a:r>
+            <a:r>
+              <a:rPr sz="800" dirty="0" err="1">
+                <a:latin typeface="Courier"/>
+              </a:rPr>
+              <a:t>NA</a:t>
+            </a:r>
+            <a:r>
+              <a:rPr sz="800" dirty="0">
+                <a:latin typeface="Courier"/>
+              </a:rPr>
+              <a:t>    </a:t>
+            </a:r>
+            <a:r>
+              <a:rPr sz="800" dirty="0" err="1">
+                <a:latin typeface="Courier"/>
+              </a:rPr>
+              <a:t>NA</a:t>
+            </a:r>
+            <a:r>
+              <a:rPr sz="800" dirty="0">
+                <a:latin typeface="Courier"/>
+              </a:rPr>
+              <a:t>    </a:t>
+            </a:r>
+            <a:r>
+              <a:rPr sz="800" dirty="0" err="1">
+                <a:latin typeface="Courier"/>
+              </a:rPr>
+              <a:t>NA</a:t>
+            </a:r>
+            <a:r>
+              <a:rPr sz="800" dirty="0">
+                <a:latin typeface="Courier"/>
+              </a:rPr>
+              <a:t>    </a:t>
+            </a:r>
+            <a:r>
+              <a:rPr sz="800" dirty="0" err="1">
+                <a:latin typeface="Courier"/>
+              </a:rPr>
+              <a:t>NA</a:t>
+            </a:r>
+            <a:r>
+              <a:rPr sz="800" dirty="0">
+                <a:latin typeface="Courier"/>
+              </a:rPr>
+              <a:t>    </a:t>
+            </a:r>
+            <a:r>
+              <a:rPr sz="800" dirty="0" err="1">
+                <a:latin typeface="Courier"/>
+              </a:rPr>
+              <a:t>NA</a:t>
+            </a:r>
+            <a:r>
+              <a:rPr sz="800" dirty="0">
+                <a:latin typeface="Courier"/>
+              </a:rPr>
+              <a:t>    </a:t>
+            </a:r>
+            <a:r>
+              <a:rPr sz="800" dirty="0" err="1">
+                <a:latin typeface="Courier"/>
+              </a:rPr>
+              <a:t>NA</a:t>
+            </a:r>
+            <a:r>
+              <a:rPr sz="800" dirty="0">
+                <a:latin typeface="Courier"/>
+              </a:rPr>
+              <a:t>
+## 2    NA    </a:t>
+            </a:r>
+            <a:r>
+              <a:rPr sz="800" dirty="0" err="1">
+                <a:latin typeface="Courier"/>
+              </a:rPr>
+              <a:t>NA</a:t>
+            </a:r>
+            <a:r>
+              <a:rPr sz="800" dirty="0">
+                <a:latin typeface="Courier"/>
+              </a:rPr>
+              <a:t>    </a:t>
+            </a:r>
+            <a:r>
+              <a:rPr sz="800" dirty="0" err="1">
+                <a:latin typeface="Courier"/>
+              </a:rPr>
+              <a:t>NA</a:t>
+            </a:r>
+            <a:r>
+              <a:rPr sz="800" dirty="0">
+                <a:latin typeface="Courier"/>
+              </a:rPr>
+              <a:t>    </a:t>
+            </a:r>
+            <a:r>
+              <a:rPr sz="800" dirty="0" err="1">
+                <a:latin typeface="Courier"/>
+              </a:rPr>
+              <a:t>NA</a:t>
+            </a:r>
+            <a:r>
+              <a:rPr sz="800" dirty="0">
+                <a:latin typeface="Courier"/>
+              </a:rPr>
+              <a:t>    </a:t>
+            </a:r>
+            <a:r>
+              <a:rPr sz="800" dirty="0" err="1">
+                <a:latin typeface="Courier"/>
+              </a:rPr>
+              <a:t>NA</a:t>
+            </a:r>
+            <a:r>
+              <a:rPr sz="800" dirty="0">
+                <a:latin typeface="Courier"/>
+              </a:rPr>
+              <a:t>    </a:t>
+            </a:r>
+            <a:r>
+              <a:rPr sz="800" dirty="0" err="1">
+                <a:latin typeface="Courier"/>
+              </a:rPr>
+              <a:t>NA</a:t>
+            </a:r>
+            <a:r>
+              <a:rPr sz="800" dirty="0">
+                <a:latin typeface="Courier"/>
+              </a:rPr>
+              <a:t>    </a:t>
+            </a:r>
+            <a:r>
+              <a:rPr sz="800" dirty="0" err="1">
+                <a:latin typeface="Courier"/>
+              </a:rPr>
+              <a:t>NA</a:t>
+            </a:r>
+            <a:r>
+              <a:rPr sz="800" dirty="0">
+                <a:latin typeface="Courier"/>
+              </a:rPr>
+              <a:t>    </a:t>
+            </a:r>
+            <a:r>
+              <a:rPr sz="800" dirty="0" err="1">
+                <a:latin typeface="Courier"/>
+              </a:rPr>
+              <a:t>NA</a:t>
+            </a:r>
+            <a:r>
+              <a:rPr sz="800" dirty="0">
+                <a:latin typeface="Courier"/>
+              </a:rPr>
+              <a:t>    </a:t>
+            </a:r>
+            <a:r>
+              <a:rPr sz="800" dirty="0" err="1">
+                <a:latin typeface="Courier"/>
+              </a:rPr>
+              <a:t>NA</a:t>
+            </a:r>
+            <a:r>
+              <a:rPr sz="800" dirty="0">
+                <a:latin typeface="Courier"/>
+              </a:rPr>
+              <a:t>    </a:t>
+            </a:r>
+            <a:r>
+              <a:rPr sz="800" dirty="0" err="1">
+                <a:latin typeface="Courier"/>
+              </a:rPr>
+              <a:t>NA</a:t>
+            </a:r>
+            <a:r>
+              <a:rPr sz="800" dirty="0">
+                <a:latin typeface="Courier"/>
+              </a:rPr>
+              <a:t>    </a:t>
+            </a:r>
+            <a:r>
+              <a:rPr sz="800" dirty="0" err="1">
+                <a:latin typeface="Courier"/>
+              </a:rPr>
+              <a:t>NA</a:t>
+            </a:r>
+            <a:r>
+              <a:rPr sz="800" dirty="0">
+                <a:latin typeface="Courier"/>
+              </a:rPr>
+              <a:t>    </a:t>
+            </a:r>
+            <a:r>
+              <a:rPr sz="800" dirty="0" err="1">
+                <a:latin typeface="Courier"/>
+              </a:rPr>
+              <a:t>NA</a:t>
+            </a:r>
+            <a:r>
+              <a:rPr sz="800" dirty="0">
+                <a:latin typeface="Courier"/>
+              </a:rPr>
+              <a:t>    </a:t>
+            </a:r>
+            <a:r>
+              <a:rPr sz="800" dirty="0" err="1">
+                <a:latin typeface="Courier"/>
+              </a:rPr>
+              <a:t>NA</a:t>
+            </a:r>
+            <a:r>
+              <a:rPr sz="800" dirty="0">
+                <a:latin typeface="Courier"/>
+              </a:rPr>
+              <a:t>
+## 3    NA    </a:t>
+            </a:r>
+            <a:r>
+              <a:rPr sz="800" dirty="0" err="1">
+                <a:latin typeface="Courier"/>
+              </a:rPr>
+              <a:t>NA</a:t>
+            </a:r>
+            <a:r>
+              <a:rPr sz="800" dirty="0">
+                <a:latin typeface="Courier"/>
+              </a:rPr>
+              <a:t>    </a:t>
+            </a:r>
+            <a:r>
+              <a:rPr sz="800" dirty="0" err="1">
+                <a:latin typeface="Courier"/>
+              </a:rPr>
+              <a:t>NA</a:t>
+            </a:r>
+            <a:r>
+              <a:rPr sz="800" dirty="0">
+                <a:latin typeface="Courier"/>
+              </a:rPr>
+              <a:t>    </a:t>
+            </a:r>
+            <a:r>
+              <a:rPr sz="800" dirty="0" err="1">
+                <a:latin typeface="Courier"/>
+              </a:rPr>
+              <a:t>NA</a:t>
+            </a:r>
+            <a:r>
+              <a:rPr sz="800" dirty="0">
+                <a:latin typeface="Courier"/>
+              </a:rPr>
+              <a:t>    </a:t>
+            </a:r>
+            <a:r>
+              <a:rPr sz="800" dirty="0" err="1">
+                <a:latin typeface="Courier"/>
+              </a:rPr>
+              <a:t>NA</a:t>
+            </a:r>
+            <a:r>
+              <a:rPr sz="800" dirty="0">
+                <a:latin typeface="Courier"/>
+              </a:rPr>
+              <a:t>    </a:t>
+            </a:r>
+            <a:r>
+              <a:rPr sz="800" dirty="0" err="1">
+                <a:latin typeface="Courier"/>
+              </a:rPr>
+              <a:t>NA</a:t>
+            </a:r>
+            <a:r>
+              <a:rPr sz="800" dirty="0">
+                <a:latin typeface="Courier"/>
+              </a:rPr>
+              <a:t>    </a:t>
+            </a:r>
+            <a:r>
+              <a:rPr sz="800" dirty="0" err="1">
+                <a:latin typeface="Courier"/>
+              </a:rPr>
+              <a:t>NA</a:t>
+            </a:r>
+            <a:r>
+              <a:rPr sz="800" dirty="0">
+                <a:latin typeface="Courier"/>
+              </a:rPr>
+              <a:t>    </a:t>
+            </a:r>
+            <a:r>
+              <a:rPr sz="800" dirty="0" err="1">
+                <a:latin typeface="Courier"/>
+              </a:rPr>
+              <a:t>NA</a:t>
+            </a:r>
+            <a:r>
+              <a:rPr sz="800" dirty="0">
+                <a:latin typeface="Courier"/>
+              </a:rPr>
+              <a:t>    </a:t>
+            </a:r>
+            <a:r>
+              <a:rPr sz="800" dirty="0" err="1">
+                <a:latin typeface="Courier"/>
+              </a:rPr>
+              <a:t>NA</a:t>
+            </a:r>
+            <a:r>
+              <a:rPr sz="800" dirty="0">
+                <a:latin typeface="Courier"/>
+              </a:rPr>
+              <a:t>    </a:t>
+            </a:r>
+            <a:r>
+              <a:rPr sz="800" dirty="0" err="1">
+                <a:latin typeface="Courier"/>
+              </a:rPr>
+              <a:t>NA</a:t>
+            </a:r>
+            <a:r>
+              <a:rPr sz="800" dirty="0">
+                <a:latin typeface="Courier"/>
+              </a:rPr>
+              <a:t>    </a:t>
+            </a:r>
+            <a:r>
+              <a:rPr sz="800" dirty="0" err="1">
+                <a:latin typeface="Courier"/>
+              </a:rPr>
+              <a:t>NA</a:t>
+            </a:r>
+            <a:r>
+              <a:rPr sz="800" dirty="0">
+                <a:latin typeface="Courier"/>
+              </a:rPr>
+              <a:t>    </a:t>
+            </a:r>
+            <a:r>
+              <a:rPr sz="800" dirty="0" err="1">
+                <a:latin typeface="Courier"/>
+              </a:rPr>
+              <a:t>NA</a:t>
+            </a:r>
+            <a:r>
+              <a:rPr sz="800" dirty="0">
+                <a:latin typeface="Courier"/>
+              </a:rPr>
+              <a:t>    </a:t>
+            </a:r>
+            <a:r>
+              <a:rPr sz="800" dirty="0" err="1">
+                <a:latin typeface="Courier"/>
+              </a:rPr>
+              <a:t>NA</a:t>
+            </a:r>
+            <a:r>
+              <a:rPr sz="800" dirty="0">
+                <a:latin typeface="Courier"/>
+              </a:rPr>
+              <a:t>
+## 4    NA    </a:t>
+            </a:r>
+            <a:r>
+              <a:rPr sz="800" dirty="0" err="1">
+                <a:latin typeface="Courier"/>
+              </a:rPr>
+              <a:t>NA</a:t>
+            </a:r>
+            <a:r>
+              <a:rPr sz="800" dirty="0">
+                <a:latin typeface="Courier"/>
+              </a:rPr>
+              <a:t>    </a:t>
+            </a:r>
+            <a:r>
+              <a:rPr sz="800" dirty="0" err="1">
+                <a:latin typeface="Courier"/>
+              </a:rPr>
+              <a:t>NA</a:t>
+            </a:r>
+            <a:r>
+              <a:rPr sz="800" dirty="0">
+                <a:latin typeface="Courier"/>
+              </a:rPr>
+              <a:t>    </a:t>
+            </a:r>
+            <a:r>
+              <a:rPr sz="800" dirty="0" err="1">
+                <a:latin typeface="Courier"/>
+              </a:rPr>
+              <a:t>NA</a:t>
+            </a:r>
+            <a:r>
+              <a:rPr sz="800" dirty="0">
+                <a:latin typeface="Courier"/>
+              </a:rPr>
+              <a:t>    </a:t>
+            </a:r>
+            <a:r>
+              <a:rPr sz="800" dirty="0" err="1">
+                <a:latin typeface="Courier"/>
+              </a:rPr>
+              <a:t>NA</a:t>
+            </a:r>
+            <a:r>
+              <a:rPr sz="800" dirty="0">
+                <a:latin typeface="Courier"/>
+              </a:rPr>
+              <a:t>    </a:t>
+            </a:r>
+            <a:r>
+              <a:rPr sz="800" dirty="0" err="1">
+                <a:latin typeface="Courier"/>
+              </a:rPr>
+              <a:t>NA</a:t>
+            </a:r>
+            <a:r>
+              <a:rPr sz="800" dirty="0">
+                <a:latin typeface="Courier"/>
+              </a:rPr>
+              <a:t>    </a:t>
+            </a:r>
+            <a:r>
+              <a:rPr sz="800" dirty="0" err="1">
+                <a:latin typeface="Courier"/>
+              </a:rPr>
+              <a:t>NA</a:t>
+            </a:r>
+            <a:r>
+              <a:rPr sz="800" dirty="0">
+                <a:latin typeface="Courier"/>
+              </a:rPr>
+              <a:t>    </a:t>
+            </a:r>
+            <a:r>
+              <a:rPr sz="800" dirty="0" err="1">
+                <a:latin typeface="Courier"/>
+              </a:rPr>
+              <a:t>NA</a:t>
+            </a:r>
+            <a:r>
+              <a:rPr sz="800" dirty="0">
+                <a:latin typeface="Courier"/>
+              </a:rPr>
+              <a:t>    </a:t>
+            </a:r>
+            <a:r>
+              <a:rPr sz="800" dirty="0" err="1">
+                <a:latin typeface="Courier"/>
+              </a:rPr>
+              <a:t>NA</a:t>
+            </a:r>
+            <a:r>
+              <a:rPr sz="800" dirty="0">
+                <a:latin typeface="Courier"/>
+              </a:rPr>
+              <a:t>    </a:t>
+            </a:r>
+            <a:r>
+              <a:rPr sz="800" dirty="0" err="1">
+                <a:latin typeface="Courier"/>
+              </a:rPr>
+              <a:t>NA</a:t>
+            </a:r>
+            <a:r>
+              <a:rPr sz="800" dirty="0">
+                <a:latin typeface="Courier"/>
+              </a:rPr>
+              <a:t>    </a:t>
+            </a:r>
+            <a:r>
+              <a:rPr sz="800" dirty="0" err="1">
+                <a:latin typeface="Courier"/>
+              </a:rPr>
+              <a:t>NA</a:t>
+            </a:r>
+            <a:r>
+              <a:rPr sz="800" dirty="0">
+                <a:latin typeface="Courier"/>
+              </a:rPr>
+              <a:t>    </a:t>
+            </a:r>
+            <a:r>
+              <a:rPr sz="800" dirty="0" err="1">
+                <a:latin typeface="Courier"/>
+              </a:rPr>
+              <a:t>NA</a:t>
+            </a:r>
+            <a:r>
+              <a:rPr sz="800" dirty="0">
+                <a:latin typeface="Courier"/>
+              </a:rPr>
+              <a:t>    </a:t>
+            </a:r>
+            <a:r>
+              <a:rPr sz="800" dirty="0" err="1">
+                <a:latin typeface="Courier"/>
+              </a:rPr>
+              <a:t>NA</a:t>
+            </a:r>
+            <a:r>
+              <a:rPr sz="800" dirty="0">
+                <a:latin typeface="Courier"/>
+              </a:rPr>
+              <a:t>
+## 5    NA    </a:t>
+            </a:r>
+            <a:r>
+              <a:rPr sz="800" dirty="0" err="1">
+                <a:latin typeface="Courier"/>
+              </a:rPr>
+              <a:t>NA</a:t>
+            </a:r>
+            <a:r>
+              <a:rPr sz="800" dirty="0">
+                <a:latin typeface="Courier"/>
+              </a:rPr>
+              <a:t>    </a:t>
+            </a:r>
+            <a:r>
+              <a:rPr sz="800" dirty="0" err="1">
+                <a:latin typeface="Courier"/>
+              </a:rPr>
+              <a:t>NA</a:t>
+            </a:r>
+            <a:r>
+              <a:rPr sz="800" dirty="0">
+                <a:latin typeface="Courier"/>
+              </a:rPr>
+              <a:t>    </a:t>
+            </a:r>
+            <a:r>
+              <a:rPr sz="800" dirty="0" err="1">
+                <a:latin typeface="Courier"/>
+              </a:rPr>
+              <a:t>NA</a:t>
+            </a:r>
+            <a:r>
+              <a:rPr sz="800" dirty="0">
+                <a:latin typeface="Courier"/>
+              </a:rPr>
+              <a:t>    </a:t>
+            </a:r>
+            <a:r>
+              <a:rPr sz="800" dirty="0" err="1">
+                <a:latin typeface="Courier"/>
+              </a:rPr>
+              <a:t>NA</a:t>
+            </a:r>
+            <a:r>
+              <a:rPr sz="800" dirty="0">
+                <a:latin typeface="Courier"/>
+              </a:rPr>
+              <a:t>    </a:t>
+            </a:r>
+            <a:r>
+              <a:rPr sz="800" dirty="0" err="1">
+                <a:latin typeface="Courier"/>
+              </a:rPr>
+              <a:t>NA</a:t>
+            </a:r>
+            <a:r>
+              <a:rPr sz="800" dirty="0">
+                <a:latin typeface="Courier"/>
+              </a:rPr>
+              <a:t>    </a:t>
+            </a:r>
+            <a:r>
+              <a:rPr sz="800" dirty="0" err="1">
+                <a:latin typeface="Courier"/>
+              </a:rPr>
+              <a:t>NA</a:t>
+            </a:r>
+            <a:r>
+              <a:rPr sz="800" dirty="0">
+                <a:latin typeface="Courier"/>
+              </a:rPr>
+              <a:t>    </a:t>
+            </a:r>
+            <a:r>
+              <a:rPr sz="800" dirty="0" err="1">
+                <a:latin typeface="Courier"/>
+              </a:rPr>
+              <a:t>NA</a:t>
+            </a:r>
+            <a:r>
+              <a:rPr sz="800" dirty="0">
+                <a:latin typeface="Courier"/>
+              </a:rPr>
+              <a:t>    </a:t>
+            </a:r>
+            <a:r>
+              <a:rPr sz="800" dirty="0" err="1">
+                <a:latin typeface="Courier"/>
+              </a:rPr>
+              <a:t>NA</a:t>
+            </a:r>
+            <a:r>
+              <a:rPr sz="800" dirty="0">
+                <a:latin typeface="Courier"/>
+              </a:rPr>
+              <a:t>    </a:t>
+            </a:r>
+            <a:r>
+              <a:rPr sz="800" dirty="0" err="1">
+                <a:latin typeface="Courier"/>
+              </a:rPr>
+              <a:t>NA</a:t>
+            </a:r>
+            <a:r>
+              <a:rPr sz="800" dirty="0">
+                <a:latin typeface="Courier"/>
+              </a:rPr>
+              <a:t>    </a:t>
+            </a:r>
+            <a:r>
+              <a:rPr sz="800" dirty="0" err="1">
+                <a:latin typeface="Courier"/>
+              </a:rPr>
+              <a:t>NA</a:t>
+            </a:r>
+            <a:r>
+              <a:rPr sz="800" dirty="0">
+                <a:latin typeface="Courier"/>
+              </a:rPr>
+              <a:t>    </a:t>
+            </a:r>
+            <a:r>
+              <a:rPr sz="800" dirty="0" err="1">
+                <a:latin typeface="Courier"/>
+              </a:rPr>
+              <a:t>NA</a:t>
+            </a:r>
+            <a:r>
+              <a:rPr sz="800" dirty="0">
+                <a:latin typeface="Courier"/>
+              </a:rPr>
+              <a:t>    </a:t>
+            </a:r>
+            <a:r>
+              <a:rPr sz="800" dirty="0" err="1">
+                <a:latin typeface="Courier"/>
+              </a:rPr>
+              <a:t>NA</a:t>
+            </a:r>
+            <a:r>
+              <a:rPr sz="800" dirty="0">
+                <a:latin typeface="Courier"/>
+              </a:rPr>
+              <a:t>
+## 6    NA    </a:t>
+            </a:r>
+            <a:r>
+              <a:rPr sz="800" dirty="0" err="1">
+                <a:latin typeface="Courier"/>
+              </a:rPr>
+              <a:t>NA</a:t>
+            </a:r>
+            <a:r>
+              <a:rPr sz="800" dirty="0">
+                <a:latin typeface="Courier"/>
+              </a:rPr>
+              <a:t>    </a:t>
+            </a:r>
+            <a:r>
+              <a:rPr sz="800" dirty="0" err="1">
+                <a:latin typeface="Courier"/>
+              </a:rPr>
+              <a:t>NA</a:t>
+            </a:r>
+            <a:r>
+              <a:rPr sz="800" dirty="0">
+                <a:latin typeface="Courier"/>
+              </a:rPr>
+              <a:t>    </a:t>
+            </a:r>
+            <a:r>
+              <a:rPr sz="800" dirty="0" err="1">
+                <a:latin typeface="Courier"/>
+              </a:rPr>
+              <a:t>NA</a:t>
+            </a:r>
+            <a:r>
+              <a:rPr sz="800" dirty="0">
+                <a:latin typeface="Courier"/>
+              </a:rPr>
+              <a:t>    </a:t>
+            </a:r>
+            <a:r>
+              <a:rPr sz="800" dirty="0" err="1">
+                <a:latin typeface="Courier"/>
+              </a:rPr>
+              <a:t>NA</a:t>
+            </a:r>
+            <a:r>
+              <a:rPr sz="800" dirty="0">
+                <a:latin typeface="Courier"/>
+              </a:rPr>
+              <a:t>    </a:t>
+            </a:r>
+            <a:r>
+              <a:rPr sz="800" dirty="0" err="1">
+                <a:latin typeface="Courier"/>
+              </a:rPr>
+              <a:t>NA</a:t>
+            </a:r>
+            <a:r>
+              <a:rPr sz="800" dirty="0">
+                <a:latin typeface="Courier"/>
+              </a:rPr>
+              <a:t>    </a:t>
+            </a:r>
+            <a:r>
+              <a:rPr sz="800" dirty="0" err="1">
+                <a:latin typeface="Courier"/>
+              </a:rPr>
+              <a:t>NA</a:t>
+            </a:r>
+            <a:r>
+              <a:rPr sz="800" dirty="0">
+                <a:latin typeface="Courier"/>
+              </a:rPr>
+              <a:t>    </a:t>
+            </a:r>
+            <a:r>
+              <a:rPr sz="800" dirty="0" err="1">
+                <a:latin typeface="Courier"/>
+              </a:rPr>
+              <a:t>NA</a:t>
+            </a:r>
+            <a:r>
+              <a:rPr sz="800" dirty="0">
+                <a:latin typeface="Courier"/>
+              </a:rPr>
+              <a:t>    </a:t>
+            </a:r>
+            <a:r>
+              <a:rPr sz="800" dirty="0" err="1">
+                <a:latin typeface="Courier"/>
+              </a:rPr>
+              <a:t>NA</a:t>
+            </a:r>
+            <a:r>
+              <a:rPr sz="800" dirty="0">
+                <a:latin typeface="Courier"/>
+              </a:rPr>
+              <a:t>    </a:t>
+            </a:r>
+            <a:r>
+              <a:rPr sz="800" dirty="0" err="1">
+                <a:latin typeface="Courier"/>
+              </a:rPr>
+              <a:t>NA</a:t>
+            </a:r>
+            <a:r>
+              <a:rPr sz="800" dirty="0">
+                <a:latin typeface="Courier"/>
+              </a:rPr>
+              <a:t>    </a:t>
+            </a:r>
+            <a:r>
+              <a:rPr sz="800" dirty="0" err="1">
+                <a:latin typeface="Courier"/>
+              </a:rPr>
+              <a:t>NA</a:t>
+            </a:r>
+            <a:r>
+              <a:rPr sz="800" dirty="0">
+                <a:latin typeface="Courier"/>
+              </a:rPr>
+              <a:t>    </a:t>
+            </a:r>
+            <a:r>
+              <a:rPr sz="800" dirty="0" err="1">
+                <a:latin typeface="Courier"/>
+              </a:rPr>
+              <a:t>NA</a:t>
+            </a:r>
+            <a:r>
+              <a:rPr sz="800" dirty="0">
+                <a:latin typeface="Courier"/>
+              </a:rPr>
+              <a:t>    </a:t>
+            </a:r>
+            <a:r>
+              <a:rPr sz="800" dirty="0" err="1">
+                <a:latin typeface="Courier"/>
+              </a:rPr>
+              <a:t>NA</a:t>
+            </a:r>
+            <a:r>
+              <a:rPr sz="800" dirty="0">
+                <a:latin typeface="Courier"/>
+              </a:rPr>
+              <a:t>
+##   X1979 X1980 X1981 X1982 X1983 X1984 X1985 X1986 X1987 X1988 X1989 X1990 X1991
+## 1    NA    </a:t>
+            </a:r>
+            <a:r>
+              <a:rPr sz="800" dirty="0" err="1">
+                <a:latin typeface="Courier"/>
+              </a:rPr>
+              <a:t>NA</a:t>
+            </a:r>
+            <a:r>
+              <a:rPr sz="800" dirty="0">
+                <a:latin typeface="Courier"/>
+              </a:rPr>
+              <a:t>    </a:t>
+            </a:r>
+            <a:r>
+              <a:rPr sz="800" dirty="0" err="1">
+                <a:latin typeface="Courier"/>
+              </a:rPr>
+              <a:t>NA</a:t>
+            </a:r>
+            <a:r>
+              <a:rPr sz="800" dirty="0">
+                <a:latin typeface="Courier"/>
+              </a:rPr>
+              <a:t>    </a:t>
+            </a:r>
+            <a:r>
+              <a:rPr sz="800" dirty="0" err="1">
+                <a:latin typeface="Courier"/>
+              </a:rPr>
+              <a:t>NA</a:t>
+            </a:r>
+            <a:r>
+              <a:rPr sz="800" dirty="0">
+                <a:latin typeface="Courier"/>
+              </a:rPr>
+              <a:t>    </a:t>
+            </a:r>
+            <a:r>
+              <a:rPr sz="800" dirty="0" err="1">
+                <a:latin typeface="Courier"/>
+              </a:rPr>
+              <a:t>NA</a:t>
+            </a:r>
+            <a:r>
+              <a:rPr sz="800" dirty="0">
+                <a:latin typeface="Courier"/>
+              </a:rPr>
+              <a:t>    </a:t>
+            </a:r>
+            <a:r>
+              <a:rPr sz="800" dirty="0" err="1">
+                <a:latin typeface="Courier"/>
+              </a:rPr>
+              <a:t>NA</a:t>
+            </a:r>
+            <a:r>
+              <a:rPr sz="800" dirty="0">
+                <a:latin typeface="Courier"/>
+              </a:rPr>
+              <a:t>    </a:t>
+            </a:r>
+            <a:r>
+              <a:rPr sz="800" dirty="0" err="1">
+                <a:latin typeface="Courier"/>
+              </a:rPr>
+              <a:t>NA</a:t>
+            </a:r>
+            <a:r>
+              <a:rPr sz="800" dirty="0">
+                <a:latin typeface="Courier"/>
+              </a:rPr>
+              <a:t>    </a:t>
+            </a:r>
+            <a:r>
+              <a:rPr sz="800" dirty="0" err="1">
+                <a:latin typeface="Courier"/>
+              </a:rPr>
+              <a:t>NA</a:t>
+            </a:r>
+            <a:r>
+              <a:rPr sz="800" dirty="0">
+                <a:latin typeface="Courier"/>
+              </a:rPr>
+              <a:t>    </a:t>
+            </a:r>
+            <a:r>
+              <a:rPr sz="800" dirty="0" err="1">
+                <a:latin typeface="Courier"/>
+              </a:rPr>
+              <a:t>NA</a:t>
+            </a:r>
+            <a:r>
+              <a:rPr sz="800" dirty="0">
+                <a:latin typeface="Courier"/>
+              </a:rPr>
+              <a:t>    </a:t>
+            </a:r>
+            <a:r>
+              <a:rPr sz="800" dirty="0" err="1">
+                <a:latin typeface="Courier"/>
+              </a:rPr>
+              <a:t>NA</a:t>
+            </a:r>
+            <a:r>
+              <a:rPr sz="800" dirty="0">
+                <a:latin typeface="Courier"/>
+              </a:rPr>
+              <a:t>    </a:t>
+            </a:r>
+            <a:r>
+              <a:rPr sz="800" dirty="0" err="1">
+                <a:latin typeface="Courier"/>
+              </a:rPr>
+              <a:t>NA</a:t>
+            </a:r>
+            <a:r>
+              <a:rPr sz="800" dirty="0">
+                <a:latin typeface="Courier"/>
+              </a:rPr>
+              <a:t>    </a:t>
+            </a:r>
+            <a:r>
+              <a:rPr sz="800" dirty="0" err="1">
+                <a:latin typeface="Courier"/>
+              </a:rPr>
+              <a:t>NA</a:t>
+            </a:r>
+            <a:r>
+              <a:rPr sz="800" dirty="0">
+                <a:latin typeface="Courier"/>
+              </a:rPr>
+              <a:t>    </a:t>
+            </a:r>
+            <a:r>
+              <a:rPr sz="800" dirty="0" err="1">
+                <a:latin typeface="Courier"/>
+              </a:rPr>
+              <a:t>NA</a:t>
+            </a:r>
+            <a:r>
+              <a:rPr sz="800" dirty="0">
+                <a:latin typeface="Courier"/>
+              </a:rPr>
+              <a:t>
+## 2    NA    </a:t>
+            </a:r>
+            <a:r>
+              <a:rPr sz="800" dirty="0" err="1">
+                <a:latin typeface="Courier"/>
+              </a:rPr>
+              <a:t>NA</a:t>
+            </a:r>
+            <a:r>
+              <a:rPr sz="800" dirty="0">
+                <a:latin typeface="Courier"/>
+              </a:rPr>
+              <a:t>    </a:t>
+            </a:r>
+            <a:r>
+              <a:rPr sz="800" dirty="0" err="1">
+                <a:latin typeface="Courier"/>
+              </a:rPr>
+              <a:t>NA</a:t>
+            </a:r>
+            <a:r>
+              <a:rPr sz="800" dirty="0">
+                <a:latin typeface="Courier"/>
+              </a:rPr>
+              <a:t>    </a:t>
+            </a:r>
+            <a:r>
+              <a:rPr sz="800" dirty="0" err="1">
+                <a:latin typeface="Courier"/>
+              </a:rPr>
+              <a:t>NA</a:t>
+            </a:r>
+            <a:r>
+              <a:rPr sz="800" dirty="0">
+                <a:latin typeface="Courier"/>
+              </a:rPr>
+              <a:t>    </a:t>
+            </a:r>
+            <a:r>
+              <a:rPr sz="800" dirty="0" err="1">
+                <a:latin typeface="Courier"/>
+              </a:rPr>
+              <a:t>NA</a:t>
+            </a:r>
+            <a:r>
+              <a:rPr sz="800" dirty="0">
+                <a:latin typeface="Courier"/>
+              </a:rPr>
+              <a:t>    </a:t>
+            </a:r>
+            <a:r>
+              <a:rPr sz="800" dirty="0" err="1">
+                <a:latin typeface="Courier"/>
+              </a:rPr>
+              <a:t>NA</a:t>
+            </a:r>
+            <a:r>
+              <a:rPr sz="800" dirty="0">
+                <a:latin typeface="Courier"/>
+              </a:rPr>
+              <a:t>    </a:t>
+            </a:r>
+            <a:r>
+              <a:rPr sz="800" dirty="0" err="1">
+                <a:latin typeface="Courier"/>
+              </a:rPr>
+              <a:t>NA</a:t>
+            </a:r>
+            <a:r>
+              <a:rPr sz="800" dirty="0">
+                <a:latin typeface="Courier"/>
+              </a:rPr>
+              <a:t>    </a:t>
+            </a:r>
+            <a:r>
+              <a:rPr sz="800" dirty="0" err="1">
+                <a:latin typeface="Courier"/>
+              </a:rPr>
+              <a:t>NA</a:t>
+            </a:r>
+            <a:r>
+              <a:rPr sz="800" dirty="0">
+                <a:latin typeface="Courier"/>
+              </a:rPr>
+              <a:t>    </a:t>
+            </a:r>
+            <a:r>
+              <a:rPr sz="800" dirty="0" err="1">
+                <a:latin typeface="Courier"/>
+              </a:rPr>
+              <a:t>NA</a:t>
+            </a:r>
+            <a:r>
+              <a:rPr sz="800" dirty="0">
+                <a:latin typeface="Courier"/>
+              </a:rPr>
+              <a:t>    </a:t>
+            </a:r>
+            <a:r>
+              <a:rPr sz="800" dirty="0" err="1">
+                <a:latin typeface="Courier"/>
+              </a:rPr>
+              <a:t>NA</a:t>
+            </a:r>
+            <a:r>
+              <a:rPr sz="800" dirty="0">
+                <a:latin typeface="Courier"/>
+              </a:rPr>
+              <a:t>    </a:t>
+            </a:r>
+            <a:r>
+              <a:rPr sz="800" dirty="0" err="1">
+                <a:latin typeface="Courier"/>
+              </a:rPr>
+              <a:t>NA</a:t>
+            </a:r>
+            <a:r>
+              <a:rPr sz="800" dirty="0">
+                <a:latin typeface="Courier"/>
+              </a:rPr>
+              <a:t>    </a:t>
+            </a:r>
+            <a:r>
+              <a:rPr sz="800" dirty="0" err="1">
+                <a:latin typeface="Courier"/>
+              </a:rPr>
+              <a:t>NA</a:t>
+            </a:r>
+            <a:r>
+              <a:rPr sz="800" dirty="0">
+                <a:latin typeface="Courier"/>
+              </a:rPr>
+              <a:t>    </a:t>
+            </a:r>
+            <a:r>
+              <a:rPr sz="800" dirty="0" err="1">
+                <a:latin typeface="Courier"/>
+              </a:rPr>
+              <a:t>NA</a:t>
+            </a:r>
+            <a:r>
+              <a:rPr sz="800" dirty="0">
+                <a:latin typeface="Courier"/>
+              </a:rPr>
+              <a:t>
+## 3    NA    </a:t>
+            </a:r>
+            <a:r>
+              <a:rPr sz="800" dirty="0" err="1">
+                <a:latin typeface="Courier"/>
+              </a:rPr>
+              <a:t>NA</a:t>
+            </a:r>
+            <a:r>
+              <a:rPr sz="800" dirty="0">
+                <a:latin typeface="Courier"/>
+              </a:rPr>
+              <a:t>    </a:t>
+            </a:r>
+            <a:r>
+              <a:rPr sz="800" dirty="0" err="1">
+                <a:latin typeface="Courier"/>
+              </a:rPr>
+              <a:t>NA</a:t>
+            </a:r>
+            <a:r>
+              <a:rPr sz="800" dirty="0">
+                <a:latin typeface="Courier"/>
+              </a:rPr>
+              <a:t>    </a:t>
+            </a:r>
+            <a:r>
+              <a:rPr sz="800" dirty="0" err="1">
+                <a:latin typeface="Courier"/>
+              </a:rPr>
+              <a:t>NA</a:t>
+            </a:r>
+            <a:r>
+              <a:rPr sz="800" dirty="0">
+                <a:latin typeface="Courier"/>
+              </a:rPr>
+              <a:t>    </a:t>
+            </a:r>
+            <a:r>
+              <a:rPr sz="800" dirty="0" err="1">
+                <a:latin typeface="Courier"/>
+              </a:rPr>
+              <a:t>NA</a:t>
+            </a:r>
+            <a:r>
+              <a:rPr sz="800" dirty="0">
+                <a:latin typeface="Courier"/>
+              </a:rPr>
+              <a:t>    </a:t>
+            </a:r>
+            <a:r>
+              <a:rPr sz="800" dirty="0" err="1">
+                <a:latin typeface="Courier"/>
+              </a:rPr>
+              <a:t>NA</a:t>
+            </a:r>
+            <a:r>
+              <a:rPr sz="800" dirty="0">
+                <a:latin typeface="Courier"/>
+              </a:rPr>
+              <a:t>    </a:t>
+            </a:r>
+            <a:r>
+              <a:rPr sz="800" dirty="0" err="1">
+                <a:latin typeface="Courier"/>
+              </a:rPr>
+              <a:t>NA</a:t>
+            </a:r>
+            <a:r>
+              <a:rPr sz="800" dirty="0">
+                <a:latin typeface="Courier"/>
+              </a:rPr>
+              <a:t>    </a:t>
+            </a:r>
+            <a:r>
+              <a:rPr sz="800" dirty="0" err="1">
+                <a:latin typeface="Courier"/>
+              </a:rPr>
+              <a:t>NA</a:t>
+            </a:r>
+            <a:r>
+              <a:rPr sz="800" dirty="0">
+                <a:latin typeface="Courier"/>
+              </a:rPr>
+              <a:t>    </a:t>
+            </a:r>
+            <a:r>
+              <a:rPr sz="800" dirty="0" err="1">
+                <a:latin typeface="Courier"/>
+              </a:rPr>
+              <a:t>NA</a:t>
+            </a:r>
+            <a:r>
+              <a:rPr sz="800" dirty="0">
+                <a:latin typeface="Courier"/>
+              </a:rPr>
+              <a:t>    </a:t>
+            </a:r>
+            <a:r>
+              <a:rPr sz="800" dirty="0" err="1">
+                <a:latin typeface="Courier"/>
+              </a:rPr>
+              <a:t>NA</a:t>
+            </a:r>
+            <a:r>
+              <a:rPr sz="800" dirty="0">
+                <a:latin typeface="Courier"/>
+              </a:rPr>
+              <a:t>    </a:t>
+            </a:r>
+            <a:r>
+              <a:rPr sz="800" dirty="0" err="1">
+                <a:latin typeface="Courier"/>
+              </a:rPr>
+              <a:t>NA</a:t>
+            </a:r>
+            <a:r>
+              <a:rPr sz="800" dirty="0">
+                <a:latin typeface="Courier"/>
+              </a:rPr>
+              <a:t>    </a:t>
+            </a:r>
+            <a:r>
+              <a:rPr sz="800" dirty="0" err="1">
+                <a:latin typeface="Courier"/>
+              </a:rPr>
+              <a:t>NA</a:t>
+            </a:r>
+            <a:r>
+              <a:rPr sz="800" dirty="0">
+                <a:latin typeface="Courier"/>
+              </a:rPr>
+              <a:t>    </a:t>
+            </a:r>
+            <a:r>
+              <a:rPr sz="800" dirty="0" err="1">
+                <a:latin typeface="Courier"/>
+              </a:rPr>
+              <a:t>NA</a:t>
+            </a:r>
+            <a:r>
+              <a:rPr sz="800" dirty="0">
+                <a:latin typeface="Courier"/>
+              </a:rPr>
+              <a:t>
+## 4    NA    </a:t>
+            </a:r>
+            <a:r>
+              <a:rPr sz="800" dirty="0" err="1">
+                <a:latin typeface="Courier"/>
+              </a:rPr>
+              <a:t>NA</a:t>
+            </a:r>
+            <a:r>
+              <a:rPr sz="800" dirty="0">
+                <a:latin typeface="Courier"/>
+              </a:rPr>
+              <a:t>    </a:t>
+            </a:r>
+            <a:r>
+              <a:rPr sz="800" dirty="0" err="1">
+                <a:latin typeface="Courier"/>
+              </a:rPr>
+              <a:t>NA</a:t>
+            </a:r>
+            <a:r>
+              <a:rPr sz="800" dirty="0">
+                <a:latin typeface="Courier"/>
+              </a:rPr>
+              <a:t>    </a:t>
+            </a:r>
+            <a:r>
+              <a:rPr sz="800" dirty="0" err="1">
+                <a:latin typeface="Courier"/>
+              </a:rPr>
+              <a:t>NA</a:t>
+            </a:r>
+            <a:r>
+              <a:rPr sz="800" dirty="0">
+                <a:latin typeface="Courier"/>
+              </a:rPr>
+              <a:t>    </a:t>
+            </a:r>
+            <a:r>
+              <a:rPr sz="800" dirty="0" err="1">
+                <a:latin typeface="Courier"/>
+              </a:rPr>
+              <a:t>NA</a:t>
+            </a:r>
+            <a:r>
+              <a:rPr sz="800" dirty="0">
+                <a:latin typeface="Courier"/>
+              </a:rPr>
+              <a:t>    </a:t>
+            </a:r>
+            <a:r>
+              <a:rPr sz="800" dirty="0" err="1">
+                <a:latin typeface="Courier"/>
+              </a:rPr>
+              <a:t>NA</a:t>
+            </a:r>
+            <a:r>
+              <a:rPr sz="800" dirty="0">
+                <a:latin typeface="Courier"/>
+              </a:rPr>
+              <a:t>    </a:t>
+            </a:r>
+            <a:r>
+              <a:rPr sz="800" dirty="0" err="1">
+                <a:latin typeface="Courier"/>
+              </a:rPr>
+              <a:t>NA</a:t>
+            </a:r>
+            <a:r>
+              <a:rPr sz="800" dirty="0">
+                <a:latin typeface="Courier"/>
+              </a:rPr>
+              <a:t>    </a:t>
+            </a:r>
+            <a:r>
+              <a:rPr sz="800" dirty="0" err="1">
+                <a:latin typeface="Courier"/>
+              </a:rPr>
+              <a:t>NA</a:t>
+            </a:r>
+            <a:r>
+              <a:rPr sz="800" dirty="0">
+                <a:latin typeface="Courier"/>
+              </a:rPr>
+              <a:t>    </a:t>
+            </a:r>
+            <a:r>
+              <a:rPr sz="800" dirty="0" err="1">
+                <a:latin typeface="Courier"/>
+              </a:rPr>
+              <a:t>NA</a:t>
+            </a:r>
+            <a:r>
+              <a:rPr sz="800" dirty="0">
+                <a:latin typeface="Courier"/>
+              </a:rPr>
+              <a:t>    </a:t>
+            </a:r>
+            <a:r>
+              <a:rPr sz="800" dirty="0" err="1">
+                <a:latin typeface="Courier"/>
+              </a:rPr>
+              <a:t>NA</a:t>
+            </a:r>
+            <a:r>
+              <a:rPr sz="800" dirty="0">
+                <a:latin typeface="Courier"/>
+              </a:rPr>
+              <a:t>    </a:t>
+            </a:r>
+            <a:r>
+              <a:rPr sz="800" dirty="0" err="1">
+                <a:latin typeface="Courier"/>
+              </a:rPr>
+              <a:t>NA</a:t>
+            </a:r>
+            <a:r>
+              <a:rPr sz="800" dirty="0">
+                <a:latin typeface="Courier"/>
+              </a:rPr>
+              <a:t>    </a:t>
+            </a:r>
+            <a:r>
+              <a:rPr sz="800" dirty="0" err="1">
+                <a:latin typeface="Courier"/>
+              </a:rPr>
+              <a:t>NA</a:t>
+            </a:r>
+            <a:r>
+              <a:rPr sz="800" dirty="0">
+                <a:latin typeface="Courier"/>
+              </a:rPr>
+              <a:t>    </a:t>
+            </a:r>
+            <a:r>
+              <a:rPr sz="800" dirty="0" err="1">
+                <a:latin typeface="Courier"/>
+              </a:rPr>
+              <a:t>NA</a:t>
+            </a:r>
+            <a:r>
+              <a:rPr sz="800" dirty="0">
+                <a:latin typeface="Courier"/>
+              </a:rPr>
+              <a:t>
+## 5    NA    </a:t>
+            </a:r>
+            <a:r>
+              <a:rPr sz="800" dirty="0" err="1">
+                <a:latin typeface="Courier"/>
+              </a:rPr>
+              <a:t>NA</a:t>
+            </a:r>
+            <a:r>
+              <a:rPr sz="800" dirty="0">
+                <a:latin typeface="Courier"/>
+              </a:rPr>
+              <a:t>    </a:t>
+            </a:r>
+            <a:r>
+              <a:rPr sz="800" dirty="0" err="1">
+                <a:latin typeface="Courier"/>
+              </a:rPr>
+              <a:t>NA</a:t>
+            </a:r>
+            <a:r>
+              <a:rPr sz="800" dirty="0">
+                <a:latin typeface="Courier"/>
+              </a:rPr>
+              <a:t>    </a:t>
+            </a:r>
+            <a:r>
+              <a:rPr sz="800" dirty="0" err="1">
+                <a:latin typeface="Courier"/>
+              </a:rPr>
+              <a:t>NA</a:t>
+            </a:r>
+            <a:r>
+              <a:rPr sz="800" dirty="0">
+                <a:latin typeface="Courier"/>
+              </a:rPr>
+              <a:t>    </a:t>
+            </a:r>
+            <a:r>
+              <a:rPr sz="800" dirty="0" err="1">
+                <a:latin typeface="Courier"/>
+              </a:rPr>
+              <a:t>NA</a:t>
+            </a:r>
+            <a:r>
+              <a:rPr sz="800" dirty="0">
+                <a:latin typeface="Courier"/>
+              </a:rPr>
+              <a:t>    </a:t>
+            </a:r>
+            <a:r>
+              <a:rPr sz="800" dirty="0" err="1">
+                <a:latin typeface="Courier"/>
+              </a:rPr>
+              <a:t>NA</a:t>
+            </a:r>
+            <a:r>
+              <a:rPr sz="800" dirty="0">
+                <a:latin typeface="Courier"/>
+              </a:rPr>
+              <a:t>    </a:t>
+            </a:r>
+            <a:r>
+              <a:rPr sz="800" dirty="0" err="1">
+                <a:latin typeface="Courier"/>
+              </a:rPr>
+              <a:t>NA</a:t>
+            </a:r>
+            <a:r>
+              <a:rPr sz="800" dirty="0">
+                <a:latin typeface="Courier"/>
+              </a:rPr>
+              <a:t>    </a:t>
+            </a:r>
+            <a:r>
+              <a:rPr sz="800" dirty="0" err="1">
+                <a:latin typeface="Courier"/>
+              </a:rPr>
+              <a:t>NA</a:t>
+            </a:r>
+            <a:r>
+              <a:rPr sz="800" dirty="0">
+                <a:latin typeface="Courier"/>
+              </a:rPr>
+              <a:t>    </a:t>
+            </a:r>
+            <a:r>
+              <a:rPr sz="800" dirty="0" err="1">
+                <a:latin typeface="Courier"/>
+              </a:rPr>
+              <a:t>NA</a:t>
+            </a:r>
+            <a:r>
+              <a:rPr sz="800" dirty="0">
+                <a:latin typeface="Courier"/>
+              </a:rPr>
+              <a:t>    </a:t>
+            </a:r>
+            <a:r>
+              <a:rPr sz="800" dirty="0" err="1">
+                <a:latin typeface="Courier"/>
+              </a:rPr>
+              <a:t>NA</a:t>
+            </a:r>
+            <a:r>
+              <a:rPr sz="800" dirty="0">
+                <a:latin typeface="Courier"/>
+              </a:rPr>
+              <a:t>    </a:t>
+            </a:r>
+            <a:r>
+              <a:rPr sz="800" dirty="0" err="1">
+                <a:latin typeface="Courier"/>
+              </a:rPr>
+              <a:t>NA</a:t>
+            </a:r>
+            <a:r>
+              <a:rPr sz="800" dirty="0">
+                <a:latin typeface="Courier"/>
+              </a:rPr>
+              <a:t>    </a:t>
+            </a:r>
+            <a:r>
+              <a:rPr sz="800" dirty="0" err="1">
+                <a:latin typeface="Courier"/>
+              </a:rPr>
+              <a:t>NA</a:t>
+            </a:r>
+            <a:r>
+              <a:rPr sz="800" dirty="0">
+                <a:latin typeface="Courier"/>
+              </a:rPr>
+              <a:t>    </a:t>
+            </a:r>
+            <a:r>
+              <a:rPr sz="800" dirty="0" err="1">
+                <a:latin typeface="Courier"/>
+              </a:rPr>
+              <a:t>NA</a:t>
+            </a:r>
+            <a:r>
+              <a:rPr sz="800" dirty="0">
+                <a:latin typeface="Courier"/>
+              </a:rPr>
+              <a:t>
+## 6    NA    </a:t>
+            </a:r>
+            <a:r>
+              <a:rPr sz="800" dirty="0" err="1">
+                <a:latin typeface="Courier"/>
+              </a:rPr>
+              <a:t>NA</a:t>
+            </a:r>
+            <a:r>
+              <a:rPr sz="800" dirty="0">
+                <a:latin typeface="Courier"/>
+              </a:rPr>
+              <a:t>    </a:t>
+            </a:r>
+            <a:r>
+              <a:rPr sz="800" dirty="0" err="1">
+                <a:latin typeface="Courier"/>
+              </a:rPr>
+              <a:t>NA</a:t>
+            </a:r>
+            <a:r>
+              <a:rPr sz="800" dirty="0">
+                <a:latin typeface="Courier"/>
+              </a:rPr>
+              <a:t>    </a:t>
+            </a:r>
+            <a:r>
+              <a:rPr sz="800" dirty="0" err="1">
+                <a:latin typeface="Courier"/>
+              </a:rPr>
+              <a:t>NA</a:t>
+            </a:r>
+            <a:r>
+              <a:rPr sz="800" dirty="0">
+                <a:latin typeface="Courier"/>
+              </a:rPr>
+              <a:t>    </a:t>
+            </a:r>
+            <a:r>
+              <a:rPr sz="800" dirty="0" err="1">
+                <a:latin typeface="Courier"/>
+              </a:rPr>
+              <a:t>NA</a:t>
+            </a:r>
+            <a:r>
+              <a:rPr sz="800" dirty="0">
+                <a:latin typeface="Courier"/>
+              </a:rPr>
+              <a:t>    </a:t>
+            </a:r>
+            <a:r>
+              <a:rPr sz="800" dirty="0" err="1">
+                <a:latin typeface="Courier"/>
+              </a:rPr>
+              <a:t>NA</a:t>
+            </a:r>
+            <a:r>
+              <a:rPr sz="800" dirty="0">
+                <a:latin typeface="Courier"/>
+              </a:rPr>
+              <a:t>    </a:t>
+            </a:r>
+            <a:r>
+              <a:rPr sz="800" dirty="0" err="1">
+                <a:latin typeface="Courier"/>
+              </a:rPr>
+              <a:t>NA</a:t>
+            </a:r>
+            <a:r>
+              <a:rPr sz="800" dirty="0">
+                <a:latin typeface="Courier"/>
+              </a:rPr>
+              <a:t>    </a:t>
+            </a:r>
+            <a:r>
+              <a:rPr sz="800" dirty="0" err="1">
+                <a:latin typeface="Courier"/>
+              </a:rPr>
+              <a:t>NA</a:t>
+            </a:r>
+            <a:r>
+              <a:rPr sz="800" dirty="0">
+                <a:latin typeface="Courier"/>
+              </a:rPr>
+              <a:t>    </a:t>
+            </a:r>
+            <a:r>
+              <a:rPr sz="800" dirty="0" err="1">
+                <a:latin typeface="Courier"/>
+              </a:rPr>
+              <a:t>NA</a:t>
+            </a:r>
+            <a:r>
+              <a:rPr sz="800" dirty="0">
+                <a:latin typeface="Courier"/>
+              </a:rPr>
+              <a:t>    </a:t>
+            </a:r>
+            <a:r>
+              <a:rPr sz="800" dirty="0" err="1">
+                <a:latin typeface="Courier"/>
+              </a:rPr>
+              <a:t>NA</a:t>
+            </a:r>
+            <a:r>
+              <a:rPr sz="800" dirty="0">
+                <a:latin typeface="Courier"/>
+              </a:rPr>
+              <a:t>    </a:t>
+            </a:r>
+            <a:r>
+              <a:rPr sz="800" dirty="0" err="1">
+                <a:latin typeface="Courier"/>
+              </a:rPr>
+              <a:t>NA</a:t>
+            </a:r>
+            <a:r>
+              <a:rPr sz="800" dirty="0">
+                <a:latin typeface="Courier"/>
+              </a:rPr>
+              <a:t>    </a:t>
+            </a:r>
+            <a:r>
+              <a:rPr sz="800" dirty="0" err="1">
+                <a:latin typeface="Courier"/>
+              </a:rPr>
+              <a:t>NA</a:t>
+            </a:r>
+            <a:r>
+              <a:rPr sz="800" dirty="0">
+                <a:latin typeface="Courier"/>
+              </a:rPr>
+              <a:t>    </a:t>
+            </a:r>
+            <a:r>
+              <a:rPr sz="800" dirty="0" err="1">
+                <a:latin typeface="Courier"/>
+              </a:rPr>
+              <a:t>NA</a:t>
+            </a:r>
+            <a:r>
+              <a:rPr sz="800" dirty="0">
+                <a:latin typeface="Courier"/>
+              </a:rPr>
+              <a:t>
+##   X1992 X1993 X1994 X1995 X1996 X1997 X1998 X1999 X2000 X2001 X2002 X2003 X2004
+## 1    NA    </a:t>
+            </a:r>
+            <a:r>
+              <a:rPr sz="800" dirty="0" err="1">
+                <a:latin typeface="Courier"/>
+              </a:rPr>
+              <a:t>NA</a:t>
+            </a:r>
+            <a:r>
+              <a:rPr sz="800" dirty="0">
+                <a:latin typeface="Courier"/>
+              </a:rPr>
+              <a:t>    </a:t>
+            </a:r>
+            <a:r>
+              <a:rPr sz="800" dirty="0" err="1">
+                <a:latin typeface="Courier"/>
+              </a:rPr>
+              <a:t>NA</a:t>
+            </a:r>
+            <a:r>
+              <a:rPr sz="800" dirty="0">
+                <a:latin typeface="Courier"/>
+              </a:rPr>
+              <a:t>    </a:t>
+            </a:r>
+            <a:r>
+              <a:rPr sz="800" dirty="0" err="1">
+                <a:latin typeface="Courier"/>
+              </a:rPr>
+              <a:t>NA</a:t>
+            </a:r>
+            <a:r>
+              <a:rPr sz="800" dirty="0">
+                <a:latin typeface="Courier"/>
+              </a:rPr>
+              <a:t>    </a:t>
+            </a:r>
+            <a:r>
+              <a:rPr sz="800" dirty="0" err="1">
+                <a:latin typeface="Courier"/>
+              </a:rPr>
+              <a:t>NA</a:t>
+            </a:r>
+            <a:r>
+              <a:rPr sz="800" dirty="0">
+                <a:latin typeface="Courier"/>
+              </a:rPr>
+              <a:t>    </a:t>
+            </a:r>
+            <a:r>
+              <a:rPr sz="800" dirty="0" err="1">
+                <a:latin typeface="Courier"/>
+              </a:rPr>
+              <a:t>NA</a:t>
+            </a:r>
+            <a:r>
+              <a:rPr sz="800" dirty="0">
+                <a:latin typeface="Courier"/>
+              </a:rPr>
+              <a:t>    </a:t>
+            </a:r>
+            <a:r>
+              <a:rPr sz="800" dirty="0" err="1">
+                <a:latin typeface="Courier"/>
+              </a:rPr>
+              <a:t>NA</a:t>
+            </a:r>
+            <a:r>
+              <a:rPr sz="800" dirty="0">
+                <a:latin typeface="Courier"/>
+              </a:rPr>
+              <a:t>    </a:t>
+            </a:r>
+            <a:r>
+              <a:rPr sz="800" dirty="0" err="1">
+                <a:latin typeface="Courier"/>
+              </a:rPr>
+              <a:t>NA</a:t>
+            </a:r>
+            <a:r>
+              <a:rPr sz="800" dirty="0">
+                <a:latin typeface="Courier"/>
+              </a:rPr>
+              <a:t>    </a:t>
+            </a:r>
+            <a:r>
+              <a:rPr sz="800" dirty="0" err="1">
+                <a:latin typeface="Courier"/>
+              </a:rPr>
+              <a:t>NA</a:t>
+            </a:r>
+            <a:r>
+              <a:rPr sz="800" dirty="0">
+                <a:latin typeface="Courier"/>
+              </a:rPr>
+              <a:t>    </a:t>
+            </a:r>
+            <a:r>
+              <a:rPr sz="800" dirty="0" err="1">
+                <a:latin typeface="Courier"/>
+              </a:rPr>
+              <a:t>NA</a:t>
+            </a:r>
+            <a:r>
+              <a:rPr sz="800" dirty="0">
+                <a:latin typeface="Courier"/>
+              </a:rPr>
+              <a:t>    </a:t>
+            </a:r>
+            <a:r>
+              <a:rPr sz="800" dirty="0" err="1">
+                <a:latin typeface="Courier"/>
+              </a:rPr>
+              <a:t>NA</a:t>
+            </a:r>
+            <a:r>
+              <a:rPr sz="800" dirty="0">
+                <a:latin typeface="Courier"/>
+              </a:rPr>
+              <a:t>    </a:t>
+            </a:r>
+            <a:r>
+              <a:rPr sz="800" dirty="0" err="1">
+                <a:latin typeface="Courier"/>
+              </a:rPr>
+              <a:t>NA</a:t>
+            </a:r>
+            <a:r>
+              <a:rPr sz="800" dirty="0">
+                <a:latin typeface="Courier"/>
+              </a:rPr>
+              <a:t>    </a:t>
+            </a:r>
+            <a:r>
+              <a:rPr sz="800" dirty="0" err="1">
+                <a:latin typeface="Courier"/>
+              </a:rPr>
+              <a:t>NA</a:t>
+            </a:r>
+            <a:r>
+              <a:rPr sz="800" dirty="0">
+                <a:latin typeface="Courier"/>
+              </a:rPr>
+              <a:t>
+## 2    NA    </a:t>
+            </a:r>
+            <a:r>
+              <a:rPr sz="800" dirty="0" err="1">
+                <a:latin typeface="Courier"/>
+              </a:rPr>
+              <a:t>NA</a:t>
+            </a:r>
+            <a:r>
+              <a:rPr sz="800" dirty="0">
+                <a:latin typeface="Courier"/>
+              </a:rPr>
+              <a:t>    </a:t>
+            </a:r>
+            <a:r>
+              <a:rPr sz="800" dirty="0" err="1">
+                <a:latin typeface="Courier"/>
+              </a:rPr>
+              <a:t>NA</a:t>
+            </a:r>
+            <a:r>
+              <a:rPr sz="800" dirty="0">
+                <a:latin typeface="Courier"/>
+              </a:rPr>
+              <a:t>    </a:t>
+            </a:r>
+            <a:r>
+              <a:rPr sz="800" dirty="0" err="1">
+                <a:latin typeface="Courier"/>
+              </a:rPr>
+              <a:t>NA</a:t>
+            </a:r>
+            <a:r>
+              <a:rPr sz="800" dirty="0">
+                <a:latin typeface="Courier"/>
+              </a:rPr>
+              <a:t>    </a:t>
+            </a:r>
+            <a:r>
+              <a:rPr sz="800" dirty="0" err="1">
+                <a:latin typeface="Courier"/>
+              </a:rPr>
+              <a:t>NA</a:t>
+            </a:r>
+            <a:r>
+              <a:rPr sz="800" dirty="0">
+                <a:latin typeface="Courier"/>
+              </a:rPr>
+              <a:t>    </a:t>
+            </a:r>
+            <a:r>
+              <a:rPr sz="800" dirty="0" err="1">
+                <a:latin typeface="Courier"/>
+              </a:rPr>
+              <a:t>NA</a:t>
+            </a:r>
+            <a:r>
+              <a:rPr sz="800" dirty="0">
+                <a:latin typeface="Courier"/>
+              </a:rPr>
+              <a:t>    </a:t>
+            </a:r>
+            <a:r>
+              <a:rPr sz="800" dirty="0" err="1">
+                <a:latin typeface="Courier"/>
+              </a:rPr>
+              <a:t>NA</a:t>
+            </a:r>
+            <a:r>
+              <a:rPr sz="800" dirty="0">
+                <a:latin typeface="Courier"/>
+              </a:rPr>
+              <a:t>    </a:t>
+            </a:r>
+            <a:r>
+              <a:rPr sz="800" dirty="0" err="1">
+                <a:latin typeface="Courier"/>
+              </a:rPr>
+              <a:t>NA</a:t>
+            </a:r>
+            <a:r>
+              <a:rPr sz="800" dirty="0">
+                <a:latin typeface="Courier"/>
+              </a:rPr>
+              <a:t>    </a:t>
+            </a:r>
+            <a:r>
+              <a:rPr sz="800" dirty="0" err="1">
+                <a:latin typeface="Courier"/>
+              </a:rPr>
+              <a:t>NA</a:t>
+            </a:r>
+            <a:r>
+              <a:rPr sz="800" dirty="0">
+                <a:latin typeface="Courier"/>
+              </a:rPr>
+              <a:t>    </a:t>
+            </a:r>
+            <a:r>
+              <a:rPr sz="800" dirty="0" err="1">
+                <a:latin typeface="Courier"/>
+              </a:rPr>
+              <a:t>NA</a:t>
+            </a:r>
+            <a:r>
+              <a:rPr sz="800" dirty="0">
+                <a:latin typeface="Courier"/>
+              </a:rPr>
+              <a:t>    </a:t>
+            </a:r>
+            <a:r>
+              <a:rPr sz="800" dirty="0" err="1">
+                <a:latin typeface="Courier"/>
+              </a:rPr>
+              <a:t>NA</a:t>
+            </a:r>
+            <a:r>
+              <a:rPr sz="800" dirty="0">
+                <a:latin typeface="Courier"/>
+              </a:rPr>
+              <a:t>    </a:t>
+            </a:r>
+            <a:r>
+              <a:rPr sz="800" dirty="0" err="1">
+                <a:latin typeface="Courier"/>
+              </a:rPr>
+              <a:t>NA</a:t>
+            </a:r>
+            <a:r>
+              <a:rPr sz="800" dirty="0">
+                <a:latin typeface="Courier"/>
+              </a:rPr>
+              <a:t>    </a:t>
+            </a:r>
+            <a:r>
+              <a:rPr sz="800" dirty="0" err="1">
+                <a:latin typeface="Courier"/>
+              </a:rPr>
+              <a:t>NA</a:t>
+            </a:r>
+            <a:r>
+              <a:rPr sz="800" dirty="0">
+                <a:latin typeface="Courier"/>
+              </a:rPr>
+              <a:t>
+## 3    NA    </a:t>
+            </a:r>
+            <a:r>
+              <a:rPr sz="800" dirty="0" err="1">
+                <a:latin typeface="Courier"/>
+              </a:rPr>
+              <a:t>NA</a:t>
+            </a:r>
+            <a:r>
+              <a:rPr sz="800" dirty="0">
+                <a:latin typeface="Courier"/>
+              </a:rPr>
+              <a:t>    </a:t>
+            </a:r>
+            <a:r>
+              <a:rPr sz="800" dirty="0" err="1">
+                <a:latin typeface="Courier"/>
+              </a:rPr>
+              <a:t>NA</a:t>
+            </a:r>
+            <a:r>
+              <a:rPr sz="800" dirty="0">
+                <a:latin typeface="Courier"/>
+              </a:rPr>
+              <a:t>    </a:t>
+            </a:r>
+            <a:r>
+              <a:rPr sz="800" dirty="0" err="1">
+                <a:latin typeface="Courier"/>
+              </a:rPr>
+              <a:t>NA</a:t>
+            </a:r>
+            <a:r>
+              <a:rPr sz="800" dirty="0">
+                <a:latin typeface="Courier"/>
+              </a:rPr>
+              <a:t>    </a:t>
+            </a:r>
+            <a:r>
+              <a:rPr sz="800" dirty="0" err="1">
+                <a:latin typeface="Courier"/>
+              </a:rPr>
+              <a:t>NA</a:t>
+            </a:r>
+            <a:r>
+              <a:rPr sz="800" dirty="0">
+                <a:latin typeface="Courier"/>
+              </a:rPr>
+              <a:t>    </a:t>
+            </a:r>
+            <a:r>
+              <a:rPr sz="800" dirty="0" err="1">
+                <a:latin typeface="Courier"/>
+              </a:rPr>
+              <a:t>NA</a:t>
+            </a:r>
+            <a:r>
+              <a:rPr sz="800" dirty="0">
+                <a:latin typeface="Courier"/>
+              </a:rPr>
+              <a:t>    </a:t>
+            </a:r>
+            <a:r>
+              <a:rPr sz="800" dirty="0" err="1">
+                <a:latin typeface="Courier"/>
+              </a:rPr>
+              <a:t>NA</a:t>
+            </a:r>
+            <a:r>
+              <a:rPr sz="800" dirty="0">
+                <a:latin typeface="Courier"/>
+              </a:rPr>
+              <a:t>    </a:t>
+            </a:r>
+            <a:r>
+              <a:rPr sz="800" dirty="0" err="1">
+                <a:latin typeface="Courier"/>
+              </a:rPr>
+              <a:t>NA</a:t>
+            </a:r>
+            <a:r>
+              <a:rPr sz="800" dirty="0">
+                <a:latin typeface="Courier"/>
+              </a:rPr>
+              <a:t>    </a:t>
+            </a:r>
+            <a:r>
+              <a:rPr sz="800" dirty="0" err="1">
+                <a:latin typeface="Courier"/>
+              </a:rPr>
+              <a:t>NA</a:t>
+            </a:r>
+            <a:r>
+              <a:rPr sz="800" dirty="0">
+                <a:latin typeface="Courier"/>
+              </a:rPr>
+              <a:t>    </a:t>
+            </a:r>
+            <a:r>
+              <a:rPr sz="800" dirty="0" err="1">
+                <a:latin typeface="Courier"/>
+              </a:rPr>
+              <a:t>NA</a:t>
+            </a:r>
+            <a:r>
+              <a:rPr sz="800" dirty="0">
+                <a:latin typeface="Courier"/>
+              </a:rPr>
+              <a:t>    </a:t>
+            </a:r>
+            <a:r>
+              <a:rPr sz="800" dirty="0" err="1">
+                <a:latin typeface="Courier"/>
+              </a:rPr>
+              <a:t>NA</a:t>
+            </a:r>
+            <a:r>
+              <a:rPr sz="800" dirty="0">
+                <a:latin typeface="Courier"/>
+              </a:rPr>
+              <a:t>    </a:t>
+            </a:r>
+            <a:r>
+              <a:rPr sz="800" dirty="0" err="1">
+                <a:latin typeface="Courier"/>
+              </a:rPr>
+              <a:t>NA</a:t>
+            </a:r>
+            <a:r>
+              <a:rPr sz="800" dirty="0">
+                <a:latin typeface="Courier"/>
+              </a:rPr>
+              <a:t>    </a:t>
+            </a:r>
+            <a:r>
+              <a:rPr sz="800" dirty="0" err="1">
+                <a:latin typeface="Courier"/>
+              </a:rPr>
+              <a:t>NA</a:t>
+            </a:r>
+            <a:r>
+              <a:rPr sz="800" dirty="0">
+                <a:latin typeface="Courier"/>
+              </a:rPr>
+              <a:t>
+## 4    NA    </a:t>
+            </a:r>
+            <a:r>
+              <a:rPr sz="800" dirty="0" err="1">
+                <a:latin typeface="Courier"/>
+              </a:rPr>
+              <a:t>NA</a:t>
+            </a:r>
+            <a:r>
+              <a:rPr sz="800" dirty="0">
+                <a:latin typeface="Courier"/>
+              </a:rPr>
+              <a:t>    </a:t>
+            </a:r>
+            <a:r>
+              <a:rPr sz="800" dirty="0" err="1">
+                <a:latin typeface="Courier"/>
+              </a:rPr>
+              <a:t>NA</a:t>
+            </a:r>
+            <a:r>
+              <a:rPr sz="800" dirty="0">
+                <a:latin typeface="Courier"/>
+              </a:rPr>
+              <a:t>    </a:t>
+            </a:r>
+            <a:r>
+              <a:rPr sz="800" dirty="0" err="1">
+                <a:latin typeface="Courier"/>
+              </a:rPr>
+              <a:t>NA</a:t>
+            </a:r>
+            <a:r>
+              <a:rPr sz="800" dirty="0">
+                <a:latin typeface="Courier"/>
+              </a:rPr>
+              <a:t>    </a:t>
+            </a:r>
+            <a:r>
+              <a:rPr sz="800" dirty="0" err="1">
+                <a:latin typeface="Courier"/>
+              </a:rPr>
+              <a:t>NA</a:t>
+            </a:r>
+            <a:r>
+              <a:rPr sz="800" dirty="0">
+                <a:latin typeface="Courier"/>
+              </a:rPr>
+              <a:t>    </a:t>
+            </a:r>
+            <a:r>
+              <a:rPr sz="800" dirty="0" err="1">
+                <a:latin typeface="Courier"/>
+              </a:rPr>
+              <a:t>NA</a:t>
+            </a:r>
+            <a:r>
+              <a:rPr sz="800" dirty="0">
+                <a:latin typeface="Courier"/>
+              </a:rPr>
+              <a:t>    </a:t>
+            </a:r>
+            <a:r>
+              <a:rPr sz="800" dirty="0" err="1">
+                <a:latin typeface="Courier"/>
+              </a:rPr>
+              <a:t>NA</a:t>
+            </a:r>
+            <a:r>
+              <a:rPr sz="800" dirty="0">
+                <a:latin typeface="Courier"/>
+              </a:rPr>
+              <a:t>    </a:t>
+            </a:r>
+            <a:r>
+              <a:rPr sz="800" dirty="0" err="1">
+                <a:latin typeface="Courier"/>
+              </a:rPr>
+              <a:t>NA</a:t>
+            </a:r>
+            <a:r>
+              <a:rPr sz="800" dirty="0">
+                <a:latin typeface="Courier"/>
+              </a:rPr>
+              <a:t>    </a:t>
+            </a:r>
+            <a:r>
+              <a:rPr sz="800" dirty="0" err="1">
+                <a:latin typeface="Courier"/>
+              </a:rPr>
+              <a:t>NA</a:t>
+            </a:r>
+            <a:r>
+              <a:rPr sz="800" dirty="0">
+                <a:latin typeface="Courier"/>
+              </a:rPr>
+              <a:t>    </a:t>
+            </a:r>
+            <a:r>
+              <a:rPr sz="800" dirty="0" err="1">
+                <a:latin typeface="Courier"/>
+              </a:rPr>
+              <a:t>NA</a:t>
+            </a:r>
+            <a:r>
+              <a:rPr sz="800" dirty="0">
+                <a:latin typeface="Courier"/>
+              </a:rPr>
+              <a:t>    </a:t>
+            </a:r>
+            <a:r>
+              <a:rPr sz="800" dirty="0" err="1">
+                <a:latin typeface="Courier"/>
+              </a:rPr>
+              <a:t>NA</a:t>
+            </a:r>
+            <a:r>
+              <a:rPr sz="800" dirty="0">
+                <a:latin typeface="Courier"/>
+              </a:rPr>
+              <a:t>    </a:t>
+            </a:r>
+            <a:r>
+              <a:rPr sz="800" dirty="0" err="1">
+                <a:latin typeface="Courier"/>
+              </a:rPr>
+              <a:t>NA</a:t>
+            </a:r>
+            <a:r>
+              <a:rPr sz="800" dirty="0">
+                <a:latin typeface="Courier"/>
+              </a:rPr>
+              <a:t>    </a:t>
+            </a:r>
+            <a:r>
+              <a:rPr sz="800" dirty="0" err="1">
+                <a:latin typeface="Courier"/>
+              </a:rPr>
+              <a:t>NA</a:t>
+            </a:r>
+            <a:r>
+              <a:rPr sz="800" dirty="0">
+                <a:latin typeface="Courier"/>
+              </a:rPr>
+              <a:t>
+## 5    NA    </a:t>
+            </a:r>
+            <a:r>
+              <a:rPr sz="800" dirty="0" err="1">
+                <a:latin typeface="Courier"/>
+              </a:rPr>
+              <a:t>NA</a:t>
+            </a:r>
+            <a:r>
+              <a:rPr sz="800" dirty="0">
+                <a:latin typeface="Courier"/>
+              </a:rPr>
+              <a:t>    </a:t>
+            </a:r>
+            <a:r>
+              <a:rPr sz="800" dirty="0" err="1">
+                <a:latin typeface="Courier"/>
+              </a:rPr>
+              <a:t>NA</a:t>
+            </a:r>
+            <a:r>
+              <a:rPr sz="800" dirty="0">
+                <a:latin typeface="Courier"/>
+              </a:rPr>
+              <a:t>    </a:t>
+            </a:r>
+            <a:r>
+              <a:rPr sz="800" dirty="0" err="1">
+                <a:latin typeface="Courier"/>
+              </a:rPr>
+              <a:t>NA</a:t>
+            </a:r>
+            <a:r>
+              <a:rPr sz="800" dirty="0">
+                <a:latin typeface="Courier"/>
+              </a:rPr>
+              <a:t>    </a:t>
+            </a:r>
+            <a:r>
+              <a:rPr sz="800" dirty="0" err="1">
+                <a:latin typeface="Courier"/>
+              </a:rPr>
+              <a:t>NA</a:t>
+            </a:r>
+            <a:r>
+              <a:rPr sz="800" dirty="0">
+                <a:latin typeface="Courier"/>
+              </a:rPr>
+              <a:t>    </a:t>
+            </a:r>
+            <a:r>
+              <a:rPr sz="800" dirty="0" err="1">
+                <a:latin typeface="Courier"/>
+              </a:rPr>
+              <a:t>NA</a:t>
+            </a:r>
+            <a:r>
+              <a:rPr sz="800" dirty="0">
+                <a:latin typeface="Courier"/>
+              </a:rPr>
+              <a:t>    </a:t>
+            </a:r>
+            <a:r>
+              <a:rPr sz="800" dirty="0" err="1">
+                <a:latin typeface="Courier"/>
+              </a:rPr>
+              <a:t>NA</a:t>
+            </a:r>
+            <a:r>
+              <a:rPr sz="800" dirty="0">
+                <a:latin typeface="Courier"/>
+              </a:rPr>
+              <a:t>    </a:t>
+            </a:r>
+            <a:r>
+              <a:rPr sz="800" dirty="0" err="1">
+                <a:latin typeface="Courier"/>
+              </a:rPr>
+              <a:t>NA</a:t>
+            </a:r>
+            <a:r>
+              <a:rPr sz="800" dirty="0">
+                <a:latin typeface="Courier"/>
+              </a:rPr>
+              <a:t>  21.4    NA    </a:t>
+            </a:r>
+            <a:r>
+              <a:rPr sz="800" dirty="0" err="1">
+                <a:latin typeface="Courier"/>
+              </a:rPr>
+              <a:t>NA</a:t>
+            </a:r>
+            <a:r>
+              <a:rPr sz="800" dirty="0">
+                <a:latin typeface="Courier"/>
+              </a:rPr>
+              <a:t>    </a:t>
+            </a:r>
+            <a:r>
+              <a:rPr sz="800" dirty="0" err="1">
+                <a:latin typeface="Courier"/>
+              </a:rPr>
+              <a:t>NA</a:t>
+            </a:r>
+            <a:r>
+              <a:rPr sz="800" dirty="0">
+                <a:latin typeface="Courier"/>
+              </a:rPr>
+              <a:t>    </a:t>
+            </a:r>
+            <a:r>
+              <a:rPr sz="800" dirty="0" err="1">
+                <a:latin typeface="Courier"/>
+              </a:rPr>
+              <a:t>NA</a:t>
+            </a:r>
+            <a:r>
+              <a:rPr sz="800" dirty="0">
+                <a:latin typeface="Courier"/>
+              </a:rPr>
+              <a:t>
+## 6    NA    </a:t>
+            </a:r>
+            <a:r>
+              <a:rPr sz="800" dirty="0" err="1">
+                <a:latin typeface="Courier"/>
+              </a:rPr>
+              <a:t>NA</a:t>
+            </a:r>
+            <a:r>
+              <a:rPr sz="800" dirty="0">
+                <a:latin typeface="Courier"/>
+              </a:rPr>
+              <a:t>    </a:t>
+            </a:r>
+            <a:r>
+              <a:rPr sz="800" dirty="0" err="1">
+                <a:latin typeface="Courier"/>
+              </a:rPr>
+              <a:t>NA</a:t>
+            </a:r>
+            <a:r>
+              <a:rPr sz="800" dirty="0">
+                <a:latin typeface="Courier"/>
+              </a:rPr>
+              <a:t>    </a:t>
+            </a:r>
+            <a:r>
+              <a:rPr sz="800" dirty="0" err="1">
+                <a:latin typeface="Courier"/>
+              </a:rPr>
+              <a:t>NA</a:t>
+            </a:r>
+            <a:r>
+              <a:rPr sz="800" dirty="0">
+                <a:latin typeface="Courier"/>
+              </a:rPr>
+              <a:t>   0.5    NA    </a:t>
+            </a:r>
+            <a:r>
+              <a:rPr sz="800" dirty="0" err="1">
+                <a:latin typeface="Courier"/>
+              </a:rPr>
+              <a:t>NA</a:t>
+            </a:r>
+            <a:r>
+              <a:rPr sz="800" dirty="0">
+                <a:latin typeface="Courier"/>
+              </a:rPr>
+              <a:t>    </a:t>
+            </a:r>
+            <a:r>
+              <a:rPr sz="800" dirty="0" err="1">
+                <a:latin typeface="Courier"/>
+              </a:rPr>
+              <a:t>NA</a:t>
+            </a:r>
+            <a:r>
+              <a:rPr sz="800" dirty="0">
+                <a:latin typeface="Courier"/>
+              </a:rPr>
+              <a:t>    </a:t>
+            </a:r>
+            <a:r>
+              <a:rPr sz="800" dirty="0" err="1">
+                <a:latin typeface="Courier"/>
+              </a:rPr>
+              <a:t>NA</a:t>
+            </a:r>
+            <a:r>
+              <a:rPr sz="800" dirty="0">
+                <a:latin typeface="Courier"/>
+              </a:rPr>
+              <a:t>    </a:t>
+            </a:r>
+            <a:r>
+              <a:rPr sz="800" dirty="0" err="1">
+                <a:latin typeface="Courier"/>
+              </a:rPr>
+              <a:t>NA</a:t>
+            </a:r>
+            <a:r>
+              <a:rPr sz="800" dirty="0">
+                <a:latin typeface="Courier"/>
+              </a:rPr>
+              <a:t>   1.1    NA    </a:t>
+            </a:r>
+            <a:r>
+              <a:rPr sz="800" dirty="0" err="1">
+                <a:latin typeface="Courier"/>
+              </a:rPr>
+              <a:t>NA</a:t>
+            </a:r>
+            <a:r>
+              <a:rPr sz="800" dirty="0">
+                <a:latin typeface="Courier"/>
+              </a:rPr>
+              <a:t>
+##   X2005 X2006 X2007 X2008 X2009 X2010 X2011 X2012 X2013 X2014 X2015 X2016 X2017
+## 1    NA    </a:t>
+            </a:r>
+            <a:r>
+              <a:rPr sz="800" dirty="0" err="1">
+                <a:latin typeface="Courier"/>
+              </a:rPr>
+              <a:t>NA</a:t>
+            </a:r>
+            <a:r>
+              <a:rPr sz="800" dirty="0">
+                <a:latin typeface="Courier"/>
+              </a:rPr>
+              <a:t>    </a:t>
+            </a:r>
+            <a:r>
+              <a:rPr sz="800" dirty="0" err="1">
+                <a:latin typeface="Courier"/>
+              </a:rPr>
+              <a:t>NA</a:t>
+            </a:r>
+            <a:r>
+              <a:rPr sz="800" dirty="0">
+                <a:latin typeface="Courier"/>
+              </a:rPr>
+              <a:t>    </a:t>
+            </a:r>
+            <a:r>
+              <a:rPr sz="800" dirty="0" err="1">
+                <a:latin typeface="Courier"/>
+              </a:rPr>
+              <a:t>NA</a:t>
+            </a:r>
+            <a:r>
+              <a:rPr sz="800" dirty="0">
+                <a:latin typeface="Courier"/>
+              </a:rPr>
+              <a:t>    </a:t>
+            </a:r>
+            <a:r>
+              <a:rPr sz="800" dirty="0" err="1">
+                <a:latin typeface="Courier"/>
+              </a:rPr>
+              <a:t>NA</a:t>
+            </a:r>
+            <a:r>
+              <a:rPr sz="800" dirty="0">
+                <a:latin typeface="Courier"/>
+              </a:rPr>
+              <a:t>    </a:t>
+            </a:r>
+            <a:r>
+              <a:rPr sz="800" dirty="0" err="1">
+                <a:latin typeface="Courier"/>
+              </a:rPr>
+              <a:t>NA</a:t>
+            </a:r>
+            <a:r>
+              <a:rPr sz="800" dirty="0">
+                <a:latin typeface="Courier"/>
+              </a:rPr>
+              <a:t>    </a:t>
+            </a:r>
+            <a:r>
+              <a:rPr sz="800" dirty="0" err="1">
+                <a:latin typeface="Courier"/>
+              </a:rPr>
+              <a:t>NA</a:t>
+            </a:r>
+            <a:r>
+              <a:rPr sz="800" dirty="0">
+                <a:latin typeface="Courier"/>
+              </a:rPr>
+              <a:t>    </a:t>
+            </a:r>
+            <a:r>
+              <a:rPr sz="800" dirty="0" err="1">
+                <a:latin typeface="Courier"/>
+              </a:rPr>
+              <a:t>NA</a:t>
+            </a:r>
+            <a:r>
+              <a:rPr sz="800" dirty="0">
+                <a:latin typeface="Courier"/>
+              </a:rPr>
+              <a:t>    </a:t>
+            </a:r>
+            <a:r>
+              <a:rPr sz="800" dirty="0" err="1">
+                <a:latin typeface="Courier"/>
+              </a:rPr>
+              <a:t>NA</a:t>
+            </a:r>
+            <a:r>
+              <a:rPr sz="800" dirty="0">
+                <a:latin typeface="Courier"/>
+              </a:rPr>
+              <a:t>    </a:t>
+            </a:r>
+            <a:r>
+              <a:rPr sz="800" dirty="0" err="1">
+                <a:latin typeface="Courier"/>
+              </a:rPr>
+              <a:t>NA</a:t>
+            </a:r>
+            <a:r>
+              <a:rPr sz="800" dirty="0">
+                <a:latin typeface="Courier"/>
+              </a:rPr>
+              <a:t>    </a:t>
+            </a:r>
+            <a:r>
+              <a:rPr sz="800" dirty="0" err="1">
+                <a:latin typeface="Courier"/>
+              </a:rPr>
+              <a:t>NA</a:t>
+            </a:r>
+            <a:r>
+              <a:rPr sz="800" dirty="0">
+                <a:latin typeface="Courier"/>
+              </a:rPr>
+              <a:t>    </a:t>
+            </a:r>
+            <a:r>
+              <a:rPr sz="800" dirty="0" err="1">
+                <a:latin typeface="Courier"/>
+              </a:rPr>
+              <a:t>NA</a:t>
+            </a:r>
+            <a:r>
+              <a:rPr sz="800" dirty="0">
+                <a:latin typeface="Courier"/>
+              </a:rPr>
+              <a:t>    </a:t>
+            </a:r>
+            <a:r>
+              <a:rPr sz="800" dirty="0" err="1">
+                <a:latin typeface="Courier"/>
+              </a:rPr>
+              <a:t>NA</a:t>
+            </a:r>
+            <a:r>
+              <a:rPr sz="800" dirty="0">
+                <a:latin typeface="Courier"/>
+              </a:rPr>
+              <a:t>
+## 2    NA    </a:t>
+            </a:r>
+            <a:r>
+              <a:rPr sz="800" dirty="0" err="1">
+                <a:latin typeface="Courier"/>
+              </a:rPr>
+              <a:t>NA</a:t>
+            </a:r>
+            <a:r>
+              <a:rPr sz="800" dirty="0">
+                <a:latin typeface="Courier"/>
+              </a:rPr>
+              <a:t>    </a:t>
+            </a:r>
+            <a:r>
+              <a:rPr sz="800" dirty="0" err="1">
+                <a:latin typeface="Courier"/>
+              </a:rPr>
+              <a:t>NA</a:t>
+            </a:r>
+            <a:r>
+              <a:rPr sz="800" dirty="0">
+                <a:latin typeface="Courier"/>
+              </a:rPr>
+              <a:t>    </a:t>
+            </a:r>
+            <a:r>
+              <a:rPr sz="800" dirty="0" err="1">
+                <a:latin typeface="Courier"/>
+              </a:rPr>
+              <a:t>NA</a:t>
+            </a:r>
+            <a:r>
+              <a:rPr sz="800" dirty="0">
+                <a:latin typeface="Courier"/>
+              </a:rPr>
+              <a:t>    </a:t>
+            </a:r>
+            <a:r>
+              <a:rPr sz="800" dirty="0" err="1">
+                <a:latin typeface="Courier"/>
+              </a:rPr>
+              <a:t>NA</a:t>
+            </a:r>
+            <a:r>
+              <a:rPr sz="800" dirty="0">
+                <a:latin typeface="Courier"/>
+              </a:rPr>
+              <a:t>    </a:t>
+            </a:r>
+            <a:r>
+              <a:rPr sz="800" dirty="0" err="1">
+                <a:latin typeface="Courier"/>
+              </a:rPr>
+              <a:t>NA</a:t>
+            </a:r>
+            <a:r>
+              <a:rPr sz="800" dirty="0">
+                <a:latin typeface="Courier"/>
+              </a:rPr>
+              <a:t>    </a:t>
+            </a:r>
+            <a:r>
+              <a:rPr sz="800" dirty="0" err="1">
+                <a:latin typeface="Courier"/>
+              </a:rPr>
+              <a:t>NA</a:t>
+            </a:r>
+            <a:r>
+              <a:rPr sz="800" dirty="0">
+                <a:latin typeface="Courier"/>
+              </a:rPr>
+              <a:t>    </a:t>
+            </a:r>
+            <a:r>
+              <a:rPr sz="800" dirty="0" err="1">
+                <a:latin typeface="Courier"/>
+              </a:rPr>
+              <a:t>NA</a:t>
+            </a:r>
+            <a:r>
+              <a:rPr sz="800" dirty="0">
+                <a:latin typeface="Courier"/>
+              </a:rPr>
+              <a:t>    </a:t>
+            </a:r>
+            <a:r>
+              <a:rPr sz="800" dirty="0" err="1">
+                <a:latin typeface="Courier"/>
+              </a:rPr>
+              <a:t>NA</a:t>
+            </a:r>
+            <a:r>
+              <a:rPr sz="800" dirty="0">
+                <a:latin typeface="Courier"/>
+              </a:rPr>
+              <a:t>    </a:t>
+            </a:r>
+            <a:r>
+              <a:rPr sz="800" dirty="0" err="1">
+                <a:latin typeface="Courier"/>
+              </a:rPr>
+              <a:t>NA</a:t>
+            </a:r>
+            <a:r>
+              <a:rPr sz="800" dirty="0">
+                <a:latin typeface="Courier"/>
+              </a:rPr>
+              <a:t>    </a:t>
+            </a:r>
+            <a:r>
+              <a:rPr sz="800" dirty="0" err="1">
+                <a:latin typeface="Courier"/>
+              </a:rPr>
+              <a:t>NA</a:t>
+            </a:r>
+            <a:r>
+              <a:rPr sz="800" dirty="0">
+                <a:latin typeface="Courier"/>
+              </a:rPr>
+              <a:t>    </a:t>
+            </a:r>
+            <a:r>
+              <a:rPr sz="800" dirty="0" err="1">
+                <a:latin typeface="Courier"/>
+              </a:rPr>
+              <a:t>NA</a:t>
+            </a:r>
+            <a:r>
+              <a:rPr sz="800" dirty="0">
+                <a:latin typeface="Courier"/>
+              </a:rPr>
+              <a:t>    </a:t>
+            </a:r>
+            <a:r>
+              <a:rPr sz="800" dirty="0" err="1">
+                <a:latin typeface="Courier"/>
+              </a:rPr>
+              <a:t>NA</a:t>
+            </a:r>
+            <a:r>
+              <a:rPr sz="800" dirty="0">
+                <a:latin typeface="Courier"/>
+              </a:rPr>
+              <a:t>
+## 3    NA    </a:t>
+            </a:r>
+            <a:r>
+              <a:rPr sz="800" dirty="0" err="1">
+                <a:latin typeface="Courier"/>
+              </a:rPr>
+              <a:t>NA</a:t>
+            </a:r>
+            <a:r>
+              <a:rPr sz="800" dirty="0">
+                <a:latin typeface="Courier"/>
+              </a:rPr>
+              <a:t>    </a:t>
+            </a:r>
+            <a:r>
+              <a:rPr sz="800" dirty="0" err="1">
+                <a:latin typeface="Courier"/>
+              </a:rPr>
+              <a:t>NA</a:t>
+            </a:r>
+            <a:r>
+              <a:rPr sz="800" dirty="0">
+                <a:latin typeface="Courier"/>
+              </a:rPr>
+              <a:t>    </a:t>
+            </a:r>
+            <a:r>
+              <a:rPr sz="800" dirty="0" err="1">
+                <a:latin typeface="Courier"/>
+              </a:rPr>
+              <a:t>NA</a:t>
+            </a:r>
+            <a:r>
+              <a:rPr sz="800" dirty="0">
+                <a:latin typeface="Courier"/>
+              </a:rPr>
+              <a:t>    </a:t>
+            </a:r>
+            <a:r>
+              <a:rPr sz="800" dirty="0" err="1">
+                <a:latin typeface="Courier"/>
+              </a:rPr>
+              <a:t>NA</a:t>
+            </a:r>
+            <a:r>
+              <a:rPr sz="800" dirty="0">
+                <a:latin typeface="Courier"/>
+              </a:rPr>
+              <a:t>    </a:t>
+            </a:r>
+            <a:r>
+              <a:rPr sz="800" dirty="0" err="1">
+                <a:latin typeface="Courier"/>
+              </a:rPr>
+              <a:t>NA</a:t>
+            </a:r>
+            <a:r>
+              <a:rPr sz="800" dirty="0">
+                <a:latin typeface="Courier"/>
+              </a:rPr>
+              <a:t>    </a:t>
+            </a:r>
+            <a:r>
+              <a:rPr sz="800" dirty="0" err="1">
+                <a:latin typeface="Courier"/>
+              </a:rPr>
+              <a:t>NA</a:t>
+            </a:r>
+            <a:r>
+              <a:rPr sz="800" dirty="0">
+                <a:latin typeface="Courier"/>
+              </a:rPr>
+              <a:t>    </a:t>
+            </a:r>
+            <a:r>
+              <a:rPr sz="800" dirty="0" err="1">
+                <a:latin typeface="Courier"/>
+              </a:rPr>
+              <a:t>NA</a:t>
+            </a:r>
+            <a:r>
+              <a:rPr sz="800" dirty="0">
+                <a:latin typeface="Courier"/>
+              </a:rPr>
+              <a:t>    </a:t>
+            </a:r>
+            <a:r>
+              <a:rPr sz="800" dirty="0" err="1">
+                <a:latin typeface="Courier"/>
+              </a:rPr>
+              <a:t>NA</a:t>
+            </a:r>
+            <a:r>
+              <a:rPr sz="800" dirty="0">
+                <a:latin typeface="Courier"/>
+              </a:rPr>
+              <a:t>    </a:t>
+            </a:r>
+            <a:r>
+              <a:rPr sz="800" dirty="0" err="1">
+                <a:latin typeface="Courier"/>
+              </a:rPr>
+              <a:t>NA</a:t>
+            </a:r>
+            <a:r>
+              <a:rPr sz="800" dirty="0">
+                <a:latin typeface="Courier"/>
+              </a:rPr>
+              <a:t>    </a:t>
+            </a:r>
+            <a:r>
+              <a:rPr sz="800" dirty="0" err="1">
+                <a:latin typeface="Courier"/>
+              </a:rPr>
+              <a:t>NA</a:t>
+            </a:r>
+            <a:r>
+              <a:rPr sz="800" dirty="0">
+                <a:latin typeface="Courier"/>
+              </a:rPr>
+              <a:t>    </a:t>
+            </a:r>
+            <a:r>
+              <a:rPr sz="800" dirty="0" err="1">
+                <a:latin typeface="Courier"/>
+              </a:rPr>
+              <a:t>NA</a:t>
+            </a:r>
+            <a:r>
+              <a:rPr sz="800" dirty="0">
+                <a:latin typeface="Courier"/>
+              </a:rPr>
+              <a:t>    </a:t>
+            </a:r>
+            <a:r>
+              <a:rPr sz="800" dirty="0" err="1">
+                <a:latin typeface="Courier"/>
+              </a:rPr>
+              <a:t>NA</a:t>
+            </a:r>
+            <a:r>
+              <a:rPr sz="800" dirty="0">
+                <a:latin typeface="Courier"/>
+              </a:rPr>
+              <a:t>
+## 4    NA    </a:t>
+            </a:r>
+            <a:r>
+              <a:rPr sz="800" dirty="0" err="1">
+                <a:latin typeface="Courier"/>
+              </a:rPr>
+              <a:t>NA</a:t>
+            </a:r>
+            <a:r>
+              <a:rPr sz="800" dirty="0">
+                <a:latin typeface="Courier"/>
+              </a:rPr>
+              <a:t>    </a:t>
+            </a:r>
+            <a:r>
+              <a:rPr sz="800" dirty="0" err="1">
+                <a:latin typeface="Courier"/>
+              </a:rPr>
+              <a:t>NA</a:t>
+            </a:r>
+            <a:r>
+              <a:rPr sz="800" dirty="0">
+                <a:latin typeface="Courier"/>
+              </a:rPr>
+              <a:t>    </a:t>
+            </a:r>
+            <a:r>
+              <a:rPr sz="800" dirty="0" err="1">
+                <a:latin typeface="Courier"/>
+              </a:rPr>
+              <a:t>NA</a:t>
+            </a:r>
+            <a:r>
+              <a:rPr sz="800" dirty="0">
+                <a:latin typeface="Courier"/>
+              </a:rPr>
+              <a:t>    </a:t>
+            </a:r>
+            <a:r>
+              <a:rPr sz="800" dirty="0" err="1">
+                <a:latin typeface="Courier"/>
+              </a:rPr>
+              <a:t>NA</a:t>
+            </a:r>
+            <a:r>
+              <a:rPr sz="800" dirty="0">
+                <a:latin typeface="Courier"/>
+              </a:rPr>
+              <a:t>    </a:t>
+            </a:r>
+            <a:r>
+              <a:rPr sz="800" dirty="0" err="1">
+                <a:latin typeface="Courier"/>
+              </a:rPr>
+              <a:t>NA</a:t>
+            </a:r>
+            <a:r>
+              <a:rPr sz="800" dirty="0">
+                <a:latin typeface="Courier"/>
+              </a:rPr>
+              <a:t>    </a:t>
+            </a:r>
+            <a:r>
+              <a:rPr sz="800" dirty="0" err="1">
+                <a:latin typeface="Courier"/>
+              </a:rPr>
+              <a:t>NA</a:t>
+            </a:r>
+            <a:r>
+              <a:rPr sz="800" dirty="0">
+                <a:latin typeface="Courier"/>
+              </a:rPr>
+              <a:t>    </a:t>
+            </a:r>
+            <a:r>
+              <a:rPr sz="800" dirty="0" err="1">
+                <a:latin typeface="Courier"/>
+              </a:rPr>
+              <a:t>NA</a:t>
+            </a:r>
+            <a:r>
+              <a:rPr sz="800" dirty="0">
+                <a:latin typeface="Courier"/>
+              </a:rPr>
+              <a:t>    </a:t>
+            </a:r>
+            <a:r>
+              <a:rPr sz="800" dirty="0" err="1">
+                <a:latin typeface="Courier"/>
+              </a:rPr>
+              <a:t>NA</a:t>
+            </a:r>
+            <a:r>
+              <a:rPr sz="800" dirty="0">
+                <a:latin typeface="Courier"/>
+              </a:rPr>
+              <a:t>    </a:t>
+            </a:r>
+            <a:r>
+              <a:rPr sz="800" dirty="0" err="1">
+                <a:latin typeface="Courier"/>
+              </a:rPr>
+              <a:t>NA</a:t>
+            </a:r>
+            <a:r>
+              <a:rPr sz="800" dirty="0">
+                <a:latin typeface="Courier"/>
+              </a:rPr>
+              <a:t>    </a:t>
+            </a:r>
+            <a:r>
+              <a:rPr sz="800" dirty="0" err="1">
+                <a:latin typeface="Courier"/>
+              </a:rPr>
+              <a:t>NA</a:t>
+            </a:r>
+            <a:r>
+              <a:rPr sz="800" dirty="0">
+                <a:latin typeface="Courier"/>
+              </a:rPr>
+              <a:t>    </a:t>
+            </a:r>
+            <a:r>
+              <a:rPr sz="800" dirty="0" err="1">
+                <a:latin typeface="Courier"/>
+              </a:rPr>
+              <a:t>NA</a:t>
+            </a:r>
+            <a:r>
+              <a:rPr sz="800" dirty="0">
+                <a:latin typeface="Courier"/>
+              </a:rPr>
+              <a:t>    </a:t>
+            </a:r>
+            <a:r>
+              <a:rPr sz="800" dirty="0" err="1">
+                <a:latin typeface="Courier"/>
+              </a:rPr>
+              <a:t>NA</a:t>
+            </a:r>
+            <a:r>
+              <a:rPr sz="800" dirty="0">
+                <a:latin typeface="Courier"/>
+              </a:rPr>
+              <a:t>
+## 5    NA    </a:t>
+            </a:r>
+            <a:r>
+              <a:rPr sz="800" dirty="0" err="1">
+                <a:latin typeface="Courier"/>
+              </a:rPr>
+              <a:t>NA</a:t>
+            </a:r>
+            <a:r>
+              <a:rPr sz="800" dirty="0">
+                <a:latin typeface="Courier"/>
+              </a:rPr>
+              <a:t>    </a:t>
+            </a:r>
+            <a:r>
+              <a:rPr sz="800" dirty="0" err="1">
+                <a:latin typeface="Courier"/>
+              </a:rPr>
+              <a:t>NA</a:t>
+            </a:r>
+            <a:r>
+              <a:rPr sz="800" dirty="0">
+                <a:latin typeface="Courier"/>
+              </a:rPr>
+              <a:t>  14.6    NA    </a:t>
+            </a:r>
+            <a:r>
+              <a:rPr sz="800" dirty="0" err="1">
+                <a:latin typeface="Courier"/>
+              </a:rPr>
+              <a:t>NA</a:t>
+            </a:r>
+            <a:r>
+              <a:rPr sz="800" dirty="0">
+                <a:latin typeface="Courier"/>
+              </a:rPr>
+              <a:t>    </a:t>
+            </a:r>
+            <a:r>
+              <a:rPr sz="800" dirty="0" err="1">
+                <a:latin typeface="Courier"/>
+              </a:rPr>
+              <a:t>NA</a:t>
+            </a:r>
+            <a:r>
+              <a:rPr sz="800" dirty="0">
+                <a:latin typeface="Courier"/>
+              </a:rPr>
+              <a:t>    </a:t>
+            </a:r>
+            <a:r>
+              <a:rPr sz="800" dirty="0" err="1">
+                <a:latin typeface="Courier"/>
+              </a:rPr>
+              <a:t>NA</a:t>
+            </a:r>
+            <a:r>
+              <a:rPr sz="800" dirty="0">
+                <a:latin typeface="Courier"/>
+              </a:rPr>
+              <a:t>    </a:t>
+            </a:r>
+            <a:r>
+              <a:rPr sz="800" dirty="0" err="1">
+                <a:latin typeface="Courier"/>
+              </a:rPr>
+              <a:t>NA</a:t>
+            </a:r>
+            <a:r>
+              <a:rPr sz="800" dirty="0">
+                <a:latin typeface="Courier"/>
+              </a:rPr>
+              <a:t>    </a:t>
+            </a:r>
+            <a:r>
+              <a:rPr sz="800" dirty="0" err="1">
+                <a:latin typeface="Courier"/>
+              </a:rPr>
+              <a:t>NA</a:t>
+            </a:r>
+            <a:r>
+              <a:rPr sz="800" dirty="0">
+                <a:latin typeface="Courier"/>
+              </a:rPr>
+              <a:t>    </a:t>
+            </a:r>
+            <a:r>
+              <a:rPr sz="800" dirty="0" err="1">
+                <a:latin typeface="Courier"/>
+              </a:rPr>
+              <a:t>NA</a:t>
+            </a:r>
+            <a:r>
+              <a:rPr sz="800" dirty="0">
+                <a:latin typeface="Courier"/>
+              </a:rPr>
+              <a:t>    </a:t>
+            </a:r>
+            <a:r>
+              <a:rPr sz="800" dirty="0" err="1">
+                <a:latin typeface="Courier"/>
+              </a:rPr>
+              <a:t>NA</a:t>
+            </a:r>
+            <a:r>
+              <a:rPr sz="800" dirty="0">
+                <a:latin typeface="Courier"/>
+              </a:rPr>
+              <a:t>    </a:t>
+            </a:r>
+            <a:r>
+              <a:rPr sz="800" dirty="0" err="1">
+                <a:latin typeface="Courier"/>
+              </a:rPr>
+              <a:t>NA</a:t>
+            </a:r>
+            <a:r>
+              <a:rPr sz="800" dirty="0">
+                <a:latin typeface="Courier"/>
+              </a:rPr>
+              <a:t>
+## 6   0.6    NA    </a:t>
+            </a:r>
+            <a:r>
+              <a:rPr sz="800" dirty="0" err="1">
+                <a:latin typeface="Courier"/>
+              </a:rPr>
+              <a:t>NA</a:t>
+            </a:r>
+            <a:r>
+              <a:rPr sz="800" dirty="0">
+                <a:latin typeface="Courier"/>
+              </a:rPr>
+              <a:t>   0.2    NA    </a:t>
+            </a:r>
+            <a:r>
+              <a:rPr sz="800" dirty="0" err="1">
+                <a:latin typeface="Courier"/>
+              </a:rPr>
+              <a:t>NA</a:t>
+            </a:r>
+            <a:r>
+              <a:rPr sz="800" dirty="0">
+                <a:latin typeface="Courier"/>
+              </a:rPr>
+              <a:t>    </a:t>
+            </a:r>
+            <a:r>
+              <a:rPr sz="800" dirty="0" err="1">
+                <a:latin typeface="Courier"/>
+              </a:rPr>
+              <a:t>NA</a:t>
+            </a:r>
+            <a:r>
+              <a:rPr sz="800" dirty="0">
+                <a:latin typeface="Courier"/>
+              </a:rPr>
+              <a:t>   0.6    NA     1   0.1   0.1   0.4
+##   X2018 X2019 X2020 X2021 X2022  X
+## 1    NA    </a:t>
+            </a:r>
+            <a:r>
+              <a:rPr sz="800" dirty="0" err="1">
+                <a:latin typeface="Courier"/>
+              </a:rPr>
+              <a:t>NA</a:t>
+            </a:r>
+            <a:r>
+              <a:rPr sz="800" dirty="0">
+                <a:latin typeface="Courier"/>
+              </a:rPr>
+              <a:t>    </a:t>
+            </a:r>
+            <a:r>
+              <a:rPr sz="800" dirty="0" err="1">
+                <a:latin typeface="Courier"/>
+              </a:rPr>
+              <a:t>NA</a:t>
+            </a:r>
+            <a:r>
+              <a:rPr sz="800" dirty="0">
+                <a:latin typeface="Courier"/>
+              </a:rPr>
+              <a:t>    </a:t>
+            </a:r>
+            <a:r>
+              <a:rPr sz="800" dirty="0" err="1">
+                <a:latin typeface="Courier"/>
+              </a:rPr>
+              <a:t>NA</a:t>
+            </a:r>
+            <a:r>
+              <a:rPr sz="800" dirty="0">
+                <a:latin typeface="Courier"/>
+              </a:rPr>
+              <a:t>    </a:t>
+            </a:r>
+            <a:r>
+              <a:rPr sz="800" dirty="0" err="1">
+                <a:latin typeface="Courier"/>
+              </a:rPr>
+              <a:t>NA</a:t>
+            </a:r>
+            <a:r>
+              <a:rPr sz="800" dirty="0">
+                <a:latin typeface="Courier"/>
+              </a:rPr>
+              <a:t> </a:t>
+            </a:r>
+            <a:r>
+              <a:rPr sz="800" dirty="0" err="1">
+                <a:latin typeface="Courier"/>
+              </a:rPr>
+              <a:t>NA</a:t>
+            </a:r>
+            <a:r>
+              <a:rPr sz="800" dirty="0">
+                <a:latin typeface="Courier"/>
+              </a:rPr>
+              <a:t>
+## 2    NA    </a:t>
+            </a:r>
+            <a:r>
+              <a:rPr sz="800" dirty="0" err="1">
+                <a:latin typeface="Courier"/>
+              </a:rPr>
+              <a:t>NA</a:t>
+            </a:r>
+            <a:r>
+              <a:rPr sz="800" dirty="0">
+                <a:latin typeface="Courier"/>
+              </a:rPr>
+              <a:t>    </a:t>
+            </a:r>
+            <a:r>
+              <a:rPr sz="800" dirty="0" err="1">
+                <a:latin typeface="Courier"/>
+              </a:rPr>
+              <a:t>NA</a:t>
+            </a:r>
+            <a:r>
+              <a:rPr sz="800" dirty="0">
+                <a:latin typeface="Courier"/>
+              </a:rPr>
+              <a:t>    </a:t>
+            </a:r>
+            <a:r>
+              <a:rPr sz="800" dirty="0" err="1">
+                <a:latin typeface="Courier"/>
+              </a:rPr>
+              <a:t>NA</a:t>
+            </a:r>
+            <a:r>
+              <a:rPr sz="800" dirty="0">
+                <a:latin typeface="Courier"/>
+              </a:rPr>
+              <a:t>    </a:t>
+            </a:r>
+            <a:r>
+              <a:rPr sz="800" dirty="0" err="1">
+                <a:latin typeface="Courier"/>
+              </a:rPr>
+              <a:t>NA</a:t>
+            </a:r>
+            <a:r>
+              <a:rPr sz="800" dirty="0">
+                <a:latin typeface="Courier"/>
+              </a:rPr>
+              <a:t> </a:t>
+            </a:r>
+            <a:r>
+              <a:rPr sz="800" dirty="0" err="1">
+                <a:latin typeface="Courier"/>
+              </a:rPr>
+              <a:t>NA</a:t>
+            </a:r>
+            <a:r>
+              <a:rPr sz="800" dirty="0">
+                <a:latin typeface="Courier"/>
+              </a:rPr>
+              <a:t>
+## 3    NA    </a:t>
+            </a:r>
+            <a:r>
+              <a:rPr sz="800" dirty="0" err="1">
+                <a:latin typeface="Courier"/>
+              </a:rPr>
+              <a:t>NA</a:t>
+            </a:r>
+            <a:r>
+              <a:rPr sz="800" dirty="0">
+                <a:latin typeface="Courier"/>
+              </a:rPr>
+              <a:t>    </a:t>
+            </a:r>
+            <a:r>
+              <a:rPr sz="800" dirty="0" err="1">
+                <a:latin typeface="Courier"/>
+              </a:rPr>
+              <a:t>NA</a:t>
+            </a:r>
+            <a:r>
+              <a:rPr sz="800" dirty="0">
+                <a:latin typeface="Courier"/>
+              </a:rPr>
+              <a:t>    </a:t>
+            </a:r>
+            <a:r>
+              <a:rPr sz="800" dirty="0" err="1">
+                <a:latin typeface="Courier"/>
+              </a:rPr>
+              <a:t>NA</a:t>
+            </a:r>
+            <a:r>
+              <a:rPr sz="800" dirty="0">
+                <a:latin typeface="Courier"/>
+              </a:rPr>
+              <a:t>    </a:t>
+            </a:r>
+            <a:r>
+              <a:rPr sz="800" dirty="0" err="1">
+                <a:latin typeface="Courier"/>
+              </a:rPr>
+              <a:t>NA</a:t>
+            </a:r>
+            <a:r>
+              <a:rPr sz="800" dirty="0">
+                <a:latin typeface="Courier"/>
+              </a:rPr>
+              <a:t> </a:t>
+            </a:r>
+            <a:r>
+              <a:rPr sz="800" dirty="0" err="1">
+                <a:latin typeface="Courier"/>
+              </a:rPr>
+              <a:t>NA</a:t>
+            </a:r>
+            <a:r>
+              <a:rPr sz="800" dirty="0">
+                <a:latin typeface="Courier"/>
+              </a:rPr>
+              <a:t>
+## 4    NA    </a:t>
+            </a:r>
+            <a:r>
+              <a:rPr sz="800" dirty="0" err="1">
+                <a:latin typeface="Courier"/>
+              </a:rPr>
+              <a:t>NA</a:t>
+            </a:r>
+            <a:r>
+              <a:rPr sz="800" dirty="0">
+                <a:latin typeface="Courier"/>
+              </a:rPr>
+              <a:t>    </a:t>
+            </a:r>
+            <a:r>
+              <a:rPr sz="800" dirty="0" err="1">
+                <a:latin typeface="Courier"/>
+              </a:rPr>
+              <a:t>NA</a:t>
+            </a:r>
+            <a:r>
+              <a:rPr sz="800" dirty="0">
+                <a:latin typeface="Courier"/>
+              </a:rPr>
+              <a:t>    </a:t>
+            </a:r>
+            <a:r>
+              <a:rPr sz="800" dirty="0" err="1">
+                <a:latin typeface="Courier"/>
+              </a:rPr>
+              <a:t>NA</a:t>
+            </a:r>
+            <a:r>
+              <a:rPr sz="800" dirty="0">
+                <a:latin typeface="Courier"/>
+              </a:rPr>
+              <a:t>    </a:t>
+            </a:r>
+            <a:r>
+              <a:rPr sz="800" dirty="0" err="1">
+                <a:latin typeface="Courier"/>
+              </a:rPr>
+              <a:t>NA</a:t>
+            </a:r>
+            <a:r>
+              <a:rPr sz="800" dirty="0">
+                <a:latin typeface="Courier"/>
+              </a:rPr>
+              <a:t> </a:t>
+            </a:r>
+            <a:r>
+              <a:rPr sz="800" dirty="0" err="1">
+                <a:latin typeface="Courier"/>
+              </a:rPr>
+              <a:t>NA</a:t>
+            </a:r>
+            <a:r>
+              <a:rPr sz="800" dirty="0">
+                <a:latin typeface="Courier"/>
+              </a:rPr>
+              <a:t>
+## 5  31.1    NA    </a:t>
+            </a:r>
+            <a:r>
+              <a:rPr sz="800" dirty="0" err="1">
+                <a:latin typeface="Courier"/>
+              </a:rPr>
+              <a:t>NA</a:t>
+            </a:r>
+            <a:r>
+              <a:rPr sz="800" dirty="0">
+                <a:latin typeface="Courier"/>
+              </a:rPr>
+              <a:t>    </a:t>
+            </a:r>
+            <a:r>
+              <a:rPr sz="800" dirty="0" err="1">
+                <a:latin typeface="Courier"/>
+              </a:rPr>
+              <a:t>NA</a:t>
+            </a:r>
+            <a:r>
+              <a:rPr sz="800" dirty="0">
+                <a:latin typeface="Courier"/>
+              </a:rPr>
+              <a:t>    </a:t>
+            </a:r>
+            <a:r>
+              <a:rPr sz="800" dirty="0" err="1">
+                <a:latin typeface="Courier"/>
+              </a:rPr>
+              <a:t>NA</a:t>
+            </a:r>
+            <a:r>
+              <a:rPr sz="800" dirty="0">
+                <a:latin typeface="Courier"/>
+              </a:rPr>
+              <a:t> </a:t>
+            </a:r>
+            <a:r>
+              <a:rPr sz="800" dirty="0" err="1">
+                <a:latin typeface="Courier"/>
+              </a:rPr>
+              <a:t>NA</a:t>
+            </a:r>
+            <a:r>
+              <a:rPr sz="800" dirty="0">
+                <a:latin typeface="Courier"/>
+              </a:rPr>
+              <a:t>
+## 6   0.0     0     0    NA    </a:t>
+            </a:r>
+            <a:r>
+              <a:rPr sz="800" dirty="0" err="1">
+                <a:latin typeface="Courier"/>
+              </a:rPr>
+              <a:t>NA</a:t>
+            </a:r>
+            <a:r>
+              <a:rPr sz="800" dirty="0">
+                <a:latin typeface="Courier"/>
+              </a:rPr>
+              <a:t> </a:t>
+            </a:r>
+            <a:r>
+              <a:rPr sz="800" dirty="0" err="1">
+                <a:latin typeface="Courier"/>
+              </a:rPr>
+              <a:t>NA</a:t>
+            </a:r>
+            <a:endParaRPr sz="800" dirty="0">
+              <a:latin typeface="Courier"/>
+            </a:endParaRPr>
           </a:p>
         </p:txBody>
       </p:sp>
     </p:spTree>
   </p:cSld>
+  <p:clrMapOvr>
+    <a:masterClrMapping/>
+  </p:clrMapOvr>
 </p:sld>
 </file>
 
@@ -3598,29 +8004,33 @@
             <p:ph type="title"/>
           </p:nvPr>
         </p:nvSpPr>
-        <p:spPr/>
+        <p:spPr>
+          <a:xfrm>
+            <a:off x="457201" y="204787"/>
+            <a:ext cx="3008313" cy="871538"/>
+          </a:xfrm>
+        </p:spPr>
         <p:txBody>
           <a:bodyPr/>
           <a:lstStyle/>
           <a:p>
-            <a:pPr lvl="0" indent="0" marL="0">
+            <a:pPr marL="0" lvl="0" indent="0">
               <a:buNone/>
             </a:pPr>
             <a:r>
-              <a:rPr/>
-              <a:t>Load the Dataset</a:t>
+              <a:t>Convert data to long format</a:t>
             </a:r>
           </a:p>
         </p:txBody>
       </p:sp>
       <p:sp>
         <p:nvSpPr>
-          <p:cNvPr id="3" name="Content Placeholder 2"/>
+          <p:cNvPr id="4" name="Text Placeholder 3"/>
           <p:cNvSpPr>
             <a:spLocks noGrp="1"/>
           </p:cNvSpPr>
           <p:nvPr>
-            <p:ph idx="1"/>
+            <p:ph type="body" sz="half" idx="2"/>
           </p:nvPr>
         </p:nvSpPr>
         <p:spPr/>
@@ -3632,71 +8042,458 @@
               <a:buNone/>
             </a:pPr>
             <a:r>
-              <a:rPr>
-                <a:latin typeface="Courier"/>
-              </a:rPr>
-              <a:t>##                  Country.Name Country.Code
-## 1                       Aruba          ABW
-## 2 Africa Eastern and Southern          AFE
-## 3                 Afghanistan          AFG
-## 4  Africa Western and Central          AFW
-## 5                      Angola          AGO
-## 6                     Albania          ALB
-##                                                        Indicator.Name
-## 1 Poverty headcount ratio at $2.15 a day (2017 PPP) (% of population)
-## 2 Poverty headcount ratio at $2.15 a day (2017 PPP) (% of population)
-## 3 Poverty headcount ratio at $2.15 a day (2017 PPP) (% of population)
-## 4 Poverty headcount ratio at $2.15 a day (2017 PPP) (% of population)
-## 5 Poverty headcount ratio at $2.15 a day (2017 PPP) (% of population)
-## 6 Poverty headcount ratio at $2.15 a day (2017 PPP) (% of population)
-##   Indicator.Code X1960 X1961 X1962 X1963 X1964 X1965 X1966 X1967 X1968 X1969
-## 1    SI.POV.DDAY    NA    NA    NA    NA    NA    NA    NA    NA    NA    NA
-## 2    SI.POV.DDAY    NA    NA    NA    NA    NA    NA    NA    NA    NA    NA
-## 3    SI.POV.DDAY    NA    NA    NA    NA    NA    NA    NA    NA    NA    NA
-## 4    SI.POV.DDAY    NA    NA    NA    NA    NA    NA    NA    NA    NA    NA
-## 5    SI.POV.DDAY    NA    NA    NA    NA    NA    NA    NA    NA    NA    NA
-## 6    SI.POV.DDAY    NA    NA    NA    NA    NA    NA    NA    NA    NA    NA
-##   X1970 X1971 X1972 X1973 X1974 X1975 X1976 X1977 X1978 X1979 X1980 X1981 X1982
-## 1    NA    NA    NA    NA    NA    NA    NA    NA    NA    NA    NA    NA    NA
-## 2    NA    NA    NA    NA    NA    NA    NA    NA    NA    NA    NA    NA    NA
-## 3    NA    NA    NA    NA    NA    NA    NA    NA    NA    NA    NA    NA    NA
-## 4    NA    NA    NA    NA    NA    NA    NA    NA    NA    NA    NA    NA    NA
-## 5    NA    NA    NA    NA    NA    NA    NA    NA    NA    NA    NA    NA    NA
-## 6    NA    NA    NA    NA    NA    NA    NA    NA    NA    NA    NA    NA    NA
-##   X1983 X1984 X1985 X1986 X1987 X1988 X1989 X1990 X1991 X1992 X1993 X1994 X1995
-## 1    NA    NA    NA    NA    NA    NA    NA    NA    NA    NA    NA    NA    NA
-## 2    NA    NA    NA    NA    NA    NA    NA    NA    NA    NA    NA    NA    NA
-## 3    NA    NA    NA    NA    NA    NA    NA    NA    NA    NA    NA    NA    NA
-## 4    NA    NA    NA    NA    NA    NA    NA    NA    NA    NA    NA    NA    NA
-## 5    NA    NA    NA    NA    NA    NA    NA    NA    NA    NA    NA    NA    NA
-## 6    NA    NA    NA    NA    NA    NA    NA    NA    NA    NA    NA    NA    NA
-##   X1996 X1997 X1998 X1999 X2000 X2001 X2002 X2003 X2004 X2005 X2006 X2007 X2008
-## 1    NA    NA    NA    NA    NA    NA    NA    NA    NA    NA    NA    NA    NA
-## 2    NA    NA    NA    NA    NA    NA    NA    NA    NA    NA    NA    NA    NA
-## 3    NA    NA    NA    NA    NA    NA    NA    NA    NA    NA    NA    NA    NA
-## 4    NA    NA    NA    NA    NA    NA    NA    NA    NA    NA    NA    NA    NA
-## 5    NA    NA    NA    NA  21.4    NA    NA    NA    NA    NA    NA    NA  14.6
-## 6   0.5    NA    NA    NA    NA    NA   1.1    NA    NA   0.6    NA    NA   0.2
-##   X2009 X2010 X2011 X2012 X2013 X2014 X2015 X2016 X2017 X2018 X2019 X2020 X2021
-## 1    NA    NA    NA    NA    NA    NA    NA    NA    NA    NA    NA    NA    NA
-## 2    NA    NA    NA    NA    NA    NA    NA    NA    NA    NA    NA    NA    NA
-## 3    NA    NA    NA    NA    NA    NA    NA    NA    NA    NA    NA    NA    NA
-## 4    NA    NA    NA    NA    NA    NA    NA    NA    NA    NA    NA    NA    NA
-## 5    NA    NA    NA    NA    NA    NA    NA    NA    NA  31.1    NA    NA    NA
-## 6    NA    NA    NA   0.6    NA     1   0.1   0.1   0.4   0.0     0     0    NA
-##   X2022  X
-## 1    NA NA
-## 2    NA NA
-## 3    NA NA
-## 4    NA NA
-## 5    NA NA
-## 6    NA NA</a:t>
+              <a:rPr dirty="0">
+                <a:latin typeface="Courier"/>
+              </a:rPr>
+              <a:t>## 
+## Attaching package: '</a:t>
+            </a:r>
+            <a:r>
+              <a:rPr dirty="0" err="1">
+                <a:latin typeface="Courier"/>
+              </a:rPr>
+              <a:t>dplyr</a:t>
+            </a:r>
+            <a:r>
+              <a:rPr dirty="0">
+                <a:latin typeface="Courier"/>
+              </a:rPr>
+              <a:t>'</a:t>
+            </a:r>
+          </a:p>
+          <a:p>
+            <a:pPr lvl="0" indent="0">
+              <a:buNone/>
+            </a:pPr>
+            <a:r>
+              <a:rPr dirty="0">
+                <a:latin typeface="Courier"/>
+              </a:rPr>
+              <a:t>## The following objects are masked from '</a:t>
+            </a:r>
+            <a:r>
+              <a:rPr dirty="0" err="1">
+                <a:latin typeface="Courier"/>
+              </a:rPr>
+              <a:t>package:stats</a:t>
+            </a:r>
+            <a:r>
+              <a:rPr dirty="0">
+                <a:latin typeface="Courier"/>
+              </a:rPr>
+              <a:t>':
+## 
+##     filter, lag</a:t>
+            </a:r>
+          </a:p>
+          <a:p>
+            <a:pPr lvl="0" indent="0">
+              <a:buNone/>
+            </a:pPr>
+            <a:r>
+              <a:rPr dirty="0">
+                <a:latin typeface="Courier"/>
+              </a:rPr>
+              <a:t>## The following objects are masked from '</a:t>
+            </a:r>
+            <a:r>
+              <a:rPr dirty="0" err="1">
+                <a:latin typeface="Courier"/>
+              </a:rPr>
+              <a:t>package:base</a:t>
+            </a:r>
+            <a:r>
+              <a:rPr dirty="0">
+                <a:latin typeface="Courier"/>
+              </a:rPr>
+              <a:t>':
+## 
+##     intersect, </a:t>
+            </a:r>
+            <a:r>
+              <a:rPr dirty="0" err="1">
+                <a:latin typeface="Courier"/>
+              </a:rPr>
+              <a:t>setdiff</a:t>
+            </a:r>
+            <a:r>
+              <a:rPr dirty="0">
+                <a:latin typeface="Courier"/>
+              </a:rPr>
+              <a:t>, </a:t>
+            </a:r>
+            <a:r>
+              <a:rPr dirty="0" err="1">
+                <a:latin typeface="Courier"/>
+              </a:rPr>
+              <a:t>setequal</a:t>
+            </a:r>
+            <a:r>
+              <a:rPr dirty="0">
+                <a:latin typeface="Courier"/>
+              </a:rPr>
+              <a:t>, union</a:t>
+            </a:r>
+          </a:p>
+          <a:p>
+            <a:pPr lvl="0" indent="0">
+              <a:buNone/>
+            </a:pPr>
+            <a:r>
+              <a:rPr dirty="0">
+                <a:latin typeface="Courier"/>
+              </a:rPr>
+              <a:t>## [1] "</a:t>
+            </a:r>
+            <a:r>
+              <a:rPr dirty="0" err="1">
+                <a:latin typeface="Courier"/>
+              </a:rPr>
+              <a:t>Country.Name</a:t>
+            </a:r>
+            <a:r>
+              <a:rPr dirty="0">
+                <a:latin typeface="Courier"/>
+              </a:rPr>
+              <a:t>" "</a:t>
+            </a:r>
+            <a:r>
+              <a:rPr dirty="0" err="1">
+                <a:latin typeface="Courier"/>
+              </a:rPr>
+              <a:t>Country.Code</a:t>
+            </a:r>
+            <a:r>
+              <a:rPr dirty="0">
+                <a:latin typeface="Courier"/>
+              </a:rPr>
+              <a:t>" "Year"         "</a:t>
+            </a:r>
+            <a:r>
+              <a:rPr dirty="0" err="1">
+                <a:latin typeface="Courier"/>
+              </a:rPr>
+              <a:t>PovertyRatio</a:t>
+            </a:r>
+            <a:r>
+              <a:rPr dirty="0">
+                <a:latin typeface="Courier"/>
+              </a:rPr>
+              <a:t>"</a:t>
+            </a:r>
+          </a:p>
+          <a:p>
+            <a:pPr lvl="0" indent="0">
+              <a:buNone/>
+            </a:pPr>
+            <a:r>
+              <a:rPr dirty="0">
+                <a:latin typeface="Courier"/>
+              </a:rPr>
+              <a:t>##                  </a:t>
+            </a:r>
+            <a:r>
+              <a:rPr dirty="0" err="1">
+                <a:latin typeface="Courier"/>
+              </a:rPr>
+              <a:t>Country.Name</a:t>
+            </a:r>
+            <a:r>
+              <a:rPr dirty="0">
+                <a:latin typeface="Courier"/>
+              </a:rPr>
+              <a:t> </a:t>
+            </a:r>
+            <a:r>
+              <a:rPr dirty="0" err="1">
+                <a:latin typeface="Courier"/>
+              </a:rPr>
+              <a:t>Country.Code</a:t>
+            </a:r>
+            <a:r>
+              <a:rPr dirty="0">
+                <a:latin typeface="Courier"/>
+              </a:rPr>
+              <a:t>  Year </a:t>
+            </a:r>
+            <a:r>
+              <a:rPr dirty="0" err="1">
+                <a:latin typeface="Courier"/>
+              </a:rPr>
+              <a:t>PovertyRatio</a:t>
+            </a:r>
+            <a:r>
+              <a:rPr dirty="0">
+                <a:latin typeface="Courier"/>
+              </a:rPr>
+              <a:t>
+## 1                       Aruba          ABW X1960           NA
+## 2 Africa Eastern and Southern          AFE X1960           NA
+## 3                 Afghanistan          AFG X1960           NA
+## 4  Africa Western and Central          AFW X1960           NA
+## 5                      Angola          AGO X1960           NA
+## 6                     Albania          ALB X1960           NA</a:t>
+            </a:r>
+          </a:p>
+          <a:p>
+            <a:pPr lvl="0" indent="0">
+              <a:buNone/>
+            </a:pPr>
+            <a:r>
+              <a:rPr dirty="0">
+                <a:latin typeface="Courier"/>
+              </a:rPr>
+              <a:t>## Warning: Removed 5 rows containing missing values (`</a:t>
+            </a:r>
+            <a:r>
+              <a:rPr dirty="0" err="1">
+                <a:latin typeface="Courier"/>
+              </a:rPr>
+              <a:t>geom_line</a:t>
+            </a:r>
+            <a:r>
+              <a:rPr dirty="0">
+                <a:latin typeface="Courier"/>
+              </a:rPr>
+              <a:t>()`).</a:t>
             </a:r>
           </a:p>
         </p:txBody>
       </p:sp>
+      <p:pic>
+        <p:nvPicPr>
+          <p:cNvPr id="3" name="Picture 1" descr="Project_code_files/figure-pptx/unnamed-chunk-5-1.png"/>
+          <p:cNvPicPr>
+            <a:picLocks noGrp="1" noChangeAspect="1"/>
+          </p:cNvPicPr>
+          <p:nvPr/>
+        </p:nvPicPr>
+        <p:blipFill>
+          <a:blip r:embed="rId2"/>
+          <a:stretch>
+            <a:fillRect/>
+          </a:stretch>
+        </p:blipFill>
+        <p:spPr bwMode="auto">
+          <a:xfrm>
+            <a:off x="3568700" y="355600"/>
+            <a:ext cx="5105400" cy="4089400"/>
+          </a:xfrm>
+          <a:prstGeom prst="rect">
+            <a:avLst/>
+          </a:prstGeom>
+          <a:noFill/>
+          <a:ln w="9525">
+            <a:noFill/>
+            <a:headEnd/>
+            <a:tailEnd/>
+          </a:ln>
+        </p:spPr>
+      </p:pic>
     </p:spTree>
   </p:cSld>
+  <p:clrMapOvr>
+    <a:masterClrMapping/>
+  </p:clrMapOvr>
+</p:sld>
+</file>
+
+<file path=ppt/slides/slide8.xml><?xml version="1.0" encoding="utf-8"?>
+<p:sld xmlns:a="http://schemas.openxmlformats.org/drawingml/2006/main" xmlns:r="http://schemas.openxmlformats.org/officeDocument/2006/relationships" xmlns:p="http://schemas.openxmlformats.org/presentationml/2006/main">
+  <p:cSld>
+    <p:spTree>
+      <p:nvGrpSpPr>
+        <p:cNvPr id="1" name=""/>
+        <p:cNvGrpSpPr/>
+        <p:nvPr/>
+      </p:nvGrpSpPr>
+      <p:grpSpPr>
+        <a:xfrm>
+          <a:off x="0" y="0"/>
+          <a:ext cx="0" cy="0"/>
+          <a:chOff x="0" y="0"/>
+          <a:chExt cx="0" cy="0"/>
+        </a:xfrm>
+      </p:grpSpPr>
+      <p:sp>
+        <p:nvSpPr>
+          <p:cNvPr id="2" name="Title 1"/>
+          <p:cNvSpPr>
+            <a:spLocks noGrp="1"/>
+          </p:cNvSpPr>
+          <p:nvPr>
+            <p:ph type="title"/>
+          </p:nvPr>
+        </p:nvSpPr>
+        <p:spPr>
+          <a:xfrm>
+            <a:off x="457201" y="204787"/>
+            <a:ext cx="3008313" cy="871538"/>
+          </a:xfrm>
+        </p:spPr>
+        <p:txBody>
+          <a:bodyPr/>
+          <a:lstStyle/>
+          <a:p>
+            <a:pPr marL="0" lvl="0" indent="0">
+              <a:buNone/>
+            </a:pPr>
+            <a:r>
+              <a:t>plot the data for all the countries</a:t>
+            </a:r>
+          </a:p>
+        </p:txBody>
+      </p:sp>
+      <p:sp>
+        <p:nvSpPr>
+          <p:cNvPr id="4" name="Text Placeholder 3"/>
+          <p:cNvSpPr>
+            <a:spLocks noGrp="1"/>
+          </p:cNvSpPr>
+          <p:nvPr>
+            <p:ph type="body" sz="half" idx="2"/>
+          </p:nvPr>
+        </p:nvSpPr>
+        <p:spPr/>
+        <p:txBody>
+          <a:bodyPr/>
+          <a:lstStyle/>
+          <a:p>
+            <a:pPr lvl="0" indent="0">
+              <a:buNone/>
+            </a:pPr>
+            <a:r>
+              <a:rPr>
+                <a:latin typeface="Courier"/>
+              </a:rPr>
+              <a:t>## Warning: Removed 12733 rows containing missing values (`geom_line()`).</a:t>
+            </a:r>
+          </a:p>
+        </p:txBody>
+      </p:sp>
+      <p:pic>
+        <p:nvPicPr>
+          <p:cNvPr id="3" name="Picture 1" descr="Project_code_files/figure-pptx/unnamed-chunk-6-1.png"/>
+          <p:cNvPicPr>
+            <a:picLocks noGrp="1" noChangeAspect="1"/>
+          </p:cNvPicPr>
+          <p:nvPr/>
+        </p:nvPicPr>
+        <p:blipFill>
+          <a:blip r:embed="rId2"/>
+          <a:stretch>
+            <a:fillRect/>
+          </a:stretch>
+        </p:blipFill>
+        <p:spPr bwMode="auto">
+          <a:xfrm>
+            <a:off x="3568700" y="355600"/>
+            <a:ext cx="5105400" cy="4089400"/>
+          </a:xfrm>
+          <a:prstGeom prst="rect">
+            <a:avLst/>
+          </a:prstGeom>
+          <a:noFill/>
+          <a:ln w="9525">
+            <a:noFill/>
+            <a:headEnd/>
+            <a:tailEnd/>
+          </a:ln>
+        </p:spPr>
+      </p:pic>
+    </p:spTree>
+  </p:cSld>
+  <p:clrMapOvr>
+    <a:masterClrMapping/>
+  </p:clrMapOvr>
+</p:sld>
+</file>
+
+<file path=ppt/slides/slide9.xml><?xml version="1.0" encoding="utf-8"?>
+<p:sld xmlns:a="http://schemas.openxmlformats.org/drawingml/2006/main" xmlns:r="http://schemas.openxmlformats.org/officeDocument/2006/relationships" xmlns:p="http://schemas.openxmlformats.org/presentationml/2006/main">
+  <p:cSld>
+    <p:spTree>
+      <p:nvGrpSpPr>
+        <p:cNvPr id="1" name=""/>
+        <p:cNvGrpSpPr/>
+        <p:nvPr/>
+      </p:nvGrpSpPr>
+      <p:grpSpPr>
+        <a:xfrm>
+          <a:off x="0" y="0"/>
+          <a:ext cx="0" cy="0"/>
+          <a:chOff x="0" y="0"/>
+          <a:chExt cx="0" cy="0"/>
+        </a:xfrm>
+      </p:grpSpPr>
+      <p:sp>
+        <p:nvSpPr>
+          <p:cNvPr id="4" name="Text Placeholder 3"/>
+          <p:cNvSpPr>
+            <a:spLocks noGrp="1"/>
+          </p:cNvSpPr>
+          <p:nvPr>
+            <p:ph type="body" sz="half" idx="2"/>
+          </p:nvPr>
+        </p:nvSpPr>
+        <p:spPr/>
+        <p:txBody>
+          <a:bodyPr/>
+          <a:lstStyle/>
+          <a:p>
+            <a:pPr marL="0" lvl="0" indent="0">
+              <a:buNone/>
+            </a:pPr>
+            <a:endParaRPr/>
+          </a:p>
+          <a:p>
+            <a:pPr lvl="0" indent="0">
+              <a:buNone/>
+            </a:pPr>
+            <a:r>
+              <a:rPr>
+                <a:latin typeface="Courier"/>
+              </a:rPr>
+              <a:t>## Warning: Removed 14525 rows containing non-finite values (`stat_summary()`).</a:t>
+            </a:r>
+          </a:p>
+        </p:txBody>
+      </p:sp>
+      <p:pic>
+        <p:nvPicPr>
+          <p:cNvPr id="2" name="Picture 1" descr="Project_code_files/figure-pptx/unnamed-chunk-6-2.png"/>
+          <p:cNvPicPr>
+            <a:picLocks noGrp="1" noChangeAspect="1"/>
+          </p:cNvPicPr>
+          <p:nvPr/>
+        </p:nvPicPr>
+        <p:blipFill>
+          <a:blip r:embed="rId2"/>
+          <a:stretch>
+            <a:fillRect/>
+          </a:stretch>
+        </p:blipFill>
+        <p:spPr bwMode="auto">
+          <a:xfrm>
+            <a:off x="3568700" y="355600"/>
+            <a:ext cx="5105400" cy="4089400"/>
+          </a:xfrm>
+          <a:prstGeom prst="rect">
+            <a:avLst/>
+          </a:prstGeom>
+          <a:noFill/>
+          <a:ln w="9525">
+            <a:noFill/>
+            <a:headEnd/>
+            <a:tailEnd/>
+          </a:ln>
+        </p:spPr>
+      </p:pic>
+    </p:spTree>
+  </p:cSld>
+  <p:clrMapOvr>
+    <a:masterClrMapping/>
+  </p:clrMapOvr>
 </p:sld>
 </file>
 
@@ -4018,265 +8815,4 @@
   </a:objectDefaults>
   <a:extraClrSchemeLst/>
 </a:theme>
-</file>
-
-<file path=ppt/theme/theme2.xml><?xml version="1.0" encoding="utf-8"?>
-<a:theme xmlns:a="http://schemas.openxmlformats.org/drawingml/2006/main" name="Office Theme">
-  <a:themeElements>
-    <a:clrScheme name="Office">
-      <a:dk1>
-        <a:sysClr val="windowText" lastClr="000000"/>
-      </a:dk1>
-      <a:lt1>
-        <a:sysClr val="window" lastClr="FFFFFF"/>
-      </a:lt1>
-      <a:dk2>
-        <a:srgbClr val="44546A"/>
-      </a:dk2>
-      <a:lt2>
-        <a:srgbClr val="E7E6E6"/>
-      </a:lt2>
-      <a:accent1>
-        <a:srgbClr val="5B9BD5"/>
-      </a:accent1>
-      <a:accent2>
-        <a:srgbClr val="ED7D31"/>
-      </a:accent2>
-      <a:accent3>
-        <a:srgbClr val="A5A5A5"/>
-      </a:accent3>
-      <a:accent4>
-        <a:srgbClr val="FFC000"/>
-      </a:accent4>
-      <a:accent5>
-        <a:srgbClr val="4472C4"/>
-      </a:accent5>
-      <a:accent6>
-        <a:srgbClr val="70AD47"/>
-      </a:accent6>
-      <a:hlink>
-        <a:srgbClr val="0563C1"/>
-      </a:hlink>
-      <a:folHlink>
-        <a:srgbClr val="954F72"/>
-      </a:folHlink>
-    </a:clrScheme>
-    <a:fontScheme name="Office">
-      <a:majorFont>
-        <a:latin typeface="Calibri Light" panose="020F0302020204030204"/>
-        <a:ea typeface=""/>
-        <a:cs typeface=""/>
-        <a:font script="Jpan" typeface="ＭＳ Ｐゴシック"/>
-        <a:font script="Hang" typeface="맑은 고딕"/>
-        <a:font script="Hans" typeface="宋体"/>
-        <a:font script="Hant" typeface="新細明體"/>
-        <a:font script="Arab" typeface="Times New Roman"/>
-        <a:font script="Hebr" typeface="Times New Roman"/>
-        <a:font script="Thai" typeface="Angsana New"/>
-        <a:font script="Ethi" typeface="Nyala"/>
-        <a:font script="Beng" typeface="Vrinda"/>
-        <a:font script="Gujr" typeface="Shruti"/>
-        <a:font script="Khmr" typeface="MoolBoran"/>
-        <a:font script="Knda" typeface="Tunga"/>
-        <a:font script="Guru" typeface="Raavi"/>
-        <a:font script="Cans" typeface="Euphemia"/>
-        <a:font script="Cher" typeface="Plantagenet Cherokee"/>
-        <a:font script="Yiii" typeface="Microsoft Yi Baiti"/>
-        <a:font script="Tibt" typeface="Microsoft Himalaya"/>
-        <a:font script="Thaa" typeface="MV Boli"/>
-        <a:font script="Deva" typeface="Mangal"/>
-        <a:font script="Telu" typeface="Gautami"/>
-        <a:font script="Taml" typeface="Latha"/>
-        <a:font script="Syrc" typeface="Estrangelo Edessa"/>
-        <a:font script="Orya" typeface="Kalinga"/>
-        <a:font script="Mlym" typeface="Kartika"/>
-        <a:font script="Laoo" typeface="DokChampa"/>
-        <a:font script="Sinh" typeface="Iskoola Pota"/>
-        <a:font script="Mong" typeface="Mongolian Baiti"/>
-        <a:font script="Viet" typeface="Times New Roman"/>
-        <a:font script="Uigh" typeface="Microsoft Uighur"/>
-        <a:font script="Geor" typeface="Sylfaen"/>
-      </a:majorFont>
-      <a:minorFont>
-        <a:latin typeface="Calibri" panose="020F0502020204030204"/>
-        <a:ea typeface=""/>
-        <a:cs typeface=""/>
-        <a:font script="Jpan" typeface="ＭＳ Ｐゴシック"/>
-        <a:font script="Hang" typeface="맑은 고딕"/>
-        <a:font script="Hans" typeface="宋体"/>
-        <a:font script="Hant" typeface="新細明體"/>
-        <a:font script="Arab" typeface="Arial"/>
-        <a:font script="Hebr" typeface="Arial"/>
-        <a:font script="Thai" typeface="Cordia New"/>
-        <a:font script="Ethi" typeface="Nyala"/>
-        <a:font script="Beng" typeface="Vrinda"/>
-        <a:font script="Gujr" typeface="Shruti"/>
-        <a:font script="Khmr" typeface="DaunPenh"/>
-        <a:font script="Knda" typeface="Tunga"/>
-        <a:font script="Guru" typeface="Raavi"/>
-        <a:font script="Cans" typeface="Euphemia"/>
-        <a:font script="Cher" typeface="Plantagenet Cherokee"/>
-        <a:font script="Yiii" typeface="Microsoft Yi Baiti"/>
-        <a:font script="Tibt" typeface="Microsoft Himalaya"/>
-        <a:font script="Thaa" typeface="MV Boli"/>
-        <a:font script="Deva" typeface="Mangal"/>
-        <a:font script="Telu" typeface="Gautami"/>
-        <a:font script="Taml" typeface="Latha"/>
-        <a:font script="Syrc" typeface="Estrangelo Edessa"/>
-        <a:font script="Orya" typeface="Kalinga"/>
-        <a:font script="Mlym" typeface="Kartika"/>
-        <a:font script="Laoo" typeface="DokChampa"/>
-        <a:font script="Sinh" typeface="Iskoola Pota"/>
-        <a:font script="Mong" typeface="Mongolian Baiti"/>
-        <a:font script="Viet" typeface="Arial"/>
-        <a:font script="Uigh" typeface="Microsoft Uighur"/>
-        <a:font script="Geor" typeface="Sylfaen"/>
-      </a:minorFont>
-    </a:fontScheme>
-    <a:fmtScheme name="Office">
-      <a:fillStyleLst>
-        <a:solidFill>
-          <a:schemeClr val="phClr"/>
-        </a:solidFill>
-        <a:gradFill rotWithShape="1">
-          <a:gsLst>
-            <a:gs pos="0">
-              <a:schemeClr val="phClr">
-                <a:lumMod val="110000"/>
-                <a:satMod val="105000"/>
-                <a:tint val="67000"/>
-              </a:schemeClr>
-            </a:gs>
-            <a:gs pos="50000">
-              <a:schemeClr val="phClr">
-                <a:lumMod val="105000"/>
-                <a:satMod val="103000"/>
-                <a:tint val="73000"/>
-              </a:schemeClr>
-            </a:gs>
-            <a:gs pos="100000">
-              <a:schemeClr val="phClr">
-                <a:lumMod val="105000"/>
-                <a:satMod val="109000"/>
-                <a:tint val="81000"/>
-              </a:schemeClr>
-            </a:gs>
-          </a:gsLst>
-          <a:lin ang="5400000" scaled="0"/>
-        </a:gradFill>
-        <a:gradFill rotWithShape="1">
-          <a:gsLst>
-            <a:gs pos="0">
-              <a:schemeClr val="phClr">
-                <a:satMod val="103000"/>
-                <a:lumMod val="102000"/>
-                <a:tint val="94000"/>
-              </a:schemeClr>
-            </a:gs>
-            <a:gs pos="50000">
-              <a:schemeClr val="phClr">
-                <a:satMod val="110000"/>
-                <a:lumMod val="100000"/>
-                <a:shade val="100000"/>
-              </a:schemeClr>
-            </a:gs>
-            <a:gs pos="100000">
-              <a:schemeClr val="phClr">
-                <a:lumMod val="99000"/>
-                <a:satMod val="120000"/>
-                <a:shade val="78000"/>
-              </a:schemeClr>
-            </a:gs>
-          </a:gsLst>
-          <a:lin ang="5400000" scaled="0"/>
-        </a:gradFill>
-      </a:fillStyleLst>
-      <a:lnStyleLst>
-        <a:ln w="6350" cap="flat" cmpd="sng" algn="ctr">
-          <a:solidFill>
-            <a:schemeClr val="phClr"/>
-          </a:solidFill>
-          <a:prstDash val="solid"/>
-          <a:miter lim="800000"/>
-        </a:ln>
-        <a:ln w="12700" cap="flat" cmpd="sng" algn="ctr">
-          <a:solidFill>
-            <a:schemeClr val="phClr"/>
-          </a:solidFill>
-          <a:prstDash val="solid"/>
-          <a:miter lim="800000"/>
-        </a:ln>
-        <a:ln w="19050" cap="flat" cmpd="sng" algn="ctr">
-          <a:solidFill>
-            <a:schemeClr val="phClr"/>
-          </a:solidFill>
-          <a:prstDash val="solid"/>
-          <a:miter lim="800000"/>
-        </a:ln>
-      </a:lnStyleLst>
-      <a:effectStyleLst>
-        <a:effectStyle>
-          <a:effectLst/>
-        </a:effectStyle>
-        <a:effectStyle>
-          <a:effectLst/>
-        </a:effectStyle>
-        <a:effectStyle>
-          <a:effectLst>
-            <a:outerShdw blurRad="57150" dist="19050" dir="5400000" algn="ctr" rotWithShape="0">
-              <a:srgbClr val="000000">
-                <a:alpha val="63000"/>
-              </a:srgbClr>
-            </a:outerShdw>
-          </a:effectLst>
-        </a:effectStyle>
-      </a:effectStyleLst>
-      <a:bgFillStyleLst>
-        <a:solidFill>
-          <a:schemeClr val="phClr"/>
-        </a:solidFill>
-        <a:solidFill>
-          <a:schemeClr val="phClr">
-            <a:tint val="95000"/>
-            <a:satMod val="170000"/>
-          </a:schemeClr>
-        </a:solidFill>
-        <a:gradFill rotWithShape="1">
-          <a:gsLst>
-            <a:gs pos="0">
-              <a:schemeClr val="phClr">
-                <a:tint val="93000"/>
-                <a:satMod val="150000"/>
-                <a:shade val="98000"/>
-                <a:lumMod val="102000"/>
-              </a:schemeClr>
-            </a:gs>
-            <a:gs pos="50000">
-              <a:schemeClr val="phClr">
-                <a:tint val="98000"/>
-                <a:satMod val="130000"/>
-                <a:shade val="90000"/>
-                <a:lumMod val="103000"/>
-              </a:schemeClr>
-            </a:gs>
-            <a:gs pos="100000">
-              <a:schemeClr val="phClr">
-                <a:shade val="63000"/>
-                <a:satMod val="120000"/>
-              </a:schemeClr>
-            </a:gs>
-          </a:gsLst>
-          <a:lin ang="5400000" scaled="0"/>
-        </a:gradFill>
-      </a:bgFillStyleLst>
-    </a:fmtScheme>
-  </a:themeElements>
-  <a:objectDefaults/>
-  <a:extraClrSchemeLst/>
-  <a:extLst>
-    <a:ext uri="{05A4C25C-085E-4340-85A3-A5531E510DB2}">
-      <thm15:themeFamily xmlns:thm15="http://schemas.microsoft.com/office/thememl/2012/main" name="Office Theme" id="{62F939B6-93AF-4DB8-9C6B-D6C7DFDC589F}" vid="{4A3C46E8-61CC-4603-A589-7422A47A8E4A}"/>
-    </a:ext>
-  </a:extLst>
-</a:theme>
 </file>
--- a/Project_code.pptx
+++ b/Project_code.pptx
@@ -15,7 +15,6 @@
     <p:sldId id="263" r:id="rId9"/>
     <p:sldId id="264" r:id="rId10"/>
     <p:sldId id="265" r:id="rId11"/>
-    <p:sldId id="266" r:id="rId12"/>
   </p:sldIdLst>
   <p:sldSz cx="9144000" cy="5143500" type="screen16x9"/>
   <p:notesSz cx="6858000" cy="9144000"/>
@@ -3219,12 +3218,7 @@
             <p:ph type="body" sz="half" idx="2"/>
           </p:nvPr>
         </p:nvSpPr>
-        <p:spPr>
-          <a:xfrm>
-            <a:off x="377191" y="550546"/>
-            <a:ext cx="3008313" cy="3518297"/>
-          </a:xfrm>
-        </p:spPr>
+        <p:spPr/>
         <p:txBody>
           <a:bodyPr>
             <a:normAutofit fontScale="85000" lnSpcReduction="20000"/>
@@ -3249,11 +3243,25 @@
             </a:r>
           </a:p>
           <a:p>
+            <a:pPr lvl="0"/>
+            <a:r>
+              <a:rPr dirty="0"/>
+              <a:t>This graph contains the same data plotted as the graph before ( Annual Income v Age).</a:t>
+            </a:r>
+          </a:p>
+          <a:p>
+            <a:pPr lvl="0"/>
+            <a:r>
+              <a:rPr dirty="0"/>
+              <a:t>This plot shows that the median income(and Interquartile) is higher for those that purchase travel insurance.</a:t>
+            </a:r>
+          </a:p>
+          <a:p>
             <a:pPr lvl="0" indent="0">
               <a:buNone/>
             </a:pPr>
             <a:r>
-              <a:rPr dirty="0" err="1">
+              <a:rPr sz="900" dirty="0" err="1">
                 <a:solidFill>
                   <a:srgbClr val="06287E"/>
                 </a:solidFill>
@@ -3262,13 +3270,13 @@
               <a:t>ggplot</a:t>
             </a:r>
             <a:r>
-              <a:rPr dirty="0">
+              <a:rPr sz="900" dirty="0">
                 <a:latin typeface="Courier"/>
               </a:rPr>
               <a:t>(data, </a:t>
             </a:r>
             <a:r>
-              <a:rPr dirty="0" err="1">
+              <a:rPr sz="900" dirty="0" err="1">
                 <a:solidFill>
                   <a:srgbClr val="06287E"/>
                 </a:solidFill>
@@ -3277,13 +3285,13 @@
               <a:t>aes</a:t>
             </a:r>
             <a:r>
-              <a:rPr dirty="0">
+              <a:rPr sz="900" dirty="0">
                 <a:latin typeface="Courier"/>
               </a:rPr>
               <a:t>(</a:t>
             </a:r>
             <a:r>
-              <a:rPr dirty="0">
+              <a:rPr sz="900" dirty="0">
                 <a:solidFill>
                   <a:srgbClr val="7D9029"/>
                 </a:solidFill>
@@ -3292,13 +3300,13 @@
               <a:t>x =</a:t>
             </a:r>
             <a:r>
-              <a:rPr dirty="0">
+              <a:rPr sz="900" dirty="0">
                 <a:latin typeface="Courier"/>
               </a:rPr>
               <a:t> </a:t>
             </a:r>
             <a:r>
-              <a:rPr dirty="0" err="1">
+              <a:rPr sz="900" dirty="0" err="1">
                 <a:solidFill>
                   <a:srgbClr val="06287E"/>
                 </a:solidFill>
@@ -3307,13 +3315,13 @@
               <a:t>as.factor</a:t>
             </a:r>
             <a:r>
-              <a:rPr dirty="0">
+              <a:rPr sz="900" dirty="0">
                 <a:latin typeface="Courier"/>
               </a:rPr>
               <a:t>(Age), </a:t>
             </a:r>
             <a:r>
-              <a:rPr dirty="0">
+              <a:rPr sz="900" dirty="0">
                 <a:solidFill>
                   <a:srgbClr val="7D9029"/>
                 </a:solidFill>
@@ -3322,25 +3330,25 @@
               <a:t>y =</a:t>
             </a:r>
             <a:r>
-              <a:rPr dirty="0">
+              <a:rPr sz="900" dirty="0">
                 <a:latin typeface="Courier"/>
               </a:rPr>
               <a:t> </a:t>
             </a:r>
             <a:r>
-              <a:rPr dirty="0" err="1">
+              <a:rPr sz="900" dirty="0" err="1">
                 <a:latin typeface="Courier"/>
               </a:rPr>
               <a:t>AnnualIncomeUSD</a:t>
             </a:r>
             <a:r>
-              <a:rPr dirty="0">
+              <a:rPr sz="900" dirty="0">
                 <a:latin typeface="Courier"/>
               </a:rPr>
               <a:t>, </a:t>
             </a:r>
             <a:r>
-              <a:rPr dirty="0">
+              <a:rPr sz="900" dirty="0">
                 <a:solidFill>
                   <a:srgbClr val="7D9029"/>
                 </a:solidFill>
@@ -3349,7 +3357,7 @@
               <a:t>fill=</a:t>
             </a:r>
             <a:r>
-              <a:rPr dirty="0" err="1">
+              <a:rPr sz="900" dirty="0" err="1">
                 <a:solidFill>
                   <a:srgbClr val="06287E"/>
                 </a:solidFill>
@@ -3358,25 +3366,25 @@
               <a:t>as.factor</a:t>
             </a:r>
             <a:r>
-              <a:rPr dirty="0">
+              <a:rPr sz="900" dirty="0">
                 <a:latin typeface="Courier"/>
               </a:rPr>
               <a:t>(</a:t>
             </a:r>
             <a:r>
-              <a:rPr dirty="0" err="1">
+              <a:rPr sz="900" dirty="0" err="1">
                 <a:latin typeface="Courier"/>
               </a:rPr>
               <a:t>TravelInsurance</a:t>
             </a:r>
             <a:r>
-              <a:rPr dirty="0">
+              <a:rPr sz="900" dirty="0">
                 <a:latin typeface="Courier"/>
               </a:rPr>
               <a:t>)  )) </a:t>
             </a:r>
             <a:r>
-              <a:rPr dirty="0">
+              <a:rPr sz="900" dirty="0">
                 <a:solidFill>
                   <a:srgbClr val="4070A0"/>
                 </a:solidFill>
@@ -3385,13 +3393,13 @@
               <a:t>+</a:t>
             </a:r>
             <a:r>
-              <a:rPr dirty="0">
+              <a:rPr sz="900" dirty="0">
                 <a:latin typeface="Courier"/>
               </a:rPr>
               <a:t> </a:t>
             </a:r>
             <a:r>
-              <a:rPr i="1" dirty="0">
+              <a:rPr sz="900" i="1" dirty="0">
                 <a:solidFill>
                   <a:srgbClr val="60A0B0"/>
                 </a:solidFill>
@@ -3400,7 +3408,7 @@
               <a:t># Plot Age ( min-max) vs </a:t>
             </a:r>
             <a:r>
-              <a:rPr i="1" dirty="0" err="1">
+              <a:rPr sz="900" i="1" dirty="0" err="1">
                 <a:solidFill>
                   <a:srgbClr val="60A0B0"/>
                 </a:solidFill>
@@ -3409,7 +3417,7 @@
               <a:t>AnnualIncomeUSD</a:t>
             </a:r>
             <a:r>
-              <a:rPr i="1" dirty="0">
+              <a:rPr sz="900" i="1" dirty="0">
                 <a:solidFill>
                   <a:srgbClr val="60A0B0"/>
                 </a:solidFill>
@@ -3418,7 +3426,7 @@
               <a:t> with fill color as </a:t>
             </a:r>
             <a:r>
-              <a:rPr i="1" dirty="0" err="1">
+              <a:rPr sz="900" i="1" dirty="0" err="1">
                 <a:solidFill>
                   <a:srgbClr val="60A0B0"/>
                 </a:solidFill>
@@ -3427,16 +3435,16 @@
               <a:t>TravelInsurance</a:t>
             </a:r>
             <a:br>
-              <a:rPr dirty="0"/>
+              <a:rPr sz="900" dirty="0"/>
             </a:br>
             <a:r>
-              <a:rPr dirty="0">
+              <a:rPr sz="900" dirty="0">
                 <a:latin typeface="Courier"/>
               </a:rPr>
               <a:t>  </a:t>
             </a:r>
             <a:r>
-              <a:rPr dirty="0" err="1">
+              <a:rPr sz="900" dirty="0" err="1">
                 <a:solidFill>
                   <a:srgbClr val="06287E"/>
                 </a:solidFill>
@@ -3445,13 +3453,13 @@
               <a:t>geom_boxplot</a:t>
             </a:r>
             <a:r>
-              <a:rPr dirty="0">
+              <a:rPr sz="900" dirty="0">
                 <a:latin typeface="Courier"/>
               </a:rPr>
               <a:t>() </a:t>
             </a:r>
             <a:r>
-              <a:rPr dirty="0">
+              <a:rPr sz="900" dirty="0">
                 <a:solidFill>
                   <a:srgbClr val="4070A0"/>
                 </a:solidFill>
@@ -3460,16 +3468,16 @@
               <a:t>+</a:t>
             </a:r>
             <a:br>
-              <a:rPr dirty="0"/>
+              <a:rPr sz="900" dirty="0"/>
             </a:br>
             <a:r>
-              <a:rPr dirty="0">
+              <a:rPr sz="900" dirty="0">
                 <a:latin typeface="Courier"/>
               </a:rPr>
               <a:t>  </a:t>
             </a:r>
             <a:r>
-              <a:rPr dirty="0">
+              <a:rPr sz="900" dirty="0">
                 <a:solidFill>
                   <a:srgbClr val="06287E"/>
                 </a:solidFill>
@@ -3478,13 +3486,13 @@
               <a:t>labs</a:t>
             </a:r>
             <a:r>
-              <a:rPr dirty="0">
+              <a:rPr sz="900" dirty="0">
                 <a:latin typeface="Courier"/>
               </a:rPr>
               <a:t>(</a:t>
             </a:r>
             <a:r>
-              <a:rPr dirty="0">
+              <a:rPr sz="900" dirty="0">
                 <a:solidFill>
                   <a:srgbClr val="7D9029"/>
                 </a:solidFill>
@@ -3493,13 +3501,13 @@
               <a:t>title =</a:t>
             </a:r>
             <a:r>
-              <a:rPr dirty="0">
+              <a:rPr sz="900" dirty="0">
                 <a:latin typeface="Courier"/>
               </a:rPr>
               <a:t> </a:t>
             </a:r>
             <a:r>
-              <a:rPr dirty="0">
+              <a:rPr sz="900" dirty="0">
                 <a:solidFill>
                   <a:srgbClr val="4070A0"/>
                 </a:solidFill>
@@ -3508,13 +3516,13 @@
               <a:t>"Box Plot of Annual Income by Age"</a:t>
             </a:r>
             <a:r>
-              <a:rPr dirty="0">
+              <a:rPr sz="900" dirty="0">
                 <a:latin typeface="Courier"/>
               </a:rPr>
               <a:t>, </a:t>
             </a:r>
             <a:r>
-              <a:rPr dirty="0">
+              <a:rPr sz="900" dirty="0">
                 <a:solidFill>
                   <a:srgbClr val="7D9029"/>
                 </a:solidFill>
@@ -3523,13 +3531,13 @@
               <a:t>x =</a:t>
             </a:r>
             <a:r>
-              <a:rPr dirty="0">
+              <a:rPr sz="900" dirty="0">
                 <a:latin typeface="Courier"/>
               </a:rPr>
               <a:t> </a:t>
             </a:r>
             <a:r>
-              <a:rPr dirty="0">
+              <a:rPr sz="900" dirty="0">
                 <a:solidFill>
                   <a:srgbClr val="4070A0"/>
                 </a:solidFill>
@@ -3538,13 +3546,13 @@
               <a:t>"Age"</a:t>
             </a:r>
             <a:r>
-              <a:rPr dirty="0">
+              <a:rPr sz="900" dirty="0">
                 <a:latin typeface="Courier"/>
               </a:rPr>
               <a:t>, </a:t>
             </a:r>
             <a:r>
-              <a:rPr dirty="0">
+              <a:rPr sz="900" dirty="0">
                 <a:solidFill>
                   <a:srgbClr val="7D9029"/>
                 </a:solidFill>
@@ -3553,13 +3561,13 @@
               <a:t>y =</a:t>
             </a:r>
             <a:r>
-              <a:rPr dirty="0">
+              <a:rPr sz="900" dirty="0">
                 <a:latin typeface="Courier"/>
               </a:rPr>
               <a:t> </a:t>
             </a:r>
             <a:r>
-              <a:rPr dirty="0">
+              <a:rPr sz="900" dirty="0">
                 <a:solidFill>
                   <a:srgbClr val="4070A0"/>
                 </a:solidFill>
@@ -3568,13 +3576,13 @@
               <a:t>"Annual Income"</a:t>
             </a:r>
             <a:r>
-              <a:rPr dirty="0">
+              <a:rPr sz="900" dirty="0">
                 <a:latin typeface="Courier"/>
               </a:rPr>
               <a:t>, </a:t>
             </a:r>
             <a:r>
-              <a:rPr dirty="0">
+              <a:rPr sz="900" dirty="0">
                 <a:solidFill>
                   <a:srgbClr val="7D9029"/>
                 </a:solidFill>
@@ -3583,13 +3591,13 @@
               <a:t>fill =</a:t>
             </a:r>
             <a:r>
-              <a:rPr dirty="0">
+              <a:rPr sz="900" dirty="0">
                 <a:latin typeface="Courier"/>
               </a:rPr>
               <a:t> </a:t>
             </a:r>
             <a:r>
-              <a:rPr dirty="0">
+              <a:rPr sz="900" dirty="0">
                 <a:solidFill>
                   <a:srgbClr val="4070A0"/>
                 </a:solidFill>
@@ -3598,7 +3606,7 @@
               <a:t>"Travel\</a:t>
             </a:r>
             <a:r>
-              <a:rPr dirty="0" err="1">
+              <a:rPr sz="900" dirty="0" err="1">
                 <a:solidFill>
                   <a:srgbClr val="4070A0"/>
                 </a:solidFill>
@@ -3607,7 +3615,7 @@
               <a:t>nInsurance</a:t>
             </a:r>
             <a:r>
-              <a:rPr dirty="0">
+              <a:rPr sz="900" dirty="0">
                 <a:solidFill>
                   <a:srgbClr val="4070A0"/>
                 </a:solidFill>
@@ -3616,13 +3624,13 @@
               <a:t>"</a:t>
             </a:r>
             <a:r>
-              <a:rPr dirty="0">
+              <a:rPr sz="900" dirty="0">
                 <a:latin typeface="Courier"/>
               </a:rPr>
               <a:t> ) </a:t>
             </a:r>
             <a:r>
-              <a:rPr dirty="0">
+              <a:rPr sz="900" dirty="0">
                 <a:solidFill>
                   <a:srgbClr val="4070A0"/>
                 </a:solidFill>
@@ -3631,13 +3639,13 @@
               <a:t>+</a:t>
             </a:r>
             <a:r>
-              <a:rPr dirty="0">
+              <a:rPr sz="900" dirty="0">
                 <a:latin typeface="Courier"/>
               </a:rPr>
               <a:t> </a:t>
             </a:r>
             <a:r>
-              <a:rPr i="1" dirty="0">
+              <a:rPr sz="900" i="1" dirty="0">
                 <a:solidFill>
                   <a:srgbClr val="60A0B0"/>
                 </a:solidFill>
@@ -3646,7 +3654,7 @@
               <a:t># Sets the title and label for </a:t>
             </a:r>
             <a:r>
-              <a:rPr i="1" dirty="0" err="1">
+              <a:rPr sz="900" i="1" dirty="0" err="1">
                 <a:solidFill>
                   <a:srgbClr val="60A0B0"/>
                 </a:solidFill>
@@ -3655,7 +3663,7 @@
               <a:t>x,y</a:t>
             </a:r>
             <a:r>
-              <a:rPr i="1" dirty="0">
+              <a:rPr sz="900" i="1" dirty="0">
                 <a:solidFill>
                   <a:srgbClr val="60A0B0"/>
                 </a:solidFill>
@@ -3664,16 +3672,16 @@
               <a:t> axis and legend title</a:t>
             </a:r>
             <a:br>
-              <a:rPr dirty="0"/>
+              <a:rPr sz="900" dirty="0"/>
             </a:br>
             <a:r>
-              <a:rPr dirty="0">
+              <a:rPr sz="900" dirty="0">
                 <a:latin typeface="Courier"/>
               </a:rPr>
               <a:t>  </a:t>
             </a:r>
             <a:r>
-              <a:rPr dirty="0" err="1">
+              <a:rPr sz="900" dirty="0" err="1">
                 <a:solidFill>
                   <a:srgbClr val="06287E"/>
                 </a:solidFill>
@@ -3682,13 +3690,13 @@
               <a:t>scale_y_continuous</a:t>
             </a:r>
             <a:r>
-              <a:rPr dirty="0">
+              <a:rPr sz="900" dirty="0">
                 <a:latin typeface="Courier"/>
               </a:rPr>
               <a:t>(</a:t>
             </a:r>
             <a:r>
-              <a:rPr dirty="0">
+              <a:rPr sz="900" dirty="0">
                 <a:solidFill>
                   <a:srgbClr val="7D9029"/>
                 </a:solidFill>
@@ -3697,13 +3705,13 @@
               <a:t>labels =</a:t>
             </a:r>
             <a:r>
-              <a:rPr dirty="0">
+              <a:rPr sz="900" dirty="0">
                 <a:latin typeface="Courier"/>
               </a:rPr>
               <a:t> scales</a:t>
             </a:r>
             <a:r>
-              <a:rPr dirty="0">
+              <a:rPr sz="900" dirty="0">
                 <a:solidFill>
                   <a:srgbClr val="4070A0"/>
                 </a:solidFill>
@@ -3712,7 +3720,7 @@
               <a:t>::</a:t>
             </a:r>
             <a:r>
-              <a:rPr dirty="0" err="1">
+              <a:rPr sz="900" dirty="0" err="1">
                 <a:solidFill>
                   <a:srgbClr val="06287E"/>
                 </a:solidFill>
@@ -3721,13 +3729,13 @@
               <a:t>dollar_format</a:t>
             </a:r>
             <a:r>
-              <a:rPr dirty="0">
+              <a:rPr sz="900" dirty="0">
                 <a:latin typeface="Courier"/>
               </a:rPr>
               <a:t>(), </a:t>
             </a:r>
             <a:r>
-              <a:rPr dirty="0">
+              <a:rPr sz="900" dirty="0">
                 <a:solidFill>
                   <a:srgbClr val="7D9029"/>
                 </a:solidFill>
@@ -3736,13 +3744,13 @@
               <a:t>breaks =</a:t>
             </a:r>
             <a:r>
-              <a:rPr dirty="0">
+              <a:rPr sz="900" dirty="0">
                 <a:latin typeface="Courier"/>
               </a:rPr>
               <a:t> </a:t>
             </a:r>
             <a:r>
-              <a:rPr dirty="0">
+              <a:rPr sz="900" dirty="0">
                 <a:solidFill>
                   <a:srgbClr val="06287E"/>
                 </a:solidFill>
@@ -3751,13 +3759,13 @@
               <a:t>seq</a:t>
             </a:r>
             <a:r>
-              <a:rPr dirty="0">
+              <a:rPr sz="900" dirty="0">
                 <a:latin typeface="Courier"/>
               </a:rPr>
               <a:t>(</a:t>
             </a:r>
             <a:r>
-              <a:rPr dirty="0">
+              <a:rPr sz="900" dirty="0">
                 <a:solidFill>
                   <a:srgbClr val="7D9029"/>
                 </a:solidFill>
@@ -3766,13 +3774,13 @@
               <a:t>from =</a:t>
             </a:r>
             <a:r>
-              <a:rPr dirty="0">
+              <a:rPr sz="900" dirty="0">
                 <a:latin typeface="Courier"/>
               </a:rPr>
               <a:t> </a:t>
             </a:r>
             <a:r>
-              <a:rPr dirty="0">
+              <a:rPr sz="900" dirty="0">
                 <a:solidFill>
                   <a:srgbClr val="06287E"/>
                 </a:solidFill>
@@ -3781,19 +3789,19 @@
               <a:t>min</a:t>
             </a:r>
             <a:r>
-              <a:rPr dirty="0">
+              <a:rPr sz="900" dirty="0">
                 <a:latin typeface="Courier"/>
               </a:rPr>
               <a:t>(</a:t>
             </a:r>
             <a:r>
-              <a:rPr dirty="0" err="1">
+              <a:rPr sz="900" dirty="0" err="1">
                 <a:latin typeface="Courier"/>
               </a:rPr>
               <a:t>data</a:t>
             </a:r>
             <a:r>
-              <a:rPr dirty="0" err="1">
+              <a:rPr sz="900" dirty="0" err="1">
                 <a:solidFill>
                   <a:srgbClr val="4070A0"/>
                 </a:solidFill>
@@ -3802,19 +3810,19 @@
               <a:t>$</a:t>
             </a:r>
             <a:r>
-              <a:rPr dirty="0" err="1">
+              <a:rPr sz="900" dirty="0" err="1">
                 <a:latin typeface="Courier"/>
               </a:rPr>
               <a:t>AnnualIncomeUSD</a:t>
             </a:r>
             <a:r>
-              <a:rPr dirty="0">
+              <a:rPr sz="900" dirty="0">
                 <a:latin typeface="Courier"/>
               </a:rPr>
               <a:t>), </a:t>
             </a:r>
             <a:r>
-              <a:rPr dirty="0">
+              <a:rPr sz="900" dirty="0">
                 <a:solidFill>
                   <a:srgbClr val="7D9029"/>
                 </a:solidFill>
@@ -3823,13 +3831,13 @@
               <a:t>to =</a:t>
             </a:r>
             <a:r>
-              <a:rPr dirty="0">
+              <a:rPr sz="900" dirty="0">
                 <a:latin typeface="Courier"/>
               </a:rPr>
               <a:t> </a:t>
             </a:r>
             <a:r>
-              <a:rPr dirty="0">
+              <a:rPr sz="900" dirty="0">
                 <a:solidFill>
                   <a:srgbClr val="06287E"/>
                 </a:solidFill>
@@ -3838,19 +3846,19 @@
               <a:t>max</a:t>
             </a:r>
             <a:r>
-              <a:rPr dirty="0">
+              <a:rPr sz="900" dirty="0">
                 <a:latin typeface="Courier"/>
               </a:rPr>
               <a:t>(</a:t>
             </a:r>
             <a:r>
-              <a:rPr dirty="0" err="1">
+              <a:rPr sz="900" dirty="0" err="1">
                 <a:latin typeface="Courier"/>
               </a:rPr>
               <a:t>data</a:t>
             </a:r>
             <a:r>
-              <a:rPr dirty="0" err="1">
+              <a:rPr sz="900" dirty="0" err="1">
                 <a:solidFill>
                   <a:srgbClr val="4070A0"/>
                 </a:solidFill>
@@ -3859,19 +3867,19 @@
               <a:t>$</a:t>
             </a:r>
             <a:r>
-              <a:rPr dirty="0" err="1">
+              <a:rPr sz="900" dirty="0" err="1">
                 <a:latin typeface="Courier"/>
               </a:rPr>
               <a:t>AnnualIncomeUSD</a:t>
             </a:r>
             <a:r>
-              <a:rPr dirty="0">
+              <a:rPr sz="900" dirty="0">
                 <a:latin typeface="Courier"/>
               </a:rPr>
               <a:t>), </a:t>
             </a:r>
             <a:r>
-              <a:rPr dirty="0">
+              <a:rPr sz="900" dirty="0">
                 <a:solidFill>
                   <a:srgbClr val="7D9029"/>
                 </a:solidFill>
@@ -3880,13 +3888,13 @@
               <a:t>by =</a:t>
             </a:r>
             <a:r>
-              <a:rPr dirty="0">
+              <a:rPr sz="900" dirty="0">
                 <a:latin typeface="Courier"/>
               </a:rPr>
               <a:t> </a:t>
             </a:r>
             <a:r>
-              <a:rPr dirty="0">
+              <a:rPr sz="900" dirty="0">
                 <a:solidFill>
                   <a:srgbClr val="40A070"/>
                 </a:solidFill>
@@ -3895,13 +3903,13 @@
               <a:t>2000</a:t>
             </a:r>
             <a:r>
-              <a:rPr dirty="0">
+              <a:rPr sz="900" dirty="0">
                 <a:latin typeface="Courier"/>
               </a:rPr>
               <a:t>)) </a:t>
             </a:r>
             <a:r>
-              <a:rPr dirty="0">
+              <a:rPr sz="900" dirty="0">
                 <a:solidFill>
                   <a:srgbClr val="4070A0"/>
                 </a:solidFill>
@@ -3910,13 +3918,13 @@
               <a:t>+</a:t>
             </a:r>
             <a:r>
-              <a:rPr dirty="0">
+              <a:rPr sz="900" dirty="0">
                 <a:latin typeface="Courier"/>
               </a:rPr>
               <a:t> </a:t>
             </a:r>
             <a:r>
-              <a:rPr i="1" dirty="0">
+              <a:rPr sz="900" i="1" dirty="0">
                 <a:solidFill>
                   <a:srgbClr val="60A0B0"/>
                 </a:solidFill>
@@ -3925,16 +3933,16 @@
               <a:t># Formats the y-axis labels as dollars and increase by 2k </a:t>
             </a:r>
             <a:br>
-              <a:rPr dirty="0"/>
+              <a:rPr sz="900" dirty="0"/>
             </a:br>
             <a:r>
-              <a:rPr dirty="0">
+              <a:rPr sz="900" dirty="0">
                 <a:latin typeface="Courier"/>
               </a:rPr>
               <a:t>  </a:t>
             </a:r>
             <a:r>
-              <a:rPr i="1" dirty="0">
+              <a:rPr sz="900" i="1" dirty="0">
                 <a:solidFill>
                   <a:srgbClr val="60A0B0"/>
                 </a:solidFill>
@@ -3943,16 +3951,16 @@
               <a:t># change the text of legend title </a:t>
             </a:r>
             <a:br>
-              <a:rPr dirty="0"/>
+              <a:rPr sz="900" dirty="0"/>
             </a:br>
             <a:r>
-              <a:rPr dirty="0">
+              <a:rPr sz="900" dirty="0">
                 <a:latin typeface="Courier"/>
               </a:rPr>
               <a:t>  </a:t>
             </a:r>
             <a:r>
-              <a:rPr dirty="0" err="1">
+              <a:rPr sz="900" dirty="0" err="1">
                 <a:solidFill>
                   <a:srgbClr val="06287E"/>
                 </a:solidFill>
@@ -3961,13 +3969,13 @@
               <a:t>scale_fill_manual</a:t>
             </a:r>
             <a:r>
-              <a:rPr dirty="0">
+              <a:rPr sz="900" dirty="0">
                 <a:latin typeface="Courier"/>
               </a:rPr>
               <a:t>(</a:t>
             </a:r>
             <a:r>
-              <a:rPr dirty="0">
+              <a:rPr sz="900" dirty="0">
                 <a:solidFill>
                   <a:srgbClr val="7D9029"/>
                 </a:solidFill>
@@ -3976,13 +3984,13 @@
               <a:t>values =</a:t>
             </a:r>
             <a:r>
-              <a:rPr dirty="0">
+              <a:rPr sz="900" dirty="0">
                 <a:latin typeface="Courier"/>
               </a:rPr>
               <a:t> </a:t>
             </a:r>
             <a:r>
-              <a:rPr dirty="0">
+              <a:rPr sz="900" dirty="0">
                 <a:solidFill>
                   <a:srgbClr val="06287E"/>
                 </a:solidFill>
@@ -3991,13 +3999,13 @@
               <a:t>c</a:t>
             </a:r>
             <a:r>
-              <a:rPr dirty="0">
+              <a:rPr sz="900" dirty="0">
                 <a:latin typeface="Courier"/>
               </a:rPr>
               <a:t>(</a:t>
             </a:r>
             <a:r>
-              <a:rPr dirty="0">
+              <a:rPr sz="900" dirty="0">
                 <a:solidFill>
                   <a:srgbClr val="4070A0"/>
                 </a:solidFill>
@@ -4006,13 +4014,13 @@
               <a:t>"0"</a:t>
             </a:r>
             <a:r>
-              <a:rPr dirty="0">
+              <a:rPr sz="900" dirty="0">
                 <a:latin typeface="Courier"/>
               </a:rPr>
               <a:t> </a:t>
             </a:r>
             <a:r>
-              <a:rPr dirty="0">
+              <a:rPr sz="900" dirty="0">
                 <a:solidFill>
                   <a:srgbClr val="007020"/>
                 </a:solidFill>
@@ -4021,13 +4029,13 @@
               <a:t>=</a:t>
             </a:r>
             <a:r>
-              <a:rPr dirty="0">
+              <a:rPr sz="900" dirty="0">
                 <a:latin typeface="Courier"/>
               </a:rPr>
               <a:t> </a:t>
             </a:r>
             <a:r>
-              <a:rPr dirty="0">
+              <a:rPr sz="900" dirty="0">
                 <a:solidFill>
                   <a:srgbClr val="4070A0"/>
                 </a:solidFill>
@@ -4036,13 +4044,13 @@
               <a:t>"gray"</a:t>
             </a:r>
             <a:r>
-              <a:rPr dirty="0">
+              <a:rPr sz="900" dirty="0">
                 <a:latin typeface="Courier"/>
               </a:rPr>
               <a:t>, </a:t>
             </a:r>
             <a:r>
-              <a:rPr dirty="0">
+              <a:rPr sz="900" dirty="0">
                 <a:solidFill>
                   <a:srgbClr val="4070A0"/>
                 </a:solidFill>
@@ -4051,13 +4059,13 @@
               <a:t>"1"</a:t>
             </a:r>
             <a:r>
-              <a:rPr dirty="0">
+              <a:rPr sz="900" dirty="0">
                 <a:latin typeface="Courier"/>
               </a:rPr>
               <a:t> </a:t>
             </a:r>
             <a:r>
-              <a:rPr dirty="0">
+              <a:rPr sz="900" dirty="0">
                 <a:solidFill>
                   <a:srgbClr val="007020"/>
                 </a:solidFill>
@@ -4066,13 +4074,13 @@
               <a:t>=</a:t>
             </a:r>
             <a:r>
-              <a:rPr dirty="0">
+              <a:rPr sz="900" dirty="0">
                 <a:latin typeface="Courier"/>
               </a:rPr>
               <a:t> </a:t>
             </a:r>
             <a:r>
-              <a:rPr dirty="0">
+              <a:rPr sz="900" dirty="0">
                 <a:solidFill>
                   <a:srgbClr val="4070A0"/>
                 </a:solidFill>
@@ -4081,13 +4089,13 @@
               <a:t>"orange"</a:t>
             </a:r>
             <a:r>
-              <a:rPr dirty="0">
+              <a:rPr sz="900" dirty="0">
                 <a:latin typeface="Courier"/>
               </a:rPr>
               <a:t>), </a:t>
             </a:r>
             <a:r>
-              <a:rPr dirty="0">
+              <a:rPr sz="900" dirty="0">
                 <a:solidFill>
                   <a:srgbClr val="7D9029"/>
                 </a:solidFill>
@@ -4096,13 +4104,13 @@
               <a:t>labels =</a:t>
             </a:r>
             <a:r>
-              <a:rPr dirty="0">
+              <a:rPr sz="900" dirty="0">
                 <a:latin typeface="Courier"/>
               </a:rPr>
               <a:t> </a:t>
             </a:r>
             <a:r>
-              <a:rPr dirty="0">
+              <a:rPr sz="900" dirty="0">
                 <a:solidFill>
                   <a:srgbClr val="06287E"/>
                 </a:solidFill>
@@ -4111,13 +4119,13 @@
               <a:t>c</a:t>
             </a:r>
             <a:r>
-              <a:rPr dirty="0">
+              <a:rPr sz="900" dirty="0">
                 <a:latin typeface="Courier"/>
               </a:rPr>
               <a:t>(</a:t>
             </a:r>
             <a:r>
-              <a:rPr dirty="0">
+              <a:rPr sz="900" dirty="0">
                 <a:solidFill>
                   <a:srgbClr val="4070A0"/>
                 </a:solidFill>
@@ -4126,13 +4134,13 @@
               <a:t>"No"</a:t>
             </a:r>
             <a:r>
-              <a:rPr dirty="0">
+              <a:rPr sz="900" dirty="0">
                 <a:latin typeface="Courier"/>
               </a:rPr>
               <a:t>, </a:t>
             </a:r>
             <a:r>
-              <a:rPr dirty="0">
+              <a:rPr sz="900" dirty="0">
                 <a:solidFill>
                   <a:srgbClr val="4070A0"/>
                 </a:solidFill>
@@ -4141,13 +4149,13 @@
               <a:t>"Yes"</a:t>
             </a:r>
             <a:r>
-              <a:rPr dirty="0">
+              <a:rPr sz="900" dirty="0">
                 <a:latin typeface="Courier"/>
               </a:rPr>
               <a:t>)) </a:t>
             </a:r>
             <a:r>
-              <a:rPr dirty="0">
+              <a:rPr sz="900" dirty="0">
                 <a:solidFill>
                   <a:srgbClr val="4070A0"/>
                 </a:solidFill>
@@ -4156,13 +4164,13 @@
               <a:t>+</a:t>
             </a:r>
             <a:r>
-              <a:rPr dirty="0">
+              <a:rPr sz="900" dirty="0">
                 <a:latin typeface="Courier"/>
               </a:rPr>
               <a:t>  </a:t>
             </a:r>
             <a:r>
-              <a:rPr i="1" dirty="0">
+              <a:rPr sz="900" i="1" dirty="0">
                 <a:solidFill>
                   <a:srgbClr val="60A0B0"/>
                 </a:solidFill>
@@ -4171,16 +4179,16 @@
               <a:t># Sets custom colors and labels for the legend</a:t>
             </a:r>
             <a:br>
-              <a:rPr dirty="0"/>
+              <a:rPr sz="900" dirty="0"/>
             </a:br>
             <a:r>
-              <a:rPr dirty="0">
+              <a:rPr sz="900" dirty="0">
                 <a:latin typeface="Courier"/>
               </a:rPr>
               <a:t>  </a:t>
             </a:r>
             <a:r>
-              <a:rPr dirty="0" err="1">
+              <a:rPr sz="900" dirty="0" err="1">
                 <a:solidFill>
                   <a:srgbClr val="06287E"/>
                 </a:solidFill>
@@ -4189,13 +4197,13 @@
               <a:t>theme_light</a:t>
             </a:r>
             <a:r>
-              <a:rPr dirty="0">
+              <a:rPr sz="900" dirty="0">
                 <a:latin typeface="Courier"/>
               </a:rPr>
               <a:t>() </a:t>
             </a:r>
             <a:r>
-              <a:rPr dirty="0">
+              <a:rPr sz="900" dirty="0">
                 <a:solidFill>
                   <a:srgbClr val="4070A0"/>
                 </a:solidFill>
@@ -4204,22 +4212,22 @@
               <a:t>+</a:t>
             </a:r>
             <a:r>
-              <a:rPr dirty="0">
+              <a:rPr sz="900" dirty="0">
                 <a:latin typeface="Courier"/>
               </a:rPr>
               <a:t>  </a:t>
             </a:r>
             <a:br>
-              <a:rPr dirty="0"/>
+              <a:rPr sz="900" dirty="0"/>
             </a:br>
             <a:r>
-              <a:rPr dirty="0">
+              <a:rPr sz="900" dirty="0">
                 <a:latin typeface="Courier"/>
               </a:rPr>
               <a:t>  </a:t>
             </a:r>
             <a:r>
-              <a:rPr dirty="0">
+              <a:rPr sz="900" dirty="0">
                 <a:solidFill>
                   <a:srgbClr val="06287E"/>
                 </a:solidFill>
@@ -4228,13 +4236,13 @@
               <a:t>theme</a:t>
             </a:r>
             <a:r>
-              <a:rPr dirty="0">
+              <a:rPr sz="900" dirty="0">
                 <a:latin typeface="Courier"/>
               </a:rPr>
               <a:t>(  </a:t>
             </a:r>
             <a:r>
-              <a:rPr dirty="0" err="1">
+              <a:rPr sz="900" dirty="0" err="1">
                 <a:solidFill>
                   <a:srgbClr val="7D9029"/>
                 </a:solidFill>
@@ -4243,7 +4251,7 @@
               <a:t>plot.title</a:t>
             </a:r>
             <a:r>
-              <a:rPr dirty="0">
+              <a:rPr sz="900" dirty="0">
                 <a:solidFill>
                   <a:srgbClr val="7D9029"/>
                 </a:solidFill>
@@ -4252,13 +4260,13 @@
               <a:t> =</a:t>
             </a:r>
             <a:r>
-              <a:rPr dirty="0">
+              <a:rPr sz="900" dirty="0">
                 <a:latin typeface="Courier"/>
               </a:rPr>
               <a:t> </a:t>
             </a:r>
             <a:r>
-              <a:rPr dirty="0" err="1">
+              <a:rPr sz="900" dirty="0" err="1">
                 <a:solidFill>
                   <a:srgbClr val="06287E"/>
                 </a:solidFill>
@@ -4267,13 +4275,13 @@
               <a:t>element_text</a:t>
             </a:r>
             <a:r>
-              <a:rPr dirty="0">
+              <a:rPr sz="900" dirty="0">
                 <a:latin typeface="Courier"/>
               </a:rPr>
               <a:t>(</a:t>
             </a:r>
             <a:r>
-              <a:rPr dirty="0" err="1">
+              <a:rPr sz="900" dirty="0" err="1">
                 <a:solidFill>
                   <a:srgbClr val="7D9029"/>
                 </a:solidFill>
@@ -4282,7 +4290,7 @@
               <a:t>hjust</a:t>
             </a:r>
             <a:r>
-              <a:rPr dirty="0">
+              <a:rPr sz="900" dirty="0">
                 <a:solidFill>
                   <a:srgbClr val="7D9029"/>
                 </a:solidFill>
@@ -4291,13 +4299,13 @@
               <a:t> =</a:t>
             </a:r>
             <a:r>
-              <a:rPr dirty="0">
+              <a:rPr sz="900" dirty="0">
                 <a:latin typeface="Courier"/>
               </a:rPr>
               <a:t> </a:t>
             </a:r>
             <a:r>
-              <a:rPr dirty="0">
+              <a:rPr sz="900" dirty="0">
                 <a:solidFill>
                   <a:srgbClr val="40A070"/>
                 </a:solidFill>
@@ -4306,13 +4314,13 @@
               <a:t>0.5</a:t>
             </a:r>
             <a:r>
-              <a:rPr dirty="0">
+              <a:rPr sz="900" dirty="0">
                 <a:latin typeface="Courier"/>
               </a:rPr>
               <a:t>)  ) </a:t>
             </a:r>
             <a:r>
-              <a:rPr i="1" dirty="0">
+              <a:rPr sz="900" i="1" dirty="0">
                 <a:solidFill>
                   <a:srgbClr val="60A0B0"/>
                 </a:solidFill>
@@ -4326,1126 +4334,6 @@
       <p:pic>
         <p:nvPicPr>
           <p:cNvPr id="2" name="Picture 1" descr="Project_code_files/figure-pptx/unnamed-chunk-8-1.png"/>
-          <p:cNvPicPr>
-            <a:picLocks noGrp="1" noChangeAspect="1"/>
-          </p:cNvPicPr>
-          <p:nvPr/>
-        </p:nvPicPr>
-        <p:blipFill>
-          <a:blip r:embed="rId2"/>
-          <a:stretch>
-            <a:fillRect/>
-          </a:stretch>
-        </p:blipFill>
-        <p:spPr bwMode="auto">
-          <a:xfrm>
-            <a:off x="3568700" y="1117600"/>
-            <a:ext cx="5105400" cy="2552700"/>
-          </a:xfrm>
-          <a:prstGeom prst="rect">
-            <a:avLst/>
-          </a:prstGeom>
-          <a:noFill/>
-          <a:ln w="9525">
-            <a:noFill/>
-            <a:headEnd/>
-            <a:tailEnd/>
-          </a:ln>
-        </p:spPr>
-      </p:pic>
-    </p:spTree>
-  </p:cSld>
-  <p:clrMapOvr>
-    <a:masterClrMapping/>
-  </p:clrMapOvr>
-</p:sld>
-</file>
-
-<file path=ppt/slides/slide11.xml><?xml version="1.0" encoding="utf-8"?>
-<p:sld xmlns:a="http://schemas.openxmlformats.org/drawingml/2006/main" xmlns:r="http://schemas.openxmlformats.org/officeDocument/2006/relationships" xmlns:p="http://schemas.openxmlformats.org/presentationml/2006/main">
-  <p:cSld>
-    <p:spTree>
-      <p:nvGrpSpPr>
-        <p:cNvPr id="1" name=""/>
-        <p:cNvGrpSpPr/>
-        <p:nvPr/>
-      </p:nvGrpSpPr>
-      <p:grpSpPr>
-        <a:xfrm>
-          <a:off x="0" y="0"/>
-          <a:ext cx="0" cy="0"/>
-          <a:chOff x="0" y="0"/>
-          <a:chExt cx="0" cy="0"/>
-        </a:xfrm>
-      </p:grpSpPr>
-      <p:sp>
-        <p:nvSpPr>
-          <p:cNvPr id="2" name="Title 1"/>
-          <p:cNvSpPr>
-            <a:spLocks noGrp="1"/>
-          </p:cNvSpPr>
-          <p:nvPr>
-            <p:ph type="title"/>
-          </p:nvPr>
-        </p:nvSpPr>
-        <p:spPr>
-          <a:xfrm>
-            <a:off x="457201" y="204787"/>
-            <a:ext cx="3008313" cy="871538"/>
-          </a:xfrm>
-        </p:spPr>
-        <p:txBody>
-          <a:bodyPr/>
-          <a:lstStyle/>
-          <a:p>
-            <a:pPr marL="0" lvl="0" indent="0">
-              <a:buNone/>
-            </a:pPr>
-            <a:r>
-              <a:t>Income vs chances of buying ticket</a:t>
-            </a:r>
-          </a:p>
-        </p:txBody>
-      </p:sp>
-      <p:sp>
-        <p:nvSpPr>
-          <p:cNvPr id="4" name="Text Placeholder 3"/>
-          <p:cNvSpPr>
-            <a:spLocks noGrp="1"/>
-          </p:cNvSpPr>
-          <p:nvPr>
-            <p:ph type="body" sz="half" idx="2"/>
-          </p:nvPr>
-        </p:nvSpPr>
-        <p:spPr>
-          <a:xfrm>
-            <a:off x="457201" y="1019176"/>
-            <a:ext cx="3008313" cy="3518297"/>
-          </a:xfrm>
-        </p:spPr>
-        <p:txBody>
-          <a:bodyPr>
-            <a:normAutofit fontScale="92500" lnSpcReduction="20000"/>
-          </a:bodyPr>
-          <a:lstStyle/>
-          <a:p>
-            <a:pPr lvl="0" indent="0">
-              <a:buNone/>
-            </a:pPr>
-            <a:r>
-              <a:rPr dirty="0" err="1">
-                <a:solidFill>
-                  <a:srgbClr val="06287E"/>
-                </a:solidFill>
-                <a:latin typeface="Courier"/>
-              </a:rPr>
-              <a:t>ggplot</a:t>
-            </a:r>
-            <a:r>
-              <a:rPr dirty="0">
-                <a:latin typeface="Courier"/>
-              </a:rPr>
-              <a:t>(data, </a:t>
-            </a:r>
-            <a:r>
-              <a:rPr dirty="0" err="1">
-                <a:solidFill>
-                  <a:srgbClr val="06287E"/>
-                </a:solidFill>
-                <a:latin typeface="Courier"/>
-              </a:rPr>
-              <a:t>aes</a:t>
-            </a:r>
-            <a:r>
-              <a:rPr dirty="0">
-                <a:latin typeface="Courier"/>
-              </a:rPr>
-              <a:t>( </a:t>
-            </a:r>
-            <a:r>
-              <a:rPr dirty="0">
-                <a:solidFill>
-                  <a:srgbClr val="7D9029"/>
-                </a:solidFill>
-                <a:latin typeface="Courier"/>
-              </a:rPr>
-              <a:t>y =</a:t>
-            </a:r>
-            <a:r>
-              <a:rPr dirty="0">
-                <a:latin typeface="Courier"/>
-              </a:rPr>
-              <a:t> </a:t>
-            </a:r>
-            <a:r>
-              <a:rPr dirty="0" err="1">
-                <a:latin typeface="Courier"/>
-              </a:rPr>
-              <a:t>AnnualIncomeUSD</a:t>
-            </a:r>
-            <a:r>
-              <a:rPr dirty="0">
-                <a:latin typeface="Courier"/>
-              </a:rPr>
-              <a:t>, </a:t>
-            </a:r>
-            <a:r>
-              <a:rPr dirty="0">
-                <a:solidFill>
-                  <a:srgbClr val="7D9029"/>
-                </a:solidFill>
-                <a:latin typeface="Courier"/>
-              </a:rPr>
-              <a:t>fill=</a:t>
-            </a:r>
-            <a:r>
-              <a:rPr dirty="0" err="1">
-                <a:solidFill>
-                  <a:srgbClr val="06287E"/>
-                </a:solidFill>
-                <a:latin typeface="Courier"/>
-              </a:rPr>
-              <a:t>as.factor</a:t>
-            </a:r>
-            <a:r>
-              <a:rPr dirty="0">
-                <a:latin typeface="Courier"/>
-              </a:rPr>
-              <a:t>(</a:t>
-            </a:r>
-            <a:r>
-              <a:rPr dirty="0" err="1">
-                <a:latin typeface="Courier"/>
-              </a:rPr>
-              <a:t>TravelInsurance</a:t>
-            </a:r>
-            <a:r>
-              <a:rPr dirty="0">
-                <a:latin typeface="Courier"/>
-              </a:rPr>
-              <a:t>)  )) </a:t>
-            </a:r>
-            <a:r>
-              <a:rPr dirty="0">
-                <a:solidFill>
-                  <a:srgbClr val="4070A0"/>
-                </a:solidFill>
-                <a:latin typeface="Courier"/>
-              </a:rPr>
-              <a:t>+</a:t>
-            </a:r>
-            <a:r>
-              <a:rPr dirty="0">
-                <a:latin typeface="Courier"/>
-              </a:rPr>
-              <a:t> </a:t>
-            </a:r>
-            <a:r>
-              <a:rPr i="1" dirty="0">
-                <a:solidFill>
-                  <a:srgbClr val="60A0B0"/>
-                </a:solidFill>
-                <a:latin typeface="Courier"/>
-              </a:rPr>
-              <a:t># </a:t>
-            </a:r>
-            <a:r>
-              <a:rPr i="1" dirty="0" err="1">
-                <a:solidFill>
-                  <a:srgbClr val="60A0B0"/>
-                </a:solidFill>
-                <a:latin typeface="Courier"/>
-              </a:rPr>
-              <a:t>AnnualIncomeUSD</a:t>
-            </a:r>
-            <a:r>
-              <a:rPr i="1" dirty="0">
-                <a:solidFill>
-                  <a:srgbClr val="60A0B0"/>
-                </a:solidFill>
-                <a:latin typeface="Courier"/>
-              </a:rPr>
-              <a:t> with fill color as </a:t>
-            </a:r>
-            <a:r>
-              <a:rPr i="1" dirty="0" err="1">
-                <a:solidFill>
-                  <a:srgbClr val="60A0B0"/>
-                </a:solidFill>
-                <a:latin typeface="Courier"/>
-              </a:rPr>
-              <a:t>TravelInsurance</a:t>
-            </a:r>
-            <a:br>
-              <a:rPr dirty="0"/>
-            </a:br>
-            <a:r>
-              <a:rPr dirty="0">
-                <a:latin typeface="Courier"/>
-              </a:rPr>
-              <a:t>  </a:t>
-            </a:r>
-            <a:r>
-              <a:rPr dirty="0" err="1">
-                <a:solidFill>
-                  <a:srgbClr val="06287E"/>
-                </a:solidFill>
-                <a:latin typeface="Courier"/>
-              </a:rPr>
-              <a:t>geom_boxplot</a:t>
-            </a:r>
-            <a:r>
-              <a:rPr dirty="0">
-                <a:latin typeface="Courier"/>
-              </a:rPr>
-              <a:t>() </a:t>
-            </a:r>
-            <a:r>
-              <a:rPr dirty="0">
-                <a:solidFill>
-                  <a:srgbClr val="4070A0"/>
-                </a:solidFill>
-                <a:latin typeface="Courier"/>
-              </a:rPr>
-              <a:t>+</a:t>
-            </a:r>
-            <a:br>
-              <a:rPr dirty="0"/>
-            </a:br>
-            <a:r>
-              <a:rPr dirty="0">
-                <a:latin typeface="Courier"/>
-              </a:rPr>
-              <a:t>  </a:t>
-            </a:r>
-            <a:r>
-              <a:rPr dirty="0">
-                <a:solidFill>
-                  <a:srgbClr val="06287E"/>
-                </a:solidFill>
-                <a:latin typeface="Courier"/>
-              </a:rPr>
-              <a:t>labs</a:t>
-            </a:r>
-            <a:r>
-              <a:rPr dirty="0">
-                <a:latin typeface="Courier"/>
-              </a:rPr>
-              <a:t>(</a:t>
-            </a:r>
-            <a:r>
-              <a:rPr dirty="0">
-                <a:solidFill>
-                  <a:srgbClr val="7D9029"/>
-                </a:solidFill>
-                <a:latin typeface="Courier"/>
-              </a:rPr>
-              <a:t>title =</a:t>
-            </a:r>
-            <a:r>
-              <a:rPr dirty="0">
-                <a:latin typeface="Courier"/>
-              </a:rPr>
-              <a:t> </a:t>
-            </a:r>
-            <a:r>
-              <a:rPr dirty="0">
-                <a:solidFill>
-                  <a:srgbClr val="4070A0"/>
-                </a:solidFill>
-                <a:latin typeface="Courier"/>
-              </a:rPr>
-              <a:t>"Box Plot of Annual Income by Age"</a:t>
-            </a:r>
-            <a:r>
-              <a:rPr dirty="0">
-                <a:latin typeface="Courier"/>
-              </a:rPr>
-              <a:t>,  </a:t>
-            </a:r>
-            <a:r>
-              <a:rPr dirty="0">
-                <a:solidFill>
-                  <a:srgbClr val="7D9029"/>
-                </a:solidFill>
-                <a:latin typeface="Courier"/>
-              </a:rPr>
-              <a:t>y =</a:t>
-            </a:r>
-            <a:r>
-              <a:rPr dirty="0">
-                <a:latin typeface="Courier"/>
-              </a:rPr>
-              <a:t> </a:t>
-            </a:r>
-            <a:r>
-              <a:rPr dirty="0">
-                <a:solidFill>
-                  <a:srgbClr val="4070A0"/>
-                </a:solidFill>
-                <a:latin typeface="Courier"/>
-              </a:rPr>
-              <a:t>"Annual Income"</a:t>
-            </a:r>
-            <a:r>
-              <a:rPr dirty="0">
-                <a:latin typeface="Courier"/>
-              </a:rPr>
-              <a:t>, </a:t>
-            </a:r>
-            <a:r>
-              <a:rPr dirty="0">
-                <a:solidFill>
-                  <a:srgbClr val="7D9029"/>
-                </a:solidFill>
-                <a:latin typeface="Courier"/>
-              </a:rPr>
-              <a:t>fill =</a:t>
-            </a:r>
-            <a:r>
-              <a:rPr dirty="0">
-                <a:latin typeface="Courier"/>
-              </a:rPr>
-              <a:t> </a:t>
-            </a:r>
-            <a:r>
-              <a:rPr dirty="0">
-                <a:solidFill>
-                  <a:srgbClr val="4070A0"/>
-                </a:solidFill>
-                <a:latin typeface="Courier"/>
-              </a:rPr>
-              <a:t>"Travel\</a:t>
-            </a:r>
-            <a:r>
-              <a:rPr dirty="0" err="1">
-                <a:solidFill>
-                  <a:srgbClr val="4070A0"/>
-                </a:solidFill>
-                <a:latin typeface="Courier"/>
-              </a:rPr>
-              <a:t>nInsurance</a:t>
-            </a:r>
-            <a:r>
-              <a:rPr dirty="0">
-                <a:solidFill>
-                  <a:srgbClr val="4070A0"/>
-                </a:solidFill>
-                <a:latin typeface="Courier"/>
-              </a:rPr>
-              <a:t>"</a:t>
-            </a:r>
-            <a:r>
-              <a:rPr dirty="0">
-                <a:latin typeface="Courier"/>
-              </a:rPr>
-              <a:t> ) </a:t>
-            </a:r>
-            <a:r>
-              <a:rPr dirty="0">
-                <a:solidFill>
-                  <a:srgbClr val="4070A0"/>
-                </a:solidFill>
-                <a:latin typeface="Courier"/>
-              </a:rPr>
-              <a:t>+</a:t>
-            </a:r>
-            <a:r>
-              <a:rPr dirty="0">
-                <a:latin typeface="Courier"/>
-              </a:rPr>
-              <a:t> </a:t>
-            </a:r>
-            <a:r>
-              <a:rPr i="1" dirty="0">
-                <a:solidFill>
-                  <a:srgbClr val="60A0B0"/>
-                </a:solidFill>
-                <a:latin typeface="Courier"/>
-              </a:rPr>
-              <a:t># Sets the title and label for </a:t>
-            </a:r>
-            <a:r>
-              <a:rPr i="1" dirty="0" err="1">
-                <a:solidFill>
-                  <a:srgbClr val="60A0B0"/>
-                </a:solidFill>
-                <a:latin typeface="Courier"/>
-              </a:rPr>
-              <a:t>x,y</a:t>
-            </a:r>
-            <a:r>
-              <a:rPr i="1" dirty="0">
-                <a:solidFill>
-                  <a:srgbClr val="60A0B0"/>
-                </a:solidFill>
-                <a:latin typeface="Courier"/>
-              </a:rPr>
-              <a:t> axis and legend title</a:t>
-            </a:r>
-            <a:br>
-              <a:rPr dirty="0"/>
-            </a:br>
-            <a:r>
-              <a:rPr dirty="0">
-                <a:latin typeface="Courier"/>
-              </a:rPr>
-              <a:t>  </a:t>
-            </a:r>
-            <a:r>
-              <a:rPr dirty="0" err="1">
-                <a:solidFill>
-                  <a:srgbClr val="06287E"/>
-                </a:solidFill>
-                <a:latin typeface="Courier"/>
-              </a:rPr>
-              <a:t>scale_y_continuous</a:t>
-            </a:r>
-            <a:r>
-              <a:rPr dirty="0">
-                <a:latin typeface="Courier"/>
-              </a:rPr>
-              <a:t>(</a:t>
-            </a:r>
-            <a:r>
-              <a:rPr dirty="0">
-                <a:solidFill>
-                  <a:srgbClr val="7D9029"/>
-                </a:solidFill>
-                <a:latin typeface="Courier"/>
-              </a:rPr>
-              <a:t>labels =</a:t>
-            </a:r>
-            <a:r>
-              <a:rPr dirty="0">
-                <a:latin typeface="Courier"/>
-              </a:rPr>
-              <a:t> scales</a:t>
-            </a:r>
-            <a:r>
-              <a:rPr dirty="0">
-                <a:solidFill>
-                  <a:srgbClr val="4070A0"/>
-                </a:solidFill>
-                <a:latin typeface="Courier"/>
-              </a:rPr>
-              <a:t>::</a:t>
-            </a:r>
-            <a:r>
-              <a:rPr dirty="0" err="1">
-                <a:solidFill>
-                  <a:srgbClr val="06287E"/>
-                </a:solidFill>
-                <a:latin typeface="Courier"/>
-              </a:rPr>
-              <a:t>dollar_format</a:t>
-            </a:r>
-            <a:r>
-              <a:rPr dirty="0">
-                <a:latin typeface="Courier"/>
-              </a:rPr>
-              <a:t>(), </a:t>
-            </a:r>
-            <a:r>
-              <a:rPr dirty="0">
-                <a:solidFill>
-                  <a:srgbClr val="7D9029"/>
-                </a:solidFill>
-                <a:latin typeface="Courier"/>
-              </a:rPr>
-              <a:t>breaks =</a:t>
-            </a:r>
-            <a:r>
-              <a:rPr dirty="0">
-                <a:latin typeface="Courier"/>
-              </a:rPr>
-              <a:t> </a:t>
-            </a:r>
-            <a:r>
-              <a:rPr dirty="0">
-                <a:solidFill>
-                  <a:srgbClr val="06287E"/>
-                </a:solidFill>
-                <a:latin typeface="Courier"/>
-              </a:rPr>
-              <a:t>seq</a:t>
-            </a:r>
-            <a:r>
-              <a:rPr dirty="0">
-                <a:latin typeface="Courier"/>
-              </a:rPr>
-              <a:t>(</a:t>
-            </a:r>
-            <a:r>
-              <a:rPr dirty="0">
-                <a:solidFill>
-                  <a:srgbClr val="7D9029"/>
-                </a:solidFill>
-                <a:latin typeface="Courier"/>
-              </a:rPr>
-              <a:t>from =</a:t>
-            </a:r>
-            <a:r>
-              <a:rPr dirty="0">
-                <a:latin typeface="Courier"/>
-              </a:rPr>
-              <a:t> </a:t>
-            </a:r>
-            <a:r>
-              <a:rPr dirty="0">
-                <a:solidFill>
-                  <a:srgbClr val="06287E"/>
-                </a:solidFill>
-                <a:latin typeface="Courier"/>
-              </a:rPr>
-              <a:t>min</a:t>
-            </a:r>
-            <a:r>
-              <a:rPr dirty="0">
-                <a:latin typeface="Courier"/>
-              </a:rPr>
-              <a:t>(</a:t>
-            </a:r>
-            <a:r>
-              <a:rPr dirty="0" err="1">
-                <a:latin typeface="Courier"/>
-              </a:rPr>
-              <a:t>data</a:t>
-            </a:r>
-            <a:r>
-              <a:rPr dirty="0" err="1">
-                <a:solidFill>
-                  <a:srgbClr val="4070A0"/>
-                </a:solidFill>
-                <a:latin typeface="Courier"/>
-              </a:rPr>
-              <a:t>$</a:t>
-            </a:r>
-            <a:r>
-              <a:rPr dirty="0" err="1">
-                <a:latin typeface="Courier"/>
-              </a:rPr>
-              <a:t>AnnualIncomeUSD</a:t>
-            </a:r>
-            <a:r>
-              <a:rPr dirty="0">
-                <a:latin typeface="Courier"/>
-              </a:rPr>
-              <a:t>), </a:t>
-            </a:r>
-            <a:r>
-              <a:rPr dirty="0">
-                <a:solidFill>
-                  <a:srgbClr val="7D9029"/>
-                </a:solidFill>
-                <a:latin typeface="Courier"/>
-              </a:rPr>
-              <a:t>to =</a:t>
-            </a:r>
-            <a:r>
-              <a:rPr dirty="0">
-                <a:latin typeface="Courier"/>
-              </a:rPr>
-              <a:t> </a:t>
-            </a:r>
-            <a:r>
-              <a:rPr dirty="0">
-                <a:solidFill>
-                  <a:srgbClr val="06287E"/>
-                </a:solidFill>
-                <a:latin typeface="Courier"/>
-              </a:rPr>
-              <a:t>max</a:t>
-            </a:r>
-            <a:r>
-              <a:rPr dirty="0">
-                <a:latin typeface="Courier"/>
-              </a:rPr>
-              <a:t>(</a:t>
-            </a:r>
-            <a:r>
-              <a:rPr dirty="0" err="1">
-                <a:latin typeface="Courier"/>
-              </a:rPr>
-              <a:t>data</a:t>
-            </a:r>
-            <a:r>
-              <a:rPr dirty="0" err="1">
-                <a:solidFill>
-                  <a:srgbClr val="4070A0"/>
-                </a:solidFill>
-                <a:latin typeface="Courier"/>
-              </a:rPr>
-              <a:t>$</a:t>
-            </a:r>
-            <a:r>
-              <a:rPr dirty="0" err="1">
-                <a:latin typeface="Courier"/>
-              </a:rPr>
-              <a:t>AnnualIncomeUSD</a:t>
-            </a:r>
-            <a:r>
-              <a:rPr dirty="0">
-                <a:latin typeface="Courier"/>
-              </a:rPr>
-              <a:t>), </a:t>
-            </a:r>
-            <a:r>
-              <a:rPr dirty="0">
-                <a:solidFill>
-                  <a:srgbClr val="7D9029"/>
-                </a:solidFill>
-                <a:latin typeface="Courier"/>
-              </a:rPr>
-              <a:t>by =</a:t>
-            </a:r>
-            <a:r>
-              <a:rPr dirty="0">
-                <a:latin typeface="Courier"/>
-              </a:rPr>
-              <a:t> </a:t>
-            </a:r>
-            <a:r>
-              <a:rPr dirty="0">
-                <a:solidFill>
-                  <a:srgbClr val="40A070"/>
-                </a:solidFill>
-                <a:latin typeface="Courier"/>
-              </a:rPr>
-              <a:t>2000</a:t>
-            </a:r>
-            <a:r>
-              <a:rPr dirty="0">
-                <a:latin typeface="Courier"/>
-              </a:rPr>
-              <a:t>)) </a:t>
-            </a:r>
-            <a:r>
-              <a:rPr dirty="0">
-                <a:solidFill>
-                  <a:srgbClr val="4070A0"/>
-                </a:solidFill>
-                <a:latin typeface="Courier"/>
-              </a:rPr>
-              <a:t>+</a:t>
-            </a:r>
-            <a:r>
-              <a:rPr dirty="0">
-                <a:latin typeface="Courier"/>
-              </a:rPr>
-              <a:t> </a:t>
-            </a:r>
-            <a:r>
-              <a:rPr i="1" dirty="0">
-                <a:solidFill>
-                  <a:srgbClr val="60A0B0"/>
-                </a:solidFill>
-                <a:latin typeface="Courier"/>
-              </a:rPr>
-              <a:t># Formats the y-axis labels as dollars and increase by 2k </a:t>
-            </a:r>
-            <a:br>
-              <a:rPr dirty="0"/>
-            </a:br>
-            <a:r>
-              <a:rPr dirty="0">
-                <a:latin typeface="Courier"/>
-              </a:rPr>
-              <a:t>  </a:t>
-            </a:r>
-            <a:r>
-              <a:rPr i="1" dirty="0">
-                <a:solidFill>
-                  <a:srgbClr val="60A0B0"/>
-                </a:solidFill>
-                <a:latin typeface="Courier"/>
-              </a:rPr>
-              <a:t># change the text of legend title </a:t>
-            </a:r>
-            <a:br>
-              <a:rPr dirty="0"/>
-            </a:br>
-            <a:r>
-              <a:rPr dirty="0">
-                <a:latin typeface="Courier"/>
-              </a:rPr>
-              <a:t>  </a:t>
-            </a:r>
-            <a:r>
-              <a:rPr dirty="0" err="1">
-                <a:solidFill>
-                  <a:srgbClr val="06287E"/>
-                </a:solidFill>
-                <a:latin typeface="Courier"/>
-              </a:rPr>
-              <a:t>scale_fill_manual</a:t>
-            </a:r>
-            <a:r>
-              <a:rPr dirty="0">
-                <a:latin typeface="Courier"/>
-              </a:rPr>
-              <a:t>(</a:t>
-            </a:r>
-            <a:r>
-              <a:rPr dirty="0">
-                <a:solidFill>
-                  <a:srgbClr val="7D9029"/>
-                </a:solidFill>
-                <a:latin typeface="Courier"/>
-              </a:rPr>
-              <a:t>values =</a:t>
-            </a:r>
-            <a:r>
-              <a:rPr dirty="0">
-                <a:latin typeface="Courier"/>
-              </a:rPr>
-              <a:t> </a:t>
-            </a:r>
-            <a:r>
-              <a:rPr dirty="0">
-                <a:solidFill>
-                  <a:srgbClr val="06287E"/>
-                </a:solidFill>
-                <a:latin typeface="Courier"/>
-              </a:rPr>
-              <a:t>c</a:t>
-            </a:r>
-            <a:r>
-              <a:rPr dirty="0">
-                <a:latin typeface="Courier"/>
-              </a:rPr>
-              <a:t>(</a:t>
-            </a:r>
-            <a:r>
-              <a:rPr dirty="0">
-                <a:solidFill>
-                  <a:srgbClr val="4070A0"/>
-                </a:solidFill>
-                <a:latin typeface="Courier"/>
-              </a:rPr>
-              <a:t>"0"</a:t>
-            </a:r>
-            <a:r>
-              <a:rPr dirty="0">
-                <a:latin typeface="Courier"/>
-              </a:rPr>
-              <a:t> </a:t>
-            </a:r>
-            <a:r>
-              <a:rPr dirty="0">
-                <a:solidFill>
-                  <a:srgbClr val="007020"/>
-                </a:solidFill>
-                <a:latin typeface="Courier"/>
-              </a:rPr>
-              <a:t>=</a:t>
-            </a:r>
-            <a:r>
-              <a:rPr dirty="0">
-                <a:latin typeface="Courier"/>
-              </a:rPr>
-              <a:t> </a:t>
-            </a:r>
-            <a:r>
-              <a:rPr dirty="0">
-                <a:solidFill>
-                  <a:srgbClr val="4070A0"/>
-                </a:solidFill>
-                <a:latin typeface="Courier"/>
-              </a:rPr>
-              <a:t>"gray"</a:t>
-            </a:r>
-            <a:r>
-              <a:rPr dirty="0">
-                <a:latin typeface="Courier"/>
-              </a:rPr>
-              <a:t>, </a:t>
-            </a:r>
-            <a:r>
-              <a:rPr dirty="0">
-                <a:solidFill>
-                  <a:srgbClr val="4070A0"/>
-                </a:solidFill>
-                <a:latin typeface="Courier"/>
-              </a:rPr>
-              <a:t>"1"</a:t>
-            </a:r>
-            <a:r>
-              <a:rPr dirty="0">
-                <a:latin typeface="Courier"/>
-              </a:rPr>
-              <a:t> </a:t>
-            </a:r>
-            <a:r>
-              <a:rPr dirty="0">
-                <a:solidFill>
-                  <a:srgbClr val="007020"/>
-                </a:solidFill>
-                <a:latin typeface="Courier"/>
-              </a:rPr>
-              <a:t>=</a:t>
-            </a:r>
-            <a:r>
-              <a:rPr dirty="0">
-                <a:latin typeface="Courier"/>
-              </a:rPr>
-              <a:t> </a:t>
-            </a:r>
-            <a:r>
-              <a:rPr dirty="0">
-                <a:solidFill>
-                  <a:srgbClr val="4070A0"/>
-                </a:solidFill>
-                <a:latin typeface="Courier"/>
-              </a:rPr>
-              <a:t>"orange"</a:t>
-            </a:r>
-            <a:r>
-              <a:rPr dirty="0">
-                <a:latin typeface="Courier"/>
-              </a:rPr>
-              <a:t>), </a:t>
-            </a:r>
-            <a:r>
-              <a:rPr dirty="0">
-                <a:solidFill>
-                  <a:srgbClr val="7D9029"/>
-                </a:solidFill>
-                <a:latin typeface="Courier"/>
-              </a:rPr>
-              <a:t>labels =</a:t>
-            </a:r>
-            <a:r>
-              <a:rPr dirty="0">
-                <a:latin typeface="Courier"/>
-              </a:rPr>
-              <a:t> </a:t>
-            </a:r>
-            <a:r>
-              <a:rPr dirty="0">
-                <a:solidFill>
-                  <a:srgbClr val="06287E"/>
-                </a:solidFill>
-                <a:latin typeface="Courier"/>
-              </a:rPr>
-              <a:t>c</a:t>
-            </a:r>
-            <a:r>
-              <a:rPr dirty="0">
-                <a:latin typeface="Courier"/>
-              </a:rPr>
-              <a:t>(</a:t>
-            </a:r>
-            <a:r>
-              <a:rPr dirty="0">
-                <a:solidFill>
-                  <a:srgbClr val="4070A0"/>
-                </a:solidFill>
-                <a:latin typeface="Courier"/>
-              </a:rPr>
-              <a:t>"No"</a:t>
-            </a:r>
-            <a:r>
-              <a:rPr dirty="0">
-                <a:latin typeface="Courier"/>
-              </a:rPr>
-              <a:t>, </a:t>
-            </a:r>
-            <a:r>
-              <a:rPr dirty="0">
-                <a:solidFill>
-                  <a:srgbClr val="4070A0"/>
-                </a:solidFill>
-                <a:latin typeface="Courier"/>
-              </a:rPr>
-              <a:t>"Yes"</a:t>
-            </a:r>
-            <a:r>
-              <a:rPr dirty="0">
-                <a:latin typeface="Courier"/>
-              </a:rPr>
-              <a:t>)) </a:t>
-            </a:r>
-            <a:r>
-              <a:rPr dirty="0">
-                <a:solidFill>
-                  <a:srgbClr val="4070A0"/>
-                </a:solidFill>
-                <a:latin typeface="Courier"/>
-              </a:rPr>
-              <a:t>+</a:t>
-            </a:r>
-            <a:r>
-              <a:rPr dirty="0">
-                <a:latin typeface="Courier"/>
-              </a:rPr>
-              <a:t>  </a:t>
-            </a:r>
-            <a:r>
-              <a:rPr i="1" dirty="0">
-                <a:solidFill>
-                  <a:srgbClr val="60A0B0"/>
-                </a:solidFill>
-                <a:latin typeface="Courier"/>
-              </a:rPr>
-              <a:t># Sets custom colors and labels for the legend</a:t>
-            </a:r>
-            <a:br>
-              <a:rPr dirty="0"/>
-            </a:br>
-            <a:r>
-              <a:rPr dirty="0">
-                <a:latin typeface="Courier"/>
-              </a:rPr>
-              <a:t>  </a:t>
-            </a:r>
-            <a:r>
-              <a:rPr dirty="0" err="1">
-                <a:solidFill>
-                  <a:srgbClr val="06287E"/>
-                </a:solidFill>
-                <a:latin typeface="Courier"/>
-              </a:rPr>
-              <a:t>theme_light</a:t>
-            </a:r>
-            <a:r>
-              <a:rPr dirty="0">
-                <a:latin typeface="Courier"/>
-              </a:rPr>
-              <a:t>() </a:t>
-            </a:r>
-            <a:r>
-              <a:rPr dirty="0">
-                <a:solidFill>
-                  <a:srgbClr val="4070A0"/>
-                </a:solidFill>
-                <a:latin typeface="Courier"/>
-              </a:rPr>
-              <a:t>+</a:t>
-            </a:r>
-            <a:r>
-              <a:rPr dirty="0">
-                <a:latin typeface="Courier"/>
-              </a:rPr>
-              <a:t>  </a:t>
-            </a:r>
-            <a:br>
-              <a:rPr dirty="0"/>
-            </a:br>
-            <a:r>
-              <a:rPr dirty="0">
-                <a:latin typeface="Courier"/>
-              </a:rPr>
-              <a:t>  </a:t>
-            </a:r>
-            <a:r>
-              <a:rPr dirty="0">
-                <a:solidFill>
-                  <a:srgbClr val="06287E"/>
-                </a:solidFill>
-                <a:latin typeface="Courier"/>
-              </a:rPr>
-              <a:t>theme</a:t>
-            </a:r>
-            <a:r>
-              <a:rPr dirty="0">
-                <a:latin typeface="Courier"/>
-              </a:rPr>
-              <a:t>(  </a:t>
-            </a:r>
-            <a:r>
-              <a:rPr dirty="0" err="1">
-                <a:solidFill>
-                  <a:srgbClr val="7D9029"/>
-                </a:solidFill>
-                <a:latin typeface="Courier"/>
-              </a:rPr>
-              <a:t>plot.title</a:t>
-            </a:r>
-            <a:r>
-              <a:rPr dirty="0">
-                <a:solidFill>
-                  <a:srgbClr val="7D9029"/>
-                </a:solidFill>
-                <a:latin typeface="Courier"/>
-              </a:rPr>
-              <a:t> =</a:t>
-            </a:r>
-            <a:r>
-              <a:rPr dirty="0">
-                <a:latin typeface="Courier"/>
-              </a:rPr>
-              <a:t> </a:t>
-            </a:r>
-            <a:r>
-              <a:rPr dirty="0" err="1">
-                <a:solidFill>
-                  <a:srgbClr val="06287E"/>
-                </a:solidFill>
-                <a:latin typeface="Courier"/>
-              </a:rPr>
-              <a:t>element_text</a:t>
-            </a:r>
-            <a:r>
-              <a:rPr dirty="0">
-                <a:latin typeface="Courier"/>
-              </a:rPr>
-              <a:t>(</a:t>
-            </a:r>
-            <a:r>
-              <a:rPr dirty="0" err="1">
-                <a:solidFill>
-                  <a:srgbClr val="7D9029"/>
-                </a:solidFill>
-                <a:latin typeface="Courier"/>
-              </a:rPr>
-              <a:t>hjust</a:t>
-            </a:r>
-            <a:r>
-              <a:rPr dirty="0">
-                <a:solidFill>
-                  <a:srgbClr val="7D9029"/>
-                </a:solidFill>
-                <a:latin typeface="Courier"/>
-              </a:rPr>
-              <a:t> =</a:t>
-            </a:r>
-            <a:r>
-              <a:rPr dirty="0">
-                <a:latin typeface="Courier"/>
-              </a:rPr>
-              <a:t> </a:t>
-            </a:r>
-            <a:r>
-              <a:rPr dirty="0">
-                <a:solidFill>
-                  <a:srgbClr val="40A070"/>
-                </a:solidFill>
-                <a:latin typeface="Courier"/>
-              </a:rPr>
-              <a:t>0.5</a:t>
-            </a:r>
-            <a:r>
-              <a:rPr dirty="0">
-                <a:latin typeface="Courier"/>
-              </a:rPr>
-              <a:t>)  ) </a:t>
-            </a:r>
-            <a:r>
-              <a:rPr i="1" dirty="0">
-                <a:solidFill>
-                  <a:srgbClr val="60A0B0"/>
-                </a:solidFill>
-                <a:latin typeface="Courier"/>
-              </a:rPr>
-              <a:t># Centers the plot title</a:t>
-            </a:r>
-          </a:p>
-        </p:txBody>
-      </p:sp>
-      <p:pic>
-        <p:nvPicPr>
-          <p:cNvPr id="3" name="Picture 1" descr="Project_code_files/figure-pptx/unnamed-chunk-9-1.png"/>
           <p:cNvPicPr>
             <a:picLocks noGrp="1" noChangeAspect="1"/>
           </p:cNvPicPr>
@@ -5534,7 +4422,9 @@
         </p:nvSpPr>
         <p:spPr/>
         <p:txBody>
-          <a:bodyPr/>
+          <a:bodyPr>
+            <a:noAutofit/>
+          </a:bodyPr>
           <a:lstStyle/>
           <a:p>
             <a:pPr marL="0" lvl="0" indent="0">
@@ -5544,17 +4434,26 @@
               <a:buNone/>
             </a:pPr>
             <a:r>
-              <a:rPr b="1"/>
+              <a:rPr sz="1400" b="1" dirty="0"/>
               <a:t>Kevin Lopez</a:t>
             </a:r>
           </a:p>
           <a:p>
             <a:pPr lvl="0"/>
             <a:r>
-              <a:t>Create shared Rmd file and combined code from team members. </a:t>
-            </a:r>
-            <a:r>
-              <a:rPr>
+              <a:rPr sz="1400" dirty="0"/>
+              <a:t>Create shared </a:t>
+            </a:r>
+            <a:r>
+              <a:rPr sz="1400" dirty="0" err="1"/>
+              <a:t>Rmd</a:t>
+            </a:r>
+            <a:r>
+              <a:rPr sz="1400" dirty="0"/>
+              <a:t> file and combined code from team members. </a:t>
+            </a:r>
+            <a:r>
+              <a:rPr sz="1400" dirty="0">
                 <a:hlinkClick r:id="rId2"/>
               </a:rPr>
               <a:t>GitHub Repository</a:t>
@@ -5563,12 +4462,38 @@
           <a:p>
             <a:pPr lvl="0"/>
             <a:r>
-              <a:t>Created Report using Rmd ( Not much work, Started Rmd to be well formated for word).</a:t>
+              <a:rPr sz="1400" dirty="0"/>
+              <a:t>Created Report using </a:t>
+            </a:r>
+            <a:r>
+              <a:rPr sz="1400" dirty="0" err="1"/>
+              <a:t>Rmd</a:t>
+            </a:r>
+            <a:r>
+              <a:rPr sz="1400" dirty="0"/>
+              <a:t> ( Not much work, Started </a:t>
+            </a:r>
+            <a:r>
+              <a:rPr sz="1400" dirty="0" err="1"/>
+              <a:t>Rmd</a:t>
+            </a:r>
+            <a:r>
+              <a:rPr sz="1400" dirty="0"/>
+              <a:t> to be well </a:t>
+            </a:r>
+            <a:r>
+              <a:rPr sz="1400" dirty="0" err="1"/>
+              <a:t>formated</a:t>
+            </a:r>
+            <a:r>
+              <a:rPr sz="1400" dirty="0"/>
+              <a:t> for word).</a:t>
             </a:r>
           </a:p>
           <a:p>
             <a:pPr lvl="0"/>
             <a:r>
+              <a:rPr sz="1400" dirty="0"/>
               <a:t>Created Graph 4 and Graph 5,6.</a:t>
             </a:r>
           </a:p>
@@ -5580,28 +4505,31 @@
               <a:buNone/>
             </a:pPr>
             <a:r>
-              <a:rPr b="1"/>
+              <a:rPr sz="1400" b="1" dirty="0"/>
               <a:t>Clarisse Bonang</a:t>
             </a:r>
           </a:p>
           <a:p>
             <a:pPr lvl="0"/>
             <a:r>
-              <a:t>Created Graph 3.</a:t>
+              <a:rPr sz="1400" dirty="0"/>
+              <a:t>Created Graph 3. And description/analysis of other graphs.</a:t>
             </a:r>
           </a:p>
           <a:p>
             <a:pPr lvl="0"/>
             <a:r>
+              <a:rPr sz="1400" dirty="0"/>
               <a:t>Worked on </a:t>
             </a:r>
             <a:r>
-              <a:rPr>
+              <a:rPr sz="1400" dirty="0">
                 <a:hlinkClick r:id="rId3"/>
               </a:rPr>
               <a:t>PPT</a:t>
             </a:r>
             <a:r>
+              <a:rPr sz="1400" dirty="0"/>
               <a:t>, and report.</a:t>
             </a:r>
           </a:p>
@@ -5613,23 +4541,25 @@
               <a:buNone/>
             </a:pPr>
             <a:r>
-              <a:rPr b="1"/>
+              <a:rPr sz="1400" b="1" dirty="0"/>
               <a:t>Mayank Thacker</a:t>
             </a:r>
           </a:p>
           <a:p>
             <a:pPr lvl="0"/>
             <a:r>
+              <a:rPr sz="1400" dirty="0"/>
               <a:t>Created Graph 1, 2.</a:t>
             </a:r>
           </a:p>
           <a:p>
             <a:pPr lvl="0"/>
             <a:r>
+              <a:rPr sz="1400" dirty="0"/>
               <a:t>Created Worked on </a:t>
             </a:r>
             <a:r>
-              <a:rPr>
+              <a:rPr sz="1400" dirty="0">
                 <a:hlinkClick r:id="rId3"/>
               </a:rPr>
               <a:t>PPT</a:t>
@@ -5941,7 +4871,7 @@
       </p:sp>
       <p:graphicFrame>
         <p:nvGraphicFramePr>
-          <p:cNvPr id="108463683" name="Table 108463682"/>
+          <p:cNvPr id="242923200" name="Table 242923199"/>
           <p:cNvGraphicFramePr>
             <a:graphicFrameLocks noGrp="1"/>
           </p:cNvGraphicFramePr>
@@ -11132,7 +10062,7 @@
       </p:graphicFrame>
       <p:graphicFrame>
         <p:nvGraphicFramePr>
-          <p:cNvPr id="453410504" name="Table 453410503"/>
+          <p:cNvPr id="767752657" name="Table 767752656"/>
           <p:cNvGraphicFramePr>
             <a:graphicFrameLocks noGrp="1"/>
           </p:cNvGraphicFramePr>
@@ -11316,7 +10246,7 @@
                         <a:buNone/>
                       </a:pPr>
                       <a:r>
-                        <a:rPr sz="700" b="1" i="0" u="none" cap="none">
+                        <a:rPr sz="700" b="1" i="0" u="none" cap="none" dirty="0">
                           <a:solidFill>
                             <a:srgbClr val="000000">
                               <a:alpha val="100000"/>
@@ -12925,7 +11855,7 @@
                         <a:buNone/>
                       </a:pPr>
                       <a:r>
-                        <a:rPr sz="700" b="0" i="0" u="none" cap="none" dirty="0">
+                        <a:rPr sz="700" b="0" i="0" u="none" cap="none">
                           <a:solidFill>
                             <a:srgbClr val="000000">
                               <a:alpha val="100000"/>
@@ -15610,7 +14540,7 @@
                         <a:buNone/>
                       </a:pPr>
                       <a:r>
-                        <a:rPr sz="700" b="0" i="0" u="none" cap="none" dirty="0">
+                        <a:rPr sz="700" b="0" i="0" u="none" cap="none">
                           <a:solidFill>
                             <a:srgbClr val="000000">
                               <a:alpha val="100000"/>
@@ -16835,10 +15765,10 @@
       </p:graphicFrame>
       <p:sp>
         <p:nvSpPr>
-          <p:cNvPr id="6" name="Content Placeholder 5">
+          <p:cNvPr id="8" name="Content Placeholder 7">
             <a:extLst>
               <a:ext uri="{FF2B5EF4-FFF2-40B4-BE49-F238E27FC236}">
-                <a16:creationId xmlns:a16="http://schemas.microsoft.com/office/drawing/2014/main" id="{5DF2BE6A-1895-3506-6127-AA80B12DF327}"/>
+                <a16:creationId xmlns:a16="http://schemas.microsoft.com/office/drawing/2014/main" id="{246A43EE-C738-DE8B-84D8-862ACDFE11E7}"/>
               </a:ext>
             </a:extLst>
           </p:cNvPr>
@@ -16922,10 +15852,24 @@
             <p:ph type="body" sz="half" idx="2"/>
           </p:nvPr>
         </p:nvSpPr>
-        <p:spPr/>
+        <p:spPr>
+          <a:xfrm>
+            <a:off x="337185" y="1076326"/>
+            <a:ext cx="3128329" cy="3609974"/>
+          </a:xfrm>
+        </p:spPr>
         <p:txBody>
           <a:bodyPr/>
           <a:lstStyle/>
+          <a:p>
+            <a:pPr marL="0" lvl="0" indent="0">
+              <a:buNone/>
+            </a:pPr>
+            <a:r>
+              <a:rPr dirty="0"/>
+              <a:t>The histogram represents the frequency distribution of individual ages in the dataset. It provides insights into the prevalence of various age groups within the dataset. For instance, 28 years old has the highest frequency, followed by 34 years old. Beyond these notable frequencies, there is an even distribution across the remaining age categories, highlighting a balanced representation amongst the age values.</a:t>
+            </a:r>
+          </a:p>
           <a:p>
             <a:pPr lvl="0"/>
             <a:r>
@@ -16945,7 +15889,7 @@
               <a:buNone/>
             </a:pPr>
             <a:r>
-              <a:rPr sz="900" dirty="0" err="1">
+              <a:rPr sz="1000" dirty="0" err="1">
                 <a:solidFill>
                   <a:srgbClr val="06287E"/>
                 </a:solidFill>
@@ -16954,13 +15898,13 @@
               <a:t>ggplot</a:t>
             </a:r>
             <a:r>
-              <a:rPr sz="900" dirty="0">
+              <a:rPr sz="1000" dirty="0">
                 <a:latin typeface="Courier"/>
               </a:rPr>
               <a:t>(data, </a:t>
             </a:r>
             <a:r>
-              <a:rPr sz="900" dirty="0" err="1">
+              <a:rPr sz="1000" dirty="0" err="1">
                 <a:solidFill>
                   <a:srgbClr val="06287E"/>
                 </a:solidFill>
@@ -16969,13 +15913,13 @@
               <a:t>aes</a:t>
             </a:r>
             <a:r>
-              <a:rPr sz="900" dirty="0">
+              <a:rPr sz="1000" dirty="0">
                 <a:latin typeface="Courier"/>
               </a:rPr>
               <a:t>(</a:t>
             </a:r>
             <a:r>
-              <a:rPr sz="900" dirty="0">
+              <a:rPr sz="1000" dirty="0">
                 <a:solidFill>
                   <a:srgbClr val="7D9029"/>
                 </a:solidFill>
@@ -16984,13 +15928,13 @@
               <a:t>x =</a:t>
             </a:r>
             <a:r>
-              <a:rPr sz="900" dirty="0">
+              <a:rPr sz="1000" dirty="0">
                 <a:latin typeface="Courier"/>
               </a:rPr>
               <a:t> </a:t>
             </a:r>
             <a:r>
-              <a:rPr sz="900" dirty="0">
+              <a:rPr sz="1000" dirty="0">
                 <a:solidFill>
                   <a:srgbClr val="06287E"/>
                 </a:solidFill>
@@ -16999,13 +15943,13 @@
               <a:t>factor</a:t>
             </a:r>
             <a:r>
-              <a:rPr sz="900" dirty="0">
+              <a:rPr sz="1000" dirty="0">
                 <a:latin typeface="Courier"/>
               </a:rPr>
               <a:t>(Age))) </a:t>
             </a:r>
             <a:r>
-              <a:rPr sz="900" dirty="0">
+              <a:rPr sz="1000" dirty="0">
                 <a:solidFill>
                   <a:srgbClr val="4070A0"/>
                 </a:solidFill>
@@ -17014,16 +15958,16 @@
               <a:t>+</a:t>
             </a:r>
             <a:br>
-              <a:rPr sz="900" dirty="0"/>
+              <a:rPr sz="1000" dirty="0"/>
             </a:br>
             <a:r>
-              <a:rPr sz="900" dirty="0">
+              <a:rPr sz="1000" dirty="0">
                 <a:latin typeface="Courier"/>
               </a:rPr>
               <a:t>  </a:t>
             </a:r>
             <a:r>
-              <a:rPr sz="900" dirty="0" err="1">
+              <a:rPr sz="1000" dirty="0" err="1">
                 <a:solidFill>
                   <a:srgbClr val="06287E"/>
                 </a:solidFill>
@@ -17032,13 +15976,13 @@
               <a:t>geom_bar</a:t>
             </a:r>
             <a:r>
-              <a:rPr sz="900" dirty="0">
+              <a:rPr sz="1000" dirty="0">
                 <a:latin typeface="Courier"/>
               </a:rPr>
               <a:t>(</a:t>
             </a:r>
             <a:r>
-              <a:rPr sz="900" dirty="0">
+              <a:rPr sz="1000" dirty="0">
                 <a:solidFill>
                   <a:srgbClr val="7D9029"/>
                 </a:solidFill>
@@ -17047,13 +15991,13 @@
               <a:t>fill =</a:t>
             </a:r>
             <a:r>
-              <a:rPr sz="900" dirty="0">
+              <a:rPr sz="1000" dirty="0">
                 <a:latin typeface="Courier"/>
               </a:rPr>
               <a:t> </a:t>
             </a:r>
             <a:r>
-              <a:rPr sz="900" dirty="0">
+              <a:rPr sz="1000" dirty="0">
                 <a:solidFill>
                   <a:srgbClr val="4070A0"/>
                 </a:solidFill>
@@ -17062,7 +16006,7 @@
               <a:t>"</a:t>
             </a:r>
             <a:r>
-              <a:rPr sz="900" dirty="0" err="1">
+              <a:rPr sz="1000" dirty="0" err="1">
                 <a:solidFill>
                   <a:srgbClr val="4070A0"/>
                 </a:solidFill>
@@ -17071,7 +16015,7 @@
               <a:t>lightcoral</a:t>
             </a:r>
             <a:r>
-              <a:rPr sz="900" dirty="0">
+              <a:rPr sz="1000" dirty="0">
                 <a:solidFill>
                   <a:srgbClr val="4070A0"/>
                 </a:solidFill>
@@ -17080,13 +16024,13 @@
               <a:t>"</a:t>
             </a:r>
             <a:r>
-              <a:rPr sz="900" dirty="0">
+              <a:rPr sz="1000" dirty="0">
                 <a:latin typeface="Courier"/>
               </a:rPr>
               <a:t>, </a:t>
             </a:r>
             <a:r>
-              <a:rPr sz="900" dirty="0">
+              <a:rPr sz="1000" dirty="0">
                 <a:solidFill>
                   <a:srgbClr val="7D9029"/>
                 </a:solidFill>
@@ -17095,13 +16039,13 @@
               <a:t>color =</a:t>
             </a:r>
             <a:r>
-              <a:rPr sz="900" dirty="0">
+              <a:rPr sz="1000" dirty="0">
                 <a:latin typeface="Courier"/>
               </a:rPr>
               <a:t> </a:t>
             </a:r>
             <a:r>
-              <a:rPr sz="900" dirty="0">
+              <a:rPr sz="1000" dirty="0">
                 <a:solidFill>
                   <a:srgbClr val="4070A0"/>
                 </a:solidFill>
@@ -17110,13 +16054,13 @@
               <a:t>"black"</a:t>
             </a:r>
             <a:r>
-              <a:rPr sz="900" dirty="0">
+              <a:rPr sz="1000" dirty="0">
                 <a:latin typeface="Courier"/>
               </a:rPr>
               <a:t>) </a:t>
             </a:r>
             <a:r>
-              <a:rPr sz="900" dirty="0">
+              <a:rPr sz="1000" dirty="0">
                 <a:solidFill>
                   <a:srgbClr val="4070A0"/>
                 </a:solidFill>
@@ -17125,13 +16069,13 @@
               <a:t>+</a:t>
             </a:r>
             <a:r>
-              <a:rPr sz="900" dirty="0">
+              <a:rPr sz="1000" dirty="0">
                 <a:latin typeface="Courier"/>
               </a:rPr>
               <a:t> </a:t>
             </a:r>
             <a:r>
-              <a:rPr sz="900" i="1" dirty="0">
+              <a:rPr sz="1000" i="1" dirty="0">
                 <a:solidFill>
                   <a:srgbClr val="60A0B0"/>
                 </a:solidFill>
@@ -17140,16 +16084,16 @@
               <a:t># create histogram based on Age. </a:t>
             </a:r>
             <a:br>
-              <a:rPr sz="900" dirty="0"/>
+              <a:rPr sz="1000" dirty="0"/>
             </a:br>
             <a:r>
-              <a:rPr sz="900" dirty="0">
+              <a:rPr sz="1000" dirty="0">
                 <a:latin typeface="Courier"/>
               </a:rPr>
               <a:t>  </a:t>
             </a:r>
             <a:r>
-              <a:rPr sz="900" dirty="0">
+              <a:rPr sz="1000" dirty="0">
                 <a:solidFill>
                   <a:srgbClr val="06287E"/>
                 </a:solidFill>
@@ -17158,13 +16102,13 @@
               <a:t>labs</a:t>
             </a:r>
             <a:r>
-              <a:rPr sz="900" dirty="0">
+              <a:rPr sz="1000" dirty="0">
                 <a:latin typeface="Courier"/>
               </a:rPr>
               <a:t>(</a:t>
             </a:r>
             <a:r>
-              <a:rPr sz="900" dirty="0">
+              <a:rPr sz="1000" dirty="0">
                 <a:solidFill>
                   <a:srgbClr val="7D9029"/>
                 </a:solidFill>
@@ -17173,13 +16117,13 @@
               <a:t>title =</a:t>
             </a:r>
             <a:r>
-              <a:rPr sz="900" dirty="0">
+              <a:rPr sz="1000" dirty="0">
                 <a:latin typeface="Courier"/>
               </a:rPr>
               <a:t> </a:t>
             </a:r>
             <a:r>
-              <a:rPr sz="900" dirty="0">
+              <a:rPr sz="1000" dirty="0">
                 <a:solidFill>
                   <a:srgbClr val="4070A0"/>
                 </a:solidFill>
@@ -17188,13 +16132,13 @@
               <a:t>"Frequency of Each Age"</a:t>
             </a:r>
             <a:r>
-              <a:rPr sz="900" dirty="0">
+              <a:rPr sz="1000" dirty="0">
                 <a:latin typeface="Courier"/>
               </a:rPr>
               <a:t>, </a:t>
             </a:r>
             <a:r>
-              <a:rPr sz="900" dirty="0">
+              <a:rPr sz="1000" dirty="0">
                 <a:solidFill>
                   <a:srgbClr val="7D9029"/>
                 </a:solidFill>
@@ -17203,13 +16147,13 @@
               <a:t>x =</a:t>
             </a:r>
             <a:r>
-              <a:rPr sz="900" dirty="0">
+              <a:rPr sz="1000" dirty="0">
                 <a:latin typeface="Courier"/>
               </a:rPr>
               <a:t> </a:t>
             </a:r>
             <a:r>
-              <a:rPr sz="900" dirty="0">
+              <a:rPr sz="1000" dirty="0">
                 <a:solidFill>
                   <a:srgbClr val="4070A0"/>
                 </a:solidFill>
@@ -17218,13 +16162,13 @@
               <a:t>"Age"</a:t>
             </a:r>
             <a:r>
-              <a:rPr sz="900" dirty="0">
+              <a:rPr sz="1000" dirty="0">
                 <a:latin typeface="Courier"/>
               </a:rPr>
               <a:t>, </a:t>
             </a:r>
             <a:r>
-              <a:rPr sz="900" dirty="0">
+              <a:rPr sz="1000" dirty="0">
                 <a:solidFill>
                   <a:srgbClr val="7D9029"/>
                 </a:solidFill>
@@ -17233,13 +16177,13 @@
               <a:t>y =</a:t>
             </a:r>
             <a:r>
-              <a:rPr sz="900" dirty="0">
+              <a:rPr sz="1000" dirty="0">
                 <a:latin typeface="Courier"/>
               </a:rPr>
               <a:t> </a:t>
             </a:r>
             <a:r>
-              <a:rPr sz="900" dirty="0">
+              <a:rPr sz="1000" dirty="0">
                 <a:solidFill>
                   <a:srgbClr val="4070A0"/>
                 </a:solidFill>
@@ -17248,13 +16192,13 @@
               <a:t>"Frequency"</a:t>
             </a:r>
             <a:r>
-              <a:rPr sz="900" dirty="0">
+              <a:rPr sz="1000" dirty="0">
                 <a:latin typeface="Courier"/>
               </a:rPr>
               <a:t>) </a:t>
             </a:r>
             <a:r>
-              <a:rPr sz="900" i="1" dirty="0">
+              <a:rPr sz="1000" i="1" dirty="0">
                 <a:solidFill>
                   <a:srgbClr val="60A0B0"/>
                 </a:solidFill>
@@ -17263,7 +16207,7 @@
               <a:t># add title and labels for </a:t>
             </a:r>
             <a:r>
-              <a:rPr sz="900" i="1" dirty="0" err="1">
+              <a:rPr sz="1000" i="1" dirty="0" err="1">
                 <a:solidFill>
                   <a:srgbClr val="60A0B0"/>
                 </a:solidFill>
@@ -17272,7 +16216,7 @@
               <a:t>x,y</a:t>
             </a:r>
             <a:r>
-              <a:rPr sz="900" i="1" dirty="0">
+              <a:rPr sz="1000" i="1" dirty="0">
                 <a:solidFill>
                   <a:srgbClr val="60A0B0"/>
                 </a:solidFill>
@@ -17379,8 +16323,19 @@
         </p:nvSpPr>
         <p:spPr/>
         <p:txBody>
-          <a:bodyPr/>
+          <a:bodyPr>
+            <a:normAutofit fontScale="92500" lnSpcReduction="10000"/>
+          </a:bodyPr>
           <a:lstStyle/>
+          <a:p>
+            <a:pPr marL="0" lvl="0" indent="0">
+              <a:buNone/>
+            </a:pPr>
+            <a:r>
+              <a:rPr dirty="0"/>
+              <a:t>The graph represents the probability density distribution across a range of annual income values, constrained between a minimum of $3600 and a maximum of $21600. Peaks in probability density occur at $5600, $9600, and $13600. However, the graph highlights a dip in probability density between $9600 to $11600 and $17600 to $19600. Based on these probabilities, we anticipate a higher frequency of annual incomes at $5600, $9600, and $13600, indicating a slight disparity within our population pool concerning annual income distributions.</a:t>
+            </a:r>
+          </a:p>
           <a:p>
             <a:pPr lvl="0"/>
             <a:r>
@@ -17400,7 +16355,7 @@
               <a:buNone/>
             </a:pPr>
             <a:r>
-              <a:rPr sz="900" dirty="0" err="1">
+              <a:rPr sz="800" dirty="0" err="1">
                 <a:solidFill>
                   <a:srgbClr val="06287E"/>
                 </a:solidFill>
@@ -17409,13 +16364,13 @@
               <a:t>ggplot</a:t>
             </a:r>
             <a:r>
-              <a:rPr sz="900" dirty="0">
+              <a:rPr sz="800" dirty="0">
                 <a:latin typeface="Courier"/>
               </a:rPr>
               <a:t>(data, </a:t>
             </a:r>
             <a:r>
-              <a:rPr sz="900" dirty="0" err="1">
+              <a:rPr sz="800" dirty="0" err="1">
                 <a:solidFill>
                   <a:srgbClr val="06287E"/>
                 </a:solidFill>
@@ -17424,13 +16379,13 @@
               <a:t>aes</a:t>
             </a:r>
             <a:r>
-              <a:rPr sz="900" dirty="0">
+              <a:rPr sz="800" dirty="0">
                 <a:latin typeface="Courier"/>
               </a:rPr>
               <a:t>(</a:t>
             </a:r>
             <a:r>
-              <a:rPr sz="900" dirty="0">
+              <a:rPr sz="800" dirty="0">
                 <a:solidFill>
                   <a:srgbClr val="7D9029"/>
                 </a:solidFill>
@@ -17439,25 +16394,25 @@
               <a:t>x =</a:t>
             </a:r>
             <a:r>
-              <a:rPr sz="900" dirty="0">
+              <a:rPr sz="800" dirty="0">
                 <a:latin typeface="Courier"/>
               </a:rPr>
               <a:t> </a:t>
             </a:r>
             <a:r>
-              <a:rPr sz="900" dirty="0" err="1">
+              <a:rPr sz="800" dirty="0" err="1">
                 <a:latin typeface="Courier"/>
               </a:rPr>
               <a:t>AnnualIncomeUSD</a:t>
             </a:r>
             <a:r>
-              <a:rPr sz="900" dirty="0">
+              <a:rPr sz="800" dirty="0">
                 <a:latin typeface="Courier"/>
               </a:rPr>
               <a:t>)) </a:t>
             </a:r>
             <a:r>
-              <a:rPr sz="900" dirty="0">
+              <a:rPr sz="800" dirty="0">
                 <a:solidFill>
                   <a:srgbClr val="4070A0"/>
                 </a:solidFill>
@@ -17466,13 +16421,13 @@
               <a:t>+</a:t>
             </a:r>
             <a:r>
-              <a:rPr sz="900" dirty="0">
+              <a:rPr sz="800" dirty="0">
                 <a:latin typeface="Courier"/>
               </a:rPr>
               <a:t> </a:t>
             </a:r>
             <a:r>
-              <a:rPr sz="900" i="1" dirty="0">
+              <a:rPr sz="800" i="1" dirty="0">
                 <a:solidFill>
                   <a:srgbClr val="60A0B0"/>
                 </a:solidFill>
@@ -17481,7 +16436,7 @@
               <a:t># Set the x-axis to </a:t>
             </a:r>
             <a:r>
-              <a:rPr sz="900" i="1" dirty="0" err="1">
+              <a:rPr sz="800" i="1" dirty="0" err="1">
                 <a:solidFill>
                   <a:srgbClr val="60A0B0"/>
                 </a:solidFill>
@@ -17490,16 +16445,16 @@
               <a:t>AnnualIncome</a:t>
             </a:r>
             <a:br>
-              <a:rPr sz="900" dirty="0"/>
+              <a:rPr sz="800" dirty="0"/>
             </a:br>
             <a:r>
-              <a:rPr sz="900" dirty="0">
+              <a:rPr sz="800" dirty="0">
                 <a:latin typeface="Courier"/>
               </a:rPr>
               <a:t>  </a:t>
             </a:r>
             <a:r>
-              <a:rPr sz="900" dirty="0" err="1">
+              <a:rPr sz="800" dirty="0" err="1">
                 <a:solidFill>
                   <a:srgbClr val="06287E"/>
                 </a:solidFill>
@@ -17508,13 +16463,13 @@
               <a:t>geom_density</a:t>
             </a:r>
             <a:r>
-              <a:rPr sz="900" dirty="0">
+              <a:rPr sz="800" dirty="0">
                 <a:latin typeface="Courier"/>
               </a:rPr>
               <a:t>(</a:t>
             </a:r>
             <a:r>
-              <a:rPr sz="900" dirty="0">
+              <a:rPr sz="800" dirty="0">
                 <a:solidFill>
                   <a:srgbClr val="7D9029"/>
                 </a:solidFill>
@@ -17523,13 +16478,13 @@
               <a:t>fill =</a:t>
             </a:r>
             <a:r>
-              <a:rPr sz="900" dirty="0">
+              <a:rPr sz="800" dirty="0">
                 <a:latin typeface="Courier"/>
               </a:rPr>
               <a:t> </a:t>
             </a:r>
             <a:r>
-              <a:rPr sz="900" dirty="0">
+              <a:rPr sz="800" dirty="0">
                 <a:solidFill>
                   <a:srgbClr val="4070A0"/>
                 </a:solidFill>
@@ -17538,7 +16493,7 @@
               <a:t>"</a:t>
             </a:r>
             <a:r>
-              <a:rPr sz="900" dirty="0" err="1">
+              <a:rPr sz="800" dirty="0" err="1">
                 <a:solidFill>
                   <a:srgbClr val="4070A0"/>
                 </a:solidFill>
@@ -17547,7 +16502,7 @@
               <a:t>lightcoral</a:t>
             </a:r>
             <a:r>
-              <a:rPr sz="900" dirty="0">
+              <a:rPr sz="800" dirty="0">
                 <a:solidFill>
                   <a:srgbClr val="4070A0"/>
                 </a:solidFill>
@@ -17556,13 +16511,13 @@
               <a:t>"</a:t>
             </a:r>
             <a:r>
-              <a:rPr sz="900" dirty="0">
+              <a:rPr sz="800" dirty="0">
                 <a:latin typeface="Courier"/>
               </a:rPr>
               <a:t>, </a:t>
             </a:r>
             <a:r>
-              <a:rPr sz="900" dirty="0">
+              <a:rPr sz="800" dirty="0">
                 <a:solidFill>
                   <a:srgbClr val="7D9029"/>
                 </a:solidFill>
@@ -17571,13 +16526,13 @@
               <a:t>color =</a:t>
             </a:r>
             <a:r>
-              <a:rPr sz="900" dirty="0">
+              <a:rPr sz="800" dirty="0">
                 <a:latin typeface="Courier"/>
               </a:rPr>
               <a:t> </a:t>
             </a:r>
             <a:r>
-              <a:rPr sz="900" dirty="0">
+              <a:rPr sz="800" dirty="0">
                 <a:solidFill>
                   <a:srgbClr val="4070A0"/>
                 </a:solidFill>
@@ -17586,13 +16541,13 @@
               <a:t>"black"</a:t>
             </a:r>
             <a:r>
-              <a:rPr sz="900" dirty="0">
+              <a:rPr sz="800" dirty="0">
                 <a:latin typeface="Courier"/>
               </a:rPr>
               <a:t>) </a:t>
             </a:r>
             <a:r>
-              <a:rPr sz="900" dirty="0">
+              <a:rPr sz="800" dirty="0">
                 <a:solidFill>
                   <a:srgbClr val="4070A0"/>
                 </a:solidFill>
@@ -17601,13 +16556,13 @@
               <a:t>+</a:t>
             </a:r>
             <a:r>
-              <a:rPr sz="900" dirty="0">
+              <a:rPr sz="800" dirty="0">
                 <a:latin typeface="Courier"/>
               </a:rPr>
               <a:t> </a:t>
             </a:r>
             <a:r>
-              <a:rPr sz="900" i="1" dirty="0">
+              <a:rPr sz="800" i="1" dirty="0">
                 <a:solidFill>
                   <a:srgbClr val="60A0B0"/>
                 </a:solidFill>
@@ -17616,7 +16571,7 @@
               <a:t># Add a density layer with </a:t>
             </a:r>
             <a:r>
-              <a:rPr sz="900" i="1" dirty="0" err="1">
+              <a:rPr sz="800" i="1" dirty="0" err="1">
                 <a:solidFill>
                   <a:srgbClr val="60A0B0"/>
                 </a:solidFill>
@@ -17625,7 +16580,7 @@
               <a:t>lightcoral</a:t>
             </a:r>
             <a:r>
-              <a:rPr sz="900" i="1" dirty="0">
+              <a:rPr sz="800" i="1" dirty="0">
                 <a:solidFill>
                   <a:srgbClr val="60A0B0"/>
                 </a:solidFill>
@@ -17634,16 +16589,16 @@
               <a:t> fill and black border</a:t>
             </a:r>
             <a:br>
-              <a:rPr sz="900" dirty="0"/>
+              <a:rPr sz="800" dirty="0"/>
             </a:br>
             <a:r>
-              <a:rPr sz="900" dirty="0">
+              <a:rPr sz="800" dirty="0">
                 <a:latin typeface="Courier"/>
               </a:rPr>
               <a:t>  </a:t>
             </a:r>
             <a:r>
-              <a:rPr sz="900" dirty="0">
+              <a:rPr sz="800" dirty="0">
                 <a:solidFill>
                   <a:srgbClr val="06287E"/>
                 </a:solidFill>
@@ -17652,13 +16607,13 @@
               <a:t>labs</a:t>
             </a:r>
             <a:r>
-              <a:rPr sz="900" dirty="0">
+              <a:rPr sz="800" dirty="0">
                 <a:latin typeface="Courier"/>
               </a:rPr>
               <a:t>(</a:t>
             </a:r>
             <a:r>
-              <a:rPr sz="900" dirty="0">
+              <a:rPr sz="800" dirty="0">
                 <a:solidFill>
                   <a:srgbClr val="7D9029"/>
                 </a:solidFill>
@@ -17667,13 +16622,13 @@
               <a:t>title =</a:t>
             </a:r>
             <a:r>
-              <a:rPr sz="900" dirty="0">
+              <a:rPr sz="800" dirty="0">
                 <a:latin typeface="Courier"/>
               </a:rPr>
               <a:t> </a:t>
             </a:r>
             <a:r>
-              <a:rPr sz="900" dirty="0">
+              <a:rPr sz="800" dirty="0">
                 <a:solidFill>
                   <a:srgbClr val="4070A0"/>
                 </a:solidFill>
@@ -17682,13 +16637,13 @@
               <a:t>"Density Plot of Annual Income"</a:t>
             </a:r>
             <a:r>
-              <a:rPr sz="900" dirty="0">
+              <a:rPr sz="800" dirty="0">
                 <a:latin typeface="Courier"/>
               </a:rPr>
               <a:t>, </a:t>
             </a:r>
             <a:r>
-              <a:rPr sz="900" dirty="0">
+              <a:rPr sz="800" dirty="0">
                 <a:solidFill>
                   <a:srgbClr val="7D9029"/>
                 </a:solidFill>
@@ -17697,13 +16652,13 @@
               <a:t>x =</a:t>
             </a:r>
             <a:r>
-              <a:rPr sz="900" dirty="0">
+              <a:rPr sz="800" dirty="0">
                 <a:latin typeface="Courier"/>
               </a:rPr>
               <a:t> </a:t>
             </a:r>
             <a:r>
-              <a:rPr sz="900" dirty="0">
+              <a:rPr sz="800" dirty="0">
                 <a:solidFill>
                   <a:srgbClr val="4070A0"/>
                 </a:solidFill>
@@ -17712,13 +16667,13 @@
               <a:t>"Annual Income"</a:t>
             </a:r>
             <a:r>
-              <a:rPr sz="900" dirty="0">
+              <a:rPr sz="800" dirty="0">
                 <a:latin typeface="Courier"/>
               </a:rPr>
               <a:t>, </a:t>
             </a:r>
             <a:r>
-              <a:rPr sz="900" dirty="0">
+              <a:rPr sz="800" dirty="0">
                 <a:solidFill>
                   <a:srgbClr val="7D9029"/>
                 </a:solidFill>
@@ -17727,13 +16682,13 @@
               <a:t>y =</a:t>
             </a:r>
             <a:r>
-              <a:rPr sz="900" dirty="0">
+              <a:rPr sz="800" dirty="0">
                 <a:latin typeface="Courier"/>
               </a:rPr>
               <a:t> </a:t>
             </a:r>
             <a:r>
-              <a:rPr sz="900" dirty="0">
+              <a:rPr sz="800" dirty="0">
                 <a:solidFill>
                   <a:srgbClr val="4070A0"/>
                 </a:solidFill>
@@ -17742,19 +16697,280 @@
               <a:t>"Density"</a:t>
             </a:r>
             <a:r>
-              <a:rPr sz="900" dirty="0">
+              <a:rPr sz="800" dirty="0">
                 <a:latin typeface="Courier"/>
               </a:rPr>
               <a:t>) </a:t>
             </a:r>
             <a:r>
-              <a:rPr sz="900" i="1" dirty="0">
+              <a:rPr sz="800" dirty="0">
+                <a:solidFill>
+                  <a:srgbClr val="4070A0"/>
+                </a:solidFill>
+                <a:latin typeface="Courier"/>
+              </a:rPr>
+              <a:t>+</a:t>
+            </a:r>
+            <a:r>
+              <a:rPr sz="800" dirty="0">
+                <a:latin typeface="Courier"/>
+              </a:rPr>
+              <a:t> </a:t>
+            </a:r>
+            <a:r>
+              <a:rPr sz="800" i="1" dirty="0">
                 <a:solidFill>
                   <a:srgbClr val="60A0B0"/>
                 </a:solidFill>
                 <a:latin typeface="Courier"/>
               </a:rPr>
               <a:t># Add title and axis labels</a:t>
+            </a:r>
+            <a:br>
+              <a:rPr sz="800" dirty="0"/>
+            </a:br>
+            <a:r>
+              <a:rPr sz="800" dirty="0">
+                <a:latin typeface="Courier"/>
+              </a:rPr>
+              <a:t>  </a:t>
+            </a:r>
+            <a:r>
+              <a:rPr sz="800" dirty="0" err="1">
+                <a:solidFill>
+                  <a:srgbClr val="06287E"/>
+                </a:solidFill>
+                <a:latin typeface="Courier"/>
+              </a:rPr>
+              <a:t>scale_x_continuous</a:t>
+            </a:r>
+            <a:r>
+              <a:rPr sz="800" dirty="0">
+                <a:latin typeface="Courier"/>
+              </a:rPr>
+              <a:t>(</a:t>
+            </a:r>
+            <a:r>
+              <a:rPr sz="800" dirty="0">
+                <a:solidFill>
+                  <a:srgbClr val="7D9029"/>
+                </a:solidFill>
+                <a:latin typeface="Courier"/>
+              </a:rPr>
+              <a:t>labels =</a:t>
+            </a:r>
+            <a:r>
+              <a:rPr sz="800" dirty="0">
+                <a:latin typeface="Courier"/>
+              </a:rPr>
+              <a:t> scales</a:t>
+            </a:r>
+            <a:r>
+              <a:rPr sz="800" dirty="0">
+                <a:solidFill>
+                  <a:srgbClr val="4070A0"/>
+                </a:solidFill>
+                <a:latin typeface="Courier"/>
+              </a:rPr>
+              <a:t>::</a:t>
+            </a:r>
+            <a:r>
+              <a:rPr sz="800" dirty="0" err="1">
+                <a:solidFill>
+                  <a:srgbClr val="06287E"/>
+                </a:solidFill>
+                <a:latin typeface="Courier"/>
+              </a:rPr>
+              <a:t>dollar_format</a:t>
+            </a:r>
+            <a:r>
+              <a:rPr sz="800" dirty="0">
+                <a:latin typeface="Courier"/>
+              </a:rPr>
+              <a:t>(), </a:t>
+            </a:r>
+            <a:r>
+              <a:rPr sz="800" dirty="0">
+                <a:solidFill>
+                  <a:srgbClr val="7D9029"/>
+                </a:solidFill>
+                <a:latin typeface="Courier"/>
+              </a:rPr>
+              <a:t>breaks =</a:t>
+            </a:r>
+            <a:r>
+              <a:rPr sz="800" dirty="0">
+                <a:latin typeface="Courier"/>
+              </a:rPr>
+              <a:t> </a:t>
+            </a:r>
+            <a:r>
+              <a:rPr sz="800" dirty="0">
+                <a:solidFill>
+                  <a:srgbClr val="06287E"/>
+                </a:solidFill>
+                <a:latin typeface="Courier"/>
+              </a:rPr>
+              <a:t>seq</a:t>
+            </a:r>
+            <a:r>
+              <a:rPr sz="800" dirty="0">
+                <a:latin typeface="Courier"/>
+              </a:rPr>
+              <a:t>(</a:t>
+            </a:r>
+            <a:r>
+              <a:rPr sz="800" dirty="0">
+                <a:solidFill>
+                  <a:srgbClr val="7D9029"/>
+                </a:solidFill>
+                <a:latin typeface="Courier"/>
+              </a:rPr>
+              <a:t>from =</a:t>
+            </a:r>
+            <a:r>
+              <a:rPr sz="800" dirty="0">
+                <a:latin typeface="Courier"/>
+              </a:rPr>
+              <a:t> </a:t>
+            </a:r>
+            <a:r>
+              <a:rPr sz="800" dirty="0">
+                <a:solidFill>
+                  <a:srgbClr val="06287E"/>
+                </a:solidFill>
+                <a:latin typeface="Courier"/>
+              </a:rPr>
+              <a:t>min</a:t>
+            </a:r>
+            <a:r>
+              <a:rPr sz="800" dirty="0">
+                <a:latin typeface="Courier"/>
+              </a:rPr>
+              <a:t>(</a:t>
+            </a:r>
+            <a:r>
+              <a:rPr sz="800" dirty="0" err="1">
+                <a:latin typeface="Courier"/>
+              </a:rPr>
+              <a:t>data</a:t>
+            </a:r>
+            <a:r>
+              <a:rPr sz="800" dirty="0" err="1">
+                <a:solidFill>
+                  <a:srgbClr val="4070A0"/>
+                </a:solidFill>
+                <a:latin typeface="Courier"/>
+              </a:rPr>
+              <a:t>$</a:t>
+            </a:r>
+            <a:r>
+              <a:rPr sz="800" dirty="0" err="1">
+                <a:latin typeface="Courier"/>
+              </a:rPr>
+              <a:t>AnnualIncomeUSD</a:t>
+            </a:r>
+            <a:r>
+              <a:rPr sz="800" dirty="0">
+                <a:latin typeface="Courier"/>
+              </a:rPr>
+              <a:t>), </a:t>
+            </a:r>
+            <a:r>
+              <a:rPr sz="800" dirty="0">
+                <a:solidFill>
+                  <a:srgbClr val="7D9029"/>
+                </a:solidFill>
+                <a:latin typeface="Courier"/>
+              </a:rPr>
+              <a:t>to =</a:t>
+            </a:r>
+            <a:r>
+              <a:rPr sz="800" dirty="0">
+                <a:latin typeface="Courier"/>
+              </a:rPr>
+              <a:t> </a:t>
+            </a:r>
+            <a:r>
+              <a:rPr sz="800" dirty="0">
+                <a:solidFill>
+                  <a:srgbClr val="06287E"/>
+                </a:solidFill>
+                <a:latin typeface="Courier"/>
+              </a:rPr>
+              <a:t>max</a:t>
+            </a:r>
+            <a:r>
+              <a:rPr sz="800" dirty="0">
+                <a:latin typeface="Courier"/>
+              </a:rPr>
+              <a:t>(</a:t>
+            </a:r>
+            <a:r>
+              <a:rPr sz="800" dirty="0" err="1">
+                <a:latin typeface="Courier"/>
+              </a:rPr>
+              <a:t>data</a:t>
+            </a:r>
+            <a:r>
+              <a:rPr sz="800" dirty="0" err="1">
+                <a:solidFill>
+                  <a:srgbClr val="4070A0"/>
+                </a:solidFill>
+                <a:latin typeface="Courier"/>
+              </a:rPr>
+              <a:t>$</a:t>
+            </a:r>
+            <a:r>
+              <a:rPr sz="800" dirty="0" err="1">
+                <a:latin typeface="Courier"/>
+              </a:rPr>
+              <a:t>AnnualIncomeUSD</a:t>
+            </a:r>
+            <a:r>
+              <a:rPr sz="800" dirty="0">
+                <a:latin typeface="Courier"/>
+              </a:rPr>
+              <a:t>), </a:t>
+            </a:r>
+            <a:r>
+              <a:rPr sz="800" dirty="0">
+                <a:solidFill>
+                  <a:srgbClr val="7D9029"/>
+                </a:solidFill>
+                <a:latin typeface="Courier"/>
+              </a:rPr>
+              <a:t>by =</a:t>
+            </a:r>
+            <a:r>
+              <a:rPr sz="800" dirty="0">
+                <a:latin typeface="Courier"/>
+              </a:rPr>
+              <a:t> </a:t>
+            </a:r>
+            <a:r>
+              <a:rPr sz="800" dirty="0">
+                <a:solidFill>
+                  <a:srgbClr val="40A070"/>
+                </a:solidFill>
+                <a:latin typeface="Courier"/>
+              </a:rPr>
+              <a:t>2000</a:t>
+            </a:r>
+            <a:r>
+              <a:rPr sz="800" dirty="0">
+                <a:latin typeface="Courier"/>
+              </a:rPr>
+              <a:t>)) </a:t>
+            </a:r>
+            <a:r>
+              <a:rPr sz="800" i="1" dirty="0">
+                <a:solidFill>
+                  <a:srgbClr val="60A0B0"/>
+                </a:solidFill>
+                <a:latin typeface="Courier"/>
+              </a:rPr>
+              <a:t># add $ and increments by 2000 </a:t>
             </a:r>
           </a:p>
         </p:txBody>
@@ -17853,49 +17069,44 @@
             <p:ph type="body" sz="half" idx="2"/>
           </p:nvPr>
         </p:nvSpPr>
-        <p:spPr>
-          <a:xfrm>
-            <a:off x="245745" y="1076326"/>
-            <a:ext cx="3219769" cy="3735704"/>
-          </a:xfrm>
-        </p:spPr>
+        <p:spPr/>
         <p:txBody>
           <a:bodyPr>
-            <a:normAutofit lnSpcReduction="10000"/>
+            <a:normAutofit fontScale="77500" lnSpcReduction="20000"/>
           </a:bodyPr>
           <a:lstStyle/>
           <a:p>
             <a:pPr lvl="0"/>
             <a:r>
-              <a:rPr dirty="0"/>
+              <a:rPr sz="1200" dirty="0"/>
               <a:t>The graph highlights the distribution of flyer status across different age groups.</a:t>
             </a:r>
           </a:p>
           <a:p>
             <a:pPr lvl="0"/>
             <a:r>
-              <a:rPr dirty="0"/>
+              <a:rPr sz="1200" dirty="0"/>
               <a:t>It’s evident that there is a higher number of non-frequent flyers than that of frequent flyers between the ages of 25 to 35.</a:t>
             </a:r>
           </a:p>
           <a:p>
             <a:pPr lvl="0"/>
             <a:r>
-              <a:rPr dirty="0"/>
+              <a:rPr sz="1200" dirty="0"/>
               <a:t>In particular, there is a decline in the number of frequent flyers between ages 25 to 27 and 28 to 30 and a steady increase in non-frequent flyers. In comparison, between ages 32 to 24, there is an increase in the number of frequent flyers and non-frequent flyers.</a:t>
             </a:r>
           </a:p>
           <a:p>
             <a:pPr lvl="0"/>
             <a:r>
-              <a:rPr dirty="0"/>
+              <a:rPr sz="1200" dirty="0"/>
               <a:t>Notably, 28 year-olds appear to be less likely to be frequent flyers based on the lower count from the graph.</a:t>
             </a:r>
           </a:p>
           <a:p>
             <a:pPr lvl="0"/>
             <a:r>
-              <a:rPr dirty="0"/>
+              <a:rPr sz="1200" dirty="0"/>
               <a:t>In conclusion, the data suggests that the proportion of frequent and non-frequent flyers varies across different age groups.</a:t>
             </a:r>
           </a:p>
@@ -17904,7 +17115,7 @@
               <a:buNone/>
             </a:pPr>
             <a:r>
-              <a:rPr sz="600" i="1" dirty="0">
+              <a:rPr sz="1000" i="1" dirty="0">
                 <a:solidFill>
                   <a:srgbClr val="60A0B0"/>
                 </a:solidFill>
@@ -17913,22 +17124,22 @@
               <a:t># grouped bar chart</a:t>
             </a:r>
             <a:br>
-              <a:rPr sz="600" dirty="0"/>
+              <a:rPr sz="1000" dirty="0"/>
             </a:br>
             <a:r>
-              <a:rPr sz="600" dirty="0" err="1">
+              <a:rPr sz="1000" dirty="0" err="1">
                 <a:latin typeface="Courier"/>
               </a:rPr>
               <a:t>frequentFlyerStatus</a:t>
             </a:r>
             <a:r>
-              <a:rPr sz="600" dirty="0">
+              <a:rPr sz="1000" dirty="0">
                 <a:latin typeface="Courier"/>
               </a:rPr>
               <a:t> </a:t>
             </a:r>
             <a:r>
-              <a:rPr sz="600" dirty="0">
+              <a:rPr sz="1000" dirty="0">
                 <a:solidFill>
                   <a:srgbClr val="007020"/>
                 </a:solidFill>
@@ -17937,13 +17148,13 @@
               <a:t>&lt;-</a:t>
             </a:r>
             <a:r>
-              <a:rPr sz="600" dirty="0">
+              <a:rPr sz="1000" dirty="0">
                 <a:latin typeface="Courier"/>
               </a:rPr>
               <a:t> </a:t>
             </a:r>
             <a:r>
-              <a:rPr sz="600" dirty="0">
+              <a:rPr sz="1000" dirty="0">
                 <a:solidFill>
                   <a:srgbClr val="06287E"/>
                 </a:solidFill>
@@ -17952,13 +17163,13 @@
               <a:t>c</a:t>
             </a:r>
             <a:r>
-              <a:rPr sz="600" dirty="0">
+              <a:rPr sz="1000" dirty="0">
                 <a:latin typeface="Courier"/>
               </a:rPr>
               <a:t>(</a:t>
             </a:r>
             <a:r>
-              <a:rPr sz="600" dirty="0">
+              <a:rPr sz="1000" dirty="0">
                 <a:solidFill>
                   <a:srgbClr val="4070A0"/>
                 </a:solidFill>
@@ -17967,13 +17178,13 @@
               <a:t>"Yes"</a:t>
             </a:r>
             <a:r>
-              <a:rPr sz="600" dirty="0">
+              <a:rPr sz="1000" dirty="0">
                 <a:latin typeface="Courier"/>
               </a:rPr>
               <a:t> </a:t>
             </a:r>
             <a:r>
-              <a:rPr sz="600" dirty="0">
+              <a:rPr sz="1000" dirty="0">
                 <a:solidFill>
                   <a:srgbClr val="007020"/>
                 </a:solidFill>
@@ -17982,13 +17193,13 @@
               <a:t>=</a:t>
             </a:r>
             <a:r>
-              <a:rPr sz="600" dirty="0">
+              <a:rPr sz="1000" dirty="0">
                 <a:latin typeface="Courier"/>
               </a:rPr>
               <a:t> </a:t>
             </a:r>
             <a:r>
-              <a:rPr sz="600" dirty="0">
+              <a:rPr sz="1000" dirty="0">
                 <a:solidFill>
                   <a:srgbClr val="4070A0"/>
                 </a:solidFill>
@@ -17997,13 +17208,13 @@
               <a:t>"red"</a:t>
             </a:r>
             <a:r>
-              <a:rPr sz="600" dirty="0">
+              <a:rPr sz="1000" dirty="0">
                 <a:latin typeface="Courier"/>
               </a:rPr>
               <a:t>, </a:t>
             </a:r>
             <a:r>
-              <a:rPr sz="600" dirty="0">
+              <a:rPr sz="1000" dirty="0">
                 <a:solidFill>
                   <a:srgbClr val="4070A0"/>
                 </a:solidFill>
@@ -18012,13 +17223,13 @@
               <a:t>"No"</a:t>
             </a:r>
             <a:r>
-              <a:rPr sz="600" dirty="0">
+              <a:rPr sz="1000" dirty="0">
                 <a:latin typeface="Courier"/>
               </a:rPr>
               <a:t> </a:t>
             </a:r>
             <a:r>
-              <a:rPr sz="600" dirty="0">
+              <a:rPr sz="1000" dirty="0">
                 <a:solidFill>
                   <a:srgbClr val="007020"/>
                 </a:solidFill>
@@ -18027,13 +17238,13 @@
               <a:t>=</a:t>
             </a:r>
             <a:r>
-              <a:rPr sz="600" dirty="0">
+              <a:rPr sz="1000" dirty="0">
                 <a:latin typeface="Courier"/>
               </a:rPr>
               <a:t> </a:t>
             </a:r>
             <a:r>
-              <a:rPr sz="600" dirty="0">
+              <a:rPr sz="1000" dirty="0">
                 <a:solidFill>
                   <a:srgbClr val="4070A0"/>
                 </a:solidFill>
@@ -18042,16 +17253,16 @@
               <a:t>"blue"</a:t>
             </a:r>
             <a:r>
-              <a:rPr sz="600" dirty="0">
+              <a:rPr sz="1000" dirty="0">
                 <a:latin typeface="Courier"/>
               </a:rPr>
               <a:t>) </a:t>
             </a:r>
             <a:br>
-              <a:rPr sz="600" dirty="0"/>
+              <a:rPr sz="1000" dirty="0"/>
             </a:br>
             <a:r>
-              <a:rPr sz="600" dirty="0" err="1">
+              <a:rPr sz="1000" dirty="0" err="1">
                 <a:solidFill>
                   <a:srgbClr val="06287E"/>
                 </a:solidFill>
@@ -18060,13 +17271,13 @@
               <a:t>ggplot</a:t>
             </a:r>
             <a:r>
-              <a:rPr sz="600" dirty="0">
+              <a:rPr sz="1000" dirty="0">
                 <a:latin typeface="Courier"/>
               </a:rPr>
               <a:t>(data, </a:t>
             </a:r>
             <a:r>
-              <a:rPr sz="600" dirty="0" err="1">
+              <a:rPr sz="1000" dirty="0" err="1">
                 <a:solidFill>
                   <a:srgbClr val="06287E"/>
                 </a:solidFill>
@@ -18075,13 +17286,13 @@
               <a:t>aes</a:t>
             </a:r>
             <a:r>
-              <a:rPr sz="600" dirty="0">
+              <a:rPr sz="1000" dirty="0">
                 <a:latin typeface="Courier"/>
               </a:rPr>
               <a:t>(</a:t>
             </a:r>
             <a:r>
-              <a:rPr sz="600" dirty="0">
+              <a:rPr sz="1000" dirty="0">
                 <a:solidFill>
                   <a:srgbClr val="7D9029"/>
                 </a:solidFill>
@@ -18090,13 +17301,13 @@
               <a:t>x =</a:t>
             </a:r>
             <a:r>
-              <a:rPr sz="600" dirty="0">
+              <a:rPr sz="1000" dirty="0">
                 <a:latin typeface="Courier"/>
               </a:rPr>
               <a:t> Age, </a:t>
             </a:r>
             <a:r>
-              <a:rPr sz="600" dirty="0">
+              <a:rPr sz="1000" dirty="0">
                 <a:solidFill>
                   <a:srgbClr val="7D9029"/>
                 </a:solidFill>
@@ -18105,25 +17316,25 @@
               <a:t>fill =</a:t>
             </a:r>
             <a:r>
-              <a:rPr sz="600" dirty="0">
+              <a:rPr sz="1000" dirty="0">
                 <a:latin typeface="Courier"/>
               </a:rPr>
               <a:t> </a:t>
             </a:r>
             <a:r>
-              <a:rPr sz="600" dirty="0" err="1">
+              <a:rPr sz="1000" dirty="0" err="1">
                 <a:latin typeface="Courier"/>
               </a:rPr>
               <a:t>FrequentFlyer</a:t>
             </a:r>
             <a:r>
-              <a:rPr sz="600" dirty="0">
+              <a:rPr sz="1000" dirty="0">
                 <a:latin typeface="Courier"/>
               </a:rPr>
               <a:t>)) </a:t>
             </a:r>
             <a:r>
-              <a:rPr sz="600" dirty="0">
+              <a:rPr sz="1000" dirty="0">
                 <a:solidFill>
                   <a:srgbClr val="4070A0"/>
                 </a:solidFill>
@@ -18132,22 +17343,22 @@
               <a:t>+</a:t>
             </a:r>
             <a:r>
-              <a:rPr sz="600" dirty="0">
+              <a:rPr sz="1000" dirty="0">
                 <a:latin typeface="Courier"/>
               </a:rPr>
               <a:t> </a:t>
             </a:r>
             <a:br>
-              <a:rPr sz="600" dirty="0"/>
+              <a:rPr sz="1000" dirty="0"/>
             </a:br>
             <a:r>
-              <a:rPr sz="600" dirty="0">
+              <a:rPr sz="1000" dirty="0">
                 <a:latin typeface="Courier"/>
               </a:rPr>
               <a:t>  </a:t>
             </a:r>
             <a:r>
-              <a:rPr sz="600" dirty="0" err="1">
+              <a:rPr sz="1000" dirty="0" err="1">
                 <a:solidFill>
                   <a:srgbClr val="06287E"/>
                 </a:solidFill>
@@ -18156,13 +17367,13 @@
               <a:t>geom_bar</a:t>
             </a:r>
             <a:r>
-              <a:rPr sz="600" dirty="0">
+              <a:rPr sz="1000" dirty="0">
                 <a:latin typeface="Courier"/>
               </a:rPr>
               <a:t>(</a:t>
             </a:r>
             <a:r>
-              <a:rPr sz="600" dirty="0">
+              <a:rPr sz="1000" dirty="0">
                 <a:solidFill>
                   <a:srgbClr val="7D9029"/>
                 </a:solidFill>
@@ -18171,13 +17382,13 @@
               <a:t>position =</a:t>
             </a:r>
             <a:r>
-              <a:rPr sz="600" dirty="0">
+              <a:rPr sz="1000" dirty="0">
                 <a:latin typeface="Courier"/>
               </a:rPr>
               <a:t> </a:t>
             </a:r>
             <a:r>
-              <a:rPr sz="600" dirty="0">
+              <a:rPr sz="1000" dirty="0">
                 <a:solidFill>
                   <a:srgbClr val="4070A0"/>
                 </a:solidFill>
@@ -18186,13 +17397,13 @@
               <a:t>"dodge"</a:t>
             </a:r>
             <a:r>
-              <a:rPr sz="600" dirty="0">
+              <a:rPr sz="1000" dirty="0">
                 <a:latin typeface="Courier"/>
               </a:rPr>
               <a:t>) </a:t>
             </a:r>
             <a:r>
-              <a:rPr sz="600" dirty="0">
+              <a:rPr sz="1000" dirty="0">
                 <a:solidFill>
                   <a:srgbClr val="4070A0"/>
                 </a:solidFill>
@@ -18201,13 +17412,13 @@
               <a:t>+</a:t>
             </a:r>
             <a:r>
-              <a:rPr sz="600" dirty="0">
+              <a:rPr sz="1000" dirty="0">
                 <a:latin typeface="Courier"/>
               </a:rPr>
               <a:t> </a:t>
             </a:r>
             <a:r>
-              <a:rPr sz="600" i="1" dirty="0">
+              <a:rPr sz="1000" i="1" dirty="0">
                 <a:solidFill>
                   <a:srgbClr val="60A0B0"/>
                 </a:solidFill>
@@ -18216,16 +17427,16 @@
               <a:t>#Ensures bars for frequent and non-frequent flyers are side by side</a:t>
             </a:r>
             <a:br>
-              <a:rPr sz="600" dirty="0"/>
+              <a:rPr sz="1000" dirty="0"/>
             </a:br>
             <a:r>
-              <a:rPr sz="600" dirty="0">
+              <a:rPr sz="1000" dirty="0">
                 <a:latin typeface="Courier"/>
               </a:rPr>
               <a:t>  </a:t>
             </a:r>
             <a:r>
-              <a:rPr sz="600" dirty="0" err="1">
+              <a:rPr sz="1000" dirty="0" err="1">
                 <a:solidFill>
                   <a:srgbClr val="06287E"/>
                 </a:solidFill>
@@ -18234,13 +17445,13 @@
               <a:t>scale_fill_manual</a:t>
             </a:r>
             <a:r>
-              <a:rPr sz="600" dirty="0">
+              <a:rPr sz="1000" dirty="0">
                 <a:latin typeface="Courier"/>
               </a:rPr>
               <a:t>(</a:t>
             </a:r>
             <a:r>
-              <a:rPr sz="600" dirty="0">
+              <a:rPr sz="1000" dirty="0">
                 <a:solidFill>
                   <a:srgbClr val="7D9029"/>
                 </a:solidFill>
@@ -18249,25 +17460,25 @@
               <a:t>values =</a:t>
             </a:r>
             <a:r>
-              <a:rPr sz="600" dirty="0">
+              <a:rPr sz="1000" dirty="0">
                 <a:latin typeface="Courier"/>
               </a:rPr>
               <a:t> </a:t>
             </a:r>
             <a:r>
-              <a:rPr sz="600" dirty="0" err="1">
+              <a:rPr sz="1000" dirty="0" err="1">
                 <a:latin typeface="Courier"/>
               </a:rPr>
               <a:t>frequentFlyerStatus</a:t>
             </a:r>
             <a:r>
-              <a:rPr sz="600" dirty="0">
+              <a:rPr sz="1000" dirty="0">
                 <a:latin typeface="Courier"/>
               </a:rPr>
               <a:t>) </a:t>
             </a:r>
             <a:r>
-              <a:rPr sz="600" dirty="0">
+              <a:rPr sz="1000" dirty="0">
                 <a:solidFill>
                   <a:srgbClr val="4070A0"/>
                 </a:solidFill>
@@ -18276,13 +17487,13 @@
               <a:t>+</a:t>
             </a:r>
             <a:r>
-              <a:rPr sz="600" dirty="0">
+              <a:rPr sz="1000" dirty="0">
                 <a:latin typeface="Courier"/>
               </a:rPr>
               <a:t> </a:t>
             </a:r>
             <a:r>
-              <a:rPr sz="600" i="1" dirty="0">
+              <a:rPr sz="1000" i="1" dirty="0">
                 <a:solidFill>
                   <a:srgbClr val="60A0B0"/>
                 </a:solidFill>
@@ -18291,16 +17502,16 @@
               <a:t>#Fills colors for both flyer status values</a:t>
             </a:r>
             <a:br>
-              <a:rPr sz="600" dirty="0"/>
+              <a:rPr sz="1000" dirty="0"/>
             </a:br>
             <a:r>
-              <a:rPr sz="600" dirty="0">
+              <a:rPr sz="1000" dirty="0">
                 <a:latin typeface="Courier"/>
               </a:rPr>
               <a:t>  </a:t>
             </a:r>
             <a:r>
-              <a:rPr sz="600" dirty="0">
+              <a:rPr sz="1000" dirty="0">
                 <a:solidFill>
                   <a:srgbClr val="06287E"/>
                 </a:solidFill>
@@ -18309,13 +17520,13 @@
               <a:t>labs</a:t>
             </a:r>
             <a:r>
-              <a:rPr sz="600" dirty="0">
+              <a:rPr sz="1000" dirty="0">
                 <a:latin typeface="Courier"/>
               </a:rPr>
               <a:t>(</a:t>
             </a:r>
             <a:r>
-              <a:rPr sz="600" dirty="0">
+              <a:rPr sz="1000" dirty="0">
                 <a:solidFill>
                   <a:srgbClr val="7D9029"/>
                 </a:solidFill>
@@ -18324,13 +17535,13 @@
               <a:t>title =</a:t>
             </a:r>
             <a:r>
-              <a:rPr sz="600" dirty="0">
+              <a:rPr sz="1000" dirty="0">
                 <a:latin typeface="Courier"/>
               </a:rPr>
               <a:t> </a:t>
             </a:r>
             <a:r>
-              <a:rPr sz="600" dirty="0">
+              <a:rPr sz="1000" dirty="0">
                 <a:solidFill>
                   <a:srgbClr val="4070A0"/>
                 </a:solidFill>
@@ -18339,13 +17550,13 @@
               <a:t>"Distribution of Frequent Flyer Status by Age"</a:t>
             </a:r>
             <a:r>
-              <a:rPr sz="600" dirty="0">
+              <a:rPr sz="1000" dirty="0">
                 <a:latin typeface="Courier"/>
               </a:rPr>
               <a:t>, </a:t>
             </a:r>
             <a:r>
-              <a:rPr sz="600" dirty="0">
+              <a:rPr sz="1000" dirty="0">
                 <a:solidFill>
                   <a:srgbClr val="7D9029"/>
                 </a:solidFill>
@@ -18354,13 +17565,13 @@
               <a:t>x =</a:t>
             </a:r>
             <a:r>
-              <a:rPr sz="600" dirty="0">
+              <a:rPr sz="1000" dirty="0">
                 <a:latin typeface="Courier"/>
               </a:rPr>
               <a:t> </a:t>
             </a:r>
             <a:r>
-              <a:rPr sz="600" dirty="0">
+              <a:rPr sz="1000" dirty="0">
                 <a:solidFill>
                   <a:srgbClr val="4070A0"/>
                 </a:solidFill>
@@ -18369,13 +17580,13 @@
               <a:t>"Age"</a:t>
             </a:r>
             <a:r>
-              <a:rPr sz="600" dirty="0">
+              <a:rPr sz="1000" dirty="0">
                 <a:latin typeface="Courier"/>
               </a:rPr>
               <a:t>, </a:t>
             </a:r>
             <a:r>
-              <a:rPr sz="600" dirty="0">
+              <a:rPr sz="1000" dirty="0">
                 <a:solidFill>
                   <a:srgbClr val="7D9029"/>
                 </a:solidFill>
@@ -18384,13 +17595,13 @@
               <a:t>y =</a:t>
             </a:r>
             <a:r>
-              <a:rPr sz="600" dirty="0">
+              <a:rPr sz="1000" dirty="0">
                 <a:latin typeface="Courier"/>
               </a:rPr>
               <a:t> </a:t>
             </a:r>
             <a:r>
-              <a:rPr sz="600" dirty="0">
+              <a:rPr sz="1000" dirty="0">
                 <a:solidFill>
                   <a:srgbClr val="4070A0"/>
                 </a:solidFill>
@@ -18399,13 +17610,13 @@
               <a:t>"Count"</a:t>
             </a:r>
             <a:r>
-              <a:rPr sz="600" dirty="0">
+              <a:rPr sz="1000" dirty="0">
                 <a:latin typeface="Courier"/>
               </a:rPr>
               <a:t>) </a:t>
             </a:r>
             <a:r>
-              <a:rPr sz="600" dirty="0">
+              <a:rPr sz="1000" dirty="0">
                 <a:solidFill>
                   <a:srgbClr val="4070A0"/>
                 </a:solidFill>
@@ -18414,16 +17625,16 @@
               <a:t>+</a:t>
             </a:r>
             <a:br>
-              <a:rPr sz="600" dirty="0"/>
+              <a:rPr sz="1000" dirty="0"/>
             </a:br>
             <a:r>
-              <a:rPr sz="600" dirty="0">
+              <a:rPr sz="1000" dirty="0">
                 <a:latin typeface="Courier"/>
               </a:rPr>
               <a:t>  </a:t>
             </a:r>
             <a:r>
-              <a:rPr sz="600" dirty="0" err="1">
+              <a:rPr sz="1000" dirty="0" err="1">
                 <a:solidFill>
                   <a:srgbClr val="06287E"/>
                 </a:solidFill>
@@ -18432,13 +17643,13 @@
               <a:t>scale_x_continuous</a:t>
             </a:r>
             <a:r>
-              <a:rPr sz="600" dirty="0">
+              <a:rPr sz="1000" dirty="0">
                 <a:latin typeface="Courier"/>
               </a:rPr>
               <a:t>(</a:t>
             </a:r>
             <a:r>
-              <a:rPr sz="600" dirty="0">
+              <a:rPr sz="1000" dirty="0">
                 <a:solidFill>
                   <a:srgbClr val="7D9029"/>
                 </a:solidFill>
@@ -18447,13 +17658,13 @@
               <a:t>breaks =</a:t>
             </a:r>
             <a:r>
-              <a:rPr sz="600" dirty="0">
+              <a:rPr sz="1000" dirty="0">
                 <a:latin typeface="Courier"/>
               </a:rPr>
               <a:t> </a:t>
             </a:r>
             <a:r>
-              <a:rPr sz="600" dirty="0">
+              <a:rPr sz="1000" dirty="0">
                 <a:solidFill>
                   <a:srgbClr val="06287E"/>
                 </a:solidFill>
@@ -18462,13 +17673,13 @@
               <a:t>seq</a:t>
             </a:r>
             <a:r>
-              <a:rPr sz="600" dirty="0">
+              <a:rPr sz="1000" dirty="0">
                 <a:latin typeface="Courier"/>
               </a:rPr>
               <a:t>(</a:t>
             </a:r>
             <a:r>
-              <a:rPr sz="600" dirty="0">
+              <a:rPr sz="1000" dirty="0">
                 <a:solidFill>
                   <a:srgbClr val="40A070"/>
                 </a:solidFill>
@@ -18477,13 +17688,13 @@
               <a:t>25</a:t>
             </a:r>
             <a:r>
-              <a:rPr sz="600" dirty="0">
+              <a:rPr sz="1000" dirty="0">
                 <a:latin typeface="Courier"/>
               </a:rPr>
               <a:t>, </a:t>
             </a:r>
             <a:r>
-              <a:rPr sz="600" dirty="0">
+              <a:rPr sz="1000" dirty="0">
                 <a:solidFill>
                   <a:srgbClr val="40A070"/>
                 </a:solidFill>
@@ -18492,13 +17703,13 @@
               <a:t>35</a:t>
             </a:r>
             <a:r>
-              <a:rPr sz="600" dirty="0">
+              <a:rPr sz="1000" dirty="0">
                 <a:latin typeface="Courier"/>
               </a:rPr>
               <a:t>, </a:t>
             </a:r>
             <a:r>
-              <a:rPr sz="600" dirty="0">
+              <a:rPr sz="1000" dirty="0">
                 <a:solidFill>
                   <a:srgbClr val="40A070"/>
                 </a:solidFill>
@@ -18507,13 +17718,13 @@
               <a:t>1</a:t>
             </a:r>
             <a:r>
-              <a:rPr sz="600" dirty="0">
+              <a:rPr sz="1000" dirty="0">
                 <a:latin typeface="Courier"/>
               </a:rPr>
               <a:t>))  </a:t>
             </a:r>
             <a:r>
-              <a:rPr sz="600" i="1" dirty="0">
+              <a:rPr sz="1000" i="1" dirty="0">
                 <a:solidFill>
                   <a:srgbClr val="60A0B0"/>
                 </a:solidFill>
@@ -18621,7 +17832,7 @@
         <p:spPr/>
         <p:txBody>
           <a:bodyPr>
-            <a:normAutofit fontScale="92500" lnSpcReduction="20000"/>
+            <a:normAutofit fontScale="92500" lnSpcReduction="10000"/>
           </a:bodyPr>
           <a:lstStyle/>
           <a:p>
@@ -18658,7 +17869,7 @@
               <a:buNone/>
             </a:pPr>
             <a:r>
-              <a:rPr dirty="0" err="1">
+              <a:rPr sz="900" dirty="0" err="1">
                 <a:solidFill>
                   <a:srgbClr val="06287E"/>
                 </a:solidFill>
@@ -18667,13 +17878,13 @@
               <a:t>ggplot</a:t>
             </a:r>
             <a:r>
-              <a:rPr dirty="0">
+              <a:rPr sz="900" dirty="0">
                 <a:latin typeface="Courier"/>
               </a:rPr>
               <a:t>(data, </a:t>
             </a:r>
             <a:r>
-              <a:rPr dirty="0" err="1">
+              <a:rPr sz="900" dirty="0" err="1">
                 <a:solidFill>
                   <a:srgbClr val="06287E"/>
                 </a:solidFill>
@@ -18682,13 +17893,13 @@
               <a:t>aes</a:t>
             </a:r>
             <a:r>
-              <a:rPr dirty="0">
+              <a:rPr sz="900" dirty="0">
                 <a:latin typeface="Courier"/>
               </a:rPr>
               <a:t>(</a:t>
             </a:r>
             <a:r>
-              <a:rPr dirty="0">
+              <a:rPr sz="900" dirty="0">
                 <a:solidFill>
                   <a:srgbClr val="7D9029"/>
                 </a:solidFill>
@@ -18697,25 +17908,25 @@
               <a:t>x =</a:t>
             </a:r>
             <a:r>
-              <a:rPr dirty="0">
+              <a:rPr sz="900" dirty="0">
                 <a:latin typeface="Courier"/>
               </a:rPr>
               <a:t> </a:t>
             </a:r>
             <a:r>
-              <a:rPr dirty="0" err="1">
+              <a:rPr sz="900" dirty="0" err="1">
                 <a:latin typeface="Courier"/>
               </a:rPr>
               <a:t>Employment.Type</a:t>
             </a:r>
             <a:r>
-              <a:rPr dirty="0">
+              <a:rPr sz="900" dirty="0">
                 <a:latin typeface="Courier"/>
               </a:rPr>
               <a:t>, </a:t>
             </a:r>
             <a:r>
-              <a:rPr dirty="0">
+              <a:rPr sz="900" dirty="0">
                 <a:solidFill>
                   <a:srgbClr val="7D9029"/>
                 </a:solidFill>
@@ -18724,25 +17935,25 @@
               <a:t>y =</a:t>
             </a:r>
             <a:r>
-              <a:rPr dirty="0">
+              <a:rPr sz="900" dirty="0">
                 <a:latin typeface="Courier"/>
               </a:rPr>
               <a:t> </a:t>
             </a:r>
             <a:r>
-              <a:rPr dirty="0" err="1">
+              <a:rPr sz="900" dirty="0" err="1">
                 <a:latin typeface="Courier"/>
               </a:rPr>
               <a:t>AnnualIncomeUSD</a:t>
             </a:r>
             <a:r>
-              <a:rPr dirty="0">
+              <a:rPr sz="900" dirty="0">
                 <a:latin typeface="Courier"/>
               </a:rPr>
               <a:t>, </a:t>
             </a:r>
             <a:r>
-              <a:rPr dirty="0">
+              <a:rPr sz="900" dirty="0">
                 <a:solidFill>
                   <a:srgbClr val="7D9029"/>
                 </a:solidFill>
@@ -18751,31 +17962,697 @@
               <a:t>fill =</a:t>
             </a:r>
             <a:r>
-              <a:rPr dirty="0">
+              <a:rPr sz="900" dirty="0">
                 <a:latin typeface="Courier"/>
               </a:rPr>
               <a:t> </a:t>
             </a:r>
             <a:r>
-              <a:rPr dirty="0" err="1">
+              <a:rPr sz="900" dirty="0" err="1">
                 <a:latin typeface="Courier"/>
               </a:rPr>
               <a:t>Employment.Type</a:t>
             </a:r>
             <a:r>
-              <a:rPr dirty="0">
+              <a:rPr sz="900" dirty="0">
                 <a:latin typeface="Courier"/>
               </a:rPr>
               <a:t>)) </a:t>
             </a:r>
             <a:r>
-              <a:rPr dirty="0">
+              <a:rPr sz="900" dirty="0">
                 <a:solidFill>
                   <a:srgbClr val="4070A0"/>
                 </a:solidFill>
                 <a:latin typeface="Courier"/>
               </a:rPr>
               <a:t>+</a:t>
+            </a:r>
+            <a:br>
+              <a:rPr sz="900" dirty="0"/>
+            </a:br>
+            <a:r>
+              <a:rPr sz="900" dirty="0">
+                <a:latin typeface="Courier"/>
+              </a:rPr>
+              <a:t>  </a:t>
+            </a:r>
+            <a:r>
+              <a:rPr sz="900" dirty="0" err="1">
+                <a:solidFill>
+                  <a:srgbClr val="06287E"/>
+                </a:solidFill>
+                <a:latin typeface="Courier"/>
+              </a:rPr>
+              <a:t>geom_boxplot</a:t>
+            </a:r>
+            <a:r>
+              <a:rPr sz="900" dirty="0">
+                <a:latin typeface="Courier"/>
+              </a:rPr>
+              <a:t>() </a:t>
+            </a:r>
+            <a:r>
+              <a:rPr sz="900" dirty="0">
+                <a:solidFill>
+                  <a:srgbClr val="4070A0"/>
+                </a:solidFill>
+                <a:latin typeface="Courier"/>
+              </a:rPr>
+              <a:t>+</a:t>
+            </a:r>
+            <a:br>
+              <a:rPr sz="900" dirty="0"/>
+            </a:br>
+            <a:r>
+              <a:rPr sz="900" dirty="0">
+                <a:latin typeface="Courier"/>
+              </a:rPr>
+              <a:t>  </a:t>
+            </a:r>
+            <a:r>
+              <a:rPr sz="900" dirty="0">
+                <a:solidFill>
+                  <a:srgbClr val="06287E"/>
+                </a:solidFill>
+                <a:latin typeface="Courier"/>
+              </a:rPr>
+              <a:t>labs</a:t>
+            </a:r>
+            <a:r>
+              <a:rPr sz="900" dirty="0">
+                <a:latin typeface="Courier"/>
+              </a:rPr>
+              <a:t>(</a:t>
+            </a:r>
+            <a:r>
+              <a:rPr sz="900" dirty="0">
+                <a:solidFill>
+                  <a:srgbClr val="7D9029"/>
+                </a:solidFill>
+                <a:latin typeface="Courier"/>
+              </a:rPr>
+              <a:t>title =</a:t>
+            </a:r>
+            <a:r>
+              <a:rPr sz="900" dirty="0">
+                <a:latin typeface="Courier"/>
+              </a:rPr>
+              <a:t> </a:t>
+            </a:r>
+            <a:r>
+              <a:rPr sz="900" dirty="0">
+                <a:solidFill>
+                  <a:srgbClr val="4070A0"/>
+                </a:solidFill>
+                <a:latin typeface="Courier"/>
+              </a:rPr>
+              <a:t>"Box Plot of Annual Income by Employment Type"</a:t>
+            </a:r>
+            <a:r>
+              <a:rPr sz="900" dirty="0">
+                <a:latin typeface="Courier"/>
+              </a:rPr>
+              <a:t>, </a:t>
+            </a:r>
+            <a:r>
+              <a:rPr sz="900" dirty="0">
+                <a:solidFill>
+                  <a:srgbClr val="7D9029"/>
+                </a:solidFill>
+                <a:latin typeface="Courier"/>
+              </a:rPr>
+              <a:t>x =</a:t>
+            </a:r>
+            <a:r>
+              <a:rPr sz="900" dirty="0">
+                <a:latin typeface="Courier"/>
+              </a:rPr>
+              <a:t> </a:t>
+            </a:r>
+            <a:r>
+              <a:rPr sz="900" dirty="0">
+                <a:solidFill>
+                  <a:srgbClr val="4070A0"/>
+                </a:solidFill>
+                <a:latin typeface="Courier"/>
+              </a:rPr>
+              <a:t>"Employment Type"</a:t>
+            </a:r>
+            <a:r>
+              <a:rPr sz="900" dirty="0">
+                <a:latin typeface="Courier"/>
+              </a:rPr>
+              <a:t>, </a:t>
+            </a:r>
+            <a:r>
+              <a:rPr sz="900" dirty="0">
+                <a:solidFill>
+                  <a:srgbClr val="7D9029"/>
+                </a:solidFill>
+                <a:latin typeface="Courier"/>
+              </a:rPr>
+              <a:t>y =</a:t>
+            </a:r>
+            <a:r>
+              <a:rPr sz="900" dirty="0">
+                <a:latin typeface="Courier"/>
+              </a:rPr>
+              <a:t> </a:t>
+            </a:r>
+            <a:r>
+              <a:rPr sz="900" dirty="0">
+                <a:solidFill>
+                  <a:srgbClr val="4070A0"/>
+                </a:solidFill>
+                <a:latin typeface="Courier"/>
+              </a:rPr>
+              <a:t>"Annual Income"</a:t>
+            </a:r>
+            <a:r>
+              <a:rPr sz="900" dirty="0">
+                <a:latin typeface="Courier"/>
+              </a:rPr>
+              <a:t>) </a:t>
+            </a:r>
+            <a:r>
+              <a:rPr sz="900" dirty="0">
+                <a:solidFill>
+                  <a:srgbClr val="4070A0"/>
+                </a:solidFill>
+                <a:latin typeface="Courier"/>
+              </a:rPr>
+              <a:t>+</a:t>
+            </a:r>
+            <a:r>
+              <a:rPr sz="900" dirty="0">
+                <a:latin typeface="Courier"/>
+              </a:rPr>
+              <a:t> </a:t>
+            </a:r>
+            <a:r>
+              <a:rPr sz="900" i="1" dirty="0">
+                <a:solidFill>
+                  <a:srgbClr val="60A0B0"/>
+                </a:solidFill>
+                <a:latin typeface="Courier"/>
+              </a:rPr>
+              <a:t># Sets the title and label for </a:t>
+            </a:r>
+            <a:r>
+              <a:rPr sz="900" i="1" dirty="0" err="1">
+                <a:solidFill>
+                  <a:srgbClr val="60A0B0"/>
+                </a:solidFill>
+                <a:latin typeface="Courier"/>
+              </a:rPr>
+              <a:t>x,y</a:t>
+            </a:r>
+            <a:r>
+              <a:rPr sz="900" i="1" dirty="0">
+                <a:solidFill>
+                  <a:srgbClr val="60A0B0"/>
+                </a:solidFill>
+                <a:latin typeface="Courier"/>
+              </a:rPr>
+              <a:t> axis</a:t>
+            </a:r>
+            <a:br>
+              <a:rPr sz="900" dirty="0"/>
+            </a:br>
+            <a:r>
+              <a:rPr sz="900" dirty="0">
+                <a:latin typeface="Courier"/>
+              </a:rPr>
+              <a:t>    </a:t>
+            </a:r>
+            <a:r>
+              <a:rPr sz="900" dirty="0" err="1">
+                <a:solidFill>
+                  <a:srgbClr val="06287E"/>
+                </a:solidFill>
+                <a:latin typeface="Courier"/>
+              </a:rPr>
+              <a:t>scale_y_continuous</a:t>
+            </a:r>
+            <a:r>
+              <a:rPr sz="900" dirty="0">
+                <a:latin typeface="Courier"/>
+              </a:rPr>
+              <a:t>(</a:t>
+            </a:r>
+            <a:r>
+              <a:rPr sz="900" dirty="0">
+                <a:solidFill>
+                  <a:srgbClr val="7D9029"/>
+                </a:solidFill>
+                <a:latin typeface="Courier"/>
+              </a:rPr>
+              <a:t>labels =</a:t>
+            </a:r>
+            <a:r>
+              <a:rPr sz="900" dirty="0">
+                <a:latin typeface="Courier"/>
+              </a:rPr>
+              <a:t> scales</a:t>
+            </a:r>
+            <a:r>
+              <a:rPr sz="900" dirty="0">
+                <a:solidFill>
+                  <a:srgbClr val="4070A0"/>
+                </a:solidFill>
+                <a:latin typeface="Courier"/>
+              </a:rPr>
+              <a:t>::</a:t>
+            </a:r>
+            <a:r>
+              <a:rPr sz="900" dirty="0" err="1">
+                <a:solidFill>
+                  <a:srgbClr val="06287E"/>
+                </a:solidFill>
+                <a:latin typeface="Courier"/>
+              </a:rPr>
+              <a:t>dollar_format</a:t>
+            </a:r>
+            <a:r>
+              <a:rPr sz="900" dirty="0">
+                <a:latin typeface="Courier"/>
+              </a:rPr>
+              <a:t>(), </a:t>
+            </a:r>
+            <a:r>
+              <a:rPr sz="900" dirty="0">
+                <a:solidFill>
+                  <a:srgbClr val="7D9029"/>
+                </a:solidFill>
+                <a:latin typeface="Courier"/>
+              </a:rPr>
+              <a:t>breaks =</a:t>
+            </a:r>
+            <a:r>
+              <a:rPr sz="900" dirty="0">
+                <a:latin typeface="Courier"/>
+              </a:rPr>
+              <a:t> </a:t>
+            </a:r>
+            <a:r>
+              <a:rPr sz="900" dirty="0">
+                <a:solidFill>
+                  <a:srgbClr val="06287E"/>
+                </a:solidFill>
+                <a:latin typeface="Courier"/>
+              </a:rPr>
+              <a:t>seq</a:t>
+            </a:r>
+            <a:r>
+              <a:rPr sz="900" dirty="0">
+                <a:latin typeface="Courier"/>
+              </a:rPr>
+              <a:t>(</a:t>
+            </a:r>
+            <a:r>
+              <a:rPr sz="900" dirty="0">
+                <a:solidFill>
+                  <a:srgbClr val="7D9029"/>
+                </a:solidFill>
+                <a:latin typeface="Courier"/>
+              </a:rPr>
+              <a:t>from =</a:t>
+            </a:r>
+            <a:r>
+              <a:rPr sz="900" dirty="0">
+                <a:latin typeface="Courier"/>
+              </a:rPr>
+              <a:t> </a:t>
+            </a:r>
+            <a:r>
+              <a:rPr sz="900" dirty="0">
+                <a:solidFill>
+                  <a:srgbClr val="06287E"/>
+                </a:solidFill>
+                <a:latin typeface="Courier"/>
+              </a:rPr>
+              <a:t>min</a:t>
+            </a:r>
+            <a:r>
+              <a:rPr sz="900" dirty="0">
+                <a:latin typeface="Courier"/>
+              </a:rPr>
+              <a:t>(</a:t>
+            </a:r>
+            <a:r>
+              <a:rPr sz="900" dirty="0" err="1">
+                <a:latin typeface="Courier"/>
+              </a:rPr>
+              <a:t>data</a:t>
+            </a:r>
+            <a:r>
+              <a:rPr sz="900" dirty="0" err="1">
+                <a:solidFill>
+                  <a:srgbClr val="4070A0"/>
+                </a:solidFill>
+                <a:latin typeface="Courier"/>
+              </a:rPr>
+              <a:t>$</a:t>
+            </a:r>
+            <a:r>
+              <a:rPr sz="900" dirty="0" err="1">
+                <a:latin typeface="Courier"/>
+              </a:rPr>
+              <a:t>AnnualIncomeUSD</a:t>
+            </a:r>
+            <a:r>
+              <a:rPr sz="900" dirty="0">
+                <a:latin typeface="Courier"/>
+              </a:rPr>
+              <a:t>), </a:t>
+            </a:r>
+            <a:r>
+              <a:rPr sz="900" dirty="0">
+                <a:solidFill>
+                  <a:srgbClr val="7D9029"/>
+                </a:solidFill>
+                <a:latin typeface="Courier"/>
+              </a:rPr>
+              <a:t>to =</a:t>
+            </a:r>
+            <a:r>
+              <a:rPr sz="900" dirty="0">
+                <a:latin typeface="Courier"/>
+              </a:rPr>
+              <a:t> </a:t>
+            </a:r>
+            <a:r>
+              <a:rPr sz="900" dirty="0">
+                <a:solidFill>
+                  <a:srgbClr val="06287E"/>
+                </a:solidFill>
+                <a:latin typeface="Courier"/>
+              </a:rPr>
+              <a:t>max</a:t>
+            </a:r>
+            <a:r>
+              <a:rPr sz="900" dirty="0">
+                <a:latin typeface="Courier"/>
+              </a:rPr>
+              <a:t>(</a:t>
+            </a:r>
+            <a:r>
+              <a:rPr sz="900" dirty="0" err="1">
+                <a:latin typeface="Courier"/>
+              </a:rPr>
+              <a:t>data</a:t>
+            </a:r>
+            <a:r>
+              <a:rPr sz="900" dirty="0" err="1">
+                <a:solidFill>
+                  <a:srgbClr val="4070A0"/>
+                </a:solidFill>
+                <a:latin typeface="Courier"/>
+              </a:rPr>
+              <a:t>$</a:t>
+            </a:r>
+            <a:r>
+              <a:rPr sz="900" dirty="0" err="1">
+                <a:latin typeface="Courier"/>
+              </a:rPr>
+              <a:t>AnnualIncomeUSD</a:t>
+            </a:r>
+            <a:r>
+              <a:rPr sz="900" dirty="0">
+                <a:latin typeface="Courier"/>
+              </a:rPr>
+              <a:t>), </a:t>
+            </a:r>
+            <a:r>
+              <a:rPr sz="900" dirty="0">
+                <a:solidFill>
+                  <a:srgbClr val="7D9029"/>
+                </a:solidFill>
+                <a:latin typeface="Courier"/>
+              </a:rPr>
+              <a:t>by =</a:t>
+            </a:r>
+            <a:r>
+              <a:rPr sz="900" dirty="0">
+                <a:latin typeface="Courier"/>
+              </a:rPr>
+              <a:t> </a:t>
+            </a:r>
+            <a:r>
+              <a:rPr sz="900" dirty="0">
+                <a:solidFill>
+                  <a:srgbClr val="40A070"/>
+                </a:solidFill>
+                <a:latin typeface="Courier"/>
+              </a:rPr>
+              <a:t>2000</a:t>
+            </a:r>
+            <a:r>
+              <a:rPr sz="900" dirty="0">
+                <a:latin typeface="Courier"/>
+              </a:rPr>
+              <a:t>)) </a:t>
+            </a:r>
+            <a:r>
+              <a:rPr sz="900" dirty="0">
+                <a:solidFill>
+                  <a:srgbClr val="4070A0"/>
+                </a:solidFill>
+                <a:latin typeface="Courier"/>
+              </a:rPr>
+              <a:t>+</a:t>
+            </a:r>
+            <a:r>
+              <a:rPr sz="900" dirty="0">
+                <a:latin typeface="Courier"/>
+              </a:rPr>
+              <a:t>  </a:t>
+            </a:r>
+            <a:r>
+              <a:rPr sz="900" i="1" dirty="0">
+                <a:solidFill>
+                  <a:srgbClr val="60A0B0"/>
+                </a:solidFill>
+                <a:latin typeface="Courier"/>
+              </a:rPr>
+              <a:t># Formats the y-axis labels as dollars and sets breaks</a:t>
+            </a:r>
+            <a:br>
+              <a:rPr sz="900" dirty="0"/>
+            </a:br>
+            <a:r>
+              <a:rPr sz="900" dirty="0">
+                <a:latin typeface="Courier"/>
+              </a:rPr>
+              <a:t>  </a:t>
+            </a:r>
+            <a:r>
+              <a:rPr sz="900" dirty="0" err="1">
+                <a:solidFill>
+                  <a:srgbClr val="06287E"/>
+                </a:solidFill>
+                <a:latin typeface="Courier"/>
+              </a:rPr>
+              <a:t>theme_light</a:t>
+            </a:r>
+            <a:r>
+              <a:rPr sz="900" dirty="0">
+                <a:latin typeface="Courier"/>
+              </a:rPr>
+              <a:t>() </a:t>
+            </a:r>
+            <a:r>
+              <a:rPr sz="900" dirty="0">
+                <a:solidFill>
+                  <a:srgbClr val="4070A0"/>
+                </a:solidFill>
+                <a:latin typeface="Courier"/>
+              </a:rPr>
+              <a:t>+</a:t>
+            </a:r>
+            <a:r>
+              <a:rPr sz="900" dirty="0">
+                <a:latin typeface="Courier"/>
+              </a:rPr>
+              <a:t>  </a:t>
+            </a:r>
+            <a:br>
+              <a:rPr sz="900" dirty="0"/>
+            </a:br>
+            <a:r>
+              <a:rPr sz="900" dirty="0">
+                <a:latin typeface="Courier"/>
+              </a:rPr>
+              <a:t>  </a:t>
+            </a:r>
+            <a:r>
+              <a:rPr sz="900" dirty="0">
+                <a:solidFill>
+                  <a:srgbClr val="06287E"/>
+                </a:solidFill>
+                <a:latin typeface="Courier"/>
+              </a:rPr>
+              <a:t>theme</a:t>
+            </a:r>
+            <a:r>
+              <a:rPr sz="900" dirty="0">
+                <a:latin typeface="Courier"/>
+              </a:rPr>
+              <a:t>( </a:t>
+            </a:r>
+            <a:br>
+              <a:rPr sz="900" dirty="0"/>
+            </a:br>
+            <a:r>
+              <a:rPr sz="900" dirty="0">
+                <a:latin typeface="Courier"/>
+              </a:rPr>
+              <a:t>        </a:t>
+            </a:r>
+            <a:r>
+              <a:rPr sz="900" dirty="0" err="1">
+                <a:solidFill>
+                  <a:srgbClr val="7D9029"/>
+                </a:solidFill>
+                <a:latin typeface="Courier"/>
+              </a:rPr>
+              <a:t>legend.position</a:t>
+            </a:r>
+            <a:r>
+              <a:rPr sz="900" dirty="0">
+                <a:solidFill>
+                  <a:srgbClr val="7D9029"/>
+                </a:solidFill>
+                <a:latin typeface="Courier"/>
+              </a:rPr>
+              <a:t> =</a:t>
+            </a:r>
+            <a:r>
+              <a:rPr sz="900" dirty="0">
+                <a:latin typeface="Courier"/>
+              </a:rPr>
+              <a:t> </a:t>
+            </a:r>
+            <a:r>
+              <a:rPr sz="900" dirty="0">
+                <a:solidFill>
+                  <a:srgbClr val="4070A0"/>
+                </a:solidFill>
+                <a:latin typeface="Courier"/>
+              </a:rPr>
+              <a:t>"none"</a:t>
+            </a:r>
+            <a:r>
+              <a:rPr sz="900" dirty="0">
+                <a:latin typeface="Courier"/>
+              </a:rPr>
+              <a:t>,  </a:t>
+            </a:r>
+            <a:r>
+              <a:rPr sz="900" i="1" dirty="0">
+                <a:solidFill>
+                  <a:srgbClr val="60A0B0"/>
+                </a:solidFill>
+                <a:latin typeface="Courier"/>
+              </a:rPr>
+              <a:t># Hides the legend </a:t>
+            </a:r>
+            <a:br>
+              <a:rPr sz="900" dirty="0"/>
+            </a:br>
+            <a:r>
+              <a:rPr sz="900" dirty="0">
+                <a:latin typeface="Courier"/>
+              </a:rPr>
+              <a:t>        </a:t>
+            </a:r>
+            <a:r>
+              <a:rPr sz="900" dirty="0" err="1">
+                <a:solidFill>
+                  <a:srgbClr val="7D9029"/>
+                </a:solidFill>
+                <a:latin typeface="Courier"/>
+              </a:rPr>
+              <a:t>plot.title</a:t>
+            </a:r>
+            <a:r>
+              <a:rPr sz="900" dirty="0">
+                <a:solidFill>
+                  <a:srgbClr val="7D9029"/>
+                </a:solidFill>
+                <a:latin typeface="Courier"/>
+              </a:rPr>
+              <a:t> =</a:t>
+            </a:r>
+            <a:r>
+              <a:rPr sz="900" dirty="0">
+                <a:latin typeface="Courier"/>
+              </a:rPr>
+              <a:t> </a:t>
+            </a:r>
+            <a:r>
+              <a:rPr sz="900" dirty="0" err="1">
+                <a:solidFill>
+                  <a:srgbClr val="06287E"/>
+                </a:solidFill>
+                <a:latin typeface="Courier"/>
+              </a:rPr>
+              <a:t>element_text</a:t>
+            </a:r>
+            <a:r>
+              <a:rPr sz="900" dirty="0">
+                <a:latin typeface="Courier"/>
+              </a:rPr>
+              <a:t>(</a:t>
+            </a:r>
+            <a:r>
+              <a:rPr sz="900" dirty="0" err="1">
+                <a:solidFill>
+                  <a:srgbClr val="7D9029"/>
+                </a:solidFill>
+                <a:latin typeface="Courier"/>
+              </a:rPr>
+              <a:t>hjust</a:t>
+            </a:r>
+            <a:r>
+              <a:rPr sz="900" dirty="0">
+                <a:solidFill>
+                  <a:srgbClr val="7D9029"/>
+                </a:solidFill>
+                <a:latin typeface="Courier"/>
+              </a:rPr>
+              <a:t> =</a:t>
+            </a:r>
+            <a:r>
+              <a:rPr sz="900" dirty="0">
+                <a:latin typeface="Courier"/>
+              </a:rPr>
+              <a:t> </a:t>
+            </a:r>
+            <a:r>
+              <a:rPr sz="900" dirty="0">
+                <a:solidFill>
+                  <a:srgbClr val="40A070"/>
+                </a:solidFill>
+                <a:latin typeface="Courier"/>
+              </a:rPr>
+              <a:t>0.5</a:t>
+            </a:r>
+            <a:r>
+              <a:rPr sz="900" dirty="0">
+                <a:latin typeface="Courier"/>
+              </a:rPr>
+              <a:t>),  </a:t>
+            </a:r>
+            <a:r>
+              <a:rPr sz="900" i="1" dirty="0">
+                <a:solidFill>
+                  <a:srgbClr val="60A0B0"/>
+                </a:solidFill>
+                <a:latin typeface="Courier"/>
+              </a:rPr>
+              <a:t># Center the plot title</a:t>
             </a:r>
             <a:br>
               <a:rPr dirty="0"/>
@@ -18784,677 +18661,8 @@
               <a:rPr dirty="0">
                 <a:latin typeface="Courier"/>
               </a:rPr>
-              <a:t>  </a:t>
-            </a:r>
-            <a:r>
-              <a:rPr sz="1000" dirty="0" err="1">
-                <a:solidFill>
-                  <a:srgbClr val="06287E"/>
-                </a:solidFill>
-                <a:latin typeface="Courier"/>
-              </a:rPr>
-              <a:t>geom_boxplot</a:t>
-            </a:r>
-            <a:r>
-              <a:rPr sz="1000" dirty="0">
-                <a:latin typeface="Courier"/>
-              </a:rPr>
-              <a:t>() </a:t>
-            </a:r>
-            <a:r>
-              <a:rPr sz="1000" dirty="0">
-                <a:solidFill>
-                  <a:srgbClr val="4070A0"/>
-                </a:solidFill>
-                <a:latin typeface="Courier"/>
-              </a:rPr>
-              <a:t>+</a:t>
-            </a:r>
-            <a:br>
-              <a:rPr sz="1000" dirty="0"/>
-            </a:br>
-            <a:r>
-              <a:rPr sz="1000" dirty="0">
-                <a:latin typeface="Courier"/>
-              </a:rPr>
-              <a:t>  </a:t>
-            </a:r>
-            <a:r>
-              <a:rPr sz="1000" dirty="0">
-                <a:solidFill>
-                  <a:srgbClr val="06287E"/>
-                </a:solidFill>
-                <a:latin typeface="Courier"/>
-              </a:rPr>
-              <a:t>labs</a:t>
-            </a:r>
-            <a:r>
-              <a:rPr sz="1000" dirty="0">
-                <a:latin typeface="Courier"/>
-              </a:rPr>
-              <a:t>(</a:t>
-            </a:r>
-            <a:r>
-              <a:rPr sz="1000" dirty="0">
-                <a:solidFill>
-                  <a:srgbClr val="7D9029"/>
-                </a:solidFill>
-                <a:latin typeface="Courier"/>
-              </a:rPr>
-              <a:t>title =</a:t>
-            </a:r>
-            <a:r>
-              <a:rPr sz="1000" dirty="0">
-                <a:latin typeface="Courier"/>
-              </a:rPr>
-              <a:t> </a:t>
-            </a:r>
-            <a:r>
-              <a:rPr sz="1000" dirty="0">
-                <a:solidFill>
-                  <a:srgbClr val="4070A0"/>
-                </a:solidFill>
-                <a:latin typeface="Courier"/>
-              </a:rPr>
-              <a:t>"Box Plot of Annual Income by Employment Type"</a:t>
-            </a:r>
-            <a:r>
-              <a:rPr sz="1000" dirty="0">
-                <a:latin typeface="Courier"/>
-              </a:rPr>
-              <a:t>, </a:t>
-            </a:r>
-            <a:r>
-              <a:rPr sz="1000" dirty="0">
-                <a:solidFill>
-                  <a:srgbClr val="7D9029"/>
-                </a:solidFill>
-                <a:latin typeface="Courier"/>
-              </a:rPr>
-              <a:t>x =</a:t>
-            </a:r>
-            <a:r>
-              <a:rPr sz="1000" dirty="0">
-                <a:latin typeface="Courier"/>
-              </a:rPr>
-              <a:t> </a:t>
-            </a:r>
-            <a:r>
-              <a:rPr sz="1000" dirty="0">
-                <a:solidFill>
-                  <a:srgbClr val="4070A0"/>
-                </a:solidFill>
-                <a:latin typeface="Courier"/>
-              </a:rPr>
-              <a:t>"Employment Type"</a:t>
-            </a:r>
-            <a:r>
-              <a:rPr sz="1000" dirty="0">
-                <a:latin typeface="Courier"/>
-              </a:rPr>
-              <a:t>, </a:t>
-            </a:r>
-            <a:r>
-              <a:rPr sz="1000" dirty="0">
-                <a:solidFill>
-                  <a:srgbClr val="7D9029"/>
-                </a:solidFill>
-                <a:latin typeface="Courier"/>
-              </a:rPr>
-              <a:t>y =</a:t>
-            </a:r>
-            <a:r>
-              <a:rPr sz="1000" dirty="0">
-                <a:latin typeface="Courier"/>
-              </a:rPr>
-              <a:t> </a:t>
-            </a:r>
-            <a:r>
-              <a:rPr sz="1000" dirty="0">
-                <a:solidFill>
-                  <a:srgbClr val="4070A0"/>
-                </a:solidFill>
-                <a:latin typeface="Courier"/>
-              </a:rPr>
-              <a:t>"Annual Income"</a:t>
-            </a:r>
-            <a:r>
-              <a:rPr sz="1000" dirty="0">
-                <a:latin typeface="Courier"/>
-              </a:rPr>
-              <a:t>) </a:t>
-            </a:r>
-            <a:r>
-              <a:rPr sz="1000" dirty="0">
-                <a:solidFill>
-                  <a:srgbClr val="4070A0"/>
-                </a:solidFill>
-                <a:latin typeface="Courier"/>
-              </a:rPr>
-              <a:t>+</a:t>
-            </a:r>
-            <a:r>
-              <a:rPr sz="1000" dirty="0">
-                <a:latin typeface="Courier"/>
-              </a:rPr>
-              <a:t> </a:t>
-            </a:r>
-            <a:r>
-              <a:rPr sz="1000" i="1" dirty="0">
-                <a:solidFill>
-                  <a:srgbClr val="60A0B0"/>
-                </a:solidFill>
-                <a:latin typeface="Courier"/>
-              </a:rPr>
-              <a:t># Sets the title and label for </a:t>
-            </a:r>
-            <a:r>
-              <a:rPr sz="1000" i="1" dirty="0" err="1">
-                <a:solidFill>
-                  <a:srgbClr val="60A0B0"/>
-                </a:solidFill>
-                <a:latin typeface="Courier"/>
-              </a:rPr>
-              <a:t>x,y</a:t>
-            </a:r>
-            <a:r>
-              <a:rPr sz="1000" i="1" dirty="0">
-                <a:solidFill>
-                  <a:srgbClr val="60A0B0"/>
-                </a:solidFill>
-                <a:latin typeface="Courier"/>
-              </a:rPr>
-              <a:t> axis</a:t>
-            </a:r>
-            <a:br>
-              <a:rPr sz="1000" dirty="0"/>
-            </a:br>
-            <a:r>
-              <a:rPr sz="1000" dirty="0">
-                <a:latin typeface="Courier"/>
-              </a:rPr>
-              <a:t>    </a:t>
-            </a:r>
-            <a:r>
-              <a:rPr sz="1000" dirty="0" err="1">
-                <a:solidFill>
-                  <a:srgbClr val="06287E"/>
-                </a:solidFill>
-                <a:latin typeface="Courier"/>
-              </a:rPr>
-              <a:t>scale_y_continuous</a:t>
-            </a:r>
-            <a:r>
-              <a:rPr sz="1000" dirty="0">
-                <a:latin typeface="Courier"/>
-              </a:rPr>
-              <a:t>(</a:t>
-            </a:r>
-            <a:r>
-              <a:rPr sz="1000" dirty="0">
-                <a:solidFill>
-                  <a:srgbClr val="7D9029"/>
-                </a:solidFill>
-                <a:latin typeface="Courier"/>
-              </a:rPr>
-              <a:t>labels =</a:t>
-            </a:r>
-            <a:r>
-              <a:rPr sz="1000" dirty="0">
-                <a:latin typeface="Courier"/>
-              </a:rPr>
-              <a:t> scales</a:t>
-            </a:r>
-            <a:r>
-              <a:rPr sz="1000" dirty="0">
-                <a:solidFill>
-                  <a:srgbClr val="4070A0"/>
-                </a:solidFill>
-                <a:latin typeface="Courier"/>
-              </a:rPr>
-              <a:t>::</a:t>
-            </a:r>
-            <a:r>
-              <a:rPr sz="1000" dirty="0" err="1">
-                <a:solidFill>
-                  <a:srgbClr val="06287E"/>
-                </a:solidFill>
-                <a:latin typeface="Courier"/>
-              </a:rPr>
-              <a:t>dollar_format</a:t>
-            </a:r>
-            <a:r>
-              <a:rPr sz="1000" dirty="0">
-                <a:latin typeface="Courier"/>
-              </a:rPr>
-              <a:t>(), </a:t>
-            </a:r>
-            <a:r>
-              <a:rPr sz="1000" dirty="0">
-                <a:solidFill>
-                  <a:srgbClr val="7D9029"/>
-                </a:solidFill>
-                <a:latin typeface="Courier"/>
-              </a:rPr>
-              <a:t>breaks =</a:t>
-            </a:r>
-            <a:r>
-              <a:rPr sz="1000" dirty="0">
-                <a:latin typeface="Courier"/>
-              </a:rPr>
-              <a:t> </a:t>
-            </a:r>
-            <a:r>
-              <a:rPr sz="1000" dirty="0">
-                <a:solidFill>
-                  <a:srgbClr val="06287E"/>
-                </a:solidFill>
-                <a:latin typeface="Courier"/>
-              </a:rPr>
-              <a:t>seq</a:t>
-            </a:r>
-            <a:r>
-              <a:rPr sz="1000" dirty="0">
-                <a:latin typeface="Courier"/>
-              </a:rPr>
-              <a:t>(</a:t>
-            </a:r>
-            <a:r>
-              <a:rPr sz="1000" dirty="0">
-                <a:solidFill>
-                  <a:srgbClr val="7D9029"/>
-                </a:solidFill>
-                <a:latin typeface="Courier"/>
-              </a:rPr>
-              <a:t>from =</a:t>
-            </a:r>
-            <a:r>
-              <a:rPr sz="1000" dirty="0">
-                <a:latin typeface="Courier"/>
-              </a:rPr>
-              <a:t> </a:t>
-            </a:r>
-            <a:r>
-              <a:rPr sz="1000" dirty="0">
-                <a:solidFill>
-                  <a:srgbClr val="06287E"/>
-                </a:solidFill>
-                <a:latin typeface="Courier"/>
-              </a:rPr>
-              <a:t>min</a:t>
-            </a:r>
-            <a:r>
-              <a:rPr sz="1000" dirty="0">
-                <a:latin typeface="Courier"/>
-              </a:rPr>
-              <a:t>(</a:t>
-            </a:r>
-            <a:r>
-              <a:rPr sz="1000" dirty="0" err="1">
-                <a:latin typeface="Courier"/>
-              </a:rPr>
-              <a:t>data</a:t>
-            </a:r>
-            <a:r>
-              <a:rPr sz="1000" dirty="0" err="1">
-                <a:solidFill>
-                  <a:srgbClr val="4070A0"/>
-                </a:solidFill>
-                <a:latin typeface="Courier"/>
-              </a:rPr>
-              <a:t>$</a:t>
-            </a:r>
-            <a:r>
-              <a:rPr sz="1000" dirty="0" err="1">
-                <a:latin typeface="Courier"/>
-              </a:rPr>
-              <a:t>AnnualIncomeUSD</a:t>
-            </a:r>
-            <a:r>
-              <a:rPr sz="1000" dirty="0">
-                <a:latin typeface="Courier"/>
-              </a:rPr>
-              <a:t>), </a:t>
-            </a:r>
-            <a:r>
-              <a:rPr sz="1000" dirty="0">
-                <a:solidFill>
-                  <a:srgbClr val="7D9029"/>
-                </a:solidFill>
-                <a:latin typeface="Courier"/>
-              </a:rPr>
-              <a:t>to =</a:t>
-            </a:r>
-            <a:r>
-              <a:rPr sz="1000" dirty="0">
-                <a:latin typeface="Courier"/>
-              </a:rPr>
-              <a:t> </a:t>
-            </a:r>
-            <a:r>
-              <a:rPr sz="1000" dirty="0">
-                <a:solidFill>
-                  <a:srgbClr val="06287E"/>
-                </a:solidFill>
-                <a:latin typeface="Courier"/>
-              </a:rPr>
-              <a:t>max</a:t>
-            </a:r>
-            <a:r>
-              <a:rPr sz="1000" dirty="0">
-                <a:latin typeface="Courier"/>
-              </a:rPr>
-              <a:t>(</a:t>
-            </a:r>
-            <a:r>
-              <a:rPr sz="1000" dirty="0" err="1">
-                <a:latin typeface="Courier"/>
-              </a:rPr>
-              <a:t>data</a:t>
-            </a:r>
-            <a:r>
-              <a:rPr sz="1000" dirty="0" err="1">
-                <a:solidFill>
-                  <a:srgbClr val="4070A0"/>
-                </a:solidFill>
-                <a:latin typeface="Courier"/>
-              </a:rPr>
-              <a:t>$</a:t>
-            </a:r>
-            <a:r>
-              <a:rPr sz="1000" dirty="0" err="1">
-                <a:latin typeface="Courier"/>
-              </a:rPr>
-              <a:t>AnnualIncomeUSD</a:t>
-            </a:r>
-            <a:r>
-              <a:rPr sz="1000" dirty="0">
-                <a:latin typeface="Courier"/>
-              </a:rPr>
-              <a:t>), </a:t>
-            </a:r>
-            <a:r>
-              <a:rPr sz="1000" dirty="0">
-                <a:solidFill>
-                  <a:srgbClr val="7D9029"/>
-                </a:solidFill>
-                <a:latin typeface="Courier"/>
-              </a:rPr>
-              <a:t>by =</a:t>
-            </a:r>
-            <a:r>
-              <a:rPr sz="1000" dirty="0">
-                <a:latin typeface="Courier"/>
-              </a:rPr>
-              <a:t> </a:t>
-            </a:r>
-            <a:r>
-              <a:rPr sz="1000" dirty="0">
-                <a:solidFill>
-                  <a:srgbClr val="40A070"/>
-                </a:solidFill>
-                <a:latin typeface="Courier"/>
-              </a:rPr>
-              <a:t>2000</a:t>
-            </a:r>
-            <a:r>
-              <a:rPr sz="1000" dirty="0">
-                <a:latin typeface="Courier"/>
-              </a:rPr>
-              <a:t>)) </a:t>
-            </a:r>
-            <a:r>
-              <a:rPr sz="1000" dirty="0">
-                <a:solidFill>
-                  <a:srgbClr val="4070A0"/>
-                </a:solidFill>
-                <a:latin typeface="Courier"/>
-              </a:rPr>
-              <a:t>+</a:t>
-            </a:r>
-            <a:r>
-              <a:rPr sz="1000" dirty="0">
-                <a:latin typeface="Courier"/>
-              </a:rPr>
-              <a:t>  </a:t>
-            </a:r>
-            <a:r>
-              <a:rPr sz="1000" i="1" dirty="0">
-                <a:solidFill>
-                  <a:srgbClr val="60A0B0"/>
-                </a:solidFill>
-                <a:latin typeface="Courier"/>
-              </a:rPr>
-              <a:t># Formats the y-axis labels as dollars and sets breaks</a:t>
-            </a:r>
-            <a:br>
-              <a:rPr sz="1000" dirty="0"/>
-            </a:br>
-            <a:r>
-              <a:rPr sz="1000" dirty="0">
-                <a:latin typeface="Courier"/>
-              </a:rPr>
-              <a:t>  </a:t>
-            </a:r>
-            <a:r>
-              <a:rPr sz="1000" dirty="0" err="1">
-                <a:solidFill>
-                  <a:srgbClr val="06287E"/>
-                </a:solidFill>
-                <a:latin typeface="Courier"/>
-              </a:rPr>
-              <a:t>theme_light</a:t>
-            </a:r>
-            <a:r>
-              <a:rPr sz="1000" dirty="0">
-                <a:latin typeface="Courier"/>
-              </a:rPr>
-              <a:t>() </a:t>
-            </a:r>
-            <a:r>
-              <a:rPr sz="1000" dirty="0">
-                <a:solidFill>
-                  <a:srgbClr val="4070A0"/>
-                </a:solidFill>
-                <a:latin typeface="Courier"/>
-              </a:rPr>
-              <a:t>+</a:t>
-            </a:r>
-            <a:r>
-              <a:rPr sz="1000" dirty="0">
-                <a:latin typeface="Courier"/>
-              </a:rPr>
-              <a:t>  </a:t>
-            </a:r>
-            <a:br>
-              <a:rPr sz="1000" dirty="0"/>
-            </a:br>
-            <a:r>
-              <a:rPr sz="1000" dirty="0">
-                <a:latin typeface="Courier"/>
-              </a:rPr>
-              <a:t>  </a:t>
-            </a:r>
-            <a:r>
-              <a:rPr sz="1000" dirty="0">
-                <a:solidFill>
-                  <a:srgbClr val="06287E"/>
-                </a:solidFill>
-                <a:latin typeface="Courier"/>
-              </a:rPr>
-              <a:t>theme</a:t>
-            </a:r>
-            <a:r>
-              <a:rPr sz="1000" dirty="0">
-                <a:latin typeface="Courier"/>
-              </a:rPr>
-              <a:t>( </a:t>
-            </a:r>
-            <a:br>
-              <a:rPr sz="1000" dirty="0"/>
-            </a:br>
-            <a:r>
-              <a:rPr sz="1000" dirty="0">
-                <a:latin typeface="Courier"/>
-              </a:rPr>
-              <a:t>        </a:t>
-            </a:r>
-            <a:r>
-              <a:rPr sz="1000" dirty="0" err="1">
-                <a:solidFill>
-                  <a:srgbClr val="7D9029"/>
-                </a:solidFill>
-                <a:latin typeface="Courier"/>
-              </a:rPr>
-              <a:t>legend.position</a:t>
-            </a:r>
-            <a:r>
-              <a:rPr sz="1000" dirty="0">
-                <a:solidFill>
-                  <a:srgbClr val="7D9029"/>
-                </a:solidFill>
-                <a:latin typeface="Courier"/>
-              </a:rPr>
-              <a:t> =</a:t>
-            </a:r>
-            <a:r>
-              <a:rPr sz="1000" dirty="0">
-                <a:latin typeface="Courier"/>
-              </a:rPr>
-              <a:t> </a:t>
-            </a:r>
-            <a:r>
-              <a:rPr sz="1000" dirty="0">
-                <a:solidFill>
-                  <a:srgbClr val="4070A0"/>
-                </a:solidFill>
-                <a:latin typeface="Courier"/>
-              </a:rPr>
-              <a:t>"none"</a:t>
-            </a:r>
-            <a:r>
-              <a:rPr sz="1000" dirty="0">
-                <a:latin typeface="Courier"/>
-              </a:rPr>
-              <a:t>,  </a:t>
-            </a:r>
-            <a:r>
-              <a:rPr sz="1000" i="1" dirty="0">
-                <a:solidFill>
-                  <a:srgbClr val="60A0B0"/>
-                </a:solidFill>
-                <a:latin typeface="Courier"/>
-              </a:rPr>
-              <a:t># Hides the legend </a:t>
-            </a:r>
-            <a:br>
-              <a:rPr sz="1000" dirty="0"/>
-            </a:br>
-            <a:r>
-              <a:rPr sz="1000" dirty="0">
-                <a:latin typeface="Courier"/>
-              </a:rPr>
-              <a:t>        </a:t>
-            </a:r>
-            <a:r>
-              <a:rPr sz="1000" dirty="0" err="1">
-                <a:solidFill>
-                  <a:srgbClr val="7D9029"/>
-                </a:solidFill>
-                <a:latin typeface="Courier"/>
-              </a:rPr>
-              <a:t>plot.title</a:t>
-            </a:r>
-            <a:r>
-              <a:rPr sz="1000" dirty="0">
-                <a:solidFill>
-                  <a:srgbClr val="7D9029"/>
-                </a:solidFill>
-                <a:latin typeface="Courier"/>
-              </a:rPr>
-              <a:t> =</a:t>
-            </a:r>
-            <a:r>
-              <a:rPr sz="1000" dirty="0">
-                <a:latin typeface="Courier"/>
-              </a:rPr>
-              <a:t> </a:t>
-            </a:r>
-            <a:r>
-              <a:rPr sz="1000" dirty="0" err="1">
-                <a:solidFill>
-                  <a:srgbClr val="06287E"/>
-                </a:solidFill>
-                <a:latin typeface="Courier"/>
-              </a:rPr>
-              <a:t>element_text</a:t>
-            </a:r>
-            <a:r>
-              <a:rPr sz="1000" dirty="0">
-                <a:latin typeface="Courier"/>
-              </a:rPr>
-              <a:t>(</a:t>
-            </a:r>
-            <a:r>
-              <a:rPr sz="1000" dirty="0" err="1">
-                <a:solidFill>
-                  <a:srgbClr val="7D9029"/>
-                </a:solidFill>
-                <a:latin typeface="Courier"/>
-              </a:rPr>
-              <a:t>hjust</a:t>
-            </a:r>
-            <a:r>
-              <a:rPr sz="1000" dirty="0">
-                <a:solidFill>
-                  <a:srgbClr val="7D9029"/>
-                </a:solidFill>
-                <a:latin typeface="Courier"/>
-              </a:rPr>
-              <a:t> =</a:t>
-            </a:r>
-            <a:r>
-              <a:rPr sz="1000" dirty="0">
-                <a:latin typeface="Courier"/>
-              </a:rPr>
-              <a:t> </a:t>
-            </a:r>
-            <a:r>
-              <a:rPr sz="1000" dirty="0">
-                <a:solidFill>
-                  <a:srgbClr val="40A070"/>
-                </a:solidFill>
-                <a:latin typeface="Courier"/>
-              </a:rPr>
-              <a:t>0.5</a:t>
-            </a:r>
-            <a:r>
-              <a:rPr sz="1000" dirty="0">
-                <a:latin typeface="Courier"/>
-              </a:rPr>
-              <a:t>),  </a:t>
-            </a:r>
-            <a:r>
-              <a:rPr sz="1000" i="1" dirty="0">
-                <a:solidFill>
-                  <a:srgbClr val="60A0B0"/>
-                </a:solidFill>
-                <a:latin typeface="Courier"/>
-              </a:rPr>
-              <a:t># Center the plot title</a:t>
-            </a:r>
-            <a:br>
-              <a:rPr sz="1000" dirty="0"/>
-            </a:br>
-            <a:r>
-              <a:rPr sz="1000" dirty="0">
-                <a:latin typeface="Courier"/>
-              </a:rPr>
               <a:t>       )  </a:t>
             </a:r>
-            <a:endParaRPr dirty="0">
-              <a:latin typeface="Courier"/>
-            </a:endParaRPr>
           </a:p>
         </p:txBody>
       </p:sp>
@@ -19555,7 +18763,7 @@
         <p:spPr/>
         <p:txBody>
           <a:bodyPr>
-            <a:normAutofit fontScale="70000" lnSpcReduction="20000"/>
+            <a:normAutofit fontScale="77500" lnSpcReduction="20000"/>
           </a:bodyPr>
           <a:lstStyle/>
           <a:p>
@@ -19578,19 +18786,19 @@
             <a:pPr lvl="1"/>
             <a:r>
               <a:rPr dirty="0"/>
-              <a:t>Income peak around 40-50 years old, since that is when an individual will be at the peak of their </a:t>
-            </a:r>
-            <a:r>
-              <a:rPr dirty="0" err="1"/>
-              <a:t>careers.</a:t>
-            </a:r>
-            <a:r>
-              <a:rPr b="1" dirty="0" err="1"/>
-              <a:t>What</a:t>
-            </a:r>
+              <a:t>Income peak around 40-50 years old, since that is when an individual will be at the peak of their careers.</a:t>
+            </a:r>
+          </a:p>
+          <a:p>
+            <a:pPr marL="0" lvl="0" indent="0">
+              <a:spcBef>
+                <a:spcPts val="3000"/>
+              </a:spcBef>
+              <a:buNone/>
+            </a:pPr>
             <a:r>
               <a:rPr b="1" dirty="0"/>
-              <a:t> does the data tell us?</a:t>
+              <a:t>What does the data tell us?</a:t>
             </a:r>
           </a:p>
           <a:p>
@@ -19619,13 +18827,13 @@
               <a:buNone/>
             </a:pPr>
             <a:r>
-              <a:rPr dirty="0">
+              <a:rPr sz="800" dirty="0">
                 <a:latin typeface="Courier"/>
               </a:rPr>
               <a:t>p </a:t>
             </a:r>
             <a:r>
-              <a:rPr dirty="0">
+              <a:rPr sz="800" dirty="0">
                 <a:solidFill>
                   <a:srgbClr val="007020"/>
                 </a:solidFill>
@@ -19634,13 +18842,13 @@
               <a:t>=</a:t>
             </a:r>
             <a:r>
-              <a:rPr dirty="0">
+              <a:rPr sz="800" dirty="0">
                 <a:latin typeface="Courier"/>
               </a:rPr>
               <a:t> </a:t>
             </a:r>
             <a:r>
-              <a:rPr dirty="0" err="1">
+              <a:rPr sz="800" dirty="0" err="1">
                 <a:solidFill>
                   <a:srgbClr val="06287E"/>
                 </a:solidFill>
@@ -19649,13 +18857,13 @@
               <a:t>ggplot</a:t>
             </a:r>
             <a:r>
-              <a:rPr dirty="0">
+              <a:rPr sz="800" dirty="0">
                 <a:latin typeface="Courier"/>
               </a:rPr>
               <a:t>(data, </a:t>
             </a:r>
             <a:r>
-              <a:rPr dirty="0" err="1">
+              <a:rPr sz="800" dirty="0" err="1">
                 <a:solidFill>
                   <a:srgbClr val="06287E"/>
                 </a:solidFill>
@@ -19664,13 +18872,13 @@
               <a:t>aes</a:t>
             </a:r>
             <a:r>
-              <a:rPr dirty="0">
+              <a:rPr sz="800" dirty="0">
                 <a:latin typeface="Courier"/>
               </a:rPr>
               <a:t>(</a:t>
             </a:r>
             <a:r>
-              <a:rPr dirty="0">
+              <a:rPr sz="800" dirty="0">
                 <a:solidFill>
                   <a:srgbClr val="7D9029"/>
                 </a:solidFill>
@@ -19679,13 +18887,13 @@
               <a:t>x =</a:t>
             </a:r>
             <a:r>
-              <a:rPr dirty="0">
+              <a:rPr sz="800" dirty="0">
                 <a:latin typeface="Courier"/>
               </a:rPr>
               <a:t> Age, </a:t>
             </a:r>
             <a:r>
-              <a:rPr dirty="0">
+              <a:rPr sz="800" dirty="0">
                 <a:solidFill>
                   <a:srgbClr val="7D9029"/>
                 </a:solidFill>
@@ -19694,25 +18902,25 @@
               <a:t>y =</a:t>
             </a:r>
             <a:r>
-              <a:rPr dirty="0">
+              <a:rPr sz="800" dirty="0">
                 <a:latin typeface="Courier"/>
               </a:rPr>
               <a:t> </a:t>
             </a:r>
             <a:r>
-              <a:rPr dirty="0" err="1">
+              <a:rPr sz="800" dirty="0" err="1">
                 <a:latin typeface="Courier"/>
               </a:rPr>
               <a:t>AnnualIncomeUSD</a:t>
             </a:r>
             <a:r>
-              <a:rPr dirty="0">
+              <a:rPr sz="800" dirty="0">
                 <a:latin typeface="Courier"/>
               </a:rPr>
               <a:t>)) </a:t>
             </a:r>
             <a:r>
-              <a:rPr dirty="0">
+              <a:rPr sz="800" dirty="0">
                 <a:solidFill>
                   <a:srgbClr val="4070A0"/>
                 </a:solidFill>
@@ -19721,16 +18929,16 @@
               <a:t>+</a:t>
             </a:r>
             <a:br>
-              <a:rPr dirty="0"/>
+              <a:rPr sz="800" dirty="0"/>
             </a:br>
             <a:r>
-              <a:rPr dirty="0">
+              <a:rPr sz="800" dirty="0">
                 <a:latin typeface="Courier"/>
               </a:rPr>
               <a:t>  </a:t>
             </a:r>
             <a:r>
-              <a:rPr dirty="0" err="1">
+              <a:rPr sz="800" dirty="0" err="1">
                 <a:solidFill>
                   <a:srgbClr val="06287E"/>
                 </a:solidFill>
@@ -19739,13 +18947,13 @@
               <a:t>geom_point</a:t>
             </a:r>
             <a:r>
-              <a:rPr dirty="0">
+              <a:rPr sz="800" dirty="0">
                 <a:latin typeface="Courier"/>
               </a:rPr>
               <a:t>(</a:t>
             </a:r>
             <a:r>
-              <a:rPr dirty="0" err="1">
+              <a:rPr sz="800" dirty="0" err="1">
                 <a:solidFill>
                   <a:srgbClr val="06287E"/>
                 </a:solidFill>
@@ -19754,13 +18962,13 @@
               <a:t>aes</a:t>
             </a:r>
             <a:r>
-              <a:rPr dirty="0">
+              <a:rPr sz="800" dirty="0">
                 <a:latin typeface="Courier"/>
               </a:rPr>
               <a:t>(</a:t>
             </a:r>
             <a:r>
-              <a:rPr dirty="0">
+              <a:rPr sz="800" dirty="0">
                 <a:solidFill>
                   <a:srgbClr val="7D9029"/>
                 </a:solidFill>
@@ -19769,13 +18977,13 @@
               <a:t>color =</a:t>
             </a:r>
             <a:r>
-              <a:rPr dirty="0">
+              <a:rPr sz="800" dirty="0">
                 <a:latin typeface="Courier"/>
               </a:rPr>
               <a:t> </a:t>
             </a:r>
             <a:r>
-              <a:rPr dirty="0" err="1">
+              <a:rPr sz="800" dirty="0" err="1">
                 <a:solidFill>
                   <a:srgbClr val="06287E"/>
                 </a:solidFill>
@@ -19784,25 +18992,25 @@
               <a:t>as.factor</a:t>
             </a:r>
             <a:r>
-              <a:rPr dirty="0">
+              <a:rPr sz="800" dirty="0">
                 <a:latin typeface="Courier"/>
               </a:rPr>
               <a:t>(</a:t>
             </a:r>
             <a:r>
-              <a:rPr dirty="0" err="1">
+              <a:rPr sz="800" dirty="0" err="1">
                 <a:latin typeface="Courier"/>
               </a:rPr>
               <a:t>TravelInsurance</a:t>
             </a:r>
             <a:r>
-              <a:rPr dirty="0">
+              <a:rPr sz="800" dirty="0">
                 <a:latin typeface="Courier"/>
               </a:rPr>
               <a:t>))) </a:t>
             </a:r>
             <a:r>
-              <a:rPr dirty="0">
+              <a:rPr sz="800" dirty="0">
                 <a:solidFill>
                   <a:srgbClr val="4070A0"/>
                 </a:solidFill>
@@ -19811,13 +19019,13 @@
               <a:t>+</a:t>
             </a:r>
             <a:r>
-              <a:rPr dirty="0">
+              <a:rPr sz="800" dirty="0">
                 <a:latin typeface="Courier"/>
               </a:rPr>
               <a:t>  </a:t>
             </a:r>
             <a:r>
-              <a:rPr i="1" dirty="0">
+              <a:rPr sz="800" i="1" dirty="0">
                 <a:solidFill>
                   <a:srgbClr val="60A0B0"/>
                 </a:solidFill>
@@ -19826,7 +19034,7 @@
               <a:t># Convert </a:t>
             </a:r>
             <a:r>
-              <a:rPr i="1" dirty="0" err="1">
+              <a:rPr sz="800" i="1" dirty="0" err="1">
                 <a:solidFill>
                   <a:srgbClr val="60A0B0"/>
                 </a:solidFill>
@@ -19835,7 +19043,7 @@
               <a:t>TravelInsurance</a:t>
             </a:r>
             <a:r>
-              <a:rPr i="1" dirty="0">
+              <a:rPr sz="800" i="1" dirty="0">
                 <a:solidFill>
                   <a:srgbClr val="60A0B0"/>
                 </a:solidFill>
@@ -19844,16 +19052,16 @@
               <a:t> to a factor for  color mapping</a:t>
             </a:r>
             <a:br>
-              <a:rPr dirty="0"/>
+              <a:rPr sz="800" dirty="0"/>
             </a:br>
             <a:r>
-              <a:rPr dirty="0">
+              <a:rPr sz="800" dirty="0">
                 <a:latin typeface="Courier"/>
               </a:rPr>
               <a:t>  </a:t>
             </a:r>
             <a:r>
-              <a:rPr dirty="0" err="1">
+              <a:rPr sz="800" dirty="0" err="1">
                 <a:solidFill>
                   <a:srgbClr val="06287E"/>
                 </a:solidFill>
@@ -19862,13 +19070,13 @@
               <a:t>scale_x_continuous</a:t>
             </a:r>
             <a:r>
-              <a:rPr dirty="0">
+              <a:rPr sz="800" dirty="0">
                 <a:latin typeface="Courier"/>
               </a:rPr>
               <a:t>(</a:t>
             </a:r>
             <a:r>
-              <a:rPr dirty="0">
+              <a:rPr sz="800" dirty="0">
                 <a:solidFill>
                   <a:srgbClr val="7D9029"/>
                 </a:solidFill>
@@ -19877,13 +19085,13 @@
               <a:t>breaks =</a:t>
             </a:r>
             <a:r>
-              <a:rPr dirty="0">
+              <a:rPr sz="800" dirty="0">
                 <a:latin typeface="Courier"/>
               </a:rPr>
               <a:t> </a:t>
             </a:r>
             <a:r>
-              <a:rPr dirty="0">
+              <a:rPr sz="800" dirty="0">
                 <a:solidFill>
                   <a:srgbClr val="06287E"/>
                 </a:solidFill>
@@ -19892,13 +19100,13 @@
               <a:t>seq</a:t>
             </a:r>
             <a:r>
-              <a:rPr dirty="0">
+              <a:rPr sz="800" dirty="0">
                 <a:latin typeface="Courier"/>
               </a:rPr>
               <a:t>(</a:t>
             </a:r>
             <a:r>
-              <a:rPr dirty="0">
+              <a:rPr sz="800" dirty="0">
                 <a:solidFill>
                   <a:srgbClr val="06287E"/>
                 </a:solidFill>
@@ -19907,19 +19115,19 @@
               <a:t>min</a:t>
             </a:r>
             <a:r>
-              <a:rPr dirty="0">
+              <a:rPr sz="800" dirty="0">
                 <a:latin typeface="Courier"/>
               </a:rPr>
               <a:t>(</a:t>
             </a:r>
             <a:r>
-              <a:rPr dirty="0" err="1">
+              <a:rPr sz="800" dirty="0" err="1">
                 <a:latin typeface="Courier"/>
               </a:rPr>
               <a:t>data</a:t>
             </a:r>
             <a:r>
-              <a:rPr dirty="0" err="1">
+              <a:rPr sz="800" dirty="0" err="1">
                 <a:solidFill>
                   <a:srgbClr val="4070A0"/>
                 </a:solidFill>
@@ -19928,19 +19136,19 @@
               <a:t>$</a:t>
             </a:r>
             <a:r>
-              <a:rPr dirty="0" err="1">
+              <a:rPr sz="800" dirty="0" err="1">
                 <a:latin typeface="Courier"/>
               </a:rPr>
               <a:t>Age</a:t>
             </a:r>
             <a:r>
-              <a:rPr dirty="0">
+              <a:rPr sz="800" dirty="0">
                 <a:latin typeface="Courier"/>
               </a:rPr>
               <a:t>), </a:t>
             </a:r>
             <a:r>
-              <a:rPr dirty="0">
+              <a:rPr sz="800" dirty="0">
                 <a:solidFill>
                   <a:srgbClr val="06287E"/>
                 </a:solidFill>
@@ -19949,19 +19157,19 @@
               <a:t>max</a:t>
             </a:r>
             <a:r>
-              <a:rPr dirty="0">
+              <a:rPr sz="800" dirty="0">
                 <a:latin typeface="Courier"/>
               </a:rPr>
               <a:t>(</a:t>
             </a:r>
             <a:r>
-              <a:rPr dirty="0" err="1">
+              <a:rPr sz="800" dirty="0" err="1">
                 <a:latin typeface="Courier"/>
               </a:rPr>
               <a:t>data</a:t>
             </a:r>
             <a:r>
-              <a:rPr dirty="0" err="1">
+              <a:rPr sz="800" dirty="0" err="1">
                 <a:solidFill>
                   <a:srgbClr val="4070A0"/>
                 </a:solidFill>
@@ -19970,19 +19178,19 @@
               <a:t>$</a:t>
             </a:r>
             <a:r>
-              <a:rPr dirty="0" err="1">
+              <a:rPr sz="800" dirty="0" err="1">
                 <a:latin typeface="Courier"/>
               </a:rPr>
               <a:t>Age</a:t>
             </a:r>
             <a:r>
-              <a:rPr dirty="0">
+              <a:rPr sz="800" dirty="0">
                 <a:latin typeface="Courier"/>
               </a:rPr>
               <a:t>), </a:t>
             </a:r>
             <a:r>
-              <a:rPr dirty="0">
+              <a:rPr sz="800" dirty="0">
                 <a:solidFill>
                   <a:srgbClr val="7D9029"/>
                 </a:solidFill>
@@ -19991,13 +19199,13 @@
               <a:t>by =</a:t>
             </a:r>
             <a:r>
-              <a:rPr dirty="0">
+              <a:rPr sz="800" dirty="0">
                 <a:latin typeface="Courier"/>
               </a:rPr>
               <a:t> </a:t>
             </a:r>
             <a:r>
-              <a:rPr dirty="0">
+              <a:rPr sz="800" dirty="0">
                 <a:solidFill>
                   <a:srgbClr val="40A070"/>
                 </a:solidFill>
@@ -20006,13 +19214,13 @@
               <a:t>1</a:t>
             </a:r>
             <a:r>
-              <a:rPr dirty="0">
+              <a:rPr sz="800" dirty="0">
                 <a:latin typeface="Courier"/>
               </a:rPr>
               <a:t>)) </a:t>
             </a:r>
             <a:r>
-              <a:rPr dirty="0">
+              <a:rPr sz="800" dirty="0">
                 <a:solidFill>
                   <a:srgbClr val="4070A0"/>
                 </a:solidFill>
@@ -20021,13 +19229,13 @@
               <a:t>+</a:t>
             </a:r>
             <a:r>
-              <a:rPr dirty="0">
+              <a:rPr sz="800" dirty="0">
                 <a:latin typeface="Courier"/>
               </a:rPr>
               <a:t>  </a:t>
             </a:r>
             <a:r>
-              <a:rPr i="1" dirty="0">
+              <a:rPr sz="800" i="1" dirty="0">
                 <a:solidFill>
                   <a:srgbClr val="60A0B0"/>
                 </a:solidFill>
@@ -20036,16 +19244,16 @@
               <a:t># Sets the x-axis breaks to increment by 1 (Age) </a:t>
             </a:r>
             <a:br>
-              <a:rPr dirty="0"/>
+              <a:rPr sz="800" dirty="0"/>
             </a:br>
             <a:r>
-              <a:rPr dirty="0">
+              <a:rPr sz="800" dirty="0">
                 <a:latin typeface="Courier"/>
               </a:rPr>
               <a:t>  </a:t>
             </a:r>
             <a:r>
-              <a:rPr dirty="0" err="1">
+              <a:rPr sz="800" dirty="0" err="1">
                 <a:solidFill>
                   <a:srgbClr val="06287E"/>
                 </a:solidFill>
@@ -20054,13 +19262,13 @@
               <a:t>scale_y_continuous</a:t>
             </a:r>
             <a:r>
-              <a:rPr dirty="0">
+              <a:rPr sz="800" dirty="0">
                 <a:latin typeface="Courier"/>
               </a:rPr>
               <a:t>(</a:t>
             </a:r>
             <a:r>
-              <a:rPr dirty="0">
+              <a:rPr sz="800" dirty="0">
                 <a:solidFill>
                   <a:srgbClr val="7D9029"/>
                 </a:solidFill>
@@ -20069,13 +19277,13 @@
               <a:t>labels =</a:t>
             </a:r>
             <a:r>
-              <a:rPr dirty="0">
+              <a:rPr sz="800" dirty="0">
                 <a:latin typeface="Courier"/>
               </a:rPr>
               <a:t> scales</a:t>
             </a:r>
             <a:r>
-              <a:rPr dirty="0">
+              <a:rPr sz="800" dirty="0">
                 <a:solidFill>
                   <a:srgbClr val="4070A0"/>
                 </a:solidFill>
@@ -20084,7 +19292,7 @@
               <a:t>::</a:t>
             </a:r>
             <a:r>
-              <a:rPr dirty="0" err="1">
+              <a:rPr sz="800" dirty="0" err="1">
                 <a:solidFill>
                   <a:srgbClr val="06287E"/>
                 </a:solidFill>
@@ -20093,13 +19301,13 @@
               <a:t>dollar_format</a:t>
             </a:r>
             <a:r>
-              <a:rPr dirty="0">
+              <a:rPr sz="800" dirty="0">
                 <a:latin typeface="Courier"/>
               </a:rPr>
               <a:t>(), </a:t>
             </a:r>
             <a:r>
-              <a:rPr dirty="0">
+              <a:rPr sz="800" dirty="0">
                 <a:solidFill>
                   <a:srgbClr val="7D9029"/>
                 </a:solidFill>
@@ -20108,13 +19316,13 @@
               <a:t>breaks =</a:t>
             </a:r>
             <a:r>
-              <a:rPr dirty="0">
+              <a:rPr sz="800" dirty="0">
                 <a:latin typeface="Courier"/>
               </a:rPr>
               <a:t> </a:t>
             </a:r>
             <a:r>
-              <a:rPr dirty="0">
+              <a:rPr sz="800" dirty="0">
                 <a:solidFill>
                   <a:srgbClr val="06287E"/>
                 </a:solidFill>
@@ -20123,13 +19331,13 @@
               <a:t>seq</a:t>
             </a:r>
             <a:r>
-              <a:rPr dirty="0">
+              <a:rPr sz="800" dirty="0">
                 <a:latin typeface="Courier"/>
               </a:rPr>
               <a:t>(</a:t>
             </a:r>
             <a:r>
-              <a:rPr dirty="0">
+              <a:rPr sz="800" dirty="0">
                 <a:solidFill>
                   <a:srgbClr val="7D9029"/>
                 </a:solidFill>
@@ -20138,13 +19346,13 @@
               <a:t>from =</a:t>
             </a:r>
             <a:r>
-              <a:rPr dirty="0">
+              <a:rPr sz="800" dirty="0">
                 <a:latin typeface="Courier"/>
               </a:rPr>
               <a:t> </a:t>
             </a:r>
             <a:r>
-              <a:rPr dirty="0">
+              <a:rPr sz="800" dirty="0">
                 <a:solidFill>
                   <a:srgbClr val="06287E"/>
                 </a:solidFill>
@@ -20153,19 +19361,19 @@
               <a:t>min</a:t>
             </a:r>
             <a:r>
-              <a:rPr dirty="0">
+              <a:rPr sz="800" dirty="0">
                 <a:latin typeface="Courier"/>
               </a:rPr>
               <a:t>(</a:t>
             </a:r>
             <a:r>
-              <a:rPr dirty="0" err="1">
+              <a:rPr sz="800" dirty="0" err="1">
                 <a:latin typeface="Courier"/>
               </a:rPr>
               <a:t>data</a:t>
             </a:r>
             <a:r>
-              <a:rPr dirty="0" err="1">
+              <a:rPr sz="800" dirty="0" err="1">
                 <a:solidFill>
                   <a:srgbClr val="4070A0"/>
                 </a:solidFill>
@@ -20174,19 +19382,19 @@
               <a:t>$</a:t>
             </a:r>
             <a:r>
-              <a:rPr dirty="0" err="1">
+              <a:rPr sz="800" dirty="0" err="1">
                 <a:latin typeface="Courier"/>
               </a:rPr>
               <a:t>AnnualIncomeUSD</a:t>
             </a:r>
             <a:r>
-              <a:rPr dirty="0">
+              <a:rPr sz="800" dirty="0">
                 <a:latin typeface="Courier"/>
               </a:rPr>
               <a:t>), </a:t>
             </a:r>
             <a:r>
-              <a:rPr dirty="0">
+              <a:rPr sz="800" dirty="0">
                 <a:solidFill>
                   <a:srgbClr val="7D9029"/>
                 </a:solidFill>
@@ -20195,13 +19403,13 @@
               <a:t>to =</a:t>
             </a:r>
             <a:r>
-              <a:rPr dirty="0">
+              <a:rPr sz="800" dirty="0">
                 <a:latin typeface="Courier"/>
               </a:rPr>
               <a:t> </a:t>
             </a:r>
             <a:r>
-              <a:rPr dirty="0">
+              <a:rPr sz="800" dirty="0">
                 <a:solidFill>
                   <a:srgbClr val="06287E"/>
                 </a:solidFill>
@@ -20210,19 +19418,19 @@
               <a:t>max</a:t>
             </a:r>
             <a:r>
-              <a:rPr dirty="0">
+              <a:rPr sz="800" dirty="0">
                 <a:latin typeface="Courier"/>
               </a:rPr>
               <a:t>(</a:t>
             </a:r>
             <a:r>
-              <a:rPr dirty="0" err="1">
+              <a:rPr sz="800" dirty="0" err="1">
                 <a:latin typeface="Courier"/>
               </a:rPr>
               <a:t>data</a:t>
             </a:r>
             <a:r>
-              <a:rPr dirty="0" err="1">
+              <a:rPr sz="800" dirty="0" err="1">
                 <a:solidFill>
                   <a:srgbClr val="4070A0"/>
                 </a:solidFill>
@@ -20231,19 +19439,19 @@
               <a:t>$</a:t>
             </a:r>
             <a:r>
-              <a:rPr dirty="0" err="1">
+              <a:rPr sz="800" dirty="0" err="1">
                 <a:latin typeface="Courier"/>
               </a:rPr>
               <a:t>AnnualIncomeUSD</a:t>
             </a:r>
             <a:r>
-              <a:rPr dirty="0">
+              <a:rPr sz="800" dirty="0">
                 <a:latin typeface="Courier"/>
               </a:rPr>
               <a:t>), </a:t>
             </a:r>
             <a:r>
-              <a:rPr dirty="0">
+              <a:rPr sz="800" dirty="0">
                 <a:solidFill>
                   <a:srgbClr val="7D9029"/>
                 </a:solidFill>
@@ -20252,13 +19460,13 @@
               <a:t>by =</a:t>
             </a:r>
             <a:r>
-              <a:rPr dirty="0">
+              <a:rPr sz="800" dirty="0">
                 <a:latin typeface="Courier"/>
               </a:rPr>
               <a:t> </a:t>
             </a:r>
             <a:r>
-              <a:rPr dirty="0">
+              <a:rPr sz="800" dirty="0">
                 <a:solidFill>
                   <a:srgbClr val="40A070"/>
                 </a:solidFill>
@@ -20267,13 +19475,13 @@
               <a:t>2000</a:t>
             </a:r>
             <a:r>
-              <a:rPr dirty="0">
+              <a:rPr sz="800" dirty="0">
                 <a:latin typeface="Courier"/>
               </a:rPr>
               <a:t>)) </a:t>
             </a:r>
             <a:r>
-              <a:rPr dirty="0">
+              <a:rPr sz="800" dirty="0">
                 <a:solidFill>
                   <a:srgbClr val="4070A0"/>
                 </a:solidFill>
@@ -20282,13 +19490,13 @@
               <a:t>+</a:t>
             </a:r>
             <a:r>
-              <a:rPr dirty="0">
+              <a:rPr sz="800" dirty="0">
                 <a:latin typeface="Courier"/>
               </a:rPr>
               <a:t>  </a:t>
             </a:r>
             <a:r>
-              <a:rPr i="1" dirty="0">
+              <a:rPr sz="800" i="1" dirty="0">
                 <a:solidFill>
                   <a:srgbClr val="60A0B0"/>
                 </a:solidFill>
@@ -20297,16 +19505,16 @@
               <a:t># Formats the y-axis labels as dollars and increment by 2k </a:t>
             </a:r>
             <a:br>
-              <a:rPr dirty="0"/>
+              <a:rPr sz="800" dirty="0"/>
             </a:br>
             <a:r>
-              <a:rPr dirty="0">
+              <a:rPr sz="800" dirty="0">
                 <a:latin typeface="Courier"/>
               </a:rPr>
               <a:t>  </a:t>
             </a:r>
             <a:r>
-              <a:rPr dirty="0" err="1">
+              <a:rPr sz="800" dirty="0" err="1">
                 <a:solidFill>
                   <a:srgbClr val="06287E"/>
                 </a:solidFill>
@@ -20315,13 +19523,13 @@
               <a:t>scale_color_manual</a:t>
             </a:r>
             <a:r>
-              <a:rPr dirty="0">
+              <a:rPr sz="800" dirty="0">
                 <a:latin typeface="Courier"/>
               </a:rPr>
               <a:t>(</a:t>
             </a:r>
             <a:r>
-              <a:rPr dirty="0">
+              <a:rPr sz="800" dirty="0">
                 <a:solidFill>
                   <a:srgbClr val="7D9029"/>
                 </a:solidFill>
@@ -20330,13 +19538,13 @@
               <a:t>values =</a:t>
             </a:r>
             <a:r>
-              <a:rPr dirty="0">
+              <a:rPr sz="800" dirty="0">
                 <a:latin typeface="Courier"/>
               </a:rPr>
               <a:t> </a:t>
             </a:r>
             <a:r>
-              <a:rPr dirty="0">
+              <a:rPr sz="800" dirty="0">
                 <a:solidFill>
                   <a:srgbClr val="06287E"/>
                 </a:solidFill>
@@ -20345,13 +19553,13 @@
               <a:t>c</a:t>
             </a:r>
             <a:r>
-              <a:rPr dirty="0">
+              <a:rPr sz="800" dirty="0">
                 <a:latin typeface="Courier"/>
               </a:rPr>
               <a:t>(</a:t>
             </a:r>
             <a:r>
-              <a:rPr dirty="0">
+              <a:rPr sz="800" dirty="0">
                 <a:solidFill>
                   <a:srgbClr val="4070A0"/>
                 </a:solidFill>
@@ -20360,13 +19568,13 @@
               <a:t>"0"</a:t>
             </a:r>
             <a:r>
-              <a:rPr dirty="0">
+              <a:rPr sz="800" dirty="0">
                 <a:latin typeface="Courier"/>
               </a:rPr>
               <a:t> </a:t>
             </a:r>
             <a:r>
-              <a:rPr dirty="0">
+              <a:rPr sz="800" dirty="0">
                 <a:solidFill>
                   <a:srgbClr val="007020"/>
                 </a:solidFill>
@@ -20375,13 +19583,13 @@
               <a:t>=</a:t>
             </a:r>
             <a:r>
-              <a:rPr dirty="0">
+              <a:rPr sz="800" dirty="0">
                 <a:latin typeface="Courier"/>
               </a:rPr>
               <a:t> </a:t>
             </a:r>
             <a:r>
-              <a:rPr dirty="0">
+              <a:rPr sz="800" dirty="0">
                 <a:solidFill>
                   <a:srgbClr val="4070A0"/>
                 </a:solidFill>
@@ -20390,13 +19598,13 @@
               <a:t>"black"</a:t>
             </a:r>
             <a:r>
-              <a:rPr dirty="0">
+              <a:rPr sz="800" dirty="0">
                 <a:latin typeface="Courier"/>
               </a:rPr>
               <a:t>, </a:t>
             </a:r>
             <a:r>
-              <a:rPr dirty="0">
+              <a:rPr sz="800" dirty="0">
                 <a:solidFill>
                   <a:srgbClr val="4070A0"/>
                 </a:solidFill>
@@ -20405,13 +19613,13 @@
               <a:t>"1"</a:t>
             </a:r>
             <a:r>
-              <a:rPr dirty="0">
+              <a:rPr sz="800" dirty="0">
                 <a:latin typeface="Courier"/>
               </a:rPr>
               <a:t> </a:t>
             </a:r>
             <a:r>
-              <a:rPr dirty="0">
+              <a:rPr sz="800" dirty="0">
                 <a:solidFill>
                   <a:srgbClr val="007020"/>
                 </a:solidFill>
@@ -20420,13 +19628,13 @@
               <a:t>=</a:t>
             </a:r>
             <a:r>
-              <a:rPr dirty="0">
+              <a:rPr sz="800" dirty="0">
                 <a:latin typeface="Courier"/>
               </a:rPr>
               <a:t> </a:t>
             </a:r>
             <a:r>
-              <a:rPr dirty="0">
+              <a:rPr sz="800" dirty="0">
                 <a:solidFill>
                   <a:srgbClr val="4070A0"/>
                 </a:solidFill>
@@ -20435,13 +19643,13 @@
               <a:t>"orange"</a:t>
             </a:r>
             <a:r>
-              <a:rPr dirty="0">
+              <a:rPr sz="800" dirty="0">
                 <a:latin typeface="Courier"/>
               </a:rPr>
               <a:t>), </a:t>
             </a:r>
             <a:r>
-              <a:rPr dirty="0">
+              <a:rPr sz="800" dirty="0">
                 <a:solidFill>
                   <a:srgbClr val="7D9029"/>
                 </a:solidFill>
@@ -20450,13 +19658,13 @@
               <a:t>name =</a:t>
             </a:r>
             <a:r>
-              <a:rPr dirty="0">
+              <a:rPr sz="800" dirty="0">
                 <a:latin typeface="Courier"/>
               </a:rPr>
               <a:t> </a:t>
             </a:r>
             <a:r>
-              <a:rPr dirty="0">
+              <a:rPr sz="800" dirty="0">
                 <a:solidFill>
                   <a:srgbClr val="4070A0"/>
                 </a:solidFill>
@@ -20465,13 +19673,13 @@
               <a:t>"Travel Insurance"</a:t>
             </a:r>
             <a:r>
-              <a:rPr dirty="0">
+              <a:rPr sz="800" dirty="0">
                 <a:latin typeface="Courier"/>
               </a:rPr>
               <a:t>, </a:t>
             </a:r>
             <a:r>
-              <a:rPr dirty="0">
+              <a:rPr sz="800" dirty="0">
                 <a:solidFill>
                   <a:srgbClr val="7D9029"/>
                 </a:solidFill>
@@ -20480,7 +19688,7 @@
               <a:t>labels=</a:t>
             </a:r>
             <a:r>
-              <a:rPr dirty="0">
+              <a:rPr sz="800" dirty="0">
                 <a:solidFill>
                   <a:srgbClr val="06287E"/>
                 </a:solidFill>
@@ -20489,13 +19697,13 @@
               <a:t>c</a:t>
             </a:r>
             <a:r>
-              <a:rPr dirty="0">
+              <a:rPr sz="800" dirty="0">
                 <a:latin typeface="Courier"/>
               </a:rPr>
               <a:t>(</a:t>
             </a:r>
             <a:r>
-              <a:rPr dirty="0">
+              <a:rPr sz="800" dirty="0">
                 <a:solidFill>
                   <a:srgbClr val="4070A0"/>
                 </a:solidFill>
@@ -20504,13 +19712,13 @@
               <a:t>"No "</a:t>
             </a:r>
             <a:r>
-              <a:rPr dirty="0">
+              <a:rPr sz="800" dirty="0">
                 <a:latin typeface="Courier"/>
               </a:rPr>
               <a:t>, </a:t>
             </a:r>
             <a:r>
-              <a:rPr dirty="0">
+              <a:rPr sz="800" dirty="0">
                 <a:solidFill>
                   <a:srgbClr val="4070A0"/>
                 </a:solidFill>
@@ -20519,13 +19727,13 @@
               <a:t>"Yes"</a:t>
             </a:r>
             <a:r>
-              <a:rPr dirty="0">
+              <a:rPr sz="800" dirty="0">
                 <a:latin typeface="Courier"/>
               </a:rPr>
               <a:t>)) </a:t>
             </a:r>
             <a:r>
-              <a:rPr dirty="0">
+              <a:rPr sz="800" dirty="0">
                 <a:solidFill>
                   <a:srgbClr val="4070A0"/>
                 </a:solidFill>
@@ -20534,13 +19742,13 @@
               <a:t>+</a:t>
             </a:r>
             <a:r>
-              <a:rPr dirty="0">
+              <a:rPr sz="800" dirty="0">
                 <a:latin typeface="Courier"/>
               </a:rPr>
               <a:t>  </a:t>
             </a:r>
             <a:r>
-              <a:rPr i="1" dirty="0">
+              <a:rPr sz="800" i="1" dirty="0">
                 <a:solidFill>
                   <a:srgbClr val="60A0B0"/>
                 </a:solidFill>
@@ -20549,7 +19757,7 @@
               <a:t># Sets custom colors for </a:t>
             </a:r>
             <a:r>
-              <a:rPr i="1" dirty="0" err="1">
+              <a:rPr sz="800" i="1" dirty="0" err="1">
                 <a:solidFill>
                   <a:srgbClr val="60A0B0"/>
                 </a:solidFill>
@@ -20558,7 +19766,7 @@
               <a:t>TravelInsurance</a:t>
             </a:r>
             <a:r>
-              <a:rPr i="1" dirty="0">
+              <a:rPr sz="800" i="1" dirty="0">
                 <a:solidFill>
                   <a:srgbClr val="60A0B0"/>
                 </a:solidFill>
@@ -20567,16 +19775,16 @@
               <a:t> and customizes legend title</a:t>
             </a:r>
             <a:br>
-              <a:rPr dirty="0"/>
+              <a:rPr sz="800" dirty="0"/>
             </a:br>
             <a:r>
-              <a:rPr dirty="0">
+              <a:rPr sz="800" dirty="0">
                 <a:latin typeface="Courier"/>
               </a:rPr>
               <a:t>  </a:t>
             </a:r>
             <a:r>
-              <a:rPr dirty="0">
+              <a:rPr sz="800" dirty="0">
                 <a:solidFill>
                   <a:srgbClr val="06287E"/>
                 </a:solidFill>
@@ -20585,13 +19793,13 @@
               <a:t>labs</a:t>
             </a:r>
             <a:r>
-              <a:rPr dirty="0">
+              <a:rPr sz="800" dirty="0">
                 <a:latin typeface="Courier"/>
               </a:rPr>
               <a:t>(</a:t>
             </a:r>
             <a:r>
-              <a:rPr dirty="0">
+              <a:rPr sz="800" dirty="0">
                 <a:solidFill>
                   <a:srgbClr val="7D9029"/>
                 </a:solidFill>
@@ -20600,13 +19808,13 @@
               <a:t>title =</a:t>
             </a:r>
             <a:r>
-              <a:rPr dirty="0">
+              <a:rPr sz="800" dirty="0">
                 <a:latin typeface="Courier"/>
               </a:rPr>
               <a:t> </a:t>
             </a:r>
             <a:r>
-              <a:rPr dirty="0">
+              <a:rPr sz="800" dirty="0">
                 <a:solidFill>
                   <a:srgbClr val="4070A0"/>
                 </a:solidFill>
@@ -20615,13 +19823,13 @@
               <a:t>"Age vs Income"</a:t>
             </a:r>
             <a:r>
-              <a:rPr dirty="0">
+              <a:rPr sz="800" dirty="0">
                 <a:latin typeface="Courier"/>
               </a:rPr>
               <a:t>, </a:t>
             </a:r>
             <a:r>
-              <a:rPr dirty="0">
+              <a:rPr sz="800" dirty="0">
                 <a:solidFill>
                   <a:srgbClr val="7D9029"/>
                 </a:solidFill>
@@ -20630,13 +19838,13 @@
               <a:t>x =</a:t>
             </a:r>
             <a:r>
-              <a:rPr dirty="0">
+              <a:rPr sz="800" dirty="0">
                 <a:latin typeface="Courier"/>
               </a:rPr>
               <a:t> </a:t>
             </a:r>
             <a:r>
-              <a:rPr dirty="0">
+              <a:rPr sz="800" dirty="0">
                 <a:solidFill>
                   <a:srgbClr val="4070A0"/>
                 </a:solidFill>
@@ -20645,13 +19853,13 @@
               <a:t>"Age"</a:t>
             </a:r>
             <a:r>
-              <a:rPr dirty="0">
+              <a:rPr sz="800" dirty="0">
                 <a:latin typeface="Courier"/>
               </a:rPr>
               <a:t>, </a:t>
             </a:r>
             <a:r>
-              <a:rPr dirty="0">
+              <a:rPr sz="800" dirty="0">
                 <a:solidFill>
                   <a:srgbClr val="7D9029"/>
                 </a:solidFill>
@@ -20660,13 +19868,13 @@
               <a:t>y =</a:t>
             </a:r>
             <a:r>
-              <a:rPr dirty="0">
+              <a:rPr sz="800" dirty="0">
                 <a:latin typeface="Courier"/>
               </a:rPr>
               <a:t> </a:t>
             </a:r>
             <a:r>
-              <a:rPr dirty="0">
+              <a:rPr sz="800" dirty="0">
                 <a:solidFill>
                   <a:srgbClr val="4070A0"/>
                 </a:solidFill>
@@ -20675,13 +19883,13 @@
               <a:t>"Annual Income"</a:t>
             </a:r>
             <a:r>
-              <a:rPr dirty="0">
+              <a:rPr sz="800" dirty="0">
                 <a:latin typeface="Courier"/>
               </a:rPr>
               <a:t>) </a:t>
             </a:r>
             <a:r>
-              <a:rPr dirty="0">
+              <a:rPr sz="800" dirty="0">
                 <a:solidFill>
                   <a:srgbClr val="4070A0"/>
                 </a:solidFill>
@@ -20690,13 +19898,13 @@
               <a:t>+</a:t>
             </a:r>
             <a:r>
-              <a:rPr dirty="0">
+              <a:rPr sz="800" dirty="0">
                 <a:latin typeface="Courier"/>
               </a:rPr>
               <a:t>  </a:t>
             </a:r>
             <a:r>
-              <a:rPr i="1" dirty="0">
+              <a:rPr sz="800" i="1" dirty="0">
                 <a:solidFill>
                   <a:srgbClr val="60A0B0"/>
                 </a:solidFill>
@@ -20705,7 +19913,7 @@
               <a:t># Sets the title and label for </a:t>
             </a:r>
             <a:r>
-              <a:rPr i="1" dirty="0" err="1">
+              <a:rPr sz="800" i="1" dirty="0" err="1">
                 <a:solidFill>
                   <a:srgbClr val="60A0B0"/>
                 </a:solidFill>
@@ -20714,7 +19922,7 @@
               <a:t>x,y</a:t>
             </a:r>
             <a:r>
-              <a:rPr i="1" dirty="0">
+              <a:rPr sz="800" i="1" dirty="0">
                 <a:solidFill>
                   <a:srgbClr val="60A0B0"/>
                 </a:solidFill>
@@ -20723,16 +19931,16 @@
               <a:t> axis </a:t>
             </a:r>
             <a:br>
-              <a:rPr dirty="0"/>
+              <a:rPr sz="800" dirty="0"/>
             </a:br>
             <a:r>
-              <a:rPr dirty="0">
+              <a:rPr sz="800" dirty="0">
                 <a:latin typeface="Courier"/>
               </a:rPr>
               <a:t>  </a:t>
             </a:r>
             <a:r>
-              <a:rPr dirty="0" err="1">
+              <a:rPr sz="800" dirty="0" err="1">
                 <a:solidFill>
                   <a:srgbClr val="06287E"/>
                 </a:solidFill>
@@ -20741,16 +19949,76 @@
               <a:t>theme_light</a:t>
             </a:r>
             <a:r>
-              <a:rPr dirty="0">
+              <a:rPr sz="800" dirty="0">
                 <a:latin typeface="Courier"/>
               </a:rPr>
               <a:t>()</a:t>
             </a:r>
             <a:br>
-              <a:rPr dirty="0"/>
+              <a:rPr sz="800" dirty="0"/>
             </a:br>
             <a:r>
-              <a:rPr dirty="0">
+              <a:rPr sz="800" i="1" dirty="0">
+                <a:solidFill>
+                  <a:srgbClr val="60A0B0"/>
+                </a:solidFill>
+                <a:latin typeface="Courier"/>
+              </a:rPr>
+              <a:t># print(min(</a:t>
+            </a:r>
+            <a:r>
+              <a:rPr sz="800" i="1" dirty="0" err="1">
+                <a:solidFill>
+                  <a:srgbClr val="60A0B0"/>
+                </a:solidFill>
+                <a:latin typeface="Courier"/>
+              </a:rPr>
+              <a:t>data$AnnualIncomeUSD</a:t>
+            </a:r>
+            <a:r>
+              <a:rPr sz="800" i="1" dirty="0">
+                <a:solidFill>
+                  <a:srgbClr val="60A0B0"/>
+                </a:solidFill>
+                <a:latin typeface="Courier"/>
+              </a:rPr>
+              <a:t>) )</a:t>
+            </a:r>
+            <a:br>
+              <a:rPr sz="800" dirty="0"/>
+            </a:br>
+            <a:r>
+              <a:rPr sz="800" i="1" dirty="0">
+                <a:solidFill>
+                  <a:srgbClr val="60A0B0"/>
+                </a:solidFill>
+                <a:latin typeface="Courier"/>
+              </a:rPr>
+              <a:t># print(max(</a:t>
+            </a:r>
+            <a:r>
+              <a:rPr sz="800" i="1" dirty="0" err="1">
+                <a:solidFill>
+                  <a:srgbClr val="60A0B0"/>
+                </a:solidFill>
+                <a:latin typeface="Courier"/>
+              </a:rPr>
+              <a:t>data$AnnualIncomeUSD</a:t>
+            </a:r>
+            <a:r>
+              <a:rPr sz="800" i="1" dirty="0">
+                <a:solidFill>
+                  <a:srgbClr val="60A0B0"/>
+                </a:solidFill>
+                <a:latin typeface="Courier"/>
+              </a:rPr>
+              <a:t>))</a:t>
+            </a:r>
+            <a:br>
+              <a:rPr sz="800" dirty="0"/>
+            </a:br>
+            <a:r>
+              <a:rPr sz="800" dirty="0">
                 <a:latin typeface="Courier"/>
               </a:rPr>
               <a:t>p </a:t>
@@ -20774,7 +20042,7 @@
         </p:blipFill>
         <p:spPr bwMode="auto">
           <a:xfrm>
-            <a:off x="3648710" y="797560"/>
+            <a:off x="3568700" y="1117600"/>
             <a:ext cx="5105400" cy="2552700"/>
           </a:xfrm>
           <a:prstGeom prst="rect">
